--- a/docs/images/TestDriverComponent.pptx
+++ b/docs/images/TestDriverComponent.pptx
@@ -107,6 +107,22 @@
       </a:defRPr>
     </a:lvl9pPr>
   </p:defaultTextStyle>
+  <p:extLst>
+    <p:ext uri="{EFAFB233-063F-42B5-8137-9DF3F51BA10A}">
+      <p15:sldGuideLst xmlns:p15="http://schemas.microsoft.com/office/powerpoint/2012/main">
+        <p15:guide id="1" orient="horz" pos="2160">
+          <p15:clr>
+            <a:srgbClr val="A4A3A4"/>
+          </p15:clr>
+        </p15:guide>
+        <p15:guide id="2" pos="3402">
+          <p15:clr>
+            <a:srgbClr val="A4A3A4"/>
+          </p15:clr>
+        </p15:guide>
+      </p15:sldGuideLst>
+    </p:ext>
+  </p:extLst>
 </p:presentation>
 </file>
 
@@ -193,7 +209,7 @@
             <a:fld id="{AF301891-4E62-472A-98E9-95DBD40531A4}" type="datetimeFigureOut">
               <a:rPr lang="en-SG" smtClean="0"/>
               <a:pPr/>
-              <a:t>8/7/2013</a:t>
+              <a:t>30/1/2017</a:t>
             </a:fld>
             <a:endParaRPr lang="en-SG"/>
           </a:p>
@@ -748,7 +764,7 @@
             <a:fld id="{1D8BD707-D9CF-40AE-B4C6-C98DA3205C09}" type="datetimeFigureOut">
               <a:rPr lang="en-US" smtClean="0"/>
               <a:pPr/>
-              <a:t>7/8/2013</a:t>
+              <a:t>1/30/2017</a:t>
             </a:fld>
             <a:endParaRPr lang="en-US"/>
           </a:p>
@@ -962,7 +978,7 @@
             <a:fld id="{1D8BD707-D9CF-40AE-B4C6-C98DA3205C09}" type="datetimeFigureOut">
               <a:rPr lang="en-US" smtClean="0"/>
               <a:pPr/>
-              <a:t>7/8/2013</a:t>
+              <a:t>1/30/2017</a:t>
             </a:fld>
             <a:endParaRPr lang="en-US"/>
           </a:p>
@@ -1169,7 +1185,7 @@
             <a:fld id="{1D8BD707-D9CF-40AE-B4C6-C98DA3205C09}" type="datetimeFigureOut">
               <a:rPr lang="en-US" smtClean="0"/>
               <a:pPr/>
-              <a:t>7/8/2013</a:t>
+              <a:t>1/30/2017</a:t>
             </a:fld>
             <a:endParaRPr lang="en-US"/>
           </a:p>
@@ -1376,7 +1392,7 @@
             <a:fld id="{1D8BD707-D9CF-40AE-B4C6-C98DA3205C09}" type="datetimeFigureOut">
               <a:rPr lang="en-US" smtClean="0"/>
               <a:pPr/>
-              <a:t>7/8/2013</a:t>
+              <a:t>1/30/2017</a:t>
             </a:fld>
             <a:endParaRPr lang="en-US"/>
           </a:p>
@@ -1649,7 +1665,7 @@
             <a:fld id="{1D8BD707-D9CF-40AE-B4C6-C98DA3205C09}" type="datetimeFigureOut">
               <a:rPr lang="en-US" smtClean="0"/>
               <a:pPr/>
-              <a:t>7/8/2013</a:t>
+              <a:t>1/30/2017</a:t>
             </a:fld>
             <a:endParaRPr lang="en-US"/>
           </a:p>
@@ -1972,7 +1988,7 @@
             <a:fld id="{1D8BD707-D9CF-40AE-B4C6-C98DA3205C09}" type="datetimeFigureOut">
               <a:rPr lang="en-US" smtClean="0"/>
               <a:pPr/>
-              <a:t>7/8/2013</a:t>
+              <a:t>1/30/2017</a:t>
             </a:fld>
             <a:endParaRPr lang="en-US"/>
           </a:p>
@@ -2435,7 +2451,7 @@
             <a:fld id="{1D8BD707-D9CF-40AE-B4C6-C98DA3205C09}" type="datetimeFigureOut">
               <a:rPr lang="en-US" smtClean="0"/>
               <a:pPr/>
-              <a:t>7/8/2013</a:t>
+              <a:t>1/30/2017</a:t>
             </a:fld>
             <a:endParaRPr lang="en-US"/>
           </a:p>
@@ -2582,7 +2598,7 @@
             <a:fld id="{1D8BD707-D9CF-40AE-B4C6-C98DA3205C09}" type="datetimeFigureOut">
               <a:rPr lang="en-US" smtClean="0"/>
               <a:pPr/>
-              <a:t>7/8/2013</a:t>
+              <a:t>1/30/2017</a:t>
             </a:fld>
             <a:endParaRPr lang="en-US"/>
           </a:p>
@@ -2698,7 +2714,7 @@
             <a:fld id="{1D8BD707-D9CF-40AE-B4C6-C98DA3205C09}" type="datetimeFigureOut">
               <a:rPr lang="en-US" smtClean="0"/>
               <a:pPr/>
-              <a:t>7/8/2013</a:t>
+              <a:t>1/30/2017</a:t>
             </a:fld>
             <a:endParaRPr lang="en-US"/>
           </a:p>
@@ -3005,7 +3021,7 @@
             <a:fld id="{1D8BD707-D9CF-40AE-B4C6-C98DA3205C09}" type="datetimeFigureOut">
               <a:rPr lang="en-US" smtClean="0"/>
               <a:pPr/>
-              <a:t>7/8/2013</a:t>
+              <a:t>1/30/2017</a:t>
             </a:fld>
             <a:endParaRPr lang="en-US"/>
           </a:p>
@@ -3288,7 +3304,7 @@
             <a:fld id="{1D8BD707-D9CF-40AE-B4C6-C98DA3205C09}" type="datetimeFigureOut">
               <a:rPr lang="en-US" smtClean="0"/>
               <a:pPr/>
-              <a:t>7/8/2013</a:t>
+              <a:t>1/30/2017</a:t>
             </a:fld>
             <a:endParaRPr lang="en-US"/>
           </a:p>
@@ -3391,7 +3407,7 @@
         </p:nvSpPr>
         <p:spPr>
           <a:xfrm>
-            <a:off x="219076" y="186583"/>
+            <a:off x="219076" y="609600"/>
             <a:ext cx="8991599" cy="6138017"/>
           </a:xfrm>
           <a:prstGeom prst="roundRect">
@@ -3401,15 +3417,14 @@
           </a:prstGeom>
           <a:solidFill>
             <a:schemeClr val="accent2">
-              <a:lumMod val="40000"/>
-              <a:lumOff val="60000"/>
+              <a:lumMod val="60000"/>
+              <a:lumOff val="40000"/>
             </a:schemeClr>
           </a:solidFill>
           <a:ln>
             <a:solidFill>
               <a:schemeClr val="accent2">
-                <a:lumMod val="60000"/>
-                <a:lumOff val="40000"/>
+                <a:lumMod val="75000"/>
               </a:schemeClr>
             </a:solidFill>
           </a:ln>
@@ -3451,10 +3466,10 @@
         </p:nvGrpSpPr>
         <p:grpSpPr>
           <a:xfrm>
-            <a:off x="6848475" y="533400"/>
-            <a:ext cx="2173605" cy="2667000"/>
-            <a:chOff x="-1371600" y="1447800"/>
-            <a:chExt cx="2514600" cy="2722192"/>
+            <a:off x="4943475" y="990600"/>
+            <a:ext cx="4078606" cy="2108239"/>
+            <a:chOff x="-1371600" y="1330021"/>
+            <a:chExt cx="2514600" cy="2839971"/>
           </a:xfrm>
           <a:solidFill>
             <a:schemeClr val="bg1"/>
@@ -3478,8 +3493,7 @@
             <a:ln>
               <a:solidFill>
                 <a:schemeClr val="accent2">
-                  <a:lumMod val="60000"/>
-                  <a:lumOff val="40000"/>
+                  <a:lumMod val="75000"/>
                 </a:schemeClr>
               </a:solidFill>
             </a:ln>
@@ -3512,17 +3526,17 @@
                     </a:schemeClr>
                   </a:solidFill>
                 </a:rPr>
-                <a:t>test::</a:t>
+                <a:t>test</a:t>
               </a:r>
               <a:r>
-                <a:rPr lang="en-US" sz="1400" b="1" dirty="0" err="1" smtClean="0">
+                <a:rPr lang="en-US" sz="1400" b="1" dirty="0" smtClean="0">
                   <a:solidFill>
                     <a:schemeClr val="accent2">
                       <a:lumMod val="75000"/>
                     </a:schemeClr>
                   </a:solidFill>
                 </a:rPr>
-                <a:t>pageobjects</a:t>
+                <a:t>::driver</a:t>
               </a:r>
               <a:endParaRPr lang="en-SG" sz="1400" b="1" dirty="0">
                 <a:solidFill>
@@ -3542,8 +3556,8 @@
           </p:nvSpPr>
           <p:spPr>
             <a:xfrm>
-              <a:off x="647700" y="1447800"/>
-              <a:ext cx="495300" cy="76200"/>
+              <a:off x="255190" y="1330021"/>
+              <a:ext cx="887809" cy="193980"/>
             </a:xfrm>
             <a:prstGeom prst="rect">
               <a:avLst/>
@@ -3552,8 +3566,7 @@
             <a:ln>
               <a:solidFill>
                 <a:schemeClr val="accent2">
-                  <a:lumMod val="60000"/>
-                  <a:lumOff val="40000"/>
+                  <a:lumMod val="75000"/>
                 </a:schemeClr>
               </a:solidFill>
             </a:ln>
@@ -3598,10 +3611,10 @@
         </p:nvGrpSpPr>
         <p:grpSpPr>
           <a:xfrm>
-            <a:off x="447675" y="572210"/>
-            <a:ext cx="6021705" cy="5599990"/>
-            <a:chOff x="-1676400" y="1447800"/>
-            <a:chExt cx="2819400" cy="5599990"/>
+            <a:off x="447675" y="3244521"/>
+            <a:ext cx="8574408" cy="3350696"/>
+            <a:chOff x="-1676400" y="1260789"/>
+            <a:chExt cx="2819400" cy="5787001"/>
           </a:xfrm>
           <a:solidFill>
             <a:schemeClr val="bg1"/>
@@ -3625,8 +3638,7 @@
             <a:ln>
               <a:solidFill>
                 <a:schemeClr val="accent2">
-                  <a:lumMod val="60000"/>
-                  <a:lumOff val="40000"/>
+                  <a:lumMod val="75000"/>
                 </a:schemeClr>
               </a:solidFill>
             </a:ln>
@@ -3679,8 +3691,8 @@
           </p:nvSpPr>
           <p:spPr>
             <a:xfrm>
-              <a:off x="647700" y="1447800"/>
-              <a:ext cx="495300" cy="76200"/>
+              <a:off x="551131" y="1260789"/>
+              <a:ext cx="591868" cy="248703"/>
             </a:xfrm>
             <a:prstGeom prst="rect">
               <a:avLst/>
@@ -3689,8 +3701,7 @@
             <a:ln>
               <a:solidFill>
                 <a:schemeClr val="accent2">
-                  <a:lumMod val="60000"/>
-                  <a:lumOff val="40000"/>
+                  <a:lumMod val="75000"/>
                 </a:schemeClr>
               </a:solidFill>
             </a:ln>
@@ -3735,10 +3746,10 @@
         </p:nvGrpSpPr>
         <p:grpSpPr>
           <a:xfrm>
-            <a:off x="6848475" y="3429000"/>
-            <a:ext cx="2173605" cy="2722192"/>
-            <a:chOff x="-1371600" y="1447800"/>
-            <a:chExt cx="2514600" cy="2722192"/>
+            <a:off x="447674" y="994864"/>
+            <a:ext cx="4267203" cy="2103975"/>
+            <a:chOff x="-1371600" y="1330315"/>
+            <a:chExt cx="2514600" cy="2839677"/>
           </a:xfrm>
           <a:solidFill>
             <a:schemeClr val="bg1"/>
@@ -3762,8 +3773,7 @@
             <a:ln>
               <a:solidFill>
                 <a:schemeClr val="accent2">
-                  <a:lumMod val="60000"/>
-                  <a:lumOff val="40000"/>
+                  <a:lumMod val="75000"/>
                 </a:schemeClr>
               </a:solidFill>
             </a:ln>
@@ -3796,7 +3806,27 @@
                     </a:schemeClr>
                   </a:solidFill>
                 </a:rPr>
-                <a:t>test::driver</a:t>
+                <a:t>test</a:t>
+              </a:r>
+              <a:r>
+                <a:rPr lang="en-US" sz="1400" b="1" dirty="0" smtClean="0">
+                  <a:solidFill>
+                    <a:schemeClr val="accent2">
+                      <a:lumMod val="75000"/>
+                    </a:schemeClr>
+                  </a:solidFill>
+                </a:rPr>
+                <a:t>::</a:t>
+              </a:r>
+              <a:r>
+                <a:rPr lang="en-US" sz="1400" b="1" dirty="0" err="1" smtClean="0">
+                  <a:solidFill>
+                    <a:schemeClr val="accent2">
+                      <a:lumMod val="75000"/>
+                    </a:schemeClr>
+                  </a:solidFill>
+                </a:rPr>
+                <a:t>pageobjects</a:t>
               </a:r>
               <a:endParaRPr lang="en-SG" sz="1400" b="1" dirty="0">
                 <a:solidFill>
@@ -3816,8 +3846,8 @@
           </p:nvSpPr>
           <p:spPr>
             <a:xfrm>
-              <a:off x="647700" y="1447800"/>
-              <a:ext cx="495300" cy="76200"/>
+              <a:off x="294428" y="1330315"/>
+              <a:ext cx="848571" cy="194353"/>
             </a:xfrm>
             <a:prstGeom prst="rect">
               <a:avLst/>
@@ -3826,8 +3856,7 @@
             <a:ln>
               <a:solidFill>
                 <a:schemeClr val="accent2">
-                  <a:lumMod val="60000"/>
-                  <a:lumOff val="40000"/>
+                  <a:lumMod val="75000"/>
                 </a:schemeClr>
               </a:solidFill>
             </a:ln>
@@ -4157,18 +4186,790 @@
           <a:chExt cx="0" cy="0"/>
         </a:xfrm>
       </p:grpSpPr>
+      <p:sp>
+        <p:nvSpPr>
+          <p:cNvPr id="61" name="Rectangle 60"/>
+          <p:cNvSpPr/>
+          <p:nvPr/>
+        </p:nvSpPr>
+        <p:spPr>
+          <a:xfrm>
+            <a:off x="600075" y="2300136"/>
+            <a:ext cx="1800000" cy="360000"/>
+          </a:xfrm>
+          <a:prstGeom prst="rect">
+            <a:avLst/>
+          </a:prstGeom>
+        </p:spPr>
+        <p:style>
+          <a:lnRef idx="2">
+            <a:schemeClr val="accent4">
+              <a:shade val="50000"/>
+            </a:schemeClr>
+          </a:lnRef>
+          <a:fillRef idx="1">
+            <a:schemeClr val="accent4"/>
+          </a:fillRef>
+          <a:effectRef idx="0">
+            <a:schemeClr val="accent4"/>
+          </a:effectRef>
+          <a:fontRef idx="minor">
+            <a:schemeClr val="lt1"/>
+          </a:fontRef>
+        </p:style>
+        <p:txBody>
+          <a:bodyPr rtlCol="0" anchor="ctr"/>
+          <a:lstStyle/>
+          <a:p>
+            <a:pPr algn="ctr"/>
+            <a:r>
+              <a:rPr lang="en-US" sz="1600" b="1" dirty="0" err="1" smtClean="0"/>
+              <a:t>BrowserPool</a:t>
+            </a:r>
+            <a:endParaRPr lang="en-SG" sz="1600" b="1" dirty="0"/>
+          </a:p>
+        </p:txBody>
+      </p:sp>
+      <p:sp>
+        <p:nvSpPr>
+          <p:cNvPr id="63" name="Flowchart: Decision 62"/>
+          <p:cNvSpPr/>
+          <p:nvPr/>
+        </p:nvSpPr>
+        <p:spPr>
+          <a:xfrm>
+            <a:off x="1426795" y="2151306"/>
+            <a:ext cx="141518" cy="127830"/>
+          </a:xfrm>
+          <a:prstGeom prst="flowChartDecision">
+            <a:avLst/>
+          </a:prstGeom>
+        </p:spPr>
+        <p:style>
+          <a:lnRef idx="2">
+            <a:schemeClr val="accent4">
+              <a:shade val="50000"/>
+            </a:schemeClr>
+          </a:lnRef>
+          <a:fillRef idx="1">
+            <a:schemeClr val="accent4"/>
+          </a:fillRef>
+          <a:effectRef idx="0">
+            <a:schemeClr val="accent4"/>
+          </a:effectRef>
+          <a:fontRef idx="minor">
+            <a:schemeClr val="lt1"/>
+          </a:fontRef>
+        </p:style>
+        <p:txBody>
+          <a:bodyPr rtlCol="0" anchor="ctr"/>
+          <a:lstStyle/>
+          <a:p>
+            <a:pPr algn="ctr"/>
+            <a:endParaRPr lang="en-SG"/>
+          </a:p>
+        </p:txBody>
+      </p:sp>
+      <p:cxnSp>
+        <p:nvCxnSpPr>
+          <p:cNvPr id="64" name="Elbow Connector 63"/>
+          <p:cNvCxnSpPr>
+            <a:stCxn id="67" idx="2"/>
+            <a:endCxn id="63" idx="0"/>
+          </p:cNvCxnSpPr>
+          <p:nvPr/>
+        </p:nvCxnSpPr>
+        <p:spPr>
+          <a:xfrm rot="5400000">
+            <a:off x="1361730" y="2012960"/>
+            <a:ext cx="274170" cy="2522"/>
+          </a:xfrm>
+          <a:prstGeom prst="bentConnector3">
+            <a:avLst>
+              <a:gd name="adj1" fmla="val 50000"/>
+            </a:avLst>
+          </a:prstGeom>
+          <a:ln/>
+        </p:spPr>
+        <p:style>
+          <a:lnRef idx="2">
+            <a:schemeClr val="accent4">
+              <a:shade val="50000"/>
+            </a:schemeClr>
+          </a:lnRef>
+          <a:fillRef idx="1">
+            <a:schemeClr val="accent4"/>
+          </a:fillRef>
+          <a:effectRef idx="0">
+            <a:schemeClr val="accent4"/>
+          </a:effectRef>
+          <a:fontRef idx="minor">
+            <a:schemeClr val="lt1"/>
+          </a:fontRef>
+        </p:style>
+      </p:cxnSp>
+      <p:cxnSp>
+        <p:nvCxnSpPr>
+          <p:cNvPr id="65" name="Straight Arrow Connector 64"/>
+          <p:cNvCxnSpPr/>
+          <p:nvPr/>
+        </p:nvCxnSpPr>
+        <p:spPr>
+          <a:xfrm rot="16200000" flipH="1" flipV="1">
+            <a:off x="2198126" y="765000"/>
+            <a:ext cx="756000" cy="0"/>
+          </a:xfrm>
+          <a:prstGeom prst="straightConnector1">
+            <a:avLst/>
+          </a:prstGeom>
+          <a:ln w="38100">
+            <a:solidFill>
+              <a:schemeClr val="accent2">
+                <a:lumMod val="75000"/>
+              </a:schemeClr>
+            </a:solidFill>
+            <a:prstDash val="sysDash"/>
+            <a:headEnd type="arrow" w="med" len="med"/>
+            <a:tailEnd type="none" w="med" len="med"/>
+          </a:ln>
+        </p:spPr>
+        <p:style>
+          <a:lnRef idx="1">
+            <a:schemeClr val="accent1"/>
+          </a:lnRef>
+          <a:fillRef idx="0">
+            <a:schemeClr val="accent1"/>
+          </a:fillRef>
+          <a:effectRef idx="0">
+            <a:schemeClr val="accent1"/>
+          </a:effectRef>
+          <a:fontRef idx="minor">
+            <a:schemeClr val="tx1"/>
+          </a:fontRef>
+        </p:style>
+      </p:cxnSp>
+      <p:sp>
+        <p:nvSpPr>
+          <p:cNvPr id="66" name="TextBox 65"/>
+          <p:cNvSpPr txBox="1"/>
+          <p:nvPr/>
+        </p:nvSpPr>
+        <p:spPr>
+          <a:xfrm>
+            <a:off x="1557396" y="105475"/>
+            <a:ext cx="2062480" cy="288000"/>
+          </a:xfrm>
+          <a:prstGeom prst="rect">
+            <a:avLst/>
+          </a:prstGeom>
+          <a:grpFill/>
+          <a:ln>
+            <a:noFill/>
+          </a:ln>
+        </p:spPr>
+        <p:style>
+          <a:lnRef idx="2">
+            <a:schemeClr val="accent1">
+              <a:shade val="50000"/>
+            </a:schemeClr>
+          </a:lnRef>
+          <a:fillRef idx="1">
+            <a:schemeClr val="accent1"/>
+          </a:fillRef>
+          <a:effectRef idx="0">
+            <a:schemeClr val="accent1"/>
+          </a:effectRef>
+          <a:fontRef idx="minor">
+            <a:schemeClr val="lt1"/>
+          </a:fontRef>
+        </p:style>
+        <p:txBody>
+          <a:bodyPr rtlCol="0" anchor="t" anchorCtr="0"/>
+          <a:lstStyle>
+            <a:defPPr>
+              <a:defRPr lang="en-US"/>
+            </a:defPPr>
+            <a:lvl1pPr>
+              <a:defRPr sz="1400" b="1">
+                <a:solidFill>
+                  <a:srgbClr val="7030A0"/>
+                </a:solidFill>
+              </a:defRPr>
+            </a:lvl1pPr>
+            <a:lvl2pPr>
+              <a:defRPr>
+                <a:solidFill>
+                  <a:schemeClr val="lt1"/>
+                </a:solidFill>
+              </a:defRPr>
+            </a:lvl2pPr>
+            <a:lvl3pPr>
+              <a:defRPr>
+                <a:solidFill>
+                  <a:schemeClr val="lt1"/>
+                </a:solidFill>
+              </a:defRPr>
+            </a:lvl3pPr>
+            <a:lvl4pPr>
+              <a:defRPr>
+                <a:solidFill>
+                  <a:schemeClr val="lt1"/>
+                </a:solidFill>
+              </a:defRPr>
+            </a:lvl4pPr>
+            <a:lvl5pPr>
+              <a:defRPr>
+                <a:solidFill>
+                  <a:schemeClr val="lt1"/>
+                </a:solidFill>
+              </a:defRPr>
+            </a:lvl5pPr>
+            <a:lvl6pPr>
+              <a:defRPr>
+                <a:solidFill>
+                  <a:schemeClr val="lt1"/>
+                </a:solidFill>
+              </a:defRPr>
+            </a:lvl6pPr>
+            <a:lvl7pPr>
+              <a:defRPr>
+                <a:solidFill>
+                  <a:schemeClr val="lt1"/>
+                </a:solidFill>
+              </a:defRPr>
+            </a:lvl7pPr>
+            <a:lvl8pPr>
+              <a:defRPr>
+                <a:solidFill>
+                  <a:schemeClr val="lt1"/>
+                </a:solidFill>
+              </a:defRPr>
+            </a:lvl8pPr>
+            <a:lvl9pPr>
+              <a:defRPr>
+                <a:solidFill>
+                  <a:schemeClr val="lt1"/>
+                </a:solidFill>
+              </a:defRPr>
+            </a:lvl9pPr>
+          </a:lstStyle>
+          <a:p>
+            <a:pPr algn="ctr"/>
+            <a:r>
+              <a:rPr lang="en-US" dirty="0" smtClean="0">
+                <a:solidFill>
+                  <a:schemeClr val="tx1"/>
+                </a:solidFill>
+              </a:rPr>
+              <a:t>Selenium Web Driver</a:t>
+            </a:r>
+            <a:endParaRPr lang="en-SG" dirty="0">
+              <a:solidFill>
+                <a:schemeClr val="tx1"/>
+              </a:solidFill>
+            </a:endParaRPr>
+          </a:p>
+        </p:txBody>
+      </p:sp>
+      <p:sp>
+        <p:nvSpPr>
+          <p:cNvPr id="67" name="Rectangle 66"/>
+          <p:cNvSpPr/>
+          <p:nvPr/>
+        </p:nvSpPr>
+        <p:spPr>
+          <a:xfrm>
+            <a:off x="600076" y="1517136"/>
+            <a:ext cx="1800000" cy="360000"/>
+          </a:xfrm>
+          <a:prstGeom prst="rect">
+            <a:avLst/>
+          </a:prstGeom>
+        </p:spPr>
+        <p:style>
+          <a:lnRef idx="2">
+            <a:schemeClr val="accent4">
+              <a:shade val="50000"/>
+            </a:schemeClr>
+          </a:lnRef>
+          <a:fillRef idx="1">
+            <a:schemeClr val="accent4"/>
+          </a:fillRef>
+          <a:effectRef idx="0">
+            <a:schemeClr val="accent4"/>
+          </a:effectRef>
+          <a:fontRef idx="minor">
+            <a:schemeClr val="lt1"/>
+          </a:fontRef>
+        </p:style>
+        <p:txBody>
+          <a:bodyPr rtlCol="0" anchor="ctr"/>
+          <a:lstStyle/>
+          <a:p>
+            <a:pPr algn="ctr"/>
+            <a:r>
+              <a:rPr lang="en-US" sz="1600" b="1" dirty="0" smtClean="0"/>
+              <a:t>Browser</a:t>
+            </a:r>
+            <a:endParaRPr lang="en-SG" sz="1600" b="1" dirty="0"/>
+          </a:p>
+        </p:txBody>
+      </p:sp>
+      <p:sp>
+        <p:nvSpPr>
+          <p:cNvPr id="68" name="Rectangle 67"/>
+          <p:cNvSpPr/>
+          <p:nvPr/>
+        </p:nvSpPr>
+        <p:spPr>
+          <a:xfrm>
+            <a:off x="2659837" y="1512309"/>
+            <a:ext cx="1799999" cy="360000"/>
+          </a:xfrm>
+          <a:prstGeom prst="rect">
+            <a:avLst/>
+          </a:prstGeom>
+        </p:spPr>
+        <p:style>
+          <a:lnRef idx="2">
+            <a:schemeClr val="accent5">
+              <a:shade val="50000"/>
+            </a:schemeClr>
+          </a:lnRef>
+          <a:fillRef idx="1">
+            <a:schemeClr val="accent5"/>
+          </a:fillRef>
+          <a:effectRef idx="0">
+            <a:schemeClr val="accent5"/>
+          </a:effectRef>
+          <a:fontRef idx="minor">
+            <a:schemeClr val="lt1"/>
+          </a:fontRef>
+        </p:style>
+        <p:txBody>
+          <a:bodyPr rtlCol="0" anchor="ctr"/>
+          <a:lstStyle/>
+          <a:p>
+            <a:pPr algn="ctr"/>
+            <a:r>
+              <a:rPr lang="en-US" sz="1600" b="1" dirty="0" err="1"/>
+              <a:t>AppPage</a:t>
+            </a:r>
+            <a:endParaRPr lang="en-SG" sz="1600" b="1" dirty="0"/>
+          </a:p>
+        </p:txBody>
+      </p:sp>
+      <p:sp>
+        <p:nvSpPr>
+          <p:cNvPr id="69" name="Isosceles Triangle 68"/>
+          <p:cNvSpPr/>
+          <p:nvPr/>
+        </p:nvSpPr>
+        <p:spPr>
+          <a:xfrm>
+            <a:off x="3487836" y="1893926"/>
+            <a:ext cx="144000" cy="144000"/>
+          </a:xfrm>
+          <a:prstGeom prst="triangle">
+            <a:avLst/>
+          </a:prstGeom>
+        </p:spPr>
+        <p:style>
+          <a:lnRef idx="2">
+            <a:schemeClr val="accent5">
+              <a:shade val="50000"/>
+            </a:schemeClr>
+          </a:lnRef>
+          <a:fillRef idx="1">
+            <a:schemeClr val="accent5"/>
+          </a:fillRef>
+          <a:effectRef idx="0">
+            <a:schemeClr val="accent5"/>
+          </a:effectRef>
+          <a:fontRef idx="minor">
+            <a:schemeClr val="lt1"/>
+          </a:fontRef>
+        </p:style>
+        <p:txBody>
+          <a:bodyPr rtlCol="0" anchor="ctr"/>
+          <a:lstStyle/>
+          <a:p>
+            <a:pPr algn="ctr"/>
+            <a:endParaRPr lang="en-SG" sz="1600" b="1"/>
+          </a:p>
+        </p:txBody>
+      </p:sp>
       <p:grpSp>
         <p:nvGrpSpPr>
-          <p:cNvPr id="290" name="Group 289"/>
+          <p:cNvPr id="78" name="Group 77"/>
           <p:cNvGrpSpPr/>
           <p:nvPr/>
         </p:nvGrpSpPr>
         <p:grpSpPr>
           <a:xfrm>
-            <a:off x="3190875" y="803705"/>
-            <a:ext cx="2362200" cy="872695"/>
-            <a:chOff x="3190875" y="1032305"/>
-            <a:chExt cx="2362200" cy="872695"/>
+            <a:off x="2659836" y="2355336"/>
+            <a:ext cx="1920080" cy="464064"/>
+            <a:chOff x="7005724" y="2667000"/>
+            <a:chExt cx="1920080" cy="464064"/>
+          </a:xfrm>
+        </p:grpSpPr>
+        <p:sp>
+          <p:nvSpPr>
+            <p:cNvPr id="79" name="Rectangle 78"/>
+            <p:cNvSpPr/>
+            <p:nvPr/>
+          </p:nvSpPr>
+          <p:spPr>
+            <a:xfrm>
+              <a:off x="7005724" y="2667000"/>
+              <a:ext cx="1800000" cy="360000"/>
+            </a:xfrm>
+            <a:prstGeom prst="rect">
+              <a:avLst/>
+            </a:prstGeom>
+          </p:spPr>
+          <p:style>
+            <a:lnRef idx="2">
+              <a:schemeClr val="accent5">
+                <a:shade val="50000"/>
+              </a:schemeClr>
+            </a:lnRef>
+            <a:fillRef idx="1">
+              <a:schemeClr val="accent5"/>
+            </a:fillRef>
+            <a:effectRef idx="0">
+              <a:schemeClr val="accent5"/>
+            </a:effectRef>
+            <a:fontRef idx="minor">
+              <a:schemeClr val="lt1"/>
+            </a:fontRef>
+          </p:style>
+          <p:txBody>
+            <a:bodyPr lIns="0" rIns="0" rtlCol="0" anchor="ctr"/>
+            <a:lstStyle/>
+            <a:p>
+              <a:pPr algn="ctr"/>
+              <a:endParaRPr lang="en-SG" sz="1600" b="1" dirty="0"/>
+            </a:p>
+          </p:txBody>
+        </p:sp>
+        <p:sp>
+          <p:nvSpPr>
+            <p:cNvPr id="80" name="Rectangle 79"/>
+            <p:cNvSpPr/>
+            <p:nvPr/>
+          </p:nvSpPr>
+          <p:spPr>
+            <a:xfrm>
+              <a:off x="7065764" y="2719032"/>
+              <a:ext cx="1800000" cy="360000"/>
+            </a:xfrm>
+            <a:prstGeom prst="rect">
+              <a:avLst/>
+            </a:prstGeom>
+          </p:spPr>
+          <p:style>
+            <a:lnRef idx="2">
+              <a:schemeClr val="accent5">
+                <a:shade val="50000"/>
+              </a:schemeClr>
+            </a:lnRef>
+            <a:fillRef idx="1">
+              <a:schemeClr val="accent5"/>
+            </a:fillRef>
+            <a:effectRef idx="0">
+              <a:schemeClr val="accent5"/>
+            </a:effectRef>
+            <a:fontRef idx="minor">
+              <a:schemeClr val="lt1"/>
+            </a:fontRef>
+          </p:style>
+          <p:txBody>
+            <a:bodyPr lIns="0" rIns="0" rtlCol="0" anchor="ctr"/>
+            <a:lstStyle/>
+            <a:p>
+              <a:pPr algn="ctr"/>
+              <a:endParaRPr lang="en-SG" sz="1600" b="1" dirty="0"/>
+            </a:p>
+          </p:txBody>
+        </p:sp>
+        <p:sp>
+          <p:nvSpPr>
+            <p:cNvPr id="81" name="Rectangle 80"/>
+            <p:cNvSpPr/>
+            <p:nvPr/>
+          </p:nvSpPr>
+          <p:spPr>
+            <a:xfrm>
+              <a:off x="7125804" y="2771064"/>
+              <a:ext cx="1800000" cy="360000"/>
+            </a:xfrm>
+            <a:prstGeom prst="rect">
+              <a:avLst/>
+            </a:prstGeom>
+          </p:spPr>
+          <p:style>
+            <a:lnRef idx="2">
+              <a:schemeClr val="accent5">
+                <a:shade val="50000"/>
+              </a:schemeClr>
+            </a:lnRef>
+            <a:fillRef idx="1">
+              <a:schemeClr val="accent5"/>
+            </a:fillRef>
+            <a:effectRef idx="0">
+              <a:schemeClr val="accent5"/>
+            </a:effectRef>
+            <a:fontRef idx="minor">
+              <a:schemeClr val="lt1"/>
+            </a:fontRef>
+          </p:style>
+          <p:txBody>
+            <a:bodyPr lIns="0" rIns="0" rtlCol="0" anchor="ctr"/>
+            <a:lstStyle/>
+            <a:p>
+              <a:pPr algn="ctr"/>
+              <a:r>
+                <a:rPr lang="en-US" sz="1600" b="1" dirty="0" smtClean="0"/>
+                <a:t>*Page</a:t>
+              </a:r>
+              <a:endParaRPr lang="en-SG" sz="1600" b="1" dirty="0"/>
+            </a:p>
+          </p:txBody>
+        </p:sp>
+      </p:grpSp>
+      <p:sp>
+        <p:nvSpPr>
+          <p:cNvPr id="87" name="Rectangle 86"/>
+          <p:cNvSpPr/>
+          <p:nvPr/>
+        </p:nvSpPr>
+        <p:spPr>
+          <a:xfrm>
+            <a:off x="5095875" y="2459400"/>
+            <a:ext cx="1800000" cy="360000"/>
+          </a:xfrm>
+          <a:prstGeom prst="rect">
+            <a:avLst/>
+          </a:prstGeom>
+        </p:spPr>
+        <p:style>
+          <a:lnRef idx="2">
+            <a:schemeClr val="accent3">
+              <a:shade val="50000"/>
+            </a:schemeClr>
+          </a:lnRef>
+          <a:fillRef idx="1">
+            <a:schemeClr val="accent3"/>
+          </a:fillRef>
+          <a:effectRef idx="0">
+            <a:schemeClr val="accent3"/>
+          </a:effectRef>
+          <a:fontRef idx="minor">
+            <a:schemeClr val="lt1"/>
+          </a:fontRef>
+        </p:style>
+        <p:txBody>
+          <a:bodyPr rtlCol="0" anchor="ctr"/>
+          <a:lstStyle/>
+          <a:p>
+            <a:pPr algn="ctr"/>
+            <a:r>
+              <a:rPr lang="en-US" sz="1600" b="1" dirty="0" err="1" smtClean="0"/>
+              <a:t>GaeSimulation</a:t>
+            </a:r>
+            <a:endParaRPr lang="en-SG" sz="1600" b="1" dirty="0"/>
+          </a:p>
+        </p:txBody>
+      </p:sp>
+      <p:sp>
+        <p:nvSpPr>
+          <p:cNvPr id="88" name="Rectangle 87"/>
+          <p:cNvSpPr/>
+          <p:nvPr/>
+        </p:nvSpPr>
+        <p:spPr>
+          <a:xfrm>
+            <a:off x="7074600" y="1981377"/>
+            <a:ext cx="1800000" cy="360000"/>
+          </a:xfrm>
+          <a:prstGeom prst="rect">
+            <a:avLst/>
+          </a:prstGeom>
+        </p:spPr>
+        <p:style>
+          <a:lnRef idx="2">
+            <a:schemeClr val="accent3">
+              <a:shade val="50000"/>
+            </a:schemeClr>
+          </a:lnRef>
+          <a:fillRef idx="1">
+            <a:schemeClr val="accent3"/>
+          </a:fillRef>
+          <a:effectRef idx="0">
+            <a:schemeClr val="accent3"/>
+          </a:effectRef>
+          <a:fontRef idx="minor">
+            <a:schemeClr val="lt1"/>
+          </a:fontRef>
+        </p:style>
+        <p:txBody>
+          <a:bodyPr rtlCol="0" anchor="ctr"/>
+          <a:lstStyle/>
+          <a:p>
+            <a:pPr algn="ctr"/>
+            <a:r>
+              <a:rPr lang="en-US" sz="1600" b="1" dirty="0" err="1"/>
+              <a:t>EmailAccount</a:t>
+            </a:r>
+            <a:endParaRPr lang="en-SG" sz="1600" b="1" dirty="0"/>
+          </a:p>
+        </p:txBody>
+      </p:sp>
+      <p:sp>
+        <p:nvSpPr>
+          <p:cNvPr id="89" name="Rectangle 88"/>
+          <p:cNvSpPr/>
+          <p:nvPr/>
+        </p:nvSpPr>
+        <p:spPr>
+          <a:xfrm>
+            <a:off x="7074600" y="2459400"/>
+            <a:ext cx="1800000" cy="360000"/>
+          </a:xfrm>
+          <a:prstGeom prst="rect">
+            <a:avLst/>
+          </a:prstGeom>
+        </p:spPr>
+        <p:style>
+          <a:lnRef idx="2">
+            <a:schemeClr val="accent3">
+              <a:shade val="50000"/>
+            </a:schemeClr>
+          </a:lnRef>
+          <a:fillRef idx="1">
+            <a:schemeClr val="accent3"/>
+          </a:fillRef>
+          <a:effectRef idx="0">
+            <a:schemeClr val="accent3"/>
+          </a:effectRef>
+          <a:fontRef idx="minor">
+            <a:schemeClr val="lt1"/>
+          </a:fontRef>
+        </p:style>
+        <p:txBody>
+          <a:bodyPr rtlCol="0" anchor="ctr"/>
+          <a:lstStyle/>
+          <a:p>
+            <a:pPr algn="ctr"/>
+            <a:r>
+              <a:rPr lang="en-US" sz="1600" b="1" dirty="0" err="1" smtClean="0"/>
+              <a:t>BackDoor</a:t>
+            </a:r>
+            <a:endParaRPr lang="en-SG" sz="1600" b="1" dirty="0"/>
+          </a:p>
+        </p:txBody>
+      </p:sp>
+      <p:sp>
+        <p:nvSpPr>
+          <p:cNvPr id="94" name="Rectangle 93"/>
+          <p:cNvSpPr/>
+          <p:nvPr/>
+        </p:nvSpPr>
+        <p:spPr>
+          <a:xfrm>
+            <a:off x="7075249" y="1503355"/>
+            <a:ext cx="1800000" cy="360000"/>
+          </a:xfrm>
+          <a:prstGeom prst="rect">
+            <a:avLst/>
+          </a:prstGeom>
+        </p:spPr>
+        <p:style>
+          <a:lnRef idx="2">
+            <a:schemeClr val="accent3">
+              <a:shade val="50000"/>
+            </a:schemeClr>
+          </a:lnRef>
+          <a:fillRef idx="1">
+            <a:schemeClr val="accent3"/>
+          </a:fillRef>
+          <a:effectRef idx="0">
+            <a:schemeClr val="accent3"/>
+          </a:effectRef>
+          <a:fontRef idx="minor">
+            <a:schemeClr val="lt1"/>
+          </a:fontRef>
+        </p:style>
+        <p:txBody>
+          <a:bodyPr rtlCol="0" anchor="ctr"/>
+          <a:lstStyle/>
+          <a:p>
+            <a:pPr algn="ctr"/>
+            <a:r>
+              <a:rPr lang="en-US" sz="1600" b="1" dirty="0" err="1"/>
+              <a:t>TestProperties</a:t>
+            </a:r>
+            <a:endParaRPr lang="en-SG" sz="1600" b="1" dirty="0"/>
+          </a:p>
+        </p:txBody>
+      </p:sp>
+      <p:sp>
+        <p:nvSpPr>
+          <p:cNvPr id="96" name="Rectangle 95"/>
+          <p:cNvSpPr/>
+          <p:nvPr/>
+        </p:nvSpPr>
+        <p:spPr>
+          <a:xfrm>
+            <a:off x="5095875" y="1500553"/>
+            <a:ext cx="1800000" cy="360000"/>
+          </a:xfrm>
+          <a:prstGeom prst="rect">
+            <a:avLst/>
+          </a:prstGeom>
+        </p:spPr>
+        <p:style>
+          <a:lnRef idx="2">
+            <a:schemeClr val="accent3">
+              <a:shade val="50000"/>
+            </a:schemeClr>
+          </a:lnRef>
+          <a:fillRef idx="1">
+            <a:schemeClr val="accent3"/>
+          </a:fillRef>
+          <a:effectRef idx="0">
+            <a:schemeClr val="accent3"/>
+          </a:effectRef>
+          <a:fontRef idx="minor">
+            <a:schemeClr val="lt1"/>
+          </a:fontRef>
+        </p:style>
+        <p:txBody>
+          <a:bodyPr rtlCol="0" anchor="ctr"/>
+          <a:lstStyle/>
+          <a:p>
+            <a:pPr algn="ctr"/>
+            <a:r>
+              <a:rPr lang="en-US" sz="1600" b="1" dirty="0" err="1" smtClean="0"/>
+              <a:t>FileHelper</a:t>
+            </a:r>
+            <a:endParaRPr lang="en-SG" sz="1600" b="1" dirty="0"/>
+          </a:p>
+        </p:txBody>
+      </p:sp>
+      <p:grpSp>
+        <p:nvGrpSpPr>
+          <p:cNvPr id="98" name="Group 97"/>
+          <p:cNvGrpSpPr/>
+          <p:nvPr/>
+        </p:nvGrpSpPr>
+        <p:grpSpPr>
+          <a:xfrm>
+            <a:off x="600076" y="3505200"/>
+            <a:ext cx="2497311" cy="1539074"/>
+            <a:chOff x="3190875" y="1032304"/>
+            <a:chExt cx="2362200" cy="1396653"/>
           </a:xfrm>
           <a:solidFill>
             <a:schemeClr val="bg1">
@@ -4178,7 +4979,143 @@
         </p:grpSpPr>
         <p:sp>
           <p:nvSpPr>
-            <p:cNvPr id="36" name="Rectangle 35"/>
+            <p:cNvPr id="99" name="Rectangle 35"/>
+            <p:cNvSpPr/>
+            <p:nvPr/>
+          </p:nvSpPr>
+          <p:spPr>
+            <a:xfrm>
+              <a:off x="3190875" y="1032304"/>
+              <a:ext cx="2362200" cy="1396653"/>
+            </a:xfrm>
+            <a:custGeom>
+              <a:avLst/>
+              <a:gdLst/>
+              <a:ahLst/>
+              <a:cxnLst/>
+              <a:rect l="l" t="t" r="r" b="b"/>
+              <a:pathLst>
+                <a:path w="2362200" h="1101295">
+                  <a:moveTo>
+                    <a:pt x="1524000" y="0"/>
+                  </a:moveTo>
+                  <a:lnTo>
+                    <a:pt x="2361824" y="0"/>
+                  </a:lnTo>
+                  <a:lnTo>
+                    <a:pt x="2361824" y="129015"/>
+                  </a:lnTo>
+                  <a:lnTo>
+                    <a:pt x="2362200" y="129015"/>
+                  </a:lnTo>
+                  <a:lnTo>
+                    <a:pt x="2362200" y="1101295"/>
+                  </a:lnTo>
+                  <a:lnTo>
+                    <a:pt x="0" y="1101295"/>
+                  </a:lnTo>
+                  <a:lnTo>
+                    <a:pt x="0" y="129015"/>
+                  </a:lnTo>
+                  <a:lnTo>
+                    <a:pt x="1524000" y="129015"/>
+                  </a:lnTo>
+                  <a:close/>
+                </a:path>
+              </a:pathLst>
+            </a:custGeom>
+            <a:grpFill/>
+            <a:ln>
+              <a:noFill/>
+            </a:ln>
+          </p:spPr>
+          <p:style>
+            <a:lnRef idx="2">
+              <a:schemeClr val="accent1">
+                <a:shade val="50000"/>
+              </a:schemeClr>
+            </a:lnRef>
+            <a:fillRef idx="1">
+              <a:schemeClr val="accent1"/>
+            </a:fillRef>
+            <a:effectRef idx="0">
+              <a:schemeClr val="accent1"/>
+            </a:effectRef>
+            <a:fontRef idx="minor">
+              <a:schemeClr val="lt1"/>
+            </a:fontRef>
+          </p:style>
+          <p:txBody>
+            <a:bodyPr tIns="180000" rtlCol="0" anchor="t" anchorCtr="0"/>
+            <a:lstStyle/>
+            <a:p>
+              <a:r>
+                <a:rPr lang="en-US" sz="1400" b="1" dirty="0" smtClean="0"/>
+                <a:t>::logic, ::storage, ::action, ::automated, ::search</a:t>
+              </a:r>
+              <a:endParaRPr lang="en-SG" sz="1400" b="1" dirty="0"/>
+            </a:p>
+          </p:txBody>
+        </p:sp>
+        <p:cxnSp>
+          <p:nvCxnSpPr>
+            <p:cNvPr id="100" name="Straight Connector 99"/>
+            <p:cNvCxnSpPr/>
+            <p:nvPr/>
+          </p:nvCxnSpPr>
+          <p:spPr>
+            <a:xfrm>
+              <a:off x="4714875" y="1163930"/>
+              <a:ext cx="838200" cy="0"/>
+            </a:xfrm>
+            <a:prstGeom prst="line">
+              <a:avLst/>
+            </a:prstGeom>
+            <a:grpFill/>
+            <a:ln w="19050">
+              <a:solidFill>
+                <a:schemeClr val="bg1"/>
+              </a:solidFill>
+            </a:ln>
+          </p:spPr>
+          <p:style>
+            <a:lnRef idx="1">
+              <a:schemeClr val="accent1"/>
+            </a:lnRef>
+            <a:fillRef idx="0">
+              <a:schemeClr val="accent1"/>
+            </a:fillRef>
+            <a:effectRef idx="0">
+              <a:schemeClr val="accent1"/>
+            </a:effectRef>
+            <a:fontRef idx="minor">
+              <a:schemeClr val="tx1"/>
+            </a:fontRef>
+          </p:style>
+        </p:cxnSp>
+      </p:grpSp>
+      <p:grpSp>
+        <p:nvGrpSpPr>
+          <p:cNvPr id="101" name="Group 100"/>
+          <p:cNvGrpSpPr/>
+          <p:nvPr/>
+        </p:nvGrpSpPr>
+        <p:grpSpPr>
+          <a:xfrm>
+            <a:off x="5324475" y="3505200"/>
+            <a:ext cx="2362200" cy="872695"/>
+            <a:chOff x="3190875" y="1032305"/>
+            <a:chExt cx="2362200" cy="872695"/>
+          </a:xfrm>
+          <a:solidFill>
+            <a:schemeClr val="bg1">
+              <a:lumMod val="75000"/>
+            </a:schemeClr>
+          </a:solidFill>
+        </p:grpSpPr>
+        <p:sp>
+          <p:nvSpPr>
+            <p:cNvPr id="102" name="Rectangle 35"/>
             <p:cNvSpPr/>
             <p:nvPr/>
           </p:nvSpPr>
@@ -4257,8 +5194,12 @@
                 </a:spcBef>
               </a:pPr>
               <a:r>
-                <a:rPr lang="en-US" sz="1400" b="1" dirty="0"/>
-                <a:t>::driver</a:t>
+                <a:rPr lang="en-US" sz="1400" b="1" dirty="0" smtClean="0"/>
+                <a:t>::</a:t>
+              </a:r>
+              <a:r>
+                <a:rPr lang="en-US" sz="1400" b="1" dirty="0" err="1" smtClean="0"/>
+                <a:t>browsertests</a:t>
               </a:r>
               <a:endParaRPr lang="en-SG" sz="1400" b="1" dirty="0"/>
             </a:p>
@@ -4266,7 +5207,7 @@
         </p:sp>
         <p:cxnSp>
           <p:nvCxnSpPr>
-            <p:cNvPr id="41" name="Straight Connector 40"/>
+            <p:cNvPr id="103" name="Straight Connector 102"/>
             <p:cNvCxnSpPr/>
             <p:nvPr/>
           </p:nvCxnSpPr>
@@ -4301,18 +5242,393 @@
           </p:style>
         </p:cxnSp>
       </p:grpSp>
+      <p:sp>
+        <p:nvSpPr>
+          <p:cNvPr id="105" name="Rectangle 104"/>
+          <p:cNvSpPr/>
+          <p:nvPr/>
+        </p:nvSpPr>
+        <p:spPr>
+          <a:xfrm>
+            <a:off x="7772276" y="5528131"/>
+            <a:ext cx="1066800" cy="491669"/>
+          </a:xfrm>
+          <a:prstGeom prst="rect">
+            <a:avLst/>
+          </a:prstGeom>
+        </p:spPr>
+        <p:style>
+          <a:lnRef idx="2">
+            <a:schemeClr val="accent3">
+              <a:shade val="50000"/>
+            </a:schemeClr>
+          </a:lnRef>
+          <a:fillRef idx="1">
+            <a:schemeClr val="accent3"/>
+          </a:fillRef>
+          <a:effectRef idx="0">
+            <a:schemeClr val="accent3"/>
+          </a:effectRef>
+          <a:fontRef idx="minor">
+            <a:schemeClr val="lt1"/>
+          </a:fontRef>
+        </p:style>
+        <p:txBody>
+          <a:bodyPr rtlCol="0" anchor="ctr"/>
+          <a:lstStyle/>
+          <a:p>
+            <a:pPr algn="ctr"/>
+            <a:r>
+              <a:rPr lang="en-US" sz="1600" b="1" dirty="0"/>
+              <a:t>Base</a:t>
+            </a:r>
+            <a:br>
+              <a:rPr lang="en-US" sz="1600" b="1" dirty="0"/>
+            </a:br>
+            <a:r>
+              <a:rPr lang="en-US" sz="1600" b="1" dirty="0" err="1"/>
+              <a:t>TestCase</a:t>
+            </a:r>
+            <a:endParaRPr lang="en-SG" sz="1600" b="1" dirty="0"/>
+          </a:p>
+        </p:txBody>
+      </p:sp>
+      <p:sp>
+        <p:nvSpPr>
+          <p:cNvPr id="106" name="Isosceles Triangle 105"/>
+          <p:cNvSpPr/>
+          <p:nvPr/>
+        </p:nvSpPr>
+        <p:spPr>
+          <a:xfrm rot="5400000">
+            <a:off x="7551300" y="5664293"/>
+            <a:ext cx="216000" cy="216000"/>
+          </a:xfrm>
+          <a:prstGeom prst="triangle">
+            <a:avLst/>
+          </a:prstGeom>
+        </p:spPr>
+        <p:style>
+          <a:lnRef idx="2">
+            <a:schemeClr val="accent3">
+              <a:shade val="50000"/>
+            </a:schemeClr>
+          </a:lnRef>
+          <a:fillRef idx="1">
+            <a:schemeClr val="accent3"/>
+          </a:fillRef>
+          <a:effectRef idx="0">
+            <a:schemeClr val="accent3"/>
+          </a:effectRef>
+          <a:fontRef idx="minor">
+            <a:schemeClr val="lt1"/>
+          </a:fontRef>
+        </p:style>
+        <p:txBody>
+          <a:bodyPr rtlCol="0" anchor="ctr"/>
+          <a:lstStyle/>
+          <a:p>
+            <a:pPr algn="ctr"/>
+            <a:endParaRPr lang="en-SG" sz="1600" b="1"/>
+          </a:p>
+        </p:txBody>
+      </p:sp>
+      <p:sp>
+        <p:nvSpPr>
+          <p:cNvPr id="110" name="Rectangle 109"/>
+          <p:cNvSpPr/>
+          <p:nvPr/>
+        </p:nvSpPr>
+        <p:spPr>
+          <a:xfrm>
+            <a:off x="3219675" y="4860418"/>
+            <a:ext cx="1800000" cy="648000"/>
+          </a:xfrm>
+          <a:prstGeom prst="rect">
+            <a:avLst/>
+          </a:prstGeom>
+          <a:solidFill>
+            <a:schemeClr val="accent2">
+              <a:lumMod val="60000"/>
+              <a:lumOff val="40000"/>
+            </a:schemeClr>
+          </a:solidFill>
+          <a:ln>
+            <a:solidFill>
+              <a:schemeClr val="accent2">
+                <a:lumMod val="75000"/>
+              </a:schemeClr>
+            </a:solidFill>
+          </a:ln>
+        </p:spPr>
+        <p:style>
+          <a:lnRef idx="2">
+            <a:schemeClr val="accent6">
+              <a:shade val="50000"/>
+            </a:schemeClr>
+          </a:lnRef>
+          <a:fillRef idx="1">
+            <a:schemeClr val="accent6"/>
+          </a:fillRef>
+          <a:effectRef idx="0">
+            <a:schemeClr val="accent6"/>
+          </a:effectRef>
+          <a:fontRef idx="minor">
+            <a:schemeClr val="lt1"/>
+          </a:fontRef>
+        </p:style>
+        <p:txBody>
+          <a:bodyPr lIns="0" rIns="0" rtlCol="0" anchor="ctr"/>
+          <a:lstStyle/>
+          <a:p>
+            <a:pPr algn="ctr"/>
+            <a:r>
+              <a:rPr lang="en-US" sz="1600" b="1" dirty="0" err="1" smtClean="0"/>
+              <a:t>BaseComponent</a:t>
+            </a:r>
+            <a:r>
+              <a:rPr lang="en-US" sz="1600" b="1" dirty="0" smtClean="0"/>
+              <a:t/>
+            </a:r>
+            <a:br>
+              <a:rPr lang="en-US" sz="1600" b="1" dirty="0" smtClean="0"/>
+            </a:br>
+            <a:r>
+              <a:rPr lang="en-US" sz="1600" b="1" dirty="0" err="1" smtClean="0"/>
+              <a:t>TestCase</a:t>
+            </a:r>
+            <a:endParaRPr lang="en-SG" sz="1600" b="1" dirty="0"/>
+          </a:p>
+        </p:txBody>
+      </p:sp>
+      <p:sp>
+        <p:nvSpPr>
+          <p:cNvPr id="113" name="Rectangle 112"/>
+          <p:cNvSpPr/>
+          <p:nvPr/>
+        </p:nvSpPr>
+        <p:spPr>
+          <a:xfrm>
+            <a:off x="5605576" y="4838400"/>
+            <a:ext cx="1800000" cy="648000"/>
+          </a:xfrm>
+          <a:prstGeom prst="rect">
+            <a:avLst/>
+          </a:prstGeom>
+        </p:spPr>
+        <p:style>
+          <a:lnRef idx="2">
+            <a:schemeClr val="accent5">
+              <a:shade val="50000"/>
+            </a:schemeClr>
+          </a:lnRef>
+          <a:fillRef idx="1">
+            <a:schemeClr val="accent5"/>
+          </a:fillRef>
+          <a:effectRef idx="0">
+            <a:schemeClr val="accent5"/>
+          </a:effectRef>
+          <a:fontRef idx="minor">
+            <a:schemeClr val="lt1"/>
+          </a:fontRef>
+        </p:style>
+        <p:txBody>
+          <a:bodyPr rtlCol="0" anchor="ctr"/>
+          <a:lstStyle/>
+          <a:p>
+            <a:pPr algn="ctr"/>
+            <a:r>
+              <a:rPr lang="en-US" sz="1600" b="1" dirty="0" err="1" smtClean="0"/>
+              <a:t>BaseTestCaseWith</a:t>
+            </a:r>
+            <a:r>
+              <a:rPr lang="en-US" sz="1600" b="1" dirty="0" smtClean="0"/>
+              <a:t/>
+            </a:r>
+            <a:br>
+              <a:rPr lang="en-US" sz="1600" b="1" dirty="0" smtClean="0"/>
+            </a:br>
+            <a:r>
+              <a:rPr lang="en-US" sz="1600" b="1" dirty="0" err="1" smtClean="0"/>
+              <a:t>DatastoreAccess</a:t>
+            </a:r>
+            <a:endParaRPr lang="en-SG" sz="1600" b="1" dirty="0"/>
+          </a:p>
+        </p:txBody>
+      </p:sp>
+      <p:cxnSp>
+        <p:nvCxnSpPr>
+          <p:cNvPr id="114" name="Elbow Connector 113"/>
+          <p:cNvCxnSpPr>
+            <a:stCxn id="113" idx="2"/>
+            <a:endCxn id="106" idx="3"/>
+          </p:cNvCxnSpPr>
+          <p:nvPr/>
+        </p:nvCxnSpPr>
+        <p:spPr>
+          <a:xfrm rot="16200000" flipH="1">
+            <a:off x="6885492" y="5106484"/>
+            <a:ext cx="285893" cy="1045724"/>
+          </a:xfrm>
+          <a:prstGeom prst="bentConnector2">
+            <a:avLst/>
+          </a:prstGeom>
+        </p:spPr>
+        <p:style>
+          <a:lnRef idx="2">
+            <a:schemeClr val="accent3">
+              <a:shade val="50000"/>
+            </a:schemeClr>
+          </a:lnRef>
+          <a:fillRef idx="1">
+            <a:schemeClr val="accent3"/>
+          </a:fillRef>
+          <a:effectRef idx="0">
+            <a:schemeClr val="accent3"/>
+          </a:effectRef>
+          <a:fontRef idx="minor">
+            <a:schemeClr val="lt1"/>
+          </a:fontRef>
+        </p:style>
+      </p:cxnSp>
+      <p:cxnSp>
+        <p:nvCxnSpPr>
+          <p:cNvPr id="120" name="Elbow Connector 119"/>
+          <p:cNvCxnSpPr>
+            <a:stCxn id="110" idx="3"/>
+            <a:endCxn id="135" idx="3"/>
+          </p:cNvCxnSpPr>
+          <p:nvPr/>
+        </p:nvCxnSpPr>
+        <p:spPr>
+          <a:xfrm flipV="1">
+            <a:off x="5019675" y="5081969"/>
+            <a:ext cx="396856" cy="102449"/>
+          </a:xfrm>
+          <a:prstGeom prst="bentConnector3">
+            <a:avLst>
+              <a:gd name="adj1" fmla="val 50000"/>
+            </a:avLst>
+          </a:prstGeom>
+          <a:ln>
+            <a:solidFill>
+              <a:srgbClr val="357D91"/>
+            </a:solidFill>
+          </a:ln>
+        </p:spPr>
+        <p:style>
+          <a:lnRef idx="2">
+            <a:schemeClr val="accent3">
+              <a:shade val="50000"/>
+            </a:schemeClr>
+          </a:lnRef>
+          <a:fillRef idx="1">
+            <a:schemeClr val="accent3"/>
+          </a:fillRef>
+          <a:effectRef idx="0">
+            <a:schemeClr val="accent3"/>
+          </a:effectRef>
+          <a:fontRef idx="minor">
+            <a:schemeClr val="lt1"/>
+          </a:fontRef>
+        </p:style>
+      </p:cxnSp>
+      <p:sp>
+        <p:nvSpPr>
+          <p:cNvPr id="121" name="Isosceles Triangle 120"/>
+          <p:cNvSpPr/>
+          <p:nvPr/>
+        </p:nvSpPr>
+        <p:spPr>
+          <a:xfrm rot="10800000" flipH="1">
+            <a:off x="6397576" y="4625923"/>
+            <a:ext cx="216000" cy="216000"/>
+          </a:xfrm>
+          <a:prstGeom prst="triangle">
+            <a:avLst/>
+          </a:prstGeom>
+        </p:spPr>
+        <p:style>
+          <a:lnRef idx="2">
+            <a:schemeClr val="accent5">
+              <a:shade val="50000"/>
+            </a:schemeClr>
+          </a:lnRef>
+          <a:fillRef idx="1">
+            <a:schemeClr val="accent5"/>
+          </a:fillRef>
+          <a:effectRef idx="0">
+            <a:schemeClr val="accent5"/>
+          </a:effectRef>
+          <a:fontRef idx="minor">
+            <a:schemeClr val="lt1"/>
+          </a:fontRef>
+        </p:style>
+        <p:txBody>
+          <a:bodyPr rtlCol="0" anchor="ctr"/>
+          <a:lstStyle/>
+          <a:p>
+            <a:pPr algn="ctr"/>
+            <a:endParaRPr lang="en-SG" sz="1600" b="1"/>
+          </a:p>
+        </p:txBody>
+      </p:sp>
+      <p:sp>
+        <p:nvSpPr>
+          <p:cNvPr id="122" name="Rectangle 121"/>
+          <p:cNvSpPr/>
+          <p:nvPr/>
+        </p:nvSpPr>
+        <p:spPr>
+          <a:xfrm>
+            <a:off x="5444288" y="3916524"/>
+            <a:ext cx="2129427" cy="365583"/>
+          </a:xfrm>
+          <a:prstGeom prst="rect">
+            <a:avLst/>
+          </a:prstGeom>
+        </p:spPr>
+        <p:style>
+          <a:lnRef idx="2">
+            <a:schemeClr val="accent5">
+              <a:shade val="50000"/>
+            </a:schemeClr>
+          </a:lnRef>
+          <a:fillRef idx="1">
+            <a:schemeClr val="accent5"/>
+          </a:fillRef>
+          <a:effectRef idx="0">
+            <a:schemeClr val="accent5"/>
+          </a:effectRef>
+          <a:fontRef idx="minor">
+            <a:schemeClr val="lt1"/>
+          </a:fontRef>
+        </p:style>
+        <p:txBody>
+          <a:bodyPr rtlCol="0" anchor="ctr"/>
+          <a:lstStyle/>
+          <a:p>
+            <a:pPr algn="ctr"/>
+            <a:r>
+              <a:rPr lang="en-US" sz="1600" b="1" dirty="0" smtClean="0"/>
+              <a:t>Browser tests</a:t>
+            </a:r>
+            <a:endParaRPr lang="en-SG" sz="1600" b="1" dirty="0"/>
+          </a:p>
+        </p:txBody>
+      </p:sp>
       <p:grpSp>
         <p:nvGrpSpPr>
-          <p:cNvPr id="289" name="Group 288"/>
+          <p:cNvPr id="126" name="Group 125"/>
           <p:cNvGrpSpPr/>
           <p:nvPr/>
         </p:nvGrpSpPr>
         <p:grpSpPr>
           <a:xfrm>
-            <a:off x="3170009" y="2731193"/>
-            <a:ext cx="2362200" cy="1002607"/>
-            <a:chOff x="3170009" y="2133600"/>
-            <a:chExt cx="2362200" cy="1002607"/>
+            <a:off x="715878" y="5614500"/>
+            <a:ext cx="5568721" cy="906770"/>
+            <a:chOff x="3190875" y="998810"/>
+            <a:chExt cx="2362200" cy="1224050"/>
           </a:xfrm>
           <a:solidFill>
             <a:schemeClr val="bg1">
@@ -4322,14 +5638,14 @@
         </p:grpSpPr>
         <p:sp>
           <p:nvSpPr>
-            <p:cNvPr id="186" name="Rectangle 35"/>
+            <p:cNvPr id="127" name="Rectangle 35"/>
             <p:cNvSpPr/>
             <p:nvPr/>
           </p:nvSpPr>
           <p:spPr>
             <a:xfrm>
-              <a:off x="3170009" y="2133600"/>
-              <a:ext cx="2362200" cy="1002607"/>
+              <a:off x="3190875" y="998810"/>
+              <a:ext cx="2362200" cy="1224050"/>
             </a:xfrm>
             <a:custGeom>
               <a:avLst/>
@@ -4389,7 +5705,7 @@
             </a:fontRef>
           </p:style>
           <p:txBody>
-            <a:bodyPr rtlCol="0" anchor="t" anchorCtr="0"/>
+            <a:bodyPr tIns="72000" rtlCol="0" anchor="t" anchorCtr="0"/>
             <a:lstStyle/>
             <a:p>
               <a:pPr>
@@ -4401,12 +5717,40 @@
                 </a:spcBef>
               </a:pPr>
               <a:r>
-                <a:rPr lang="en-US" sz="1400" b="1" dirty="0"/>
+                <a:rPr lang="en-US" sz="1400" b="1" dirty="0" smtClean="0"/>
                 <a:t>::</a:t>
               </a:r>
               <a:r>
-                <a:rPr lang="en-US" sz="1400" b="1" dirty="0" err="1"/>
-                <a:t>browsertests</a:t>
+                <a:rPr lang="en-US" sz="1400" b="1" dirty="0" err="1" smtClean="0"/>
+                <a:t>testdriver</a:t>
+              </a:r>
+              <a:r>
+                <a:rPr lang="en-US" sz="1400" b="1" dirty="0" smtClean="0"/>
+                <a:t>, ::</a:t>
+              </a:r>
+              <a:r>
+                <a:rPr lang="en-US" sz="1400" b="1" dirty="0" err="1" smtClean="0"/>
+                <a:t>datatransfer</a:t>
+              </a:r>
+              <a:r>
+                <a:rPr lang="en-US" sz="1400" b="1" dirty="0" smtClean="0"/>
+                <a:t>, ::</a:t>
+              </a:r>
+              <a:r>
+                <a:rPr lang="en-US" sz="1400" b="1" dirty="0" err="1" smtClean="0"/>
+                <a:t>util</a:t>
+              </a:r>
+              <a:r>
+                <a:rPr lang="en-US" sz="1400" b="1" dirty="0" smtClean="0"/>
+                <a:t>, ::</a:t>
+              </a:r>
+              <a:r>
+                <a:rPr lang="en-US" sz="1400" b="1" dirty="0" err="1" smtClean="0"/>
+                <a:t>pagedata</a:t>
+              </a:r>
+              <a:r>
+                <a:rPr lang="en-US" sz="1400" b="1" dirty="0" smtClean="0"/>
+                <a:t> </a:t>
               </a:r>
               <a:endParaRPr lang="en-SG" sz="1400" b="1" dirty="0"/>
             </a:p>
@@ -4414,13 +5758,13 @@
         </p:sp>
         <p:cxnSp>
           <p:nvCxnSpPr>
-            <p:cNvPr id="200" name="Straight Connector 199"/>
+            <p:cNvPr id="128" name="Straight Connector 127"/>
             <p:cNvCxnSpPr/>
             <p:nvPr/>
           </p:nvCxnSpPr>
           <p:spPr>
             <a:xfrm>
-              <a:off x="4694009" y="2243141"/>
+              <a:off x="4714875" y="1123350"/>
               <a:ext cx="838200" cy="0"/>
             </a:xfrm>
             <a:prstGeom prst="line">
@@ -4449,448 +5793,16 @@
           </p:style>
         </p:cxnSp>
       </p:grpSp>
-      <p:grpSp>
-        <p:nvGrpSpPr>
-          <p:cNvPr id="288" name="Group 287"/>
-          <p:cNvGrpSpPr/>
-          <p:nvPr/>
-        </p:nvGrpSpPr>
-        <p:grpSpPr>
-          <a:xfrm>
-            <a:off x="3199591" y="1793634"/>
-            <a:ext cx="2362550" cy="872695"/>
-            <a:chOff x="3188277" y="3385269"/>
-            <a:chExt cx="2362550" cy="872695"/>
-          </a:xfrm>
-          <a:solidFill>
-            <a:schemeClr val="bg1">
-              <a:lumMod val="75000"/>
-            </a:schemeClr>
-          </a:solidFill>
-        </p:grpSpPr>
-        <p:sp>
-          <p:nvSpPr>
-            <p:cNvPr id="191" name="Rectangle 35"/>
-            <p:cNvSpPr/>
-            <p:nvPr/>
-          </p:nvSpPr>
-          <p:spPr>
-            <a:xfrm>
-              <a:off x="3188277" y="3385269"/>
-              <a:ext cx="2362200" cy="872695"/>
-            </a:xfrm>
-            <a:custGeom>
-              <a:avLst/>
-              <a:gdLst/>
-              <a:ahLst/>
-              <a:cxnLst/>
-              <a:rect l="l" t="t" r="r" b="b"/>
-              <a:pathLst>
-                <a:path w="2362200" h="1101295">
-                  <a:moveTo>
-                    <a:pt x="1524000" y="0"/>
-                  </a:moveTo>
-                  <a:lnTo>
-                    <a:pt x="2361824" y="0"/>
-                  </a:lnTo>
-                  <a:lnTo>
-                    <a:pt x="2361824" y="129015"/>
-                  </a:lnTo>
-                  <a:lnTo>
-                    <a:pt x="2362200" y="129015"/>
-                  </a:lnTo>
-                  <a:lnTo>
-                    <a:pt x="2362200" y="1101295"/>
-                  </a:lnTo>
-                  <a:lnTo>
-                    <a:pt x="0" y="1101295"/>
-                  </a:lnTo>
-                  <a:lnTo>
-                    <a:pt x="0" y="129015"/>
-                  </a:lnTo>
-                  <a:lnTo>
-                    <a:pt x="1524000" y="129015"/>
-                  </a:lnTo>
-                  <a:close/>
-                </a:path>
-              </a:pathLst>
-            </a:custGeom>
-            <a:grpFill/>
-            <a:ln>
-              <a:noFill/>
-            </a:ln>
-          </p:spPr>
-          <p:style>
-            <a:lnRef idx="2">
-              <a:schemeClr val="accent1">
-                <a:shade val="50000"/>
-              </a:schemeClr>
-            </a:lnRef>
-            <a:fillRef idx="1">
-              <a:schemeClr val="accent1"/>
-            </a:fillRef>
-            <a:effectRef idx="0">
-              <a:schemeClr val="accent1"/>
-            </a:effectRef>
-            <a:fontRef idx="minor">
-              <a:schemeClr val="lt1"/>
-            </a:fontRef>
-          </p:style>
-          <p:txBody>
-            <a:bodyPr rtlCol="0" anchor="t" anchorCtr="0"/>
-            <a:lstStyle/>
-            <a:p>
-              <a:pPr>
-                <a:lnSpc>
-                  <a:spcPct val="150000"/>
-                </a:lnSpc>
-                <a:spcBef>
-                  <a:spcPts val="600"/>
-                </a:spcBef>
-              </a:pPr>
-              <a:r>
-                <a:rPr lang="en-US" sz="1400" b="1" dirty="0"/>
-                <a:t>::common</a:t>
-              </a:r>
-              <a:endParaRPr lang="en-SG" sz="1400" b="1" dirty="0"/>
-            </a:p>
-          </p:txBody>
-        </p:sp>
-        <p:cxnSp>
-          <p:nvCxnSpPr>
-            <p:cNvPr id="201" name="Straight Connector 200"/>
-            <p:cNvCxnSpPr/>
-            <p:nvPr/>
-          </p:nvCxnSpPr>
-          <p:spPr>
-            <a:xfrm>
-              <a:off x="4712627" y="3476772"/>
-              <a:ext cx="838200" cy="0"/>
-            </a:xfrm>
-            <a:prstGeom prst="line">
-              <a:avLst/>
-            </a:prstGeom>
-            <a:grpFill/>
-            <a:ln w="19050">
-              <a:solidFill>
-                <a:schemeClr val="bg1"/>
-              </a:solidFill>
-            </a:ln>
-          </p:spPr>
-          <p:style>
-            <a:lnRef idx="1">
-              <a:schemeClr val="accent1"/>
-            </a:lnRef>
-            <a:fillRef idx="0">
-              <a:schemeClr val="accent1"/>
-            </a:fillRef>
-            <a:effectRef idx="0">
-              <a:schemeClr val="accent1"/>
-            </a:effectRef>
-            <a:fontRef idx="minor">
-              <a:schemeClr val="tx1"/>
-            </a:fontRef>
-          </p:style>
-        </p:cxnSp>
-      </p:grpSp>
-      <p:grpSp>
-        <p:nvGrpSpPr>
-          <p:cNvPr id="45" name="Group 44"/>
-          <p:cNvGrpSpPr/>
-          <p:nvPr/>
-        </p:nvGrpSpPr>
-        <p:grpSpPr>
-          <a:xfrm>
-            <a:off x="3170009" y="4156505"/>
-            <a:ext cx="2362200" cy="872695"/>
-            <a:chOff x="3170009" y="4300344"/>
-            <a:chExt cx="2362200" cy="872695"/>
-          </a:xfrm>
-          <a:solidFill>
-            <a:schemeClr val="bg1">
-              <a:lumMod val="75000"/>
-            </a:schemeClr>
-          </a:solidFill>
-        </p:grpSpPr>
-        <p:sp>
-          <p:nvSpPr>
-            <p:cNvPr id="189" name="Rectangle 35"/>
-            <p:cNvSpPr/>
-            <p:nvPr/>
-          </p:nvSpPr>
-          <p:spPr>
-            <a:xfrm>
-              <a:off x="3170009" y="4300344"/>
-              <a:ext cx="2362200" cy="872695"/>
-            </a:xfrm>
-            <a:custGeom>
-              <a:avLst/>
-              <a:gdLst/>
-              <a:ahLst/>
-              <a:cxnLst/>
-              <a:rect l="l" t="t" r="r" b="b"/>
-              <a:pathLst>
-                <a:path w="2362200" h="1101295">
-                  <a:moveTo>
-                    <a:pt x="1524000" y="0"/>
-                  </a:moveTo>
-                  <a:lnTo>
-                    <a:pt x="2361824" y="0"/>
-                  </a:lnTo>
-                  <a:lnTo>
-                    <a:pt x="2361824" y="129015"/>
-                  </a:lnTo>
-                  <a:lnTo>
-                    <a:pt x="2362200" y="129015"/>
-                  </a:lnTo>
-                  <a:lnTo>
-                    <a:pt x="2362200" y="1101295"/>
-                  </a:lnTo>
-                  <a:lnTo>
-                    <a:pt x="0" y="1101295"/>
-                  </a:lnTo>
-                  <a:lnTo>
-                    <a:pt x="0" y="129015"/>
-                  </a:lnTo>
-                  <a:lnTo>
-                    <a:pt x="1524000" y="129015"/>
-                  </a:lnTo>
-                  <a:close/>
-                </a:path>
-              </a:pathLst>
-            </a:custGeom>
-            <a:grpFill/>
-            <a:ln>
-              <a:noFill/>
-            </a:ln>
-          </p:spPr>
-          <p:style>
-            <a:lnRef idx="2">
-              <a:schemeClr val="accent1">
-                <a:shade val="50000"/>
-              </a:schemeClr>
-            </a:lnRef>
-            <a:fillRef idx="1">
-              <a:schemeClr val="accent1"/>
-            </a:fillRef>
-            <a:effectRef idx="0">
-              <a:schemeClr val="accent1"/>
-            </a:effectRef>
-            <a:fontRef idx="minor">
-              <a:schemeClr val="lt1"/>
-            </a:fontRef>
-          </p:style>
-          <p:txBody>
-            <a:bodyPr rtlCol="0" anchor="t" anchorCtr="0"/>
-            <a:lstStyle/>
-            <a:p>
-              <a:pPr>
-                <a:lnSpc>
-                  <a:spcPct val="150000"/>
-                </a:lnSpc>
-                <a:spcBef>
-                  <a:spcPts val="600"/>
-                </a:spcBef>
-              </a:pPr>
-              <a:r>
-                <a:rPr lang="en-US" sz="1400" b="1" dirty="0"/>
-                <a:t>::logic</a:t>
-              </a:r>
-              <a:endParaRPr lang="en-SG" sz="1400" b="1" dirty="0"/>
-            </a:p>
-          </p:txBody>
-        </p:sp>
-        <p:cxnSp>
-          <p:nvCxnSpPr>
-            <p:cNvPr id="202" name="Straight Connector 201"/>
-            <p:cNvCxnSpPr/>
-            <p:nvPr/>
-          </p:nvCxnSpPr>
-          <p:spPr>
-            <a:xfrm>
-              <a:off x="4693575" y="4389170"/>
-              <a:ext cx="838200" cy="0"/>
-            </a:xfrm>
-            <a:prstGeom prst="line">
-              <a:avLst/>
-            </a:prstGeom>
-            <a:grpFill/>
-            <a:ln w="19050">
-              <a:solidFill>
-                <a:schemeClr val="bg1"/>
-              </a:solidFill>
-            </a:ln>
-          </p:spPr>
-          <p:style>
-            <a:lnRef idx="1">
-              <a:schemeClr val="accent1"/>
-            </a:lnRef>
-            <a:fillRef idx="0">
-              <a:schemeClr val="accent1"/>
-            </a:fillRef>
-            <a:effectRef idx="0">
-              <a:schemeClr val="accent1"/>
-            </a:effectRef>
-            <a:fontRef idx="minor">
-              <a:schemeClr val="tx1"/>
-            </a:fontRef>
-          </p:style>
-        </p:cxnSp>
-      </p:grpSp>
-      <p:grpSp>
-        <p:nvGrpSpPr>
-          <p:cNvPr id="44" name="Group 43"/>
-          <p:cNvGrpSpPr/>
-          <p:nvPr/>
-        </p:nvGrpSpPr>
-        <p:grpSpPr>
-          <a:xfrm>
-            <a:off x="3174338" y="5223305"/>
-            <a:ext cx="2362200" cy="872695"/>
-            <a:chOff x="3174338" y="5223305"/>
-            <a:chExt cx="2362200" cy="872695"/>
-          </a:xfrm>
-          <a:solidFill>
-            <a:schemeClr val="bg1">
-              <a:lumMod val="75000"/>
-            </a:schemeClr>
-          </a:solidFill>
-        </p:grpSpPr>
-        <p:sp>
-          <p:nvSpPr>
-            <p:cNvPr id="190" name="Rectangle 35"/>
-            <p:cNvSpPr/>
-            <p:nvPr/>
-          </p:nvSpPr>
-          <p:spPr>
-            <a:xfrm>
-              <a:off x="3174338" y="5223305"/>
-              <a:ext cx="2362200" cy="872695"/>
-            </a:xfrm>
-            <a:custGeom>
-              <a:avLst/>
-              <a:gdLst/>
-              <a:ahLst/>
-              <a:cxnLst/>
-              <a:rect l="l" t="t" r="r" b="b"/>
-              <a:pathLst>
-                <a:path w="2362200" h="1101295">
-                  <a:moveTo>
-                    <a:pt x="1524000" y="0"/>
-                  </a:moveTo>
-                  <a:lnTo>
-                    <a:pt x="2361824" y="0"/>
-                  </a:lnTo>
-                  <a:lnTo>
-                    <a:pt x="2361824" y="129015"/>
-                  </a:lnTo>
-                  <a:lnTo>
-                    <a:pt x="2362200" y="129015"/>
-                  </a:lnTo>
-                  <a:lnTo>
-                    <a:pt x="2362200" y="1101295"/>
-                  </a:lnTo>
-                  <a:lnTo>
-                    <a:pt x="0" y="1101295"/>
-                  </a:lnTo>
-                  <a:lnTo>
-                    <a:pt x="0" y="129015"/>
-                  </a:lnTo>
-                  <a:lnTo>
-                    <a:pt x="1524000" y="129015"/>
-                  </a:lnTo>
-                  <a:close/>
-                </a:path>
-              </a:pathLst>
-            </a:custGeom>
-            <a:grpFill/>
-            <a:ln>
-              <a:noFill/>
-            </a:ln>
-          </p:spPr>
-          <p:style>
-            <a:lnRef idx="2">
-              <a:schemeClr val="accent1">
-                <a:shade val="50000"/>
-              </a:schemeClr>
-            </a:lnRef>
-            <a:fillRef idx="1">
-              <a:schemeClr val="accent1"/>
-            </a:fillRef>
-            <a:effectRef idx="0">
-              <a:schemeClr val="accent1"/>
-            </a:effectRef>
-            <a:fontRef idx="minor">
-              <a:schemeClr val="lt1"/>
-            </a:fontRef>
-          </p:style>
-          <p:txBody>
-            <a:bodyPr rtlCol="0" anchor="t" anchorCtr="0"/>
-            <a:lstStyle/>
-            <a:p>
-              <a:pPr>
-                <a:lnSpc>
-                  <a:spcPct val="150000"/>
-                </a:lnSpc>
-                <a:spcBef>
-                  <a:spcPts val="600"/>
-                </a:spcBef>
-              </a:pPr>
-              <a:r>
-                <a:rPr lang="en-US" sz="1400" b="1" dirty="0" smtClean="0"/>
-                <a:t>::storage</a:t>
-              </a:r>
-              <a:endParaRPr lang="en-SG" sz="1400" b="1" dirty="0"/>
-            </a:p>
-          </p:txBody>
-        </p:sp>
-        <p:cxnSp>
-          <p:nvCxnSpPr>
-            <p:cNvPr id="203" name="Straight Connector 202"/>
-            <p:cNvCxnSpPr/>
-            <p:nvPr/>
-          </p:nvCxnSpPr>
-          <p:spPr>
-            <a:xfrm>
-              <a:off x="4693575" y="5314879"/>
-              <a:ext cx="838200" cy="0"/>
-            </a:xfrm>
-            <a:prstGeom prst="line">
-              <a:avLst/>
-            </a:prstGeom>
-            <a:grpFill/>
-            <a:ln w="19050">
-              <a:solidFill>
-                <a:schemeClr val="bg1"/>
-              </a:solidFill>
-            </a:ln>
-          </p:spPr>
-          <p:style>
-            <a:lnRef idx="1">
-              <a:schemeClr val="accent1"/>
-            </a:lnRef>
-            <a:fillRef idx="0">
-              <a:schemeClr val="accent1"/>
-            </a:fillRef>
-            <a:effectRef idx="0">
-              <a:schemeClr val="accent1"/>
-            </a:effectRef>
-            <a:fontRef idx="minor">
-              <a:schemeClr val="tx1"/>
-            </a:fontRef>
-          </p:style>
-        </p:cxnSp>
-      </p:grpSp>
-      <p:sp>
-        <p:nvSpPr>
-          <p:cNvPr id="47" name="Rectangle 46"/>
+      <p:sp>
+        <p:nvSpPr>
+          <p:cNvPr id="129" name="Rectangle 128"/>
           <p:cNvSpPr/>
           <p:nvPr/>
         </p:nvSpPr>
         <p:spPr>
           <a:xfrm>
-            <a:off x="6997411" y="3830309"/>
-            <a:ext cx="1774889" cy="252000"/>
+            <a:off x="826352" y="6040800"/>
+            <a:ext cx="5336323" cy="360000"/>
           </a:xfrm>
           <a:prstGeom prst="rect">
             <a:avLst/>
@@ -4918,247 +5830,89 @@
           <a:p>
             <a:pPr algn="ctr"/>
             <a:r>
-              <a:rPr lang="en-US" sz="1600" b="1" dirty="0" err="1" smtClean="0"/>
-              <a:t>GaeSimulation</a:t>
+              <a:rPr lang="en-US" sz="1600" b="1" dirty="0" smtClean="0"/>
+              <a:t>Test cases that do not need simulated GAE environment</a:t>
             </a:r>
             <a:endParaRPr lang="en-SG" sz="1600" b="1" dirty="0"/>
           </a:p>
         </p:txBody>
       </p:sp>
-      <p:cxnSp>
-        <p:nvCxnSpPr>
-          <p:cNvPr id="48" name="Straight Arrow Connector 47"/>
-          <p:cNvCxnSpPr/>
+      <p:sp>
+        <p:nvSpPr>
+          <p:cNvPr id="130" name="Rectangle 129"/>
+          <p:cNvSpPr/>
           <p:nvPr/>
-        </p:nvCxnSpPr>
-        <p:spPr>
-          <a:xfrm flipH="1">
-            <a:off x="8777830" y="5906340"/>
-            <a:ext cx="971504" cy="0"/>
-          </a:xfrm>
-          <a:prstGeom prst="straightConnector1">
-            <a:avLst/>
-          </a:prstGeom>
-          <a:ln w="38100">
+        </p:nvSpPr>
+        <p:spPr>
+          <a:xfrm>
+            <a:off x="916886" y="4187757"/>
+            <a:ext cx="1831462" cy="762000"/>
+          </a:xfrm>
+          <a:prstGeom prst="rect">
+            <a:avLst/>
+          </a:prstGeom>
+          <a:solidFill>
+            <a:schemeClr val="accent2">
+              <a:lumMod val="60000"/>
+              <a:lumOff val="40000"/>
+            </a:schemeClr>
+          </a:solidFill>
+          <a:ln>
             <a:solidFill>
-              <a:schemeClr val="tx1"/>
+              <a:schemeClr val="accent2">
+                <a:lumMod val="75000"/>
+              </a:schemeClr>
             </a:solidFill>
-            <a:prstDash val="sysDash"/>
-            <a:headEnd type="arrow" w="med" len="med"/>
-            <a:tailEnd type="none" w="med" len="med"/>
-          </a:ln>
-        </p:spPr>
-        <p:style>
-          <a:lnRef idx="1">
-            <a:schemeClr val="accent1"/>
-          </a:lnRef>
-          <a:fillRef idx="0">
-            <a:schemeClr val="accent1"/>
-          </a:fillRef>
-          <a:effectRef idx="0">
-            <a:schemeClr val="accent1"/>
-          </a:effectRef>
-          <a:fontRef idx="minor">
-            <a:schemeClr val="tx1"/>
-          </a:fontRef>
-        </p:style>
-      </p:cxnSp>
-      <p:sp>
-        <p:nvSpPr>
-          <p:cNvPr id="49" name="TextBox 48"/>
-          <p:cNvSpPr txBox="1"/>
-          <p:nvPr/>
-        </p:nvSpPr>
-        <p:spPr>
-          <a:xfrm>
-            <a:off x="9644018" y="5715000"/>
-            <a:ext cx="1319257" cy="307777"/>
-          </a:xfrm>
-          <a:prstGeom prst="rect">
-            <a:avLst/>
-          </a:prstGeom>
-          <a:grpFill/>
-          <a:ln>
-            <a:noFill/>
           </a:ln>
         </p:spPr>
         <p:style>
           <a:lnRef idx="2">
-            <a:schemeClr val="accent1">
+            <a:schemeClr val="accent6">
               <a:shade val="50000"/>
             </a:schemeClr>
           </a:lnRef>
           <a:fillRef idx="1">
-            <a:schemeClr val="accent1"/>
+            <a:schemeClr val="accent6"/>
           </a:fillRef>
           <a:effectRef idx="0">
-            <a:schemeClr val="accent1"/>
+            <a:schemeClr val="accent6"/>
           </a:effectRef>
           <a:fontRef idx="minor">
             <a:schemeClr val="lt1"/>
           </a:fontRef>
         </p:style>
         <p:txBody>
-          <a:bodyPr rtlCol="0" anchor="t" anchorCtr="0"/>
-          <a:lstStyle>
-            <a:defPPr>
-              <a:defRPr lang="en-US"/>
-            </a:defPPr>
-            <a:lvl1pPr>
-              <a:defRPr sz="1400" b="1">
-                <a:solidFill>
-                  <a:srgbClr val="7030A0"/>
-                </a:solidFill>
-              </a:defRPr>
-            </a:lvl1pPr>
-            <a:lvl2pPr>
-              <a:defRPr>
-                <a:solidFill>
-                  <a:schemeClr val="lt1"/>
-                </a:solidFill>
-              </a:defRPr>
-            </a:lvl2pPr>
-            <a:lvl3pPr>
-              <a:defRPr>
-                <a:solidFill>
-                  <a:schemeClr val="lt1"/>
-                </a:solidFill>
-              </a:defRPr>
-            </a:lvl3pPr>
-            <a:lvl4pPr>
-              <a:defRPr>
-                <a:solidFill>
-                  <a:schemeClr val="lt1"/>
-                </a:solidFill>
-              </a:defRPr>
-            </a:lvl4pPr>
-            <a:lvl5pPr>
-              <a:defRPr>
-                <a:solidFill>
-                  <a:schemeClr val="lt1"/>
-                </a:solidFill>
-              </a:defRPr>
-            </a:lvl5pPr>
-            <a:lvl6pPr>
-              <a:defRPr>
-                <a:solidFill>
-                  <a:schemeClr val="lt1"/>
-                </a:solidFill>
-              </a:defRPr>
-            </a:lvl6pPr>
-            <a:lvl7pPr>
-              <a:defRPr>
-                <a:solidFill>
-                  <a:schemeClr val="lt1"/>
-                </a:solidFill>
-              </a:defRPr>
-            </a:lvl7pPr>
-            <a:lvl8pPr>
-              <a:defRPr>
-                <a:solidFill>
-                  <a:schemeClr val="lt1"/>
-                </a:solidFill>
-              </a:defRPr>
-            </a:lvl8pPr>
-            <a:lvl9pPr>
-              <a:defRPr>
-                <a:solidFill>
-                  <a:schemeClr val="lt1"/>
-                </a:solidFill>
-              </a:defRPr>
-            </a:lvl9pPr>
-          </a:lstStyle>
+          <a:bodyPr lIns="0" rIns="0" rtlCol="0" anchor="ctr"/>
+          <a:lstStyle/>
           <a:p>
             <a:pPr algn="ctr"/>
             <a:r>
-              <a:rPr lang="en-US" dirty="0" smtClean="0">
-                <a:solidFill>
-                  <a:schemeClr val="tx1"/>
-                </a:solidFill>
-              </a:rPr>
-              <a:t>Email Server</a:t>
-            </a:r>
-            <a:endParaRPr lang="en-SG" dirty="0">
-              <a:solidFill>
-                <a:schemeClr val="tx1"/>
-              </a:solidFill>
-            </a:endParaRPr>
-          </a:p>
-        </p:txBody>
-      </p:sp>
-      <p:sp>
-        <p:nvSpPr>
-          <p:cNvPr id="50" name="Rectangle 49"/>
-          <p:cNvSpPr/>
+              <a:rPr lang="en-US" sz="1600" b="1" dirty="0" smtClean="0"/>
+              <a:t>Test cases that need simulated GAE environment</a:t>
+            </a:r>
+            <a:endParaRPr lang="en-SG" sz="1600" b="1" dirty="0"/>
+          </a:p>
+        </p:txBody>
+      </p:sp>
+      <p:cxnSp>
+        <p:nvCxnSpPr>
+          <p:cNvPr id="131" name="Elbow Connector 130"/>
+          <p:cNvCxnSpPr>
+            <a:stCxn id="129" idx="3"/>
+            <a:endCxn id="132" idx="3"/>
+          </p:cNvCxnSpPr>
           <p:nvPr/>
-        </p:nvSpPr>
-        <p:spPr>
-          <a:xfrm>
-            <a:off x="2771607" y="6428473"/>
-            <a:ext cx="1368039" cy="361770"/>
-          </a:xfrm>
-          <a:prstGeom prst="rect">
-            <a:avLst/>
-          </a:prstGeom>
-          <a:solidFill>
-            <a:schemeClr val="bg1"/>
-          </a:solidFill>
-          <a:ln>
-            <a:solidFill>
-              <a:schemeClr val="tx1"/>
-            </a:solidFill>
-          </a:ln>
-        </p:spPr>
-        <p:style>
-          <a:lnRef idx="2">
-            <a:schemeClr val="accent1">
-              <a:shade val="50000"/>
-            </a:schemeClr>
-          </a:lnRef>
-          <a:fillRef idx="1">
-            <a:schemeClr val="accent1"/>
-          </a:fillRef>
-          <a:effectRef idx="0">
-            <a:schemeClr val="accent1"/>
-          </a:effectRef>
-          <a:fontRef idx="minor">
-            <a:schemeClr val="lt1"/>
-          </a:fontRef>
-        </p:style>
-        <p:txBody>
-          <a:bodyPr rtlCol="0" anchor="ctr"/>
-          <a:lstStyle/>
-          <a:p>
-            <a:pPr algn="ctr"/>
-            <a:r>
-              <a:rPr lang="en-US" sz="1600" b="1" dirty="0">
-                <a:solidFill>
-                  <a:schemeClr val="tx1"/>
-                </a:solidFill>
-              </a:rPr>
-              <a:t>testng.xml</a:t>
-            </a:r>
-            <a:endParaRPr lang="en-SG" sz="1600" b="1" dirty="0">
-              <a:solidFill>
-                <a:schemeClr val="tx1"/>
-              </a:solidFill>
-            </a:endParaRPr>
-          </a:p>
-        </p:txBody>
-      </p:sp>
-      <p:sp>
-        <p:nvSpPr>
-          <p:cNvPr id="52" name="Rectangle 51"/>
-          <p:cNvSpPr/>
-          <p:nvPr/>
-        </p:nvSpPr>
-        <p:spPr>
-          <a:xfrm>
-            <a:off x="741235" y="1375183"/>
-            <a:ext cx="1066800" cy="491669"/>
-          </a:xfrm>
-          <a:prstGeom prst="rect">
-            <a:avLst/>
+        </p:nvCxnSpPr>
+        <p:spPr>
+          <a:xfrm>
+            <a:off x="6162675" y="6220800"/>
+            <a:ext cx="2143001" cy="44611"/>
+          </a:xfrm>
+          <a:prstGeom prst="bentConnector4">
+            <a:avLst>
+              <a:gd name="adj1" fmla="val 47480"/>
+              <a:gd name="adj2" fmla="val 612430"/>
+            </a:avLst>
           </a:prstGeom>
         </p:spPr>
         <p:style>
@@ -5177,36 +5931,17 @@
             <a:schemeClr val="lt1"/>
           </a:fontRef>
         </p:style>
-        <p:txBody>
-          <a:bodyPr rtlCol="0" anchor="ctr"/>
-          <a:lstStyle/>
-          <a:p>
-            <a:pPr algn="ctr"/>
-            <a:r>
-              <a:rPr lang="en-US" sz="1600" b="1" dirty="0"/>
-              <a:t>Base</a:t>
-            </a:r>
-            <a:br>
-              <a:rPr lang="en-US" sz="1600" b="1" dirty="0"/>
-            </a:br>
-            <a:r>
-              <a:rPr lang="en-US" sz="1600" b="1" dirty="0" err="1"/>
-              <a:t>TestCase</a:t>
-            </a:r>
-            <a:endParaRPr lang="en-SG" sz="1600" b="1" dirty="0"/>
-          </a:p>
-        </p:txBody>
-      </p:sp>
-      <p:sp>
-        <p:nvSpPr>
-          <p:cNvPr id="54" name="Isosceles Triangle 53"/>
+      </p:cxnSp>
+      <p:sp>
+        <p:nvSpPr>
+          <p:cNvPr id="132" name="Isosceles Triangle 131"/>
           <p:cNvSpPr/>
           <p:nvPr/>
         </p:nvSpPr>
         <p:spPr>
           <a:xfrm>
-            <a:off x="893634" y="1886082"/>
-            <a:ext cx="276225" cy="228600"/>
+            <a:off x="8197676" y="6049411"/>
+            <a:ext cx="216000" cy="216000"/>
           </a:xfrm>
           <a:prstGeom prst="triangle">
             <a:avLst/>
@@ -5237,170 +5972,170 @@
           </a:p>
         </p:txBody>
       </p:sp>
-      <p:grpSp>
-        <p:nvGrpSpPr>
-          <p:cNvPr id="29" name="Group 28"/>
-          <p:cNvGrpSpPr/>
+      <p:sp>
+        <p:nvSpPr>
+          <p:cNvPr id="133" name="Isosceles Triangle 132"/>
+          <p:cNvSpPr/>
           <p:nvPr/>
-        </p:nvGrpSpPr>
-        <p:grpSpPr>
+        </p:nvSpPr>
+        <p:spPr>
           <a:xfrm rot="5400000">
-            <a:off x="4127145" y="2439106"/>
-            <a:ext cx="448042" cy="1946617"/>
-            <a:chOff x="5145053" y="2923453"/>
-            <a:chExt cx="452572" cy="1278187"/>
-          </a:xfrm>
-        </p:grpSpPr>
-        <p:sp>
-          <p:nvSpPr>
-            <p:cNvPr id="53" name="Rectangle 52"/>
-            <p:cNvSpPr/>
-            <p:nvPr/>
-          </p:nvSpPr>
-          <p:spPr>
-            <a:xfrm rot="16200000">
-              <a:off x="4723526" y="3344980"/>
-              <a:ext cx="1204823" cy="361770"/>
-            </a:xfrm>
-            <a:prstGeom prst="rect">
-              <a:avLst/>
-            </a:prstGeom>
-          </p:spPr>
-          <p:style>
-            <a:lnRef idx="2">
-              <a:schemeClr val="accent5">
-                <a:shade val="50000"/>
+            <a:off x="2974875" y="5081968"/>
+            <a:ext cx="216000" cy="216000"/>
+          </a:xfrm>
+          <a:prstGeom prst="triangle">
+            <a:avLst/>
+          </a:prstGeom>
+          <a:solidFill>
+            <a:schemeClr val="accent2">
+              <a:lumMod val="60000"/>
+              <a:lumOff val="40000"/>
+            </a:schemeClr>
+          </a:solidFill>
+          <a:ln>
+            <a:solidFill>
+              <a:schemeClr val="accent2">
+                <a:lumMod val="75000"/>
               </a:schemeClr>
-            </a:lnRef>
-            <a:fillRef idx="1">
-              <a:schemeClr val="accent5"/>
-            </a:fillRef>
-            <a:effectRef idx="0">
-              <a:schemeClr val="accent5"/>
-            </a:effectRef>
-            <a:fontRef idx="minor">
-              <a:schemeClr val="lt1"/>
-            </a:fontRef>
-          </p:style>
-          <p:txBody>
-            <a:bodyPr rtlCol="0" anchor="ctr"/>
-            <a:lstStyle/>
-            <a:p>
-              <a:pPr algn="ctr"/>
-              <a:r>
-                <a:rPr lang="en-US" sz="1600" b="1" dirty="0"/>
-                <a:t>Ui Tests</a:t>
-              </a:r>
-              <a:endParaRPr lang="en-SG" sz="1600" b="1" dirty="0"/>
-            </a:p>
-          </p:txBody>
-        </p:sp>
-        <p:sp>
-          <p:nvSpPr>
-            <p:cNvPr id="56" name="Rectangle 55"/>
-            <p:cNvSpPr/>
-            <p:nvPr/>
-          </p:nvSpPr>
-          <p:spPr>
-            <a:xfrm rot="16200000">
-              <a:off x="4767677" y="3375615"/>
-              <a:ext cx="1204823" cy="361770"/>
-            </a:xfrm>
-            <a:prstGeom prst="rect">
-              <a:avLst/>
-            </a:prstGeom>
-          </p:spPr>
-          <p:style>
-            <a:lnRef idx="2">
-              <a:schemeClr val="accent5">
-                <a:shade val="50000"/>
-              </a:schemeClr>
-            </a:lnRef>
-            <a:fillRef idx="1">
-              <a:schemeClr val="accent5"/>
-            </a:fillRef>
-            <a:effectRef idx="0">
-              <a:schemeClr val="accent5"/>
-            </a:effectRef>
-            <a:fontRef idx="minor">
-              <a:schemeClr val="lt1"/>
-            </a:fontRef>
-          </p:style>
-          <p:txBody>
-            <a:bodyPr rtlCol="0" anchor="ctr"/>
-            <a:lstStyle/>
-            <a:p>
-              <a:pPr algn="ctr"/>
-              <a:r>
-                <a:rPr lang="en-US" sz="1600" b="1" dirty="0"/>
-                <a:t>Ui Tests</a:t>
-              </a:r>
-              <a:endParaRPr lang="en-SG" sz="1600" b="1" dirty="0"/>
-            </a:p>
-          </p:txBody>
-        </p:sp>
-        <p:sp>
-          <p:nvSpPr>
-            <p:cNvPr id="57" name="Rectangle 56"/>
-            <p:cNvSpPr/>
-            <p:nvPr/>
-          </p:nvSpPr>
-          <p:spPr>
-            <a:xfrm rot="16200000">
-              <a:off x="4814328" y="3418344"/>
-              <a:ext cx="1204823" cy="361770"/>
-            </a:xfrm>
-            <a:prstGeom prst="rect">
-              <a:avLst/>
-            </a:prstGeom>
-          </p:spPr>
-          <p:style>
-            <a:lnRef idx="2">
-              <a:schemeClr val="accent5">
-                <a:shade val="50000"/>
-              </a:schemeClr>
-            </a:lnRef>
-            <a:fillRef idx="1">
-              <a:schemeClr val="accent5"/>
-            </a:fillRef>
-            <a:effectRef idx="0">
-              <a:schemeClr val="accent5"/>
-            </a:effectRef>
-            <a:fontRef idx="minor">
-              <a:schemeClr val="lt1"/>
-            </a:fontRef>
-          </p:style>
-          <p:txBody>
-            <a:bodyPr rtlCol="0" anchor="ctr"/>
-            <a:lstStyle/>
-            <a:p>
-              <a:pPr algn="ctr"/>
-              <a:r>
-                <a:rPr lang="en-US" sz="1600" b="1" dirty="0"/>
-                <a:t>Ui Tests</a:t>
-              </a:r>
-              <a:endParaRPr lang="en-SG" sz="1600" b="1" dirty="0"/>
-            </a:p>
-          </p:txBody>
-        </p:sp>
-      </p:grpSp>
+            </a:solidFill>
+          </a:ln>
+        </p:spPr>
+        <p:style>
+          <a:lnRef idx="2">
+            <a:schemeClr val="accent6">
+              <a:shade val="50000"/>
+            </a:schemeClr>
+          </a:lnRef>
+          <a:fillRef idx="1">
+            <a:schemeClr val="accent6"/>
+          </a:fillRef>
+          <a:effectRef idx="0">
+            <a:schemeClr val="accent6"/>
+          </a:effectRef>
+          <a:fontRef idx="minor">
+            <a:schemeClr val="lt1"/>
+          </a:fontRef>
+        </p:style>
+        <p:txBody>
+          <a:bodyPr lIns="0" rIns="0" rtlCol="0" anchor="ctr"/>
+          <a:lstStyle/>
+          <a:p>
+            <a:pPr algn="ctr"/>
+            <a:endParaRPr lang="en-SG"/>
+          </a:p>
+        </p:txBody>
+      </p:sp>
       <p:cxnSp>
         <p:nvCxnSpPr>
-          <p:cNvPr id="68" name="Elbow Connector 67"/>
+          <p:cNvPr id="134" name="Elbow Connector 133"/>
           <p:cNvCxnSpPr>
-            <a:stCxn id="54" idx="3"/>
-            <a:endCxn id="123" idx="1"/>
+            <a:stCxn id="133" idx="3"/>
+            <a:endCxn id="130" idx="2"/>
           </p:cNvCxnSpPr>
           <p:nvPr/>
         </p:nvCxnSpPr>
         <p:spPr>
-          <a:xfrm rot="16200000" flipH="1">
-            <a:off x="-381045" y="3527474"/>
-            <a:ext cx="2933641" cy="108056"/>
+          <a:xfrm rot="10800000">
+            <a:off x="1832617" y="4949758"/>
+            <a:ext cx="1142258" cy="240211"/>
           </a:xfrm>
           <a:prstGeom prst="bentConnector2">
             <a:avLst/>
           </a:prstGeom>
+          <a:ln>
+            <a:solidFill>
+              <a:schemeClr val="accent2">
+                <a:lumMod val="75000"/>
+              </a:schemeClr>
+            </a:solidFill>
+          </a:ln>
+        </p:spPr>
+        <p:style>
+          <a:lnRef idx="2">
+            <a:schemeClr val="accent6">
+              <a:shade val="50000"/>
+            </a:schemeClr>
+          </a:lnRef>
+          <a:fillRef idx="1">
+            <a:schemeClr val="accent6"/>
+          </a:fillRef>
+          <a:effectRef idx="0">
+            <a:schemeClr val="accent6"/>
+          </a:effectRef>
+          <a:fontRef idx="minor">
+            <a:schemeClr val="lt1"/>
+          </a:fontRef>
+        </p:style>
+      </p:cxnSp>
+      <p:sp>
+        <p:nvSpPr>
+          <p:cNvPr id="135" name="Isosceles Triangle 134"/>
+          <p:cNvSpPr/>
+          <p:nvPr/>
+        </p:nvSpPr>
+        <p:spPr>
+          <a:xfrm rot="5400000">
+            <a:off x="5416531" y="4973969"/>
+            <a:ext cx="216000" cy="216000"/>
+          </a:xfrm>
+          <a:prstGeom prst="triangle">
+            <a:avLst/>
+          </a:prstGeom>
+          <a:ln>
+            <a:solidFill>
+              <a:srgbClr val="3B889E"/>
+            </a:solidFill>
+          </a:ln>
+        </p:spPr>
+        <p:style>
+          <a:lnRef idx="2">
+            <a:schemeClr val="accent5">
+              <a:shade val="50000"/>
+            </a:schemeClr>
+          </a:lnRef>
+          <a:fillRef idx="1">
+            <a:schemeClr val="accent5"/>
+          </a:fillRef>
+          <a:effectRef idx="0">
+            <a:schemeClr val="accent5"/>
+          </a:effectRef>
+          <a:fontRef idx="minor">
+            <a:schemeClr val="lt1"/>
+          </a:fontRef>
+        </p:style>
+        <p:txBody>
+          <a:bodyPr rtlCol="0" anchor="ctr"/>
+          <a:lstStyle/>
+          <a:p>
+            <a:pPr algn="ctr"/>
+            <a:endParaRPr lang="en-SG" sz="1600" b="1"/>
+          </a:p>
+        </p:txBody>
+      </p:sp>
+      <p:cxnSp>
+        <p:nvCxnSpPr>
+          <p:cNvPr id="136" name="Elbow Connector 135"/>
+          <p:cNvCxnSpPr>
+            <a:stCxn id="121" idx="3"/>
+            <a:endCxn id="122" idx="2"/>
+          </p:cNvCxnSpPr>
+          <p:nvPr/>
+        </p:nvCxnSpPr>
+        <p:spPr>
+          <a:xfrm rot="5400000" flipH="1" flipV="1">
+            <a:off x="6337094" y="4454015"/>
+            <a:ext cx="343816" cy="0"/>
+          </a:xfrm>
+          <a:prstGeom prst="bentConnector3">
+            <a:avLst>
+              <a:gd name="adj1" fmla="val 50000"/>
+            </a:avLst>
+          </a:prstGeom>
+          <a:ln>
+            <a:solidFill>
+              <a:srgbClr val="357D91"/>
+            </a:solidFill>
+          </a:ln>
         </p:spPr>
         <p:style>
           <a:lnRef idx="2">
@@ -5421,2393 +6156,30 @@
       </p:cxnSp>
       <p:cxnSp>
         <p:nvCxnSpPr>
-          <p:cNvPr id="69" name="Elbow Connector 68"/>
+          <p:cNvPr id="138" name="Elbow Connector 137"/>
           <p:cNvCxnSpPr>
-            <a:stCxn id="121" idx="1"/>
+            <a:stCxn id="113" idx="3"/>
+            <a:endCxn id="89" idx="2"/>
           </p:cNvCxnSpPr>
           <p:nvPr/>
         </p:nvCxnSpPr>
         <p:spPr>
-          <a:xfrm rot="10800000">
-            <a:off x="1031748" y="2715971"/>
-            <a:ext cx="112963" cy="673566"/>
-          </a:xfrm>
-          <a:prstGeom prst="bentConnector2">
-            <a:avLst/>
-          </a:prstGeom>
-        </p:spPr>
-        <p:style>
-          <a:lnRef idx="2">
-            <a:schemeClr val="accent3">
-              <a:shade val="50000"/>
-            </a:schemeClr>
-          </a:lnRef>
-          <a:fillRef idx="1">
-            <a:schemeClr val="accent3"/>
-          </a:fillRef>
-          <a:effectRef idx="0">
-            <a:schemeClr val="accent3"/>
-          </a:effectRef>
-          <a:fontRef idx="minor">
-            <a:schemeClr val="lt1"/>
-          </a:fontRef>
-        </p:style>
-      </p:cxnSp>
-      <p:sp>
-        <p:nvSpPr>
-          <p:cNvPr id="71" name="Rectangle 70"/>
-          <p:cNvSpPr/>
-          <p:nvPr/>
-        </p:nvSpPr>
-        <p:spPr>
-          <a:xfrm>
-            <a:off x="7020356" y="990600"/>
-            <a:ext cx="1800000" cy="303605"/>
-          </a:xfrm>
-          <a:prstGeom prst="rect">
-            <a:avLst/>
-          </a:prstGeom>
-        </p:spPr>
-        <p:style>
-          <a:lnRef idx="2">
-            <a:schemeClr val="accent4">
-              <a:shade val="50000"/>
-            </a:schemeClr>
-          </a:lnRef>
-          <a:fillRef idx="1">
-            <a:schemeClr val="accent4"/>
-          </a:fillRef>
-          <a:effectRef idx="0">
-            <a:schemeClr val="accent4"/>
-          </a:effectRef>
-          <a:fontRef idx="minor">
-            <a:schemeClr val="lt1"/>
-          </a:fontRef>
-        </p:style>
-        <p:txBody>
-          <a:bodyPr rtlCol="0" anchor="ctr"/>
-          <a:lstStyle/>
-          <a:p>
-            <a:pPr algn="ctr"/>
-            <a:r>
-              <a:rPr lang="en-US" sz="1600" b="1" dirty="0" err="1" smtClean="0"/>
-              <a:t>BrowserPool</a:t>
-            </a:r>
-            <a:endParaRPr lang="en-SG" sz="1600" b="1" dirty="0"/>
-          </a:p>
-        </p:txBody>
-      </p:sp>
-      <p:sp>
-        <p:nvSpPr>
-          <p:cNvPr id="72" name="Flowchart: Decision 71"/>
-          <p:cNvSpPr/>
-          <p:nvPr/>
-        </p:nvSpPr>
-        <p:spPr>
-          <a:xfrm>
-            <a:off x="7847076" y="1315230"/>
-            <a:ext cx="141518" cy="127830"/>
-          </a:xfrm>
-          <a:prstGeom prst="flowChartDecision">
-            <a:avLst/>
-          </a:prstGeom>
-        </p:spPr>
-        <p:style>
-          <a:lnRef idx="2">
-            <a:schemeClr val="accent4">
-              <a:shade val="50000"/>
-            </a:schemeClr>
-          </a:lnRef>
-          <a:fillRef idx="1">
-            <a:schemeClr val="accent4"/>
-          </a:fillRef>
-          <a:effectRef idx="0">
-            <a:schemeClr val="accent4"/>
-          </a:effectRef>
-          <a:fontRef idx="minor">
-            <a:schemeClr val="lt1"/>
-          </a:fontRef>
-        </p:style>
-        <p:txBody>
-          <a:bodyPr rtlCol="0" anchor="ctr"/>
-          <a:lstStyle/>
-          <a:p>
-            <a:pPr algn="ctr"/>
-            <a:endParaRPr lang="en-SG"/>
-          </a:p>
-        </p:txBody>
-      </p:sp>
-      <p:cxnSp>
-        <p:nvCxnSpPr>
-          <p:cNvPr id="73" name="Elbow Connector 72"/>
-          <p:cNvCxnSpPr>
-            <a:stCxn id="83" idx="0"/>
-            <a:endCxn id="72" idx="2"/>
-          </p:cNvCxnSpPr>
-          <p:nvPr/>
-        </p:nvCxnSpPr>
-        <p:spPr>
-          <a:xfrm rot="16200000" flipV="1">
-            <a:off x="7862630" y="1498266"/>
-            <a:ext cx="112933" cy="2522"/>
-          </a:xfrm>
-          <a:prstGeom prst="bentConnector3">
-            <a:avLst>
-              <a:gd name="adj1" fmla="val 50000"/>
-            </a:avLst>
-          </a:prstGeom>
-          <a:ln/>
-        </p:spPr>
-        <p:style>
-          <a:lnRef idx="2">
-            <a:schemeClr val="accent4">
-              <a:shade val="50000"/>
-            </a:schemeClr>
-          </a:lnRef>
-          <a:fillRef idx="1">
-            <a:schemeClr val="accent4"/>
-          </a:fillRef>
-          <a:effectRef idx="0">
-            <a:schemeClr val="accent4"/>
-          </a:effectRef>
-          <a:fontRef idx="minor">
-            <a:schemeClr val="lt1"/>
-          </a:fontRef>
-        </p:style>
-      </p:cxnSp>
-      <p:cxnSp>
-        <p:nvCxnSpPr>
-          <p:cNvPr id="74" name="Straight Arrow Connector 73"/>
-          <p:cNvCxnSpPr/>
-          <p:nvPr/>
-        </p:nvCxnSpPr>
-        <p:spPr>
-          <a:xfrm flipH="1">
-            <a:off x="8758734" y="5492033"/>
-            <a:ext cx="971504" cy="0"/>
-          </a:xfrm>
-          <a:prstGeom prst="straightConnector1">
-            <a:avLst/>
-          </a:prstGeom>
-          <a:ln w="38100">
-            <a:solidFill>
-              <a:schemeClr val="tx1"/>
-            </a:solidFill>
-            <a:prstDash val="sysDash"/>
-            <a:headEnd type="arrow" w="med" len="med"/>
-            <a:tailEnd type="none" w="med" len="med"/>
-          </a:ln>
-        </p:spPr>
-        <p:style>
-          <a:lnRef idx="1">
-            <a:schemeClr val="accent1"/>
-          </a:lnRef>
-          <a:fillRef idx="0">
-            <a:schemeClr val="accent1"/>
-          </a:fillRef>
-          <a:effectRef idx="0">
-            <a:schemeClr val="accent1"/>
-          </a:effectRef>
-          <a:fontRef idx="minor">
-            <a:schemeClr val="tx1"/>
-          </a:fontRef>
-        </p:style>
-      </p:cxnSp>
-      <p:sp>
-        <p:nvSpPr>
-          <p:cNvPr id="75" name="TextBox 74"/>
-          <p:cNvSpPr txBox="1"/>
-          <p:nvPr/>
-        </p:nvSpPr>
-        <p:spPr>
-          <a:xfrm>
-            <a:off x="9624922" y="5331023"/>
-            <a:ext cx="1319257" cy="307777"/>
-          </a:xfrm>
-          <a:prstGeom prst="rect">
-            <a:avLst/>
-          </a:prstGeom>
-          <a:grpFill/>
-          <a:ln>
-            <a:noFill/>
-          </a:ln>
-        </p:spPr>
-        <p:style>
-          <a:lnRef idx="2">
-            <a:schemeClr val="accent1">
-              <a:shade val="50000"/>
-            </a:schemeClr>
-          </a:lnRef>
-          <a:fillRef idx="1">
-            <a:schemeClr val="accent1"/>
-          </a:fillRef>
-          <a:effectRef idx="0">
-            <a:schemeClr val="accent1"/>
-          </a:effectRef>
-          <a:fontRef idx="minor">
-            <a:schemeClr val="lt1"/>
-          </a:fontRef>
-        </p:style>
-        <p:txBody>
-          <a:bodyPr rtlCol="0" anchor="t" anchorCtr="0"/>
-          <a:lstStyle>
-            <a:defPPr>
-              <a:defRPr lang="en-US"/>
-            </a:defPPr>
-            <a:lvl1pPr>
-              <a:defRPr sz="1400" b="1">
-                <a:solidFill>
-                  <a:srgbClr val="7030A0"/>
-                </a:solidFill>
-              </a:defRPr>
-            </a:lvl1pPr>
-            <a:lvl2pPr>
-              <a:defRPr>
-                <a:solidFill>
-                  <a:schemeClr val="lt1"/>
-                </a:solidFill>
-              </a:defRPr>
-            </a:lvl2pPr>
-            <a:lvl3pPr>
-              <a:defRPr>
-                <a:solidFill>
-                  <a:schemeClr val="lt1"/>
-                </a:solidFill>
-              </a:defRPr>
-            </a:lvl3pPr>
-            <a:lvl4pPr>
-              <a:defRPr>
-                <a:solidFill>
-                  <a:schemeClr val="lt1"/>
-                </a:solidFill>
-              </a:defRPr>
-            </a:lvl4pPr>
-            <a:lvl5pPr>
-              <a:defRPr>
-                <a:solidFill>
-                  <a:schemeClr val="lt1"/>
-                </a:solidFill>
-              </a:defRPr>
-            </a:lvl5pPr>
-            <a:lvl6pPr>
-              <a:defRPr>
-                <a:solidFill>
-                  <a:schemeClr val="lt1"/>
-                </a:solidFill>
-              </a:defRPr>
-            </a:lvl6pPr>
-            <a:lvl7pPr>
-              <a:defRPr>
-                <a:solidFill>
-                  <a:schemeClr val="lt1"/>
-                </a:solidFill>
-              </a:defRPr>
-            </a:lvl7pPr>
-            <a:lvl8pPr>
-              <a:defRPr>
-                <a:solidFill>
-                  <a:schemeClr val="lt1"/>
-                </a:solidFill>
-              </a:defRPr>
-            </a:lvl8pPr>
-            <a:lvl9pPr>
-              <a:defRPr>
-                <a:solidFill>
-                  <a:schemeClr val="lt1"/>
-                </a:solidFill>
-              </a:defRPr>
-            </a:lvl9pPr>
-          </a:lstStyle>
-          <a:p>
-            <a:pPr algn="ctr"/>
-            <a:r>
-              <a:rPr lang="en-US" dirty="0" err="1" smtClean="0">
-                <a:solidFill>
-                  <a:schemeClr val="tx1"/>
-                </a:solidFill>
-              </a:rPr>
-              <a:t>BackDoor</a:t>
-            </a:r>
-            <a:r>
-              <a:rPr lang="en-US" dirty="0" smtClean="0">
-                <a:solidFill>
-                  <a:schemeClr val="tx1"/>
-                </a:solidFill>
-              </a:rPr>
-              <a:t> API</a:t>
-            </a:r>
-            <a:endParaRPr lang="en-SG" dirty="0">
-              <a:solidFill>
-                <a:schemeClr val="tx1"/>
-              </a:solidFill>
-            </a:endParaRPr>
-          </a:p>
-        </p:txBody>
-      </p:sp>
-      <p:cxnSp>
-        <p:nvCxnSpPr>
-          <p:cNvPr id="76" name="Straight Arrow Connector 75"/>
-          <p:cNvCxnSpPr/>
-          <p:nvPr/>
-        </p:nvCxnSpPr>
-        <p:spPr>
-          <a:xfrm flipH="1" flipV="1">
-            <a:off x="8905873" y="1674911"/>
-            <a:ext cx="663146" cy="7122"/>
-          </a:xfrm>
-          <a:prstGeom prst="straightConnector1">
-            <a:avLst/>
-          </a:prstGeom>
-          <a:ln w="38100">
-            <a:solidFill>
-              <a:schemeClr val="tx1"/>
-            </a:solidFill>
-            <a:prstDash val="sysDash"/>
-            <a:headEnd type="arrow" w="med" len="med"/>
-            <a:tailEnd type="none" w="med" len="med"/>
-          </a:ln>
-        </p:spPr>
-        <p:style>
-          <a:lnRef idx="1">
-            <a:schemeClr val="accent1"/>
-          </a:lnRef>
-          <a:fillRef idx="0">
-            <a:schemeClr val="accent1"/>
-          </a:fillRef>
-          <a:effectRef idx="0">
-            <a:schemeClr val="accent1"/>
-          </a:effectRef>
-          <a:fontRef idx="minor">
-            <a:schemeClr val="tx1"/>
-          </a:fontRef>
-        </p:style>
-      </p:cxnSp>
-      <p:sp>
-        <p:nvSpPr>
-          <p:cNvPr id="77" name="TextBox 76"/>
-          <p:cNvSpPr txBox="1"/>
-          <p:nvPr/>
-        </p:nvSpPr>
-        <p:spPr>
-          <a:xfrm>
-            <a:off x="9463702" y="1521023"/>
-            <a:ext cx="1319257" cy="307777"/>
-          </a:xfrm>
-          <a:prstGeom prst="rect">
-            <a:avLst/>
-          </a:prstGeom>
-          <a:grpFill/>
-          <a:ln>
-            <a:noFill/>
-          </a:ln>
-        </p:spPr>
-        <p:style>
-          <a:lnRef idx="2">
-            <a:schemeClr val="accent1">
-              <a:shade val="50000"/>
-            </a:schemeClr>
-          </a:lnRef>
-          <a:fillRef idx="1">
-            <a:schemeClr val="accent1"/>
-          </a:fillRef>
-          <a:effectRef idx="0">
-            <a:schemeClr val="accent1"/>
-          </a:effectRef>
-          <a:fontRef idx="minor">
-            <a:schemeClr val="lt1"/>
-          </a:fontRef>
-        </p:style>
-        <p:txBody>
-          <a:bodyPr rtlCol="0" anchor="t" anchorCtr="0"/>
-          <a:lstStyle>
-            <a:defPPr>
-              <a:defRPr lang="en-US"/>
-            </a:defPPr>
-            <a:lvl1pPr>
-              <a:defRPr sz="1400" b="1">
-                <a:solidFill>
-                  <a:srgbClr val="7030A0"/>
-                </a:solidFill>
-              </a:defRPr>
-            </a:lvl1pPr>
-            <a:lvl2pPr>
-              <a:defRPr>
-                <a:solidFill>
-                  <a:schemeClr val="lt1"/>
-                </a:solidFill>
-              </a:defRPr>
-            </a:lvl2pPr>
-            <a:lvl3pPr>
-              <a:defRPr>
-                <a:solidFill>
-                  <a:schemeClr val="lt1"/>
-                </a:solidFill>
-              </a:defRPr>
-            </a:lvl3pPr>
-            <a:lvl4pPr>
-              <a:defRPr>
-                <a:solidFill>
-                  <a:schemeClr val="lt1"/>
-                </a:solidFill>
-              </a:defRPr>
-            </a:lvl4pPr>
-            <a:lvl5pPr>
-              <a:defRPr>
-                <a:solidFill>
-                  <a:schemeClr val="lt1"/>
-                </a:solidFill>
-              </a:defRPr>
-            </a:lvl5pPr>
-            <a:lvl6pPr>
-              <a:defRPr>
-                <a:solidFill>
-                  <a:schemeClr val="lt1"/>
-                </a:solidFill>
-              </a:defRPr>
-            </a:lvl6pPr>
-            <a:lvl7pPr>
-              <a:defRPr>
-                <a:solidFill>
-                  <a:schemeClr val="lt1"/>
-                </a:solidFill>
-              </a:defRPr>
-            </a:lvl7pPr>
-            <a:lvl8pPr>
-              <a:defRPr>
-                <a:solidFill>
-                  <a:schemeClr val="lt1"/>
-                </a:solidFill>
-              </a:defRPr>
-            </a:lvl8pPr>
-            <a:lvl9pPr>
-              <a:defRPr>
-                <a:solidFill>
-                  <a:schemeClr val="lt1"/>
-                </a:solidFill>
-              </a:defRPr>
-            </a:lvl9pPr>
-          </a:lstStyle>
-          <a:p>
-            <a:pPr algn="ctr"/>
-            <a:r>
-              <a:rPr lang="en-US" dirty="0" smtClean="0">
-                <a:solidFill>
-                  <a:schemeClr val="tx1"/>
-                </a:solidFill>
-              </a:rPr>
-              <a:t>Selenium Web Driver</a:t>
-            </a:r>
-            <a:endParaRPr lang="en-SG" dirty="0">
-              <a:solidFill>
-                <a:schemeClr val="tx1"/>
-              </a:solidFill>
-            </a:endParaRPr>
-          </a:p>
-        </p:txBody>
-      </p:sp>
-      <p:sp>
-        <p:nvSpPr>
-          <p:cNvPr id="82" name="Rectangle 81"/>
-          <p:cNvSpPr/>
-          <p:nvPr/>
-        </p:nvSpPr>
-        <p:spPr>
-          <a:xfrm>
-            <a:off x="6995245" y="5767800"/>
-            <a:ext cx="1800000" cy="252000"/>
-          </a:xfrm>
-          <a:prstGeom prst="rect">
-            <a:avLst/>
-          </a:prstGeom>
-        </p:spPr>
-        <p:style>
-          <a:lnRef idx="2">
-            <a:schemeClr val="accent3">
-              <a:shade val="50000"/>
-            </a:schemeClr>
-          </a:lnRef>
-          <a:fillRef idx="1">
-            <a:schemeClr val="accent3"/>
-          </a:fillRef>
-          <a:effectRef idx="0">
-            <a:schemeClr val="accent3"/>
-          </a:effectRef>
-          <a:fontRef idx="minor">
-            <a:schemeClr val="lt1"/>
-          </a:fontRef>
-        </p:style>
-        <p:txBody>
-          <a:bodyPr rtlCol="0" anchor="ctr"/>
-          <a:lstStyle/>
-          <a:p>
-            <a:pPr algn="ctr"/>
-            <a:r>
-              <a:rPr lang="en-US" sz="1600" b="1" dirty="0" err="1"/>
-              <a:t>EmailAccount</a:t>
-            </a:r>
-            <a:endParaRPr lang="en-SG" sz="1600" b="1" dirty="0"/>
-          </a:p>
-        </p:txBody>
-      </p:sp>
-      <p:sp>
-        <p:nvSpPr>
-          <p:cNvPr id="83" name="Rectangle 82"/>
-          <p:cNvSpPr/>
-          <p:nvPr/>
-        </p:nvSpPr>
-        <p:spPr>
-          <a:xfrm>
-            <a:off x="7020357" y="1555993"/>
-            <a:ext cx="1800000" cy="299104"/>
-          </a:xfrm>
-          <a:prstGeom prst="rect">
-            <a:avLst/>
-          </a:prstGeom>
-        </p:spPr>
-        <p:style>
-          <a:lnRef idx="2">
-            <a:schemeClr val="accent4">
-              <a:shade val="50000"/>
-            </a:schemeClr>
-          </a:lnRef>
-          <a:fillRef idx="1">
-            <a:schemeClr val="accent4"/>
-          </a:fillRef>
-          <a:effectRef idx="0">
-            <a:schemeClr val="accent4"/>
-          </a:effectRef>
-          <a:fontRef idx="minor">
-            <a:schemeClr val="lt1"/>
-          </a:fontRef>
-        </p:style>
-        <p:txBody>
-          <a:bodyPr rtlCol="0" anchor="ctr"/>
-          <a:lstStyle/>
-          <a:p>
-            <a:pPr algn="ctr"/>
-            <a:r>
-              <a:rPr lang="en-US" sz="1600" b="1" dirty="0" smtClean="0"/>
-              <a:t>Browser</a:t>
-            </a:r>
-            <a:endParaRPr lang="en-SG" sz="1600" b="1" dirty="0"/>
-          </a:p>
-        </p:txBody>
-      </p:sp>
-      <p:sp>
-        <p:nvSpPr>
-          <p:cNvPr id="84" name="Rectangle 83"/>
-          <p:cNvSpPr/>
-          <p:nvPr/>
-        </p:nvSpPr>
-        <p:spPr>
-          <a:xfrm>
-            <a:off x="6995245" y="5386835"/>
-            <a:ext cx="1800000" cy="252000"/>
-          </a:xfrm>
-          <a:prstGeom prst="rect">
-            <a:avLst/>
-          </a:prstGeom>
-        </p:spPr>
-        <p:style>
-          <a:lnRef idx="2">
-            <a:schemeClr val="accent3">
-              <a:shade val="50000"/>
-            </a:schemeClr>
-          </a:lnRef>
-          <a:fillRef idx="1">
-            <a:schemeClr val="accent3"/>
-          </a:fillRef>
-          <a:effectRef idx="0">
-            <a:schemeClr val="accent3"/>
-          </a:effectRef>
-          <a:fontRef idx="minor">
-            <a:schemeClr val="lt1"/>
-          </a:fontRef>
-        </p:style>
-        <p:txBody>
-          <a:bodyPr rtlCol="0" anchor="ctr"/>
-          <a:lstStyle/>
-          <a:p>
-            <a:pPr algn="ctr"/>
-            <a:r>
-              <a:rPr lang="en-US" sz="1600" b="1" dirty="0" err="1" smtClean="0"/>
-              <a:t>BackDoor</a:t>
-            </a:r>
-            <a:endParaRPr lang="en-SG" sz="1600" b="1" dirty="0"/>
-          </a:p>
-        </p:txBody>
-      </p:sp>
-      <p:cxnSp>
-        <p:nvCxnSpPr>
-          <p:cNvPr id="89" name="Elbow Connector 88"/>
-          <p:cNvCxnSpPr>
-            <a:stCxn id="123" idx="0"/>
-            <a:endCxn id="47" idx="1"/>
-          </p:cNvCxnSpPr>
-          <p:nvPr/>
-        </p:nvCxnSpPr>
-        <p:spPr>
-          <a:xfrm rot="5400000" flipH="1" flipV="1">
-            <a:off x="3964620" y="1653655"/>
-            <a:ext cx="730137" cy="5335446"/>
+          <a:xfrm flipV="1">
+            <a:off x="7405576" y="2819400"/>
+            <a:ext cx="569024" cy="2343000"/>
           </a:xfrm>
           <a:prstGeom prst="bentConnector2">
             <a:avLst/>
           </a:prstGeom>
           <a:ln>
             <a:solidFill>
-              <a:schemeClr val="accent2">
+              <a:schemeClr val="accent5">
                 <a:lumMod val="75000"/>
               </a:schemeClr>
             </a:solidFill>
             <a:prstDash val="sysDot"/>
             <a:headEnd type="none" w="med" len="med"/>
             <a:tailEnd type="arrow" w="med" len="med"/>
-          </a:ln>
-        </p:spPr>
-        <p:style>
-          <a:lnRef idx="2">
-            <a:schemeClr val="accent6">
-              <a:shade val="50000"/>
-            </a:schemeClr>
-          </a:lnRef>
-          <a:fillRef idx="1">
-            <a:schemeClr val="accent6"/>
-          </a:fillRef>
-          <a:effectRef idx="0">
-            <a:schemeClr val="accent6"/>
-          </a:effectRef>
-          <a:fontRef idx="minor">
-            <a:schemeClr val="lt1"/>
-          </a:fontRef>
-        </p:style>
-      </p:cxnSp>
-      <p:sp>
-        <p:nvSpPr>
-          <p:cNvPr id="90" name="Folded Corner 89"/>
-          <p:cNvSpPr/>
-          <p:nvPr/>
-        </p:nvSpPr>
-        <p:spPr>
-          <a:xfrm>
-            <a:off x="9463702" y="4125368"/>
-            <a:ext cx="1219200" cy="650402"/>
-          </a:xfrm>
-          <a:prstGeom prst="foldedCorner">
-            <a:avLst/>
-          </a:prstGeom>
-          <a:solidFill>
-            <a:schemeClr val="bg1"/>
-          </a:solidFill>
-          <a:ln>
-            <a:solidFill>
-              <a:schemeClr val="tx1"/>
-            </a:solidFill>
-          </a:ln>
-        </p:spPr>
-        <p:style>
-          <a:lnRef idx="2">
-            <a:schemeClr val="accent1">
-              <a:shade val="50000"/>
-            </a:schemeClr>
-          </a:lnRef>
-          <a:fillRef idx="1">
-            <a:schemeClr val="accent1"/>
-          </a:fillRef>
-          <a:effectRef idx="0">
-            <a:schemeClr val="accent1"/>
-          </a:effectRef>
-          <a:fontRef idx="minor">
-            <a:schemeClr val="lt1"/>
-          </a:fontRef>
-        </p:style>
-        <p:txBody>
-          <a:bodyPr rtlCol="0" anchor="ctr"/>
-          <a:lstStyle/>
-          <a:p>
-            <a:pPr algn="ctr"/>
-            <a:r>
-              <a:rPr lang="en-US" sz="1600" b="1" dirty="0" smtClean="0">
-                <a:solidFill>
-                  <a:schemeClr val="tx1"/>
-                </a:solidFill>
-              </a:rPr>
-              <a:t>test</a:t>
-            </a:r>
-            <a:br>
-              <a:rPr lang="en-US" sz="1600" b="1" dirty="0" smtClean="0">
-                <a:solidFill>
-                  <a:schemeClr val="tx1"/>
-                </a:solidFill>
-              </a:rPr>
-            </a:br>
-            <a:r>
-              <a:rPr lang="en-US" sz="1600" b="1" dirty="0" smtClean="0">
-                <a:solidFill>
-                  <a:schemeClr val="tx1"/>
-                </a:solidFill>
-              </a:rPr>
-              <a:t>.properties</a:t>
-            </a:r>
-            <a:endParaRPr lang="en-SG" sz="1600" b="1" dirty="0">
-              <a:solidFill>
-                <a:schemeClr val="tx1"/>
-              </a:solidFill>
-            </a:endParaRPr>
-          </a:p>
-        </p:txBody>
-      </p:sp>
-      <p:sp>
-        <p:nvSpPr>
-          <p:cNvPr id="91" name="Folded Corner 90"/>
-          <p:cNvSpPr/>
-          <p:nvPr/>
-        </p:nvSpPr>
-        <p:spPr>
-          <a:xfrm>
-            <a:off x="9311302" y="4683598"/>
-            <a:ext cx="1219200" cy="650402"/>
-          </a:xfrm>
-          <a:prstGeom prst="foldedCorner">
-            <a:avLst/>
-          </a:prstGeom>
-          <a:solidFill>
-            <a:schemeClr val="bg1"/>
-          </a:solidFill>
-          <a:ln>
-            <a:solidFill>
-              <a:schemeClr val="tx1"/>
-            </a:solidFill>
-          </a:ln>
-        </p:spPr>
-        <p:style>
-          <a:lnRef idx="2">
-            <a:schemeClr val="accent1">
-              <a:shade val="50000"/>
-            </a:schemeClr>
-          </a:lnRef>
-          <a:fillRef idx="1">
-            <a:schemeClr val="accent1"/>
-          </a:fillRef>
-          <a:effectRef idx="0">
-            <a:schemeClr val="accent1"/>
-          </a:effectRef>
-          <a:fontRef idx="minor">
-            <a:schemeClr val="lt1"/>
-          </a:fontRef>
-        </p:style>
-        <p:txBody>
-          <a:bodyPr rtlCol="0" anchor="ctr"/>
-          <a:lstStyle/>
-          <a:p>
-            <a:pPr algn="ctr"/>
-            <a:r>
-              <a:rPr lang="en-US" sz="1600" b="1" dirty="0" smtClean="0">
-                <a:solidFill>
-                  <a:schemeClr val="tx1"/>
-                </a:solidFill>
-              </a:rPr>
-              <a:t>appengine-web.xml</a:t>
-            </a:r>
-            <a:endParaRPr lang="en-SG" sz="1600" b="1" dirty="0">
-              <a:solidFill>
-                <a:schemeClr val="tx1"/>
-              </a:solidFill>
-            </a:endParaRPr>
-          </a:p>
-        </p:txBody>
-      </p:sp>
-      <p:cxnSp>
-        <p:nvCxnSpPr>
-          <p:cNvPr id="92" name="Straight Arrow Connector 91"/>
-          <p:cNvCxnSpPr/>
-          <p:nvPr/>
-        </p:nvCxnSpPr>
-        <p:spPr>
-          <a:xfrm flipH="1">
-            <a:off x="8682652" y="4347055"/>
-            <a:ext cx="828134" cy="0"/>
-          </a:xfrm>
-          <a:prstGeom prst="straightConnector1">
-            <a:avLst/>
-          </a:prstGeom>
-          <a:ln w="38100">
-            <a:solidFill>
-              <a:schemeClr val="tx1"/>
-            </a:solidFill>
-            <a:prstDash val="sysDash"/>
-            <a:headEnd type="arrow" w="med" len="med"/>
-            <a:tailEnd type="none" w="med" len="med"/>
-          </a:ln>
-        </p:spPr>
-        <p:style>
-          <a:lnRef idx="1">
-            <a:schemeClr val="accent1"/>
-          </a:lnRef>
-          <a:fillRef idx="0">
-            <a:schemeClr val="accent1"/>
-          </a:fillRef>
-          <a:effectRef idx="0">
-            <a:schemeClr val="accent1"/>
-          </a:effectRef>
-          <a:fontRef idx="minor">
-            <a:schemeClr val="tx1"/>
-          </a:fontRef>
-        </p:style>
-      </p:cxnSp>
-      <p:cxnSp>
-        <p:nvCxnSpPr>
-          <p:cNvPr id="93" name="Straight Arrow Connector 92"/>
-          <p:cNvCxnSpPr/>
-          <p:nvPr/>
-        </p:nvCxnSpPr>
-        <p:spPr>
-          <a:xfrm>
-            <a:off x="6466320" y="4988625"/>
-            <a:ext cx="382155" cy="0"/>
-          </a:xfrm>
-          <a:prstGeom prst="straightConnector1">
-            <a:avLst/>
-          </a:prstGeom>
-          <a:ln>
-            <a:solidFill>
-              <a:schemeClr val="accent2">
-                <a:lumMod val="75000"/>
-              </a:schemeClr>
-            </a:solidFill>
-            <a:prstDash val="sysDot"/>
-            <a:headEnd type="none" w="med" len="med"/>
-            <a:tailEnd type="arrow" w="med" len="med"/>
-          </a:ln>
-        </p:spPr>
-        <p:style>
-          <a:lnRef idx="2">
-            <a:schemeClr val="accent6">
-              <a:shade val="50000"/>
-            </a:schemeClr>
-          </a:lnRef>
-          <a:fillRef idx="1">
-            <a:schemeClr val="accent6"/>
-          </a:fillRef>
-          <a:effectRef idx="0">
-            <a:schemeClr val="accent6"/>
-          </a:effectRef>
-          <a:fontRef idx="minor">
-            <a:schemeClr val="lt1"/>
-          </a:fontRef>
-        </p:style>
-      </p:cxnSp>
-      <p:sp>
-        <p:nvSpPr>
-          <p:cNvPr id="96" name="TextBox 95"/>
-          <p:cNvSpPr txBox="1"/>
-          <p:nvPr/>
-        </p:nvSpPr>
-        <p:spPr>
-          <a:xfrm>
-            <a:off x="1371600" y="6458654"/>
-            <a:ext cx="981075" cy="307777"/>
-          </a:xfrm>
-          <a:prstGeom prst="rect">
-            <a:avLst/>
-          </a:prstGeom>
-          <a:grpFill/>
-          <a:ln>
-            <a:noFill/>
-          </a:ln>
-        </p:spPr>
-        <p:style>
-          <a:lnRef idx="2">
-            <a:schemeClr val="accent1">
-              <a:shade val="50000"/>
-            </a:schemeClr>
-          </a:lnRef>
-          <a:fillRef idx="1">
-            <a:schemeClr val="accent1"/>
-          </a:fillRef>
-          <a:effectRef idx="0">
-            <a:schemeClr val="accent1"/>
-          </a:effectRef>
-          <a:fontRef idx="minor">
-            <a:schemeClr val="lt1"/>
-          </a:fontRef>
-        </p:style>
-        <p:txBody>
-          <a:bodyPr rtlCol="0" anchor="t" anchorCtr="0"/>
-          <a:lstStyle>
-            <a:defPPr>
-              <a:defRPr lang="en-US"/>
-            </a:defPPr>
-            <a:lvl1pPr>
-              <a:defRPr sz="1400" b="1">
-                <a:solidFill>
-                  <a:srgbClr val="7030A0"/>
-                </a:solidFill>
-              </a:defRPr>
-            </a:lvl1pPr>
-            <a:lvl2pPr>
-              <a:defRPr>
-                <a:solidFill>
-                  <a:schemeClr val="lt1"/>
-                </a:solidFill>
-              </a:defRPr>
-            </a:lvl2pPr>
-            <a:lvl3pPr>
-              <a:defRPr>
-                <a:solidFill>
-                  <a:schemeClr val="lt1"/>
-                </a:solidFill>
-              </a:defRPr>
-            </a:lvl3pPr>
-            <a:lvl4pPr>
-              <a:defRPr>
-                <a:solidFill>
-                  <a:schemeClr val="lt1"/>
-                </a:solidFill>
-              </a:defRPr>
-            </a:lvl4pPr>
-            <a:lvl5pPr>
-              <a:defRPr>
-                <a:solidFill>
-                  <a:schemeClr val="lt1"/>
-                </a:solidFill>
-              </a:defRPr>
-            </a:lvl5pPr>
-            <a:lvl6pPr>
-              <a:defRPr>
-                <a:solidFill>
-                  <a:schemeClr val="lt1"/>
-                </a:solidFill>
-              </a:defRPr>
-            </a:lvl6pPr>
-            <a:lvl7pPr>
-              <a:defRPr>
-                <a:solidFill>
-                  <a:schemeClr val="lt1"/>
-                </a:solidFill>
-              </a:defRPr>
-            </a:lvl7pPr>
-            <a:lvl8pPr>
-              <a:defRPr>
-                <a:solidFill>
-                  <a:schemeClr val="lt1"/>
-                </a:solidFill>
-              </a:defRPr>
-            </a:lvl8pPr>
-            <a:lvl9pPr>
-              <a:defRPr>
-                <a:solidFill>
-                  <a:schemeClr val="lt1"/>
-                </a:solidFill>
-              </a:defRPr>
-            </a:lvl9pPr>
-          </a:lstStyle>
-          <a:p>
-            <a:pPr algn="ctr"/>
-            <a:r>
-              <a:rPr lang="en-US" dirty="0" err="1" smtClean="0">
-                <a:solidFill>
-                  <a:schemeClr val="tx1"/>
-                </a:solidFill>
-              </a:rPr>
-              <a:t>TestNG</a:t>
-            </a:r>
-            <a:endParaRPr lang="en-SG" dirty="0">
-              <a:solidFill>
-                <a:schemeClr val="tx1"/>
-              </a:solidFill>
-            </a:endParaRPr>
-          </a:p>
-        </p:txBody>
-      </p:sp>
-      <p:cxnSp>
-        <p:nvCxnSpPr>
-          <p:cNvPr id="100" name="Straight Arrow Connector 99"/>
-          <p:cNvCxnSpPr>
-            <a:stCxn id="50" idx="1"/>
-          </p:cNvCxnSpPr>
-          <p:nvPr/>
-        </p:nvCxnSpPr>
-        <p:spPr>
-          <a:xfrm flipH="1">
-            <a:off x="2173415" y="6609358"/>
-            <a:ext cx="598192" cy="0"/>
-          </a:xfrm>
-          <a:prstGeom prst="straightConnector1">
-            <a:avLst/>
-          </a:prstGeom>
-          <a:ln w="38100">
-            <a:solidFill>
-              <a:schemeClr val="tx1"/>
-            </a:solidFill>
-            <a:prstDash val="sysDash"/>
-            <a:headEnd type="arrow" w="med" len="med"/>
-            <a:tailEnd type="none" w="med" len="med"/>
-          </a:ln>
-        </p:spPr>
-        <p:style>
-          <a:lnRef idx="1">
-            <a:schemeClr val="accent1"/>
-          </a:lnRef>
-          <a:fillRef idx="0">
-            <a:schemeClr val="accent1"/>
-          </a:fillRef>
-          <a:effectRef idx="0">
-            <a:schemeClr val="accent1"/>
-          </a:effectRef>
-          <a:fontRef idx="minor">
-            <a:schemeClr val="tx1"/>
-          </a:fontRef>
-        </p:style>
-      </p:cxnSp>
-      <p:sp>
-        <p:nvSpPr>
-          <p:cNvPr id="105" name="Rectangle 104"/>
-          <p:cNvSpPr/>
-          <p:nvPr/>
-        </p:nvSpPr>
-        <p:spPr>
-          <a:xfrm>
-            <a:off x="6995245" y="5005903"/>
-            <a:ext cx="1774889" cy="252000"/>
-          </a:xfrm>
-          <a:prstGeom prst="rect">
-            <a:avLst/>
-          </a:prstGeom>
-        </p:spPr>
-        <p:style>
-          <a:lnRef idx="2">
-            <a:schemeClr val="accent3">
-              <a:shade val="50000"/>
-            </a:schemeClr>
-          </a:lnRef>
-          <a:fillRef idx="1">
-            <a:schemeClr val="accent3"/>
-          </a:fillRef>
-          <a:effectRef idx="0">
-            <a:schemeClr val="accent3"/>
-          </a:effectRef>
-          <a:fontRef idx="minor">
-            <a:schemeClr val="lt1"/>
-          </a:fontRef>
-        </p:style>
-        <p:txBody>
-          <a:bodyPr rtlCol="0" anchor="ctr"/>
-          <a:lstStyle/>
-          <a:p>
-            <a:pPr algn="ctr"/>
-            <a:r>
-              <a:rPr lang="en-US" sz="1600" b="1" dirty="0" err="1"/>
-              <a:t>HtmlHelper</a:t>
-            </a:r>
-            <a:endParaRPr lang="en-SG" sz="1600" b="1" dirty="0"/>
-          </a:p>
-        </p:txBody>
-      </p:sp>
-      <p:sp>
-        <p:nvSpPr>
-          <p:cNvPr id="106" name="Rectangle 105"/>
-          <p:cNvSpPr/>
-          <p:nvPr/>
-        </p:nvSpPr>
-        <p:spPr>
-          <a:xfrm>
-            <a:off x="6995245" y="4624937"/>
-            <a:ext cx="1774889" cy="252000"/>
-          </a:xfrm>
-          <a:prstGeom prst="rect">
-            <a:avLst/>
-          </a:prstGeom>
-        </p:spPr>
-        <p:style>
-          <a:lnRef idx="2">
-            <a:schemeClr val="accent3">
-              <a:shade val="50000"/>
-            </a:schemeClr>
-          </a:lnRef>
-          <a:fillRef idx="1">
-            <a:schemeClr val="accent3"/>
-          </a:fillRef>
-          <a:effectRef idx="0">
-            <a:schemeClr val="accent3"/>
-          </a:effectRef>
-          <a:fontRef idx="minor">
-            <a:schemeClr val="lt1"/>
-          </a:fontRef>
-        </p:style>
-        <p:txBody>
-          <a:bodyPr rtlCol="0" anchor="ctr"/>
-          <a:lstStyle/>
-          <a:p>
-            <a:pPr algn="ctr"/>
-            <a:r>
-              <a:rPr lang="en-US" sz="1600" b="1" dirty="0" err="1" smtClean="0"/>
-              <a:t>AssertHelper</a:t>
-            </a:r>
-            <a:endParaRPr lang="en-SG" sz="1600" b="1" dirty="0"/>
-          </a:p>
-        </p:txBody>
-      </p:sp>
-      <p:sp>
-        <p:nvSpPr>
-          <p:cNvPr id="46" name="Rectangle 45"/>
-          <p:cNvSpPr/>
-          <p:nvPr/>
-        </p:nvSpPr>
-        <p:spPr>
-          <a:xfrm>
-            <a:off x="6995245" y="4243971"/>
-            <a:ext cx="1800000" cy="252000"/>
-          </a:xfrm>
-          <a:prstGeom prst="rect">
-            <a:avLst/>
-          </a:prstGeom>
-        </p:spPr>
-        <p:style>
-          <a:lnRef idx="2">
-            <a:schemeClr val="accent3">
-              <a:shade val="50000"/>
-            </a:schemeClr>
-          </a:lnRef>
-          <a:fillRef idx="1">
-            <a:schemeClr val="accent3"/>
-          </a:fillRef>
-          <a:effectRef idx="0">
-            <a:schemeClr val="accent3"/>
-          </a:effectRef>
-          <a:fontRef idx="minor">
-            <a:schemeClr val="lt1"/>
-          </a:fontRef>
-        </p:style>
-        <p:txBody>
-          <a:bodyPr rtlCol="0" anchor="ctr"/>
-          <a:lstStyle/>
-          <a:p>
-            <a:pPr algn="ctr"/>
-            <a:r>
-              <a:rPr lang="en-US" sz="1600" b="1" dirty="0" err="1"/>
-              <a:t>TestProperties</a:t>
-            </a:r>
-            <a:endParaRPr lang="en-SG" sz="1600" b="1" dirty="0"/>
-          </a:p>
-        </p:txBody>
-      </p:sp>
-      <p:sp>
-        <p:nvSpPr>
-          <p:cNvPr id="107" name="Rectangle 106"/>
-          <p:cNvSpPr/>
-          <p:nvPr/>
-        </p:nvSpPr>
-        <p:spPr>
-          <a:xfrm>
-            <a:off x="7020357" y="2107303"/>
-            <a:ext cx="1799999" cy="303605"/>
-          </a:xfrm>
-          <a:prstGeom prst="rect">
-            <a:avLst/>
-          </a:prstGeom>
-        </p:spPr>
-        <p:style>
-          <a:lnRef idx="2">
-            <a:schemeClr val="accent5">
-              <a:shade val="50000"/>
-            </a:schemeClr>
-          </a:lnRef>
-          <a:fillRef idx="1">
-            <a:schemeClr val="accent5"/>
-          </a:fillRef>
-          <a:effectRef idx="0">
-            <a:schemeClr val="accent5"/>
-          </a:effectRef>
-          <a:fontRef idx="minor">
-            <a:schemeClr val="lt1"/>
-          </a:fontRef>
-        </p:style>
-        <p:txBody>
-          <a:bodyPr rtlCol="0" anchor="ctr"/>
-          <a:lstStyle/>
-          <a:p>
-            <a:pPr algn="ctr"/>
-            <a:r>
-              <a:rPr lang="en-US" sz="1600" b="1" dirty="0" err="1"/>
-              <a:t>AppPage</a:t>
-            </a:r>
-            <a:endParaRPr lang="en-SG" sz="1600" b="1" dirty="0"/>
-          </a:p>
-        </p:txBody>
-      </p:sp>
-      <p:sp>
-        <p:nvSpPr>
-          <p:cNvPr id="108" name="Rectangle 107"/>
-          <p:cNvSpPr/>
-          <p:nvPr/>
-        </p:nvSpPr>
-        <p:spPr>
-          <a:xfrm>
-            <a:off x="7005724" y="2667000"/>
-            <a:ext cx="1819101" cy="299104"/>
-          </a:xfrm>
-          <a:prstGeom prst="rect">
-            <a:avLst/>
-          </a:prstGeom>
-        </p:spPr>
-        <p:style>
-          <a:lnRef idx="2">
-            <a:schemeClr val="accent5">
-              <a:shade val="50000"/>
-            </a:schemeClr>
-          </a:lnRef>
-          <a:fillRef idx="1">
-            <a:schemeClr val="accent5"/>
-          </a:fillRef>
-          <a:effectRef idx="0">
-            <a:schemeClr val="accent5"/>
-          </a:effectRef>
-          <a:fontRef idx="minor">
-            <a:schemeClr val="lt1"/>
-          </a:fontRef>
-        </p:style>
-        <p:txBody>
-          <a:bodyPr lIns="0" rIns="0" rtlCol="0" anchor="ctr"/>
-          <a:lstStyle/>
-          <a:p>
-            <a:pPr algn="ctr"/>
-            <a:endParaRPr lang="en-SG" sz="1600" b="1" dirty="0"/>
-          </a:p>
-        </p:txBody>
-      </p:sp>
-      <p:sp>
-        <p:nvSpPr>
-          <p:cNvPr id="109" name="Isosceles Triangle 108"/>
-          <p:cNvSpPr/>
-          <p:nvPr/>
-        </p:nvSpPr>
-        <p:spPr>
-          <a:xfrm>
-            <a:off x="7823187" y="2438400"/>
-            <a:ext cx="184175" cy="153300"/>
-          </a:xfrm>
-          <a:prstGeom prst="triangle">
-            <a:avLst/>
-          </a:prstGeom>
-        </p:spPr>
-        <p:style>
-          <a:lnRef idx="2">
-            <a:schemeClr val="accent5">
-              <a:shade val="50000"/>
-            </a:schemeClr>
-          </a:lnRef>
-          <a:fillRef idx="1">
-            <a:schemeClr val="accent5"/>
-          </a:fillRef>
-          <a:effectRef idx="0">
-            <a:schemeClr val="accent5"/>
-          </a:effectRef>
-          <a:fontRef idx="minor">
-            <a:schemeClr val="lt1"/>
-          </a:fontRef>
-        </p:style>
-        <p:txBody>
-          <a:bodyPr rtlCol="0" anchor="ctr"/>
-          <a:lstStyle/>
-          <a:p>
-            <a:pPr algn="ctr"/>
-            <a:endParaRPr lang="en-SG" sz="1600" b="1"/>
-          </a:p>
-        </p:txBody>
-      </p:sp>
-      <p:cxnSp>
-        <p:nvCxnSpPr>
-          <p:cNvPr id="16" name="Straight Connector 15"/>
-          <p:cNvCxnSpPr>
-            <a:stCxn id="109" idx="3"/>
-            <a:endCxn id="108" idx="0"/>
-          </p:cNvCxnSpPr>
-          <p:nvPr/>
-        </p:nvCxnSpPr>
-        <p:spPr>
-          <a:xfrm>
-            <a:off x="7915275" y="2591700"/>
-            <a:ext cx="0" cy="75300"/>
-          </a:xfrm>
-          <a:prstGeom prst="line">
-            <a:avLst/>
-          </a:prstGeom>
-        </p:spPr>
-        <p:style>
-          <a:lnRef idx="2">
-            <a:schemeClr val="accent5">
-              <a:shade val="50000"/>
-            </a:schemeClr>
-          </a:lnRef>
-          <a:fillRef idx="1">
-            <a:schemeClr val="accent5"/>
-          </a:fillRef>
-          <a:effectRef idx="0">
-            <a:schemeClr val="accent5"/>
-          </a:effectRef>
-          <a:fontRef idx="minor">
-            <a:schemeClr val="lt1"/>
-          </a:fontRef>
-        </p:style>
-      </p:cxnSp>
-      <p:sp>
-        <p:nvSpPr>
-          <p:cNvPr id="111" name="Rectangle 110"/>
-          <p:cNvSpPr/>
-          <p:nvPr/>
-        </p:nvSpPr>
-        <p:spPr>
-          <a:xfrm>
-            <a:off x="7065764" y="2719032"/>
-            <a:ext cx="1819101" cy="299104"/>
-          </a:xfrm>
-          <a:prstGeom prst="rect">
-            <a:avLst/>
-          </a:prstGeom>
-        </p:spPr>
-        <p:style>
-          <a:lnRef idx="2">
-            <a:schemeClr val="accent5">
-              <a:shade val="50000"/>
-            </a:schemeClr>
-          </a:lnRef>
-          <a:fillRef idx="1">
-            <a:schemeClr val="accent5"/>
-          </a:fillRef>
-          <a:effectRef idx="0">
-            <a:schemeClr val="accent5"/>
-          </a:effectRef>
-          <a:fontRef idx="minor">
-            <a:schemeClr val="lt1"/>
-          </a:fontRef>
-        </p:style>
-        <p:txBody>
-          <a:bodyPr lIns="0" rIns="0" rtlCol="0" anchor="ctr"/>
-          <a:lstStyle/>
-          <a:p>
-            <a:pPr algn="ctr"/>
-            <a:endParaRPr lang="en-SG" sz="1600" b="1" dirty="0"/>
-          </a:p>
-        </p:txBody>
-      </p:sp>
-      <p:sp>
-        <p:nvSpPr>
-          <p:cNvPr id="112" name="Rectangle 111"/>
-          <p:cNvSpPr/>
-          <p:nvPr/>
-        </p:nvSpPr>
-        <p:spPr>
-          <a:xfrm>
-            <a:off x="7125804" y="2771064"/>
-            <a:ext cx="1819101" cy="299104"/>
-          </a:xfrm>
-          <a:prstGeom prst="rect">
-            <a:avLst/>
-          </a:prstGeom>
-        </p:spPr>
-        <p:style>
-          <a:lnRef idx="2">
-            <a:schemeClr val="accent5">
-              <a:shade val="50000"/>
-            </a:schemeClr>
-          </a:lnRef>
-          <a:fillRef idx="1">
-            <a:schemeClr val="accent5"/>
-          </a:fillRef>
-          <a:effectRef idx="0">
-            <a:schemeClr val="accent5"/>
-          </a:effectRef>
-          <a:fontRef idx="minor">
-            <a:schemeClr val="lt1"/>
-          </a:fontRef>
-        </p:style>
-        <p:txBody>
-          <a:bodyPr lIns="0" rIns="0" rtlCol="0" anchor="ctr"/>
-          <a:lstStyle/>
-          <a:p>
-            <a:pPr algn="ctr"/>
-            <a:r>
-              <a:rPr lang="en-US" sz="1600" b="1" dirty="0" err="1"/>
-              <a:t>AdminHomePage</a:t>
-            </a:r>
-            <a:r>
-              <a:rPr lang="en-US" sz="1600" b="1" dirty="0"/>
-              <a:t> etc.</a:t>
-            </a:r>
-            <a:endParaRPr lang="en-SG" sz="1600" b="1" dirty="0"/>
-          </a:p>
-        </p:txBody>
-      </p:sp>
-      <p:sp>
-        <p:nvSpPr>
-          <p:cNvPr id="121" name="Rectangle 120"/>
-          <p:cNvSpPr/>
-          <p:nvPr/>
-        </p:nvSpPr>
-        <p:spPr>
-          <a:xfrm>
-            <a:off x="1144710" y="3121473"/>
-            <a:ext cx="1044324" cy="536127"/>
-          </a:xfrm>
-          <a:prstGeom prst="rect">
-            <a:avLst/>
-          </a:prstGeom>
-        </p:spPr>
-        <p:style>
-          <a:lnRef idx="2">
-            <a:schemeClr val="accent5">
-              <a:shade val="50000"/>
-            </a:schemeClr>
-          </a:lnRef>
-          <a:fillRef idx="1">
-            <a:schemeClr val="accent5"/>
-          </a:fillRef>
-          <a:effectRef idx="0">
-            <a:schemeClr val="accent5"/>
-          </a:effectRef>
-          <a:fontRef idx="minor">
-            <a:schemeClr val="lt1"/>
-          </a:fontRef>
-        </p:style>
-        <p:txBody>
-          <a:bodyPr rtlCol="0" anchor="ctr"/>
-          <a:lstStyle/>
-          <a:p>
-            <a:pPr algn="ctr"/>
-            <a:r>
-              <a:rPr lang="en-US" sz="1600" b="1" dirty="0" err="1"/>
-              <a:t>BaseUi</a:t>
-            </a:r>
-            <a:r>
-              <a:rPr lang="en-US" sz="1600" b="1" dirty="0"/>
-              <a:t/>
-            </a:r>
-            <a:br>
-              <a:rPr lang="en-US" sz="1600" b="1" dirty="0"/>
-            </a:br>
-            <a:r>
-              <a:rPr lang="en-US" sz="1600" b="1" dirty="0" err="1"/>
-              <a:t>TestCase</a:t>
-            </a:r>
-            <a:endParaRPr lang="en-SG" sz="1600" b="1" dirty="0"/>
-          </a:p>
-        </p:txBody>
-      </p:sp>
-      <p:sp>
-        <p:nvSpPr>
-          <p:cNvPr id="123" name="Rectangle 122"/>
-          <p:cNvSpPr/>
-          <p:nvPr/>
-        </p:nvSpPr>
-        <p:spPr>
-          <a:xfrm>
-            <a:off x="1139803" y="4686446"/>
-            <a:ext cx="1044324" cy="723754"/>
-          </a:xfrm>
-          <a:prstGeom prst="rect">
-            <a:avLst/>
-          </a:prstGeom>
-          <a:solidFill>
-            <a:schemeClr val="accent2">
-              <a:lumMod val="60000"/>
-              <a:lumOff val="40000"/>
-            </a:schemeClr>
-          </a:solidFill>
-          <a:ln>
-            <a:solidFill>
-              <a:schemeClr val="accent2">
-                <a:lumMod val="75000"/>
-              </a:schemeClr>
-            </a:solidFill>
-          </a:ln>
-        </p:spPr>
-        <p:style>
-          <a:lnRef idx="2">
-            <a:schemeClr val="accent6">
-              <a:shade val="50000"/>
-            </a:schemeClr>
-          </a:lnRef>
-          <a:fillRef idx="1">
-            <a:schemeClr val="accent6"/>
-          </a:fillRef>
-          <a:effectRef idx="0">
-            <a:schemeClr val="accent6"/>
-          </a:effectRef>
-          <a:fontRef idx="minor">
-            <a:schemeClr val="lt1"/>
-          </a:fontRef>
-        </p:style>
-        <p:txBody>
-          <a:bodyPr lIns="0" rIns="0" rtlCol="0" anchor="ctr"/>
-          <a:lstStyle/>
-          <a:p>
-            <a:pPr algn="ctr"/>
-            <a:r>
-              <a:rPr lang="en-US" sz="1600" b="1" dirty="0" smtClean="0"/>
-              <a:t>Base</a:t>
-            </a:r>
-            <a:br>
-              <a:rPr lang="en-US" sz="1600" b="1" dirty="0" smtClean="0"/>
-            </a:br>
-            <a:r>
-              <a:rPr lang="en-US" sz="1600" b="1" dirty="0" smtClean="0"/>
-              <a:t>Component</a:t>
-            </a:r>
-            <a:br>
-              <a:rPr lang="en-US" sz="1600" b="1" dirty="0" smtClean="0"/>
-            </a:br>
-            <a:r>
-              <a:rPr lang="en-US" sz="1600" b="1" dirty="0" err="1" smtClean="0"/>
-              <a:t>TestCase</a:t>
-            </a:r>
-            <a:endParaRPr lang="en-SG" sz="1600" b="1" dirty="0"/>
-          </a:p>
-        </p:txBody>
-      </p:sp>
-      <p:sp>
-        <p:nvSpPr>
-          <p:cNvPr id="131" name="Isosceles Triangle 130"/>
-          <p:cNvSpPr/>
-          <p:nvPr/>
-        </p:nvSpPr>
-        <p:spPr>
-          <a:xfrm rot="16200000" flipH="1">
-            <a:off x="2165222" y="3308658"/>
-            <a:ext cx="276225" cy="228600"/>
-          </a:xfrm>
-          <a:prstGeom prst="triangle">
-            <a:avLst/>
-          </a:prstGeom>
-        </p:spPr>
-        <p:style>
-          <a:lnRef idx="2">
-            <a:schemeClr val="accent5">
-              <a:shade val="50000"/>
-            </a:schemeClr>
-          </a:lnRef>
-          <a:fillRef idx="1">
-            <a:schemeClr val="accent5"/>
-          </a:fillRef>
-          <a:effectRef idx="0">
-            <a:schemeClr val="accent5"/>
-          </a:effectRef>
-          <a:fontRef idx="minor">
-            <a:schemeClr val="lt1"/>
-          </a:fontRef>
-        </p:style>
-        <p:txBody>
-          <a:bodyPr rtlCol="0" anchor="ctr"/>
-          <a:lstStyle/>
-          <a:p>
-            <a:pPr algn="ctr"/>
-            <a:endParaRPr lang="en-SG" sz="1600" b="1"/>
-          </a:p>
-        </p:txBody>
-      </p:sp>
-      <p:cxnSp>
-        <p:nvCxnSpPr>
-          <p:cNvPr id="225" name="Straight Connector 224"/>
-          <p:cNvCxnSpPr>
-            <a:stCxn id="131" idx="3"/>
-          </p:cNvCxnSpPr>
-          <p:nvPr/>
-        </p:nvCxnSpPr>
-        <p:spPr>
-          <a:xfrm flipV="1">
-            <a:off x="2417635" y="3422958"/>
-            <a:ext cx="941359" cy="1"/>
-          </a:xfrm>
-          <a:prstGeom prst="line">
-            <a:avLst/>
-          </a:prstGeom>
-        </p:spPr>
-        <p:style>
-          <a:lnRef idx="2">
-            <a:schemeClr val="accent5">
-              <a:shade val="50000"/>
-            </a:schemeClr>
-          </a:lnRef>
-          <a:fillRef idx="1">
-            <a:schemeClr val="accent5"/>
-          </a:fillRef>
-          <a:effectRef idx="0">
-            <a:schemeClr val="accent5"/>
-          </a:effectRef>
-          <a:fontRef idx="minor">
-            <a:schemeClr val="lt1"/>
-          </a:fontRef>
-        </p:style>
-      </p:cxnSp>
-      <p:grpSp>
-        <p:nvGrpSpPr>
-          <p:cNvPr id="134" name="Group 133"/>
-          <p:cNvGrpSpPr/>
-          <p:nvPr/>
-        </p:nvGrpSpPr>
-        <p:grpSpPr>
-          <a:xfrm rot="5400000">
-            <a:off x="4108673" y="402870"/>
-            <a:ext cx="448041" cy="1946617"/>
-            <a:chOff x="5145053" y="2923453"/>
-            <a:chExt cx="452572" cy="1278187"/>
-          </a:xfrm>
-        </p:grpSpPr>
-        <p:sp>
-          <p:nvSpPr>
-            <p:cNvPr id="135" name="Rectangle 134"/>
-            <p:cNvSpPr/>
-            <p:nvPr/>
-          </p:nvSpPr>
-          <p:spPr>
-            <a:xfrm rot="16200000">
-              <a:off x="4723526" y="3344980"/>
-              <a:ext cx="1204823" cy="361770"/>
-            </a:xfrm>
-            <a:prstGeom prst="rect">
-              <a:avLst/>
-            </a:prstGeom>
-          </p:spPr>
-          <p:style>
-            <a:lnRef idx="2">
-              <a:schemeClr val="accent3">
-                <a:shade val="50000"/>
-              </a:schemeClr>
-            </a:lnRef>
-            <a:fillRef idx="1">
-              <a:schemeClr val="accent3"/>
-            </a:fillRef>
-            <a:effectRef idx="0">
-              <a:schemeClr val="accent3"/>
-            </a:effectRef>
-            <a:fontRef idx="minor">
-              <a:schemeClr val="lt1"/>
-            </a:fontRef>
-          </p:style>
-          <p:txBody>
-            <a:bodyPr rtlCol="0" anchor="ctr"/>
-            <a:lstStyle/>
-            <a:p>
-              <a:pPr algn="ctr"/>
-              <a:r>
-                <a:rPr lang="en-US" sz="1600" b="1" dirty="0"/>
-                <a:t>Ui Tests</a:t>
-              </a:r>
-              <a:endParaRPr lang="en-SG" sz="1600" b="1" dirty="0"/>
-            </a:p>
-          </p:txBody>
-        </p:sp>
-        <p:sp>
-          <p:nvSpPr>
-            <p:cNvPr id="136" name="Rectangle 135"/>
-            <p:cNvSpPr/>
-            <p:nvPr/>
-          </p:nvSpPr>
-          <p:spPr>
-            <a:xfrm rot="16200000">
-              <a:off x="4767677" y="3375615"/>
-              <a:ext cx="1204823" cy="361770"/>
-            </a:xfrm>
-            <a:prstGeom prst="rect">
-              <a:avLst/>
-            </a:prstGeom>
-          </p:spPr>
-          <p:style>
-            <a:lnRef idx="2">
-              <a:schemeClr val="accent3">
-                <a:shade val="50000"/>
-              </a:schemeClr>
-            </a:lnRef>
-            <a:fillRef idx="1">
-              <a:schemeClr val="accent3"/>
-            </a:fillRef>
-            <a:effectRef idx="0">
-              <a:schemeClr val="accent3"/>
-            </a:effectRef>
-            <a:fontRef idx="minor">
-              <a:schemeClr val="lt1"/>
-            </a:fontRef>
-          </p:style>
-          <p:txBody>
-            <a:bodyPr rtlCol="0" anchor="ctr"/>
-            <a:lstStyle/>
-            <a:p>
-              <a:pPr algn="ctr"/>
-              <a:r>
-                <a:rPr lang="en-US" sz="1600" b="1" dirty="0"/>
-                <a:t>Ui Tests</a:t>
-              </a:r>
-              <a:endParaRPr lang="en-SG" sz="1600" b="1" dirty="0"/>
-            </a:p>
-          </p:txBody>
-        </p:sp>
-        <p:sp>
-          <p:nvSpPr>
-            <p:cNvPr id="137" name="Rectangle 136"/>
-            <p:cNvSpPr/>
-            <p:nvPr/>
-          </p:nvSpPr>
-          <p:spPr>
-            <a:xfrm rot="16200000">
-              <a:off x="4814328" y="3418344"/>
-              <a:ext cx="1204823" cy="361770"/>
-            </a:xfrm>
-            <a:prstGeom prst="rect">
-              <a:avLst/>
-            </a:prstGeom>
-          </p:spPr>
-          <p:style>
-            <a:lnRef idx="2">
-              <a:schemeClr val="accent3">
-                <a:shade val="50000"/>
-              </a:schemeClr>
-            </a:lnRef>
-            <a:fillRef idx="1">
-              <a:schemeClr val="accent3"/>
-            </a:fillRef>
-            <a:effectRef idx="0">
-              <a:schemeClr val="accent3"/>
-            </a:effectRef>
-            <a:fontRef idx="minor">
-              <a:schemeClr val="lt1"/>
-            </a:fontRef>
-          </p:style>
-          <p:txBody>
-            <a:bodyPr rtlCol="0" anchor="ctr"/>
-            <a:lstStyle/>
-            <a:p>
-              <a:pPr algn="ctr"/>
-              <a:r>
-                <a:rPr lang="en-US" sz="1600" b="1" dirty="0"/>
-                <a:t>Driver tests</a:t>
-              </a:r>
-              <a:endParaRPr lang="en-SG" sz="1600" b="1" dirty="0"/>
-            </a:p>
-          </p:txBody>
-        </p:sp>
-      </p:grpSp>
-      <p:grpSp>
-        <p:nvGrpSpPr>
-          <p:cNvPr id="138" name="Group 137"/>
-          <p:cNvGrpSpPr/>
-          <p:nvPr/>
-        </p:nvGrpSpPr>
-        <p:grpSpPr>
-          <a:xfrm rot="5400000">
-            <a:off x="4103877" y="1397639"/>
-            <a:ext cx="448042" cy="1946617"/>
-            <a:chOff x="5145053" y="2923453"/>
-            <a:chExt cx="452572" cy="1278187"/>
-          </a:xfrm>
-          <a:solidFill>
-            <a:schemeClr val="accent2">
-              <a:lumMod val="60000"/>
-              <a:lumOff val="40000"/>
-            </a:schemeClr>
-          </a:solidFill>
-        </p:grpSpPr>
-        <p:sp>
-          <p:nvSpPr>
-            <p:cNvPr id="139" name="Rectangle 138"/>
-            <p:cNvSpPr/>
-            <p:nvPr/>
-          </p:nvSpPr>
-          <p:spPr>
-            <a:xfrm rot="16200000">
-              <a:off x="4723526" y="3344980"/>
-              <a:ext cx="1204823" cy="361770"/>
-            </a:xfrm>
-            <a:prstGeom prst="rect">
-              <a:avLst/>
-            </a:prstGeom>
-          </p:spPr>
-          <p:style>
-            <a:lnRef idx="2">
-              <a:schemeClr val="accent3">
-                <a:shade val="50000"/>
-              </a:schemeClr>
-            </a:lnRef>
-            <a:fillRef idx="1">
-              <a:schemeClr val="accent3"/>
-            </a:fillRef>
-            <a:effectRef idx="0">
-              <a:schemeClr val="accent3"/>
-            </a:effectRef>
-            <a:fontRef idx="minor">
-              <a:schemeClr val="lt1"/>
-            </a:fontRef>
-          </p:style>
-          <p:txBody>
-            <a:bodyPr rtlCol="0" anchor="ctr"/>
-            <a:lstStyle/>
-            <a:p>
-              <a:pPr algn="ctr"/>
-              <a:r>
-                <a:rPr lang="en-US" sz="1600" b="1" dirty="0"/>
-                <a:t>Ui Tests</a:t>
-              </a:r>
-              <a:endParaRPr lang="en-SG" sz="1600" b="1" dirty="0"/>
-            </a:p>
-          </p:txBody>
-        </p:sp>
-        <p:sp>
-          <p:nvSpPr>
-            <p:cNvPr id="140" name="Rectangle 139"/>
-            <p:cNvSpPr/>
-            <p:nvPr/>
-          </p:nvSpPr>
-          <p:spPr>
-            <a:xfrm rot="16200000">
-              <a:off x="4767677" y="3375615"/>
-              <a:ext cx="1204823" cy="361770"/>
-            </a:xfrm>
-            <a:prstGeom prst="rect">
-              <a:avLst/>
-            </a:prstGeom>
-          </p:spPr>
-          <p:style>
-            <a:lnRef idx="2">
-              <a:schemeClr val="accent3">
-                <a:shade val="50000"/>
-              </a:schemeClr>
-            </a:lnRef>
-            <a:fillRef idx="1">
-              <a:schemeClr val="accent3"/>
-            </a:fillRef>
-            <a:effectRef idx="0">
-              <a:schemeClr val="accent3"/>
-            </a:effectRef>
-            <a:fontRef idx="minor">
-              <a:schemeClr val="lt1"/>
-            </a:fontRef>
-          </p:style>
-          <p:txBody>
-            <a:bodyPr rtlCol="0" anchor="ctr"/>
-            <a:lstStyle/>
-            <a:p>
-              <a:pPr algn="ctr"/>
-              <a:r>
-                <a:rPr lang="en-US" sz="1600" b="1" dirty="0"/>
-                <a:t>Ui Tests</a:t>
-              </a:r>
-              <a:endParaRPr lang="en-SG" sz="1600" b="1" dirty="0"/>
-            </a:p>
-          </p:txBody>
-        </p:sp>
-        <p:sp>
-          <p:nvSpPr>
-            <p:cNvPr id="141" name="Rectangle 140"/>
-            <p:cNvSpPr/>
-            <p:nvPr/>
-          </p:nvSpPr>
-          <p:spPr>
-            <a:xfrm rot="16200000">
-              <a:off x="4814328" y="3418344"/>
-              <a:ext cx="1204823" cy="361770"/>
-            </a:xfrm>
-            <a:prstGeom prst="rect">
-              <a:avLst/>
-            </a:prstGeom>
-          </p:spPr>
-          <p:style>
-            <a:lnRef idx="2">
-              <a:schemeClr val="accent3">
-                <a:shade val="50000"/>
-              </a:schemeClr>
-            </a:lnRef>
-            <a:fillRef idx="1">
-              <a:schemeClr val="accent3"/>
-            </a:fillRef>
-            <a:effectRef idx="0">
-              <a:schemeClr val="accent3"/>
-            </a:effectRef>
-            <a:fontRef idx="minor">
-              <a:schemeClr val="lt1"/>
-            </a:fontRef>
-          </p:style>
-          <p:txBody>
-            <a:bodyPr rtlCol="0" anchor="ctr"/>
-            <a:lstStyle/>
-            <a:p>
-              <a:pPr algn="ctr"/>
-              <a:r>
-                <a:rPr lang="en-US" sz="1600" b="1" dirty="0"/>
-                <a:t>Common tests</a:t>
-              </a:r>
-              <a:endParaRPr lang="en-SG" sz="1600" b="1" dirty="0"/>
-            </a:p>
-          </p:txBody>
-        </p:sp>
-      </p:grpSp>
-      <p:grpSp>
-        <p:nvGrpSpPr>
-          <p:cNvPr id="143" name="Group 142"/>
-          <p:cNvGrpSpPr/>
-          <p:nvPr/>
-        </p:nvGrpSpPr>
-        <p:grpSpPr>
-          <a:xfrm rot="5400000">
-            <a:off x="4100982" y="3768993"/>
-            <a:ext cx="448040" cy="1946617"/>
-            <a:chOff x="5145053" y="2923453"/>
-            <a:chExt cx="452572" cy="1278187"/>
-          </a:xfrm>
-          <a:solidFill>
-            <a:schemeClr val="accent2">
-              <a:lumMod val="60000"/>
-              <a:lumOff val="40000"/>
-            </a:schemeClr>
-          </a:solidFill>
-        </p:grpSpPr>
-        <p:sp>
-          <p:nvSpPr>
-            <p:cNvPr id="146" name="Rectangle 145"/>
-            <p:cNvSpPr/>
-            <p:nvPr/>
-          </p:nvSpPr>
-          <p:spPr>
-            <a:xfrm rot="16200000">
-              <a:off x="4723526" y="3344980"/>
-              <a:ext cx="1204823" cy="361770"/>
-            </a:xfrm>
-            <a:prstGeom prst="rect">
-              <a:avLst/>
-            </a:prstGeom>
-            <a:grpFill/>
-            <a:ln>
-              <a:solidFill>
-                <a:schemeClr val="accent2">
-                  <a:lumMod val="75000"/>
-                </a:schemeClr>
-              </a:solidFill>
-            </a:ln>
-          </p:spPr>
-          <p:style>
-            <a:lnRef idx="2">
-              <a:schemeClr val="accent6">
-                <a:shade val="50000"/>
-              </a:schemeClr>
-            </a:lnRef>
-            <a:fillRef idx="1">
-              <a:schemeClr val="accent6"/>
-            </a:fillRef>
-            <a:effectRef idx="0">
-              <a:schemeClr val="accent6"/>
-            </a:effectRef>
-            <a:fontRef idx="minor">
-              <a:schemeClr val="lt1"/>
-            </a:fontRef>
-          </p:style>
-          <p:txBody>
-            <a:bodyPr lIns="0" rIns="0" rtlCol="0" anchor="ctr"/>
-            <a:lstStyle/>
-            <a:p>
-              <a:pPr algn="ctr"/>
-              <a:r>
-                <a:rPr lang="en-US" sz="1600" b="1" dirty="0"/>
-                <a:t>Ui Tests</a:t>
-              </a:r>
-              <a:endParaRPr lang="en-SG" sz="1600" b="1" dirty="0"/>
-            </a:p>
-          </p:txBody>
-        </p:sp>
-        <p:sp>
-          <p:nvSpPr>
-            <p:cNvPr id="151" name="Rectangle 150"/>
-            <p:cNvSpPr/>
-            <p:nvPr/>
-          </p:nvSpPr>
-          <p:spPr>
-            <a:xfrm rot="16200000">
-              <a:off x="4767677" y="3375615"/>
-              <a:ext cx="1204823" cy="361770"/>
-            </a:xfrm>
-            <a:prstGeom prst="rect">
-              <a:avLst/>
-            </a:prstGeom>
-            <a:grpFill/>
-            <a:ln>
-              <a:solidFill>
-                <a:schemeClr val="accent2">
-                  <a:lumMod val="75000"/>
-                </a:schemeClr>
-              </a:solidFill>
-            </a:ln>
-          </p:spPr>
-          <p:style>
-            <a:lnRef idx="2">
-              <a:schemeClr val="accent6">
-                <a:shade val="50000"/>
-              </a:schemeClr>
-            </a:lnRef>
-            <a:fillRef idx="1">
-              <a:schemeClr val="accent6"/>
-            </a:fillRef>
-            <a:effectRef idx="0">
-              <a:schemeClr val="accent6"/>
-            </a:effectRef>
-            <a:fontRef idx="minor">
-              <a:schemeClr val="lt1"/>
-            </a:fontRef>
-          </p:style>
-          <p:txBody>
-            <a:bodyPr lIns="0" rIns="0" rtlCol="0" anchor="ctr"/>
-            <a:lstStyle/>
-            <a:p>
-              <a:pPr algn="ctr"/>
-              <a:r>
-                <a:rPr lang="en-US" sz="1600" b="1" dirty="0"/>
-                <a:t>Ui Tests</a:t>
-              </a:r>
-              <a:endParaRPr lang="en-SG" sz="1600" b="1" dirty="0"/>
-            </a:p>
-          </p:txBody>
-        </p:sp>
-        <p:sp>
-          <p:nvSpPr>
-            <p:cNvPr id="152" name="Rectangle 151"/>
-            <p:cNvSpPr/>
-            <p:nvPr/>
-          </p:nvSpPr>
-          <p:spPr>
-            <a:xfrm rot="16200000">
-              <a:off x="4814328" y="3418344"/>
-              <a:ext cx="1204823" cy="361770"/>
-            </a:xfrm>
-            <a:prstGeom prst="rect">
-              <a:avLst/>
-            </a:prstGeom>
-            <a:grpFill/>
-            <a:ln>
-              <a:solidFill>
-                <a:schemeClr val="accent2">
-                  <a:lumMod val="75000"/>
-                </a:schemeClr>
-              </a:solidFill>
-            </a:ln>
-          </p:spPr>
-          <p:style>
-            <a:lnRef idx="2">
-              <a:schemeClr val="accent6">
-                <a:shade val="50000"/>
-              </a:schemeClr>
-            </a:lnRef>
-            <a:fillRef idx="1">
-              <a:schemeClr val="accent6"/>
-            </a:fillRef>
-            <a:effectRef idx="0">
-              <a:schemeClr val="accent6"/>
-            </a:effectRef>
-            <a:fontRef idx="minor">
-              <a:schemeClr val="lt1"/>
-            </a:fontRef>
-          </p:style>
-          <p:txBody>
-            <a:bodyPr lIns="0" rIns="0" rtlCol="0" anchor="ctr"/>
-            <a:lstStyle/>
-            <a:p>
-              <a:pPr algn="ctr"/>
-              <a:r>
-                <a:rPr lang="en-US" sz="1600" b="1" dirty="0" smtClean="0"/>
-                <a:t>Logic tests</a:t>
-              </a:r>
-              <a:endParaRPr lang="en-SG" sz="1600" b="1" dirty="0"/>
-            </a:p>
-          </p:txBody>
-        </p:sp>
-      </p:grpSp>
-      <p:grpSp>
-        <p:nvGrpSpPr>
-          <p:cNvPr id="153" name="Group 152"/>
-          <p:cNvGrpSpPr/>
-          <p:nvPr/>
-        </p:nvGrpSpPr>
-        <p:grpSpPr>
-          <a:xfrm rot="5400000">
-            <a:off x="4091715" y="4827232"/>
-            <a:ext cx="448040" cy="1946617"/>
-            <a:chOff x="5145053" y="2923453"/>
-            <a:chExt cx="452572" cy="1278187"/>
-          </a:xfrm>
-          <a:solidFill>
-            <a:schemeClr val="accent2">
-              <a:lumMod val="60000"/>
-              <a:lumOff val="40000"/>
-            </a:schemeClr>
-          </a:solidFill>
-        </p:grpSpPr>
-        <p:sp>
-          <p:nvSpPr>
-            <p:cNvPr id="154" name="Rectangle 153"/>
-            <p:cNvSpPr/>
-            <p:nvPr/>
-          </p:nvSpPr>
-          <p:spPr>
-            <a:xfrm rot="16200000">
-              <a:off x="4723526" y="3344980"/>
-              <a:ext cx="1204823" cy="361770"/>
-            </a:xfrm>
-            <a:prstGeom prst="rect">
-              <a:avLst/>
-            </a:prstGeom>
-            <a:grpFill/>
-            <a:ln>
-              <a:solidFill>
-                <a:schemeClr val="accent2">
-                  <a:lumMod val="75000"/>
-                </a:schemeClr>
-              </a:solidFill>
-            </a:ln>
-          </p:spPr>
-          <p:style>
-            <a:lnRef idx="2">
-              <a:schemeClr val="accent6">
-                <a:shade val="50000"/>
-              </a:schemeClr>
-            </a:lnRef>
-            <a:fillRef idx="1">
-              <a:schemeClr val="accent6"/>
-            </a:fillRef>
-            <a:effectRef idx="0">
-              <a:schemeClr val="accent6"/>
-            </a:effectRef>
-            <a:fontRef idx="minor">
-              <a:schemeClr val="lt1"/>
-            </a:fontRef>
-          </p:style>
-          <p:txBody>
-            <a:bodyPr lIns="0" rIns="0" rtlCol="0" anchor="ctr"/>
-            <a:lstStyle/>
-            <a:p>
-              <a:pPr algn="ctr"/>
-              <a:r>
-                <a:rPr lang="en-US" sz="1600" b="1" dirty="0"/>
-                <a:t>Ui Tests</a:t>
-              </a:r>
-              <a:endParaRPr lang="en-SG" sz="1600" b="1" dirty="0"/>
-            </a:p>
-          </p:txBody>
-        </p:sp>
-        <p:sp>
-          <p:nvSpPr>
-            <p:cNvPr id="155" name="Rectangle 154"/>
-            <p:cNvSpPr/>
-            <p:nvPr/>
-          </p:nvSpPr>
-          <p:spPr>
-            <a:xfrm rot="16200000">
-              <a:off x="4767677" y="3375615"/>
-              <a:ext cx="1204823" cy="361770"/>
-            </a:xfrm>
-            <a:prstGeom prst="rect">
-              <a:avLst/>
-            </a:prstGeom>
-            <a:grpFill/>
-            <a:ln>
-              <a:solidFill>
-                <a:schemeClr val="accent2">
-                  <a:lumMod val="75000"/>
-                </a:schemeClr>
-              </a:solidFill>
-            </a:ln>
-          </p:spPr>
-          <p:style>
-            <a:lnRef idx="2">
-              <a:schemeClr val="accent6">
-                <a:shade val="50000"/>
-              </a:schemeClr>
-            </a:lnRef>
-            <a:fillRef idx="1">
-              <a:schemeClr val="accent6"/>
-            </a:fillRef>
-            <a:effectRef idx="0">
-              <a:schemeClr val="accent6"/>
-            </a:effectRef>
-            <a:fontRef idx="minor">
-              <a:schemeClr val="lt1"/>
-            </a:fontRef>
-          </p:style>
-          <p:txBody>
-            <a:bodyPr lIns="0" rIns="0" rtlCol="0" anchor="ctr"/>
-            <a:lstStyle/>
-            <a:p>
-              <a:pPr algn="ctr"/>
-              <a:r>
-                <a:rPr lang="en-US" sz="1600" b="1" dirty="0"/>
-                <a:t>Ui Tests</a:t>
-              </a:r>
-              <a:endParaRPr lang="en-SG" sz="1600" b="1" dirty="0"/>
-            </a:p>
-          </p:txBody>
-        </p:sp>
-        <p:sp>
-          <p:nvSpPr>
-            <p:cNvPr id="156" name="Rectangle 155"/>
-            <p:cNvSpPr/>
-            <p:nvPr/>
-          </p:nvSpPr>
-          <p:spPr>
-            <a:xfrm rot="16200000">
-              <a:off x="4814328" y="3418344"/>
-              <a:ext cx="1204823" cy="361770"/>
-            </a:xfrm>
-            <a:prstGeom prst="rect">
-              <a:avLst/>
-            </a:prstGeom>
-            <a:grpFill/>
-            <a:ln>
-              <a:solidFill>
-                <a:schemeClr val="accent2">
-                  <a:lumMod val="75000"/>
-                </a:schemeClr>
-              </a:solidFill>
-            </a:ln>
-          </p:spPr>
-          <p:style>
-            <a:lnRef idx="2">
-              <a:schemeClr val="accent6">
-                <a:shade val="50000"/>
-              </a:schemeClr>
-            </a:lnRef>
-            <a:fillRef idx="1">
-              <a:schemeClr val="accent6"/>
-            </a:fillRef>
-            <a:effectRef idx="0">
-              <a:schemeClr val="accent6"/>
-            </a:effectRef>
-            <a:fontRef idx="minor">
-              <a:schemeClr val="lt1"/>
-            </a:fontRef>
-          </p:style>
-          <p:txBody>
-            <a:bodyPr lIns="0" rIns="0" rtlCol="0" anchor="ctr"/>
-            <a:lstStyle/>
-            <a:p>
-              <a:pPr algn="ctr"/>
-              <a:r>
-                <a:rPr lang="en-US" sz="1600" b="1" dirty="0" smtClean="0"/>
-                <a:t>Storage tests</a:t>
-              </a:r>
-              <a:endParaRPr lang="en-SG" sz="1600" b="1" dirty="0"/>
-            </a:p>
-          </p:txBody>
-        </p:sp>
-      </p:grpSp>
-      <p:sp>
-        <p:nvSpPr>
-          <p:cNvPr id="157" name="Isosceles Triangle 156"/>
-          <p:cNvSpPr/>
-          <p:nvPr/>
-        </p:nvSpPr>
-        <p:spPr>
-          <a:xfrm rot="16200000" flipH="1">
-            <a:off x="2176462" y="5005387"/>
-            <a:ext cx="276225" cy="228600"/>
-          </a:xfrm>
-          <a:prstGeom prst="triangle">
-            <a:avLst/>
-          </a:prstGeom>
-          <a:solidFill>
-            <a:schemeClr val="accent2">
-              <a:lumMod val="60000"/>
-              <a:lumOff val="40000"/>
-            </a:schemeClr>
-          </a:solidFill>
-          <a:ln>
-            <a:solidFill>
-              <a:schemeClr val="accent2">
-                <a:lumMod val="75000"/>
-              </a:schemeClr>
-            </a:solidFill>
-          </a:ln>
-        </p:spPr>
-        <p:style>
-          <a:lnRef idx="2">
-            <a:schemeClr val="accent6">
-              <a:shade val="50000"/>
-            </a:schemeClr>
-          </a:lnRef>
-          <a:fillRef idx="1">
-            <a:schemeClr val="accent6"/>
-          </a:fillRef>
-          <a:effectRef idx="0">
-            <a:schemeClr val="accent6"/>
-          </a:effectRef>
-          <a:fontRef idx="minor">
-            <a:schemeClr val="lt1"/>
-          </a:fontRef>
-        </p:style>
-        <p:txBody>
-          <a:bodyPr lIns="0" rIns="0" rtlCol="0" anchor="ctr"/>
-          <a:lstStyle/>
-          <a:p>
-            <a:pPr algn="ctr"/>
-            <a:endParaRPr lang="en-SG"/>
-          </a:p>
-        </p:txBody>
-      </p:sp>
-      <p:cxnSp>
-        <p:nvCxnSpPr>
-          <p:cNvPr id="158" name="Elbow Connector 157"/>
-          <p:cNvCxnSpPr>
-            <a:stCxn id="167" idx="3"/>
-            <a:endCxn id="141" idx="1"/>
-          </p:cNvCxnSpPr>
-          <p:nvPr/>
-        </p:nvCxnSpPr>
-        <p:spPr>
-          <a:xfrm>
-            <a:off x="2036636" y="1626279"/>
-            <a:ext cx="1317953" cy="789615"/>
-          </a:xfrm>
-          <a:prstGeom prst="bentConnector3">
-            <a:avLst>
-              <a:gd name="adj1" fmla="val 50000"/>
-            </a:avLst>
-          </a:prstGeom>
-        </p:spPr>
-        <p:style>
-          <a:lnRef idx="2">
-            <a:schemeClr val="accent3">
-              <a:shade val="50000"/>
-            </a:schemeClr>
-          </a:lnRef>
-          <a:fillRef idx="1">
-            <a:schemeClr val="accent3"/>
-          </a:fillRef>
-          <a:effectRef idx="0">
-            <a:schemeClr val="accent3"/>
-          </a:effectRef>
-          <a:fontRef idx="minor">
-            <a:schemeClr val="lt1"/>
-          </a:fontRef>
-        </p:style>
-      </p:cxnSp>
-      <p:cxnSp>
-        <p:nvCxnSpPr>
-          <p:cNvPr id="160" name="Elbow Connector 159"/>
-          <p:cNvCxnSpPr>
-            <a:stCxn id="157" idx="3"/>
-            <a:endCxn id="156" idx="1"/>
-          </p:cNvCxnSpPr>
-          <p:nvPr/>
-        </p:nvCxnSpPr>
-        <p:spPr>
-          <a:xfrm>
-            <a:off x="2428875" y="5119688"/>
-            <a:ext cx="913551" cy="725799"/>
-          </a:xfrm>
-          <a:prstGeom prst="bentConnector3">
-            <a:avLst>
-              <a:gd name="adj1" fmla="val 50000"/>
-            </a:avLst>
-          </a:prstGeom>
-          <a:ln>
-            <a:solidFill>
-              <a:schemeClr val="accent2">
-                <a:lumMod val="75000"/>
-              </a:schemeClr>
-            </a:solidFill>
           </a:ln>
         </p:spPr>
         <p:style>
@@ -7829,21 +6201,21 @@
       </p:cxnSp>
       <p:cxnSp>
         <p:nvCxnSpPr>
-          <p:cNvPr id="161" name="Elbow Connector 160"/>
+          <p:cNvPr id="146" name="Elbow Connector 145"/>
           <p:cNvCxnSpPr>
-            <a:stCxn id="157" idx="3"/>
-            <a:endCxn id="152" idx="1"/>
+            <a:stCxn id="110" idx="0"/>
+            <a:endCxn id="87" idx="2"/>
           </p:cNvCxnSpPr>
           <p:nvPr/>
         </p:nvCxnSpPr>
         <p:spPr>
-          <a:xfrm flipV="1">
-            <a:off x="2428875" y="4787248"/>
-            <a:ext cx="922818" cy="332440"/>
+          <a:xfrm rot="5400000" flipH="1" flipV="1">
+            <a:off x="4037266" y="2901809"/>
+            <a:ext cx="2041018" cy="1876200"/>
           </a:xfrm>
           <a:prstGeom prst="bentConnector3">
             <a:avLst>
-              <a:gd name="adj1" fmla="val 50000"/>
+              <a:gd name="adj1" fmla="val 66717"/>
             </a:avLst>
           </a:prstGeom>
           <a:ln>
@@ -7852,6 +6224,9 @@
                 <a:lumMod val="75000"/>
               </a:schemeClr>
             </a:solidFill>
+            <a:prstDash val="sysDot"/>
+            <a:headEnd type="none" w="med" len="med"/>
+            <a:tailEnd type="arrow" w="med" len="med"/>
           </a:ln>
         </p:spPr>
         <p:style>
@@ -7873,105 +6248,22 @@
       </p:cxnSp>
       <p:cxnSp>
         <p:nvCxnSpPr>
-          <p:cNvPr id="245" name="Straight Arrow Connector 244"/>
-          <p:cNvCxnSpPr>
-            <a:stCxn id="50" idx="0"/>
-          </p:cNvCxnSpPr>
+          <p:cNvPr id="160" name="Straight Arrow Connector 159"/>
+          <p:cNvCxnSpPr/>
           <p:nvPr/>
         </p:nvCxnSpPr>
         <p:spPr>
-          <a:xfrm flipH="1" flipV="1">
-            <a:off x="3455626" y="6172200"/>
-            <a:ext cx="1" cy="256273"/>
-          </a:xfrm>
-          <a:prstGeom prst="straightConnector1">
-            <a:avLst/>
-          </a:prstGeom>
-          <a:ln w="38100">
-            <a:solidFill>
-              <a:schemeClr val="tx1"/>
-            </a:solidFill>
-            <a:prstDash val="sysDash"/>
-            <a:headEnd type="none" w="med" len="med"/>
-            <a:tailEnd type="arrow" w="med" len="med"/>
-          </a:ln>
-        </p:spPr>
-        <p:style>
-          <a:lnRef idx="1">
-            <a:schemeClr val="accent1"/>
-          </a:lnRef>
-          <a:fillRef idx="0">
-            <a:schemeClr val="accent1"/>
-          </a:fillRef>
-          <a:effectRef idx="0">
-            <a:schemeClr val="accent1"/>
-          </a:effectRef>
-          <a:fontRef idx="minor">
-            <a:schemeClr val="tx1"/>
-          </a:fontRef>
-        </p:style>
-      </p:cxnSp>
-      <p:sp>
-        <p:nvSpPr>
-          <p:cNvPr id="167" name="Isosceles Triangle 166"/>
-          <p:cNvSpPr/>
-          <p:nvPr/>
-        </p:nvSpPr>
-        <p:spPr>
-          <a:xfrm rot="16200000" flipH="1">
-            <a:off x="1784223" y="1511978"/>
-            <a:ext cx="276225" cy="228600"/>
-          </a:xfrm>
-          <a:prstGeom prst="triangle">
-            <a:avLst/>
-          </a:prstGeom>
-        </p:spPr>
-        <p:style>
-          <a:lnRef idx="2">
-            <a:schemeClr val="accent3">
-              <a:shade val="50000"/>
-            </a:schemeClr>
-          </a:lnRef>
-          <a:fillRef idx="1">
-            <a:schemeClr val="accent3"/>
-          </a:fillRef>
-          <a:effectRef idx="0">
-            <a:schemeClr val="accent3"/>
-          </a:effectRef>
-          <a:fontRef idx="minor">
-            <a:schemeClr val="lt1"/>
-          </a:fontRef>
-        </p:style>
-        <p:txBody>
-          <a:bodyPr rtlCol="0" anchor="ctr"/>
-          <a:lstStyle/>
-          <a:p>
-            <a:pPr algn="ctr"/>
-            <a:endParaRPr lang="en-SG" sz="1600" b="1"/>
-          </a:p>
-        </p:txBody>
-      </p:sp>
-      <p:cxnSp>
-        <p:nvCxnSpPr>
-          <p:cNvPr id="209" name="Straight Arrow Connector 208"/>
-          <p:cNvCxnSpPr>
-            <a:stCxn id="107" idx="0"/>
-            <a:endCxn id="83" idx="2"/>
-          </p:cNvCxnSpPr>
-          <p:nvPr/>
-        </p:nvCxnSpPr>
-        <p:spPr>
-          <a:xfrm flipV="1">
-            <a:off x="7920357" y="1855097"/>
-            <a:ext cx="0" cy="252206"/>
+          <a:xfrm rot="16200000">
+            <a:off x="6780675" y="3268200"/>
+            <a:ext cx="288000" cy="0"/>
           </a:xfrm>
           <a:prstGeom prst="straightConnector1">
             <a:avLst/>
           </a:prstGeom>
           <a:ln>
             <a:solidFill>
-              <a:schemeClr val="accent5">
-                <a:lumMod val="50000"/>
+              <a:schemeClr val="accent2">
+                <a:lumMod val="75000"/>
               </a:schemeClr>
             </a:solidFill>
             <a:prstDash val="sysDot"/>
@@ -7998,22 +6290,1061 @@
       </p:cxnSp>
       <p:cxnSp>
         <p:nvCxnSpPr>
-          <p:cNvPr id="307" name="Straight Arrow Connector 306"/>
+          <p:cNvPr id="161" name="Straight Arrow Connector 160"/>
+          <p:cNvCxnSpPr>
+            <a:endCxn id="89" idx="3"/>
+          </p:cNvCxnSpPr>
+          <p:nvPr/>
+        </p:nvCxnSpPr>
+        <p:spPr>
+          <a:xfrm flipH="1" flipV="1">
+            <a:off x="8874600" y="2639400"/>
+            <a:ext cx="612000" cy="0"/>
+          </a:xfrm>
+          <a:prstGeom prst="straightConnector1">
+            <a:avLst/>
+          </a:prstGeom>
+          <a:ln w="38100">
+            <a:solidFill>
+              <a:schemeClr val="accent3">
+                <a:lumMod val="75000"/>
+              </a:schemeClr>
+            </a:solidFill>
+            <a:prstDash val="sysDash"/>
+            <a:headEnd type="arrow" w="med" len="med"/>
+            <a:tailEnd type="none" w="med" len="med"/>
+          </a:ln>
+        </p:spPr>
+        <p:style>
+          <a:lnRef idx="1">
+            <a:schemeClr val="accent1"/>
+          </a:lnRef>
+          <a:fillRef idx="0">
+            <a:schemeClr val="accent1"/>
+          </a:fillRef>
+          <a:effectRef idx="0">
+            <a:schemeClr val="accent1"/>
+          </a:effectRef>
+          <a:fontRef idx="minor">
+            <a:schemeClr val="tx1"/>
+          </a:fontRef>
+        </p:style>
+      </p:cxnSp>
+      <p:sp>
+        <p:nvSpPr>
+          <p:cNvPr id="167" name="TextBox 166"/>
+          <p:cNvSpPr txBox="1"/>
+          <p:nvPr/>
+        </p:nvSpPr>
+        <p:spPr>
+          <a:xfrm>
+            <a:off x="9415418" y="2487548"/>
+            <a:ext cx="1319257" cy="307777"/>
+          </a:xfrm>
+          <a:prstGeom prst="rect">
+            <a:avLst/>
+          </a:prstGeom>
+          <a:grpFill/>
+          <a:ln>
+            <a:noFill/>
+          </a:ln>
+        </p:spPr>
+        <p:style>
+          <a:lnRef idx="2">
+            <a:schemeClr val="accent1">
+              <a:shade val="50000"/>
+            </a:schemeClr>
+          </a:lnRef>
+          <a:fillRef idx="1">
+            <a:schemeClr val="accent1"/>
+          </a:fillRef>
+          <a:effectRef idx="0">
+            <a:schemeClr val="accent1"/>
+          </a:effectRef>
+          <a:fontRef idx="minor">
+            <a:schemeClr val="lt1"/>
+          </a:fontRef>
+        </p:style>
+        <p:txBody>
+          <a:bodyPr rtlCol="0" anchor="t" anchorCtr="0"/>
+          <a:lstStyle>
+            <a:defPPr>
+              <a:defRPr lang="en-US"/>
+            </a:defPPr>
+            <a:lvl1pPr>
+              <a:defRPr sz="1400" b="1">
+                <a:solidFill>
+                  <a:srgbClr val="7030A0"/>
+                </a:solidFill>
+              </a:defRPr>
+            </a:lvl1pPr>
+            <a:lvl2pPr>
+              <a:defRPr>
+                <a:solidFill>
+                  <a:schemeClr val="lt1"/>
+                </a:solidFill>
+              </a:defRPr>
+            </a:lvl2pPr>
+            <a:lvl3pPr>
+              <a:defRPr>
+                <a:solidFill>
+                  <a:schemeClr val="lt1"/>
+                </a:solidFill>
+              </a:defRPr>
+            </a:lvl3pPr>
+            <a:lvl4pPr>
+              <a:defRPr>
+                <a:solidFill>
+                  <a:schemeClr val="lt1"/>
+                </a:solidFill>
+              </a:defRPr>
+            </a:lvl4pPr>
+            <a:lvl5pPr>
+              <a:defRPr>
+                <a:solidFill>
+                  <a:schemeClr val="lt1"/>
+                </a:solidFill>
+              </a:defRPr>
+            </a:lvl5pPr>
+            <a:lvl6pPr>
+              <a:defRPr>
+                <a:solidFill>
+                  <a:schemeClr val="lt1"/>
+                </a:solidFill>
+              </a:defRPr>
+            </a:lvl6pPr>
+            <a:lvl7pPr>
+              <a:defRPr>
+                <a:solidFill>
+                  <a:schemeClr val="lt1"/>
+                </a:solidFill>
+              </a:defRPr>
+            </a:lvl7pPr>
+            <a:lvl8pPr>
+              <a:defRPr>
+                <a:solidFill>
+                  <a:schemeClr val="lt1"/>
+                </a:solidFill>
+              </a:defRPr>
+            </a:lvl8pPr>
+            <a:lvl9pPr>
+              <a:defRPr>
+                <a:solidFill>
+                  <a:schemeClr val="lt1"/>
+                </a:solidFill>
+              </a:defRPr>
+            </a:lvl9pPr>
+          </a:lstStyle>
+          <a:p>
+            <a:pPr algn="ctr"/>
+            <a:r>
+              <a:rPr lang="en-US" dirty="0" err="1" smtClean="0">
+                <a:solidFill>
+                  <a:schemeClr val="tx1"/>
+                </a:solidFill>
+              </a:rPr>
+              <a:t>BackDoor</a:t>
+            </a:r>
+            <a:r>
+              <a:rPr lang="en-US" dirty="0" smtClean="0">
+                <a:solidFill>
+                  <a:schemeClr val="tx1"/>
+                </a:solidFill>
+              </a:rPr>
+              <a:t> API</a:t>
+            </a:r>
+            <a:endParaRPr lang="en-SG" dirty="0">
+              <a:solidFill>
+                <a:schemeClr val="tx1"/>
+              </a:solidFill>
+            </a:endParaRPr>
+          </a:p>
+        </p:txBody>
+      </p:sp>
+      <p:cxnSp>
+        <p:nvCxnSpPr>
+          <p:cNvPr id="170" name="Straight Arrow Connector 169"/>
+          <p:cNvCxnSpPr>
+            <a:endCxn id="96" idx="0"/>
+          </p:cNvCxnSpPr>
+          <p:nvPr/>
+        </p:nvCxnSpPr>
+        <p:spPr>
+          <a:xfrm flipH="1">
+            <a:off x="5995875" y="381000"/>
+            <a:ext cx="0" cy="1119553"/>
+          </a:xfrm>
+          <a:prstGeom prst="straightConnector1">
+            <a:avLst/>
+          </a:prstGeom>
+          <a:ln w="38100">
+            <a:solidFill>
+              <a:schemeClr val="accent3">
+                <a:lumMod val="75000"/>
+              </a:schemeClr>
+            </a:solidFill>
+            <a:prstDash val="sysDash"/>
+            <a:headEnd type="arrow" w="med" len="med"/>
+            <a:tailEnd type="none" w="med" len="med"/>
+          </a:ln>
+        </p:spPr>
+        <p:style>
+          <a:lnRef idx="1">
+            <a:schemeClr val="accent1"/>
+          </a:lnRef>
+          <a:fillRef idx="0">
+            <a:schemeClr val="accent1"/>
+          </a:fillRef>
+          <a:effectRef idx="0">
+            <a:schemeClr val="accent1"/>
+          </a:effectRef>
+          <a:fontRef idx="minor">
+            <a:schemeClr val="tx1"/>
+          </a:fontRef>
+        </p:style>
+      </p:cxnSp>
+      <p:sp>
+        <p:nvSpPr>
+          <p:cNvPr id="171" name="TextBox 170"/>
+          <p:cNvSpPr txBox="1"/>
+          <p:nvPr/>
+        </p:nvSpPr>
+        <p:spPr>
+          <a:xfrm>
+            <a:off x="5142865" y="105475"/>
+            <a:ext cx="1721307" cy="288000"/>
+          </a:xfrm>
+          <a:prstGeom prst="rect">
+            <a:avLst/>
+          </a:prstGeom>
+          <a:grpFill/>
+          <a:ln>
+            <a:noFill/>
+          </a:ln>
+        </p:spPr>
+        <p:style>
+          <a:lnRef idx="2">
+            <a:schemeClr val="accent1">
+              <a:shade val="50000"/>
+            </a:schemeClr>
+          </a:lnRef>
+          <a:fillRef idx="1">
+            <a:schemeClr val="accent1"/>
+          </a:fillRef>
+          <a:effectRef idx="0">
+            <a:schemeClr val="accent1"/>
+          </a:effectRef>
+          <a:fontRef idx="minor">
+            <a:schemeClr val="lt1"/>
+          </a:fontRef>
+        </p:style>
+        <p:txBody>
+          <a:bodyPr rtlCol="0" anchor="t" anchorCtr="0"/>
+          <a:lstStyle>
+            <a:defPPr>
+              <a:defRPr lang="en-US"/>
+            </a:defPPr>
+            <a:lvl1pPr>
+              <a:defRPr sz="1400" b="1">
+                <a:solidFill>
+                  <a:srgbClr val="7030A0"/>
+                </a:solidFill>
+              </a:defRPr>
+            </a:lvl1pPr>
+            <a:lvl2pPr>
+              <a:defRPr>
+                <a:solidFill>
+                  <a:schemeClr val="lt1"/>
+                </a:solidFill>
+              </a:defRPr>
+            </a:lvl2pPr>
+            <a:lvl3pPr>
+              <a:defRPr>
+                <a:solidFill>
+                  <a:schemeClr val="lt1"/>
+                </a:solidFill>
+              </a:defRPr>
+            </a:lvl3pPr>
+            <a:lvl4pPr>
+              <a:defRPr>
+                <a:solidFill>
+                  <a:schemeClr val="lt1"/>
+                </a:solidFill>
+              </a:defRPr>
+            </a:lvl4pPr>
+            <a:lvl5pPr>
+              <a:defRPr>
+                <a:solidFill>
+                  <a:schemeClr val="lt1"/>
+                </a:solidFill>
+              </a:defRPr>
+            </a:lvl5pPr>
+            <a:lvl6pPr>
+              <a:defRPr>
+                <a:solidFill>
+                  <a:schemeClr val="lt1"/>
+                </a:solidFill>
+              </a:defRPr>
+            </a:lvl6pPr>
+            <a:lvl7pPr>
+              <a:defRPr>
+                <a:solidFill>
+                  <a:schemeClr val="lt1"/>
+                </a:solidFill>
+              </a:defRPr>
+            </a:lvl7pPr>
+            <a:lvl8pPr>
+              <a:defRPr>
+                <a:solidFill>
+                  <a:schemeClr val="lt1"/>
+                </a:solidFill>
+              </a:defRPr>
+            </a:lvl8pPr>
+            <a:lvl9pPr>
+              <a:defRPr>
+                <a:solidFill>
+                  <a:schemeClr val="lt1"/>
+                </a:solidFill>
+              </a:defRPr>
+            </a:lvl9pPr>
+          </a:lstStyle>
+          <a:p>
+            <a:pPr algn="ctr"/>
+            <a:r>
+              <a:rPr lang="en-US" dirty="0" smtClean="0">
+                <a:solidFill>
+                  <a:schemeClr val="tx1"/>
+                </a:solidFill>
+              </a:rPr>
+              <a:t>Local files for testing</a:t>
+            </a:r>
+            <a:endParaRPr lang="en-SG" dirty="0">
+              <a:solidFill>
+                <a:schemeClr val="tx1"/>
+              </a:solidFill>
+            </a:endParaRPr>
+          </a:p>
+        </p:txBody>
+      </p:sp>
+      <p:cxnSp>
+        <p:nvCxnSpPr>
+          <p:cNvPr id="172" name="Straight Arrow Connector 171"/>
+          <p:cNvCxnSpPr>
+            <a:endCxn id="88" idx="3"/>
+          </p:cNvCxnSpPr>
+          <p:nvPr/>
+        </p:nvCxnSpPr>
+        <p:spPr>
+          <a:xfrm flipH="1" flipV="1">
+            <a:off x="8874600" y="2161377"/>
+            <a:ext cx="612000" cy="0"/>
+          </a:xfrm>
+          <a:prstGeom prst="straightConnector1">
+            <a:avLst/>
+          </a:prstGeom>
+          <a:ln w="38100">
+            <a:solidFill>
+              <a:schemeClr val="accent3">
+                <a:lumMod val="75000"/>
+              </a:schemeClr>
+            </a:solidFill>
+            <a:prstDash val="sysDash"/>
+            <a:headEnd type="arrow" w="med" len="med"/>
+            <a:tailEnd type="none" w="med" len="med"/>
+          </a:ln>
+        </p:spPr>
+        <p:style>
+          <a:lnRef idx="1">
+            <a:schemeClr val="accent1"/>
+          </a:lnRef>
+          <a:fillRef idx="0">
+            <a:schemeClr val="accent1"/>
+          </a:fillRef>
+          <a:effectRef idx="0">
+            <a:schemeClr val="accent1"/>
+          </a:effectRef>
+          <a:fontRef idx="minor">
+            <a:schemeClr val="tx1"/>
+          </a:fontRef>
+        </p:style>
+      </p:cxnSp>
+      <p:sp>
+        <p:nvSpPr>
+          <p:cNvPr id="173" name="TextBox 172"/>
+          <p:cNvSpPr txBox="1"/>
+          <p:nvPr/>
+        </p:nvSpPr>
+        <p:spPr>
+          <a:xfrm>
+            <a:off x="9355343" y="2007488"/>
+            <a:ext cx="1319257" cy="307777"/>
+          </a:xfrm>
+          <a:prstGeom prst="rect">
+            <a:avLst/>
+          </a:prstGeom>
+          <a:grpFill/>
+          <a:ln>
+            <a:noFill/>
+          </a:ln>
+        </p:spPr>
+        <p:style>
+          <a:lnRef idx="2">
+            <a:schemeClr val="accent1">
+              <a:shade val="50000"/>
+            </a:schemeClr>
+          </a:lnRef>
+          <a:fillRef idx="1">
+            <a:schemeClr val="accent1"/>
+          </a:fillRef>
+          <a:effectRef idx="0">
+            <a:schemeClr val="accent1"/>
+          </a:effectRef>
+          <a:fontRef idx="minor">
+            <a:schemeClr val="lt1"/>
+          </a:fontRef>
+        </p:style>
+        <p:txBody>
+          <a:bodyPr rtlCol="0" anchor="t" anchorCtr="0"/>
+          <a:lstStyle>
+            <a:defPPr>
+              <a:defRPr lang="en-US"/>
+            </a:defPPr>
+            <a:lvl1pPr>
+              <a:defRPr sz="1400" b="1">
+                <a:solidFill>
+                  <a:srgbClr val="7030A0"/>
+                </a:solidFill>
+              </a:defRPr>
+            </a:lvl1pPr>
+            <a:lvl2pPr>
+              <a:defRPr>
+                <a:solidFill>
+                  <a:schemeClr val="lt1"/>
+                </a:solidFill>
+              </a:defRPr>
+            </a:lvl2pPr>
+            <a:lvl3pPr>
+              <a:defRPr>
+                <a:solidFill>
+                  <a:schemeClr val="lt1"/>
+                </a:solidFill>
+              </a:defRPr>
+            </a:lvl3pPr>
+            <a:lvl4pPr>
+              <a:defRPr>
+                <a:solidFill>
+                  <a:schemeClr val="lt1"/>
+                </a:solidFill>
+              </a:defRPr>
+            </a:lvl4pPr>
+            <a:lvl5pPr>
+              <a:defRPr>
+                <a:solidFill>
+                  <a:schemeClr val="lt1"/>
+                </a:solidFill>
+              </a:defRPr>
+            </a:lvl5pPr>
+            <a:lvl6pPr>
+              <a:defRPr>
+                <a:solidFill>
+                  <a:schemeClr val="lt1"/>
+                </a:solidFill>
+              </a:defRPr>
+            </a:lvl6pPr>
+            <a:lvl7pPr>
+              <a:defRPr>
+                <a:solidFill>
+                  <a:schemeClr val="lt1"/>
+                </a:solidFill>
+              </a:defRPr>
+            </a:lvl7pPr>
+            <a:lvl8pPr>
+              <a:defRPr>
+                <a:solidFill>
+                  <a:schemeClr val="lt1"/>
+                </a:solidFill>
+              </a:defRPr>
+            </a:lvl8pPr>
+            <a:lvl9pPr>
+              <a:defRPr>
+                <a:solidFill>
+                  <a:schemeClr val="lt1"/>
+                </a:solidFill>
+              </a:defRPr>
+            </a:lvl9pPr>
+          </a:lstStyle>
+          <a:p>
+            <a:pPr algn="ctr"/>
+            <a:r>
+              <a:rPr lang="en-US" dirty="0" smtClean="0">
+                <a:solidFill>
+                  <a:schemeClr val="tx1"/>
+                </a:solidFill>
+              </a:rPr>
+              <a:t>Email </a:t>
+            </a:r>
+            <a:r>
+              <a:rPr lang="en-US" dirty="0" smtClean="0">
+                <a:solidFill>
+                  <a:schemeClr val="tx1"/>
+                </a:solidFill>
+              </a:rPr>
+              <a:t>server</a:t>
+            </a:r>
+            <a:endParaRPr lang="en-SG" dirty="0">
+              <a:solidFill>
+                <a:schemeClr val="tx1"/>
+              </a:solidFill>
+            </a:endParaRPr>
+          </a:p>
+        </p:txBody>
+      </p:sp>
+      <p:cxnSp>
+        <p:nvCxnSpPr>
+          <p:cNvPr id="175" name="Straight Connector 174"/>
+          <p:cNvCxnSpPr>
+            <a:stCxn id="69" idx="3"/>
+            <a:endCxn id="79" idx="0"/>
+          </p:cNvCxnSpPr>
+          <p:nvPr/>
+        </p:nvCxnSpPr>
+        <p:spPr>
+          <a:xfrm>
+            <a:off x="3559836" y="2037926"/>
+            <a:ext cx="0" cy="317410"/>
+          </a:xfrm>
+          <a:prstGeom prst="line">
+            <a:avLst/>
+          </a:prstGeom>
+        </p:spPr>
+        <p:style>
+          <a:lnRef idx="2">
+            <a:schemeClr val="accent5">
+              <a:shade val="50000"/>
+            </a:schemeClr>
+          </a:lnRef>
+          <a:fillRef idx="1">
+            <a:schemeClr val="accent5"/>
+          </a:fillRef>
+          <a:effectRef idx="0">
+            <a:schemeClr val="accent5"/>
+          </a:effectRef>
+          <a:fontRef idx="minor">
+            <a:schemeClr val="lt1"/>
+          </a:fontRef>
+        </p:style>
+      </p:cxnSp>
+      <p:sp>
+        <p:nvSpPr>
+          <p:cNvPr id="176" name="TextBox 175"/>
+          <p:cNvSpPr txBox="1"/>
+          <p:nvPr/>
+        </p:nvSpPr>
+        <p:spPr>
+          <a:xfrm>
+            <a:off x="9346760" y="3762635"/>
+            <a:ext cx="1319257" cy="307777"/>
+          </a:xfrm>
+          <a:prstGeom prst="rect">
+            <a:avLst/>
+          </a:prstGeom>
+          <a:grpFill/>
+          <a:ln>
+            <a:noFill/>
+          </a:ln>
+        </p:spPr>
+        <p:style>
+          <a:lnRef idx="2">
+            <a:schemeClr val="accent1">
+              <a:shade val="50000"/>
+            </a:schemeClr>
+          </a:lnRef>
+          <a:fillRef idx="1">
+            <a:schemeClr val="accent1"/>
+          </a:fillRef>
+          <a:effectRef idx="0">
+            <a:schemeClr val="accent1"/>
+          </a:effectRef>
+          <a:fontRef idx="minor">
+            <a:schemeClr val="lt1"/>
+          </a:fontRef>
+        </p:style>
+        <p:txBody>
+          <a:bodyPr rtlCol="0" anchor="t" anchorCtr="0"/>
+          <a:lstStyle>
+            <a:defPPr>
+              <a:defRPr lang="en-US"/>
+            </a:defPPr>
+            <a:lvl1pPr>
+              <a:defRPr sz="1400" b="1">
+                <a:solidFill>
+                  <a:srgbClr val="7030A0"/>
+                </a:solidFill>
+              </a:defRPr>
+            </a:lvl1pPr>
+            <a:lvl2pPr>
+              <a:defRPr>
+                <a:solidFill>
+                  <a:schemeClr val="lt1"/>
+                </a:solidFill>
+              </a:defRPr>
+            </a:lvl2pPr>
+            <a:lvl3pPr>
+              <a:defRPr>
+                <a:solidFill>
+                  <a:schemeClr val="lt1"/>
+                </a:solidFill>
+              </a:defRPr>
+            </a:lvl3pPr>
+            <a:lvl4pPr>
+              <a:defRPr>
+                <a:solidFill>
+                  <a:schemeClr val="lt1"/>
+                </a:solidFill>
+              </a:defRPr>
+            </a:lvl4pPr>
+            <a:lvl5pPr>
+              <a:defRPr>
+                <a:solidFill>
+                  <a:schemeClr val="lt1"/>
+                </a:solidFill>
+              </a:defRPr>
+            </a:lvl5pPr>
+            <a:lvl6pPr>
+              <a:defRPr>
+                <a:solidFill>
+                  <a:schemeClr val="lt1"/>
+                </a:solidFill>
+              </a:defRPr>
+            </a:lvl6pPr>
+            <a:lvl7pPr>
+              <a:defRPr>
+                <a:solidFill>
+                  <a:schemeClr val="lt1"/>
+                </a:solidFill>
+              </a:defRPr>
+            </a:lvl7pPr>
+            <a:lvl8pPr>
+              <a:defRPr>
+                <a:solidFill>
+                  <a:schemeClr val="lt1"/>
+                </a:solidFill>
+              </a:defRPr>
+            </a:lvl8pPr>
+            <a:lvl9pPr>
+              <a:defRPr>
+                <a:solidFill>
+                  <a:schemeClr val="lt1"/>
+                </a:solidFill>
+              </a:defRPr>
+            </a:lvl9pPr>
+          </a:lstStyle>
+          <a:p>
+            <a:pPr algn="ctr"/>
+            <a:r>
+              <a:rPr lang="en-US" dirty="0" err="1" smtClean="0">
+                <a:solidFill>
+                  <a:schemeClr val="tx1"/>
+                </a:solidFill>
+              </a:rPr>
+              <a:t>BackDoorLogic</a:t>
+            </a:r>
+            <a:endParaRPr lang="en-SG" dirty="0">
+              <a:solidFill>
+                <a:schemeClr val="tx1"/>
+              </a:solidFill>
+            </a:endParaRPr>
+          </a:p>
+        </p:txBody>
+      </p:sp>
+      <p:cxnSp>
+        <p:nvCxnSpPr>
+          <p:cNvPr id="177" name="Elbow Connector 176"/>
+          <p:cNvCxnSpPr>
+            <a:stCxn id="110" idx="0"/>
+            <a:endCxn id="176" idx="2"/>
+          </p:cNvCxnSpPr>
+          <p:nvPr/>
+        </p:nvCxnSpPr>
+        <p:spPr>
+          <a:xfrm rot="5400000" flipH="1" flipV="1">
+            <a:off x="6668029" y="1522058"/>
+            <a:ext cx="790006" cy="5886714"/>
+          </a:xfrm>
+          <a:prstGeom prst="bentConnector3">
+            <a:avLst>
+              <a:gd name="adj1" fmla="val 50000"/>
+            </a:avLst>
+          </a:prstGeom>
+          <a:ln w="38100">
+            <a:solidFill>
+              <a:schemeClr val="accent2">
+                <a:lumMod val="75000"/>
+              </a:schemeClr>
+            </a:solidFill>
+            <a:prstDash val="sysDash"/>
+            <a:tailEnd type="arrow"/>
+          </a:ln>
+        </p:spPr>
+        <p:style>
+          <a:lnRef idx="1">
+            <a:schemeClr val="accent1"/>
+          </a:lnRef>
+          <a:fillRef idx="0">
+            <a:schemeClr val="accent1"/>
+          </a:fillRef>
+          <a:effectRef idx="0">
+            <a:schemeClr val="accent1"/>
+          </a:effectRef>
+          <a:fontRef idx="minor">
+            <a:schemeClr val="tx1"/>
+          </a:fontRef>
+        </p:style>
+      </p:cxnSp>
+      <p:sp>
+        <p:nvSpPr>
+          <p:cNvPr id="186" name="Folded Corner 185"/>
+          <p:cNvSpPr/>
+          <p:nvPr/>
+        </p:nvSpPr>
+        <p:spPr>
+          <a:xfrm>
+            <a:off x="8564687" y="138929"/>
+            <a:ext cx="1800000" cy="360000"/>
+          </a:xfrm>
+          <a:prstGeom prst="foldedCorner">
+            <a:avLst/>
+          </a:prstGeom>
+          <a:solidFill>
+            <a:schemeClr val="bg1"/>
+          </a:solidFill>
+          <a:ln>
+            <a:solidFill>
+              <a:schemeClr val="tx1"/>
+            </a:solidFill>
+          </a:ln>
+        </p:spPr>
+        <p:style>
+          <a:lnRef idx="2">
+            <a:schemeClr val="accent1">
+              <a:shade val="50000"/>
+            </a:schemeClr>
+          </a:lnRef>
+          <a:fillRef idx="1">
+            <a:schemeClr val="accent1"/>
+          </a:fillRef>
+          <a:effectRef idx="0">
+            <a:schemeClr val="accent1"/>
+          </a:effectRef>
+          <a:fontRef idx="minor">
+            <a:schemeClr val="lt1"/>
+          </a:fontRef>
+        </p:style>
+        <p:txBody>
+          <a:bodyPr rtlCol="0" anchor="ctr"/>
+          <a:lstStyle/>
+          <a:p>
+            <a:pPr algn="ctr"/>
+            <a:r>
+              <a:rPr lang="en-US" sz="1600" b="1" dirty="0" err="1" smtClean="0">
+                <a:solidFill>
+                  <a:schemeClr val="tx1"/>
+                </a:solidFill>
+              </a:rPr>
+              <a:t>test.properties</a:t>
+            </a:r>
+            <a:endParaRPr lang="en-SG" sz="1600" b="1" dirty="0">
+              <a:solidFill>
+                <a:schemeClr val="tx1"/>
+              </a:solidFill>
+            </a:endParaRPr>
+          </a:p>
+        </p:txBody>
+      </p:sp>
+      <p:sp>
+        <p:nvSpPr>
+          <p:cNvPr id="188" name="Folded Corner 187"/>
+          <p:cNvSpPr/>
+          <p:nvPr/>
+        </p:nvSpPr>
+        <p:spPr>
+          <a:xfrm>
+            <a:off x="9254284" y="450600"/>
+            <a:ext cx="1440000" cy="540000"/>
+          </a:xfrm>
+          <a:prstGeom prst="foldedCorner">
+            <a:avLst/>
+          </a:prstGeom>
+          <a:solidFill>
+            <a:schemeClr val="bg1"/>
+          </a:solidFill>
+          <a:ln>
+            <a:solidFill>
+              <a:schemeClr val="tx1"/>
+            </a:solidFill>
+          </a:ln>
+        </p:spPr>
+        <p:style>
+          <a:lnRef idx="2">
+            <a:schemeClr val="accent1">
+              <a:shade val="50000"/>
+            </a:schemeClr>
+          </a:lnRef>
+          <a:fillRef idx="1">
+            <a:schemeClr val="accent1"/>
+          </a:fillRef>
+          <a:effectRef idx="0">
+            <a:schemeClr val="accent1"/>
+          </a:effectRef>
+          <a:fontRef idx="minor">
+            <a:schemeClr val="lt1"/>
+          </a:fontRef>
+        </p:style>
+        <p:txBody>
+          <a:bodyPr rtlCol="0" anchor="ctr"/>
+          <a:lstStyle/>
+          <a:p>
+            <a:pPr algn="ctr"/>
+            <a:r>
+              <a:rPr lang="en-US" sz="1600" b="1" dirty="0" smtClean="0">
+                <a:solidFill>
+                  <a:schemeClr val="tx1"/>
+                </a:solidFill>
+              </a:rPr>
+              <a:t>appengine-web.xml</a:t>
+            </a:r>
+            <a:endParaRPr lang="en-SG" sz="1600" b="1" dirty="0">
+              <a:solidFill>
+                <a:schemeClr val="tx1"/>
+              </a:solidFill>
+            </a:endParaRPr>
+          </a:p>
+        </p:txBody>
+      </p:sp>
+      <p:cxnSp>
+        <p:nvCxnSpPr>
+          <p:cNvPr id="189" name="Straight Arrow Connector 188"/>
           <p:cNvCxnSpPr/>
           <p:nvPr/>
         </p:nvCxnSpPr>
         <p:spPr>
-          <a:xfrm>
-            <a:off x="5536538" y="3048000"/>
-            <a:ext cx="1311937" cy="0"/>
+          <a:xfrm flipV="1">
+            <a:off x="9024075" y="4973969"/>
+            <a:ext cx="720000" cy="0"/>
           </a:xfrm>
           <a:prstGeom prst="straightConnector1">
+            <a:avLst/>
+          </a:prstGeom>
+          <a:ln w="38100">
+            <a:solidFill>
+              <a:schemeClr val="tx1"/>
+            </a:solidFill>
+            <a:prstDash val="sysDash"/>
+            <a:headEnd type="arrow" w="med" len="med"/>
+            <a:tailEnd type="none" w="med" len="med"/>
+          </a:ln>
+        </p:spPr>
+        <p:style>
+          <a:lnRef idx="1">
+            <a:schemeClr val="accent1"/>
+          </a:lnRef>
+          <a:fillRef idx="0">
+            <a:schemeClr val="accent1"/>
+          </a:fillRef>
+          <a:effectRef idx="0">
+            <a:schemeClr val="accent1"/>
+          </a:effectRef>
+          <a:fontRef idx="minor">
+            <a:schemeClr val="tx1"/>
+          </a:fontRef>
+        </p:style>
+      </p:cxnSp>
+      <p:cxnSp>
+        <p:nvCxnSpPr>
+          <p:cNvPr id="190" name="Elbow Connector 189"/>
+          <p:cNvCxnSpPr>
+            <a:stCxn id="94" idx="0"/>
+            <a:endCxn id="186" idx="1"/>
+          </p:cNvCxnSpPr>
+          <p:nvPr/>
+        </p:nvCxnSpPr>
+        <p:spPr>
+          <a:xfrm rot="5400000" flipH="1" flipV="1">
+            <a:off x="7677755" y="616423"/>
+            <a:ext cx="1184426" cy="589438"/>
+          </a:xfrm>
+          <a:prstGeom prst="bentConnector2">
+            <a:avLst/>
+          </a:prstGeom>
+          <a:ln w="38100">
+            <a:solidFill>
+              <a:schemeClr val="accent3">
+                <a:lumMod val="75000"/>
+              </a:schemeClr>
+            </a:solidFill>
+            <a:prstDash val="sysDash"/>
+            <a:tailEnd type="arrow"/>
+          </a:ln>
+        </p:spPr>
+        <p:style>
+          <a:lnRef idx="1">
+            <a:schemeClr val="accent1"/>
+          </a:lnRef>
+          <a:fillRef idx="0">
+            <a:schemeClr val="accent1"/>
+          </a:fillRef>
+          <a:effectRef idx="0">
+            <a:schemeClr val="accent1"/>
+          </a:effectRef>
+          <a:fontRef idx="minor">
+            <a:schemeClr val="tx1"/>
+          </a:fontRef>
+        </p:style>
+      </p:cxnSp>
+      <p:sp>
+        <p:nvSpPr>
+          <p:cNvPr id="192" name="TextBox 191"/>
+          <p:cNvSpPr txBox="1"/>
+          <p:nvPr/>
+        </p:nvSpPr>
+        <p:spPr>
+          <a:xfrm>
+            <a:off x="9591675" y="4793969"/>
+            <a:ext cx="1076815" cy="360000"/>
+          </a:xfrm>
+          <a:prstGeom prst="rect">
+            <a:avLst/>
+          </a:prstGeom>
+          <a:grpFill/>
+          <a:ln>
+            <a:noFill/>
+          </a:ln>
+        </p:spPr>
+        <p:style>
+          <a:lnRef idx="2">
+            <a:schemeClr val="accent1">
+              <a:shade val="50000"/>
+            </a:schemeClr>
+          </a:lnRef>
+          <a:fillRef idx="1">
+            <a:schemeClr val="accent1"/>
+          </a:fillRef>
+          <a:effectRef idx="0">
+            <a:schemeClr val="accent1"/>
+          </a:effectRef>
+          <a:fontRef idx="minor">
+            <a:schemeClr val="lt1"/>
+          </a:fontRef>
+        </p:style>
+        <p:txBody>
+          <a:bodyPr rtlCol="0" anchor="t" anchorCtr="0"/>
+          <a:lstStyle>
+            <a:defPPr>
+              <a:defRPr lang="en-US"/>
+            </a:defPPr>
+            <a:lvl1pPr>
+              <a:defRPr sz="1400" b="1">
+                <a:solidFill>
+                  <a:srgbClr val="7030A0"/>
+                </a:solidFill>
+              </a:defRPr>
+            </a:lvl1pPr>
+            <a:lvl2pPr>
+              <a:defRPr>
+                <a:solidFill>
+                  <a:schemeClr val="lt1"/>
+                </a:solidFill>
+              </a:defRPr>
+            </a:lvl2pPr>
+            <a:lvl3pPr>
+              <a:defRPr>
+                <a:solidFill>
+                  <a:schemeClr val="lt1"/>
+                </a:solidFill>
+              </a:defRPr>
+            </a:lvl3pPr>
+            <a:lvl4pPr>
+              <a:defRPr>
+                <a:solidFill>
+                  <a:schemeClr val="lt1"/>
+                </a:solidFill>
+              </a:defRPr>
+            </a:lvl4pPr>
+            <a:lvl5pPr>
+              <a:defRPr>
+                <a:solidFill>
+                  <a:schemeClr val="lt1"/>
+                </a:solidFill>
+              </a:defRPr>
+            </a:lvl5pPr>
+            <a:lvl6pPr>
+              <a:defRPr>
+                <a:solidFill>
+                  <a:schemeClr val="lt1"/>
+                </a:solidFill>
+              </a:defRPr>
+            </a:lvl6pPr>
+            <a:lvl7pPr>
+              <a:defRPr>
+                <a:solidFill>
+                  <a:schemeClr val="lt1"/>
+                </a:solidFill>
+              </a:defRPr>
+            </a:lvl7pPr>
+            <a:lvl8pPr>
+              <a:defRPr>
+                <a:solidFill>
+                  <a:schemeClr val="lt1"/>
+                </a:solidFill>
+              </a:defRPr>
+            </a:lvl8pPr>
+            <a:lvl9pPr>
+              <a:defRPr>
+                <a:solidFill>
+                  <a:schemeClr val="lt1"/>
+                </a:solidFill>
+              </a:defRPr>
+            </a:lvl9pPr>
+          </a:lstStyle>
+          <a:p>
+            <a:pPr algn="ctr"/>
+            <a:r>
+              <a:rPr lang="en-US" dirty="0" err="1" smtClean="0">
+                <a:solidFill>
+                  <a:schemeClr val="tx1"/>
+                </a:solidFill>
+              </a:rPr>
+              <a:t>TestNG</a:t>
+            </a:r>
+            <a:endParaRPr lang="en-SG" dirty="0">
+              <a:solidFill>
+                <a:schemeClr val="tx1"/>
+              </a:solidFill>
+            </a:endParaRPr>
+          </a:p>
+        </p:txBody>
+      </p:sp>
+      <p:cxnSp>
+        <p:nvCxnSpPr>
+          <p:cNvPr id="193" name="Elbow Connector 192"/>
+          <p:cNvCxnSpPr>
+            <a:stCxn id="122" idx="1"/>
+            <a:endCxn id="81" idx="2"/>
+          </p:cNvCxnSpPr>
+          <p:nvPr/>
+        </p:nvCxnSpPr>
+        <p:spPr>
+          <a:xfrm rot="10800000">
+            <a:off x="3679916" y="2819400"/>
+            <a:ext cx="1764372" cy="1279916"/>
+          </a:xfrm>
+          <a:prstGeom prst="bentConnector2">
             <a:avLst/>
           </a:prstGeom>
           <a:ln>
             <a:solidFill>
               <a:schemeClr val="accent5">
-                <a:lumMod val="50000"/>
+                <a:lumMod val="75000"/>
               </a:schemeClr>
             </a:solidFill>
             <a:prstDash val="sysDot"/>
@@ -8032,43 +7363,6 @@
           </a:fillRef>
           <a:effectRef idx="0">
             <a:schemeClr val="accent6"/>
-          </a:effectRef>
-          <a:fontRef idx="minor">
-            <a:schemeClr val="lt1"/>
-          </a:fontRef>
-        </p:style>
-      </p:cxnSp>
-      <p:cxnSp>
-        <p:nvCxnSpPr>
-          <p:cNvPr id="94" name="Elbow Connector 93"/>
-          <p:cNvCxnSpPr>
-            <a:stCxn id="167" idx="3"/>
-            <a:endCxn id="137" idx="1"/>
-          </p:cNvCxnSpPr>
-          <p:nvPr/>
-        </p:nvCxnSpPr>
-        <p:spPr>
-          <a:xfrm flipV="1">
-            <a:off x="2036636" y="1421124"/>
-            <a:ext cx="1322748" cy="205155"/>
-          </a:xfrm>
-          <a:prstGeom prst="bentConnector3">
-            <a:avLst>
-              <a:gd name="adj1" fmla="val 50000"/>
-            </a:avLst>
-          </a:prstGeom>
-        </p:spPr>
-        <p:style>
-          <a:lnRef idx="2">
-            <a:schemeClr val="accent3">
-              <a:shade val="50000"/>
-            </a:schemeClr>
-          </a:lnRef>
-          <a:fillRef idx="1">
-            <a:schemeClr val="accent3"/>
-          </a:fillRef>
-          <a:effectRef idx="0">
-            <a:schemeClr val="accent3"/>
           </a:effectRef>
           <a:fontRef idx="minor">
             <a:schemeClr val="lt1"/>

--- a/docs/images/TestDriverComponent.pptx
+++ b/docs/images/TestDriverComponent.pptx
@@ -10,7 +10,7 @@
   <p:sldIdLst>
     <p:sldId id="256" r:id="rId2"/>
   </p:sldIdLst>
-  <p:sldSz cx="10801350" cy="6858000"/>
+  <p:sldSz cx="9539288" cy="6858000"/>
   <p:notesSz cx="6858000" cy="9144000"/>
   <p:defaultTextStyle>
     <a:defPPr>
@@ -110,12 +110,12 @@
   <p:extLst>
     <p:ext uri="{EFAFB233-063F-42B5-8137-9DF3F51BA10A}">
       <p15:sldGuideLst xmlns:p15="http://schemas.microsoft.com/office/powerpoint/2012/main">
-        <p15:guide id="1" orient="horz" pos="2160">
+        <p15:guide id="1" orient="horz" pos="2160" userDrawn="1">
           <p15:clr>
             <a:srgbClr val="A4A3A4"/>
           </p15:clr>
         </p15:guide>
-        <p15:guide id="2" pos="3402">
+        <p15:guide id="2" pos="3005" userDrawn="1">
           <p15:clr>
             <a:srgbClr val="A4A3A4"/>
           </p15:clr>
@@ -209,7 +209,7 @@
             <a:fld id="{AF301891-4E62-472A-98E9-95DBD40531A4}" type="datetimeFigureOut">
               <a:rPr lang="en-SG" smtClean="0"/>
               <a:pPr/>
-              <a:t>30/1/2017</a:t>
+              <a:t>28/9/2018</a:t>
             </a:fld>
             <a:endParaRPr lang="en-SG"/>
           </a:p>
@@ -227,8 +227,8 @@
         </p:nvSpPr>
         <p:spPr>
           <a:xfrm>
-            <a:off x="728663" y="685800"/>
-            <a:ext cx="5400675" cy="3429000"/>
+            <a:off x="1044575" y="685800"/>
+            <a:ext cx="4768850" cy="3429000"/>
           </a:xfrm>
           <a:prstGeom prst="rect">
             <a:avLst/>
@@ -507,8 +507,8 @@
         </p:nvSpPr>
         <p:spPr>
           <a:xfrm>
-            <a:off x="728663" y="685800"/>
-            <a:ext cx="5400675" cy="3429000"/>
+            <a:off x="1044575" y="685800"/>
+            <a:ext cx="4768850" cy="3429000"/>
           </a:xfrm>
         </p:spPr>
       </p:sp>
@@ -597,8 +597,8 @@
         </p:nvSpPr>
         <p:spPr>
           <a:xfrm>
-            <a:off x="810101" y="2130426"/>
-            <a:ext cx="9181148" cy="1470025"/>
+            <a:off x="715447" y="2130433"/>
+            <a:ext cx="8108395" cy="1470025"/>
           </a:xfrm>
           <a:prstGeom prst="rect">
             <a:avLst/>
@@ -628,8 +628,8 @@
         </p:nvSpPr>
         <p:spPr>
           <a:xfrm>
-            <a:off x="1620203" y="3886200"/>
-            <a:ext cx="7560945" cy="1752600"/>
+            <a:off x="1430895" y="3886201"/>
+            <a:ext cx="6677502" cy="1752600"/>
           </a:xfrm>
           <a:prstGeom prst="rect">
             <a:avLst/>
@@ -648,7 +648,7 @@
                 </a:solidFill>
               </a:defRPr>
             </a:lvl1pPr>
-            <a:lvl2pPr marL="457200" indent="0" algn="ctr">
+            <a:lvl2pPr marL="457224" indent="0" algn="ctr">
               <a:buNone/>
               <a:defRPr>
                 <a:solidFill>
@@ -658,7 +658,7 @@
                 </a:solidFill>
               </a:defRPr>
             </a:lvl2pPr>
-            <a:lvl3pPr marL="914400" indent="0" algn="ctr">
+            <a:lvl3pPr marL="914450" indent="0" algn="ctr">
               <a:buNone/>
               <a:defRPr>
                 <a:solidFill>
@@ -668,7 +668,7 @@
                 </a:solidFill>
               </a:defRPr>
             </a:lvl3pPr>
-            <a:lvl4pPr marL="1371600" indent="0" algn="ctr">
+            <a:lvl4pPr marL="1371673" indent="0" algn="ctr">
               <a:buNone/>
               <a:defRPr>
                 <a:solidFill>
@@ -678,7 +678,7 @@
                 </a:solidFill>
               </a:defRPr>
             </a:lvl4pPr>
-            <a:lvl5pPr marL="1828800" indent="0" algn="ctr">
+            <a:lvl5pPr marL="1828898" indent="0" algn="ctr">
               <a:buNone/>
               <a:defRPr>
                 <a:solidFill>
@@ -688,7 +688,7 @@
                 </a:solidFill>
               </a:defRPr>
             </a:lvl5pPr>
-            <a:lvl6pPr marL="2286000" indent="0" algn="ctr">
+            <a:lvl6pPr marL="2286123" indent="0" algn="ctr">
               <a:buNone/>
               <a:defRPr>
                 <a:solidFill>
@@ -698,7 +698,7 @@
                 </a:solidFill>
               </a:defRPr>
             </a:lvl6pPr>
-            <a:lvl7pPr marL="2743200" indent="0" algn="ctr">
+            <a:lvl7pPr marL="2743346" indent="0" algn="ctr">
               <a:buNone/>
               <a:defRPr>
                 <a:solidFill>
@@ -708,7 +708,7 @@
                 </a:solidFill>
               </a:defRPr>
             </a:lvl7pPr>
-            <a:lvl8pPr marL="3200400" indent="0" algn="ctr">
+            <a:lvl8pPr marL="3200571" indent="0" algn="ctr">
               <a:buNone/>
               <a:defRPr>
                 <a:solidFill>
@@ -718,7 +718,7 @@
                 </a:solidFill>
               </a:defRPr>
             </a:lvl8pPr>
-            <a:lvl9pPr marL="3657600" indent="0" algn="ctr">
+            <a:lvl9pPr marL="3657795" indent="0" algn="ctr">
               <a:buNone/>
               <a:defRPr>
                 <a:solidFill>
@@ -750,8 +750,8 @@
         </p:nvSpPr>
         <p:spPr>
           <a:xfrm>
-            <a:off x="540067" y="6356351"/>
-            <a:ext cx="2520315" cy="365125"/>
+            <a:off x="476970" y="6356361"/>
+            <a:ext cx="2225835" cy="365125"/>
           </a:xfrm>
           <a:prstGeom prst="rect">
             <a:avLst/>
@@ -764,7 +764,7 @@
             <a:fld id="{1D8BD707-D9CF-40AE-B4C6-C98DA3205C09}" type="datetimeFigureOut">
               <a:rPr lang="en-US" smtClean="0"/>
               <a:pPr/>
-              <a:t>1/30/2017</a:t>
+              <a:t>9/28/2018</a:t>
             </a:fld>
             <a:endParaRPr lang="en-US"/>
           </a:p>
@@ -782,8 +782,8 @@
         </p:nvSpPr>
         <p:spPr>
           <a:xfrm>
-            <a:off x="3690461" y="6356351"/>
-            <a:ext cx="3420428" cy="365125"/>
+            <a:off x="3259257" y="6356361"/>
+            <a:ext cx="3020775" cy="365125"/>
           </a:xfrm>
           <a:prstGeom prst="rect">
             <a:avLst/>
@@ -809,8 +809,8 @@
         </p:nvSpPr>
         <p:spPr>
           <a:xfrm>
-            <a:off x="7740968" y="6356351"/>
-            <a:ext cx="2520315" cy="365125"/>
+            <a:off x="6836496" y="6356361"/>
+            <a:ext cx="2225835" cy="365125"/>
           </a:xfrm>
           <a:prstGeom prst="rect">
             <a:avLst/>
@@ -873,8 +873,8 @@
         </p:nvSpPr>
         <p:spPr>
           <a:xfrm>
-            <a:off x="540068" y="274638"/>
-            <a:ext cx="9721215" cy="1143000"/>
+            <a:off x="476968" y="274642"/>
+            <a:ext cx="8585360" cy="1143000"/>
           </a:xfrm>
           <a:prstGeom prst="rect">
             <a:avLst/>
@@ -904,8 +904,8 @@
         </p:nvSpPr>
         <p:spPr>
           <a:xfrm>
-            <a:off x="540068" y="1600201"/>
-            <a:ext cx="9721215" cy="4525963"/>
+            <a:off x="476968" y="1600212"/>
+            <a:ext cx="8585360" cy="4525963"/>
           </a:xfrm>
           <a:prstGeom prst="rect">
             <a:avLst/>
@@ -964,8 +964,8 @@
         </p:nvSpPr>
         <p:spPr>
           <a:xfrm>
-            <a:off x="540067" y="6356351"/>
-            <a:ext cx="2520315" cy="365125"/>
+            <a:off x="476970" y="6356361"/>
+            <a:ext cx="2225835" cy="365125"/>
           </a:xfrm>
           <a:prstGeom prst="rect">
             <a:avLst/>
@@ -978,7 +978,7 @@
             <a:fld id="{1D8BD707-D9CF-40AE-B4C6-C98DA3205C09}" type="datetimeFigureOut">
               <a:rPr lang="en-US" smtClean="0"/>
               <a:pPr/>
-              <a:t>1/30/2017</a:t>
+              <a:t>9/28/2018</a:t>
             </a:fld>
             <a:endParaRPr lang="en-US"/>
           </a:p>
@@ -996,8 +996,8 @@
         </p:nvSpPr>
         <p:spPr>
           <a:xfrm>
-            <a:off x="3690461" y="6356351"/>
-            <a:ext cx="3420428" cy="365125"/>
+            <a:off x="3259257" y="6356361"/>
+            <a:ext cx="3020775" cy="365125"/>
           </a:xfrm>
           <a:prstGeom prst="rect">
             <a:avLst/>
@@ -1023,8 +1023,8 @@
         </p:nvSpPr>
         <p:spPr>
           <a:xfrm>
-            <a:off x="7740968" y="6356351"/>
-            <a:ext cx="2520315" cy="365125"/>
+            <a:off x="6836496" y="6356361"/>
+            <a:ext cx="2225835" cy="365125"/>
           </a:xfrm>
           <a:prstGeom prst="rect">
             <a:avLst/>
@@ -1080,8 +1080,8 @@
         </p:nvSpPr>
         <p:spPr>
           <a:xfrm>
-            <a:off x="7830979" y="274639"/>
-            <a:ext cx="2430304" cy="5851525"/>
+            <a:off x="6915984" y="274647"/>
+            <a:ext cx="2146340" cy="5851525"/>
           </a:xfrm>
           <a:prstGeom prst="rect">
             <a:avLst/>
@@ -1111,8 +1111,8 @@
         </p:nvSpPr>
         <p:spPr>
           <a:xfrm>
-            <a:off x="540067" y="274639"/>
-            <a:ext cx="7110889" cy="5851525"/>
+            <a:off x="476975" y="274647"/>
+            <a:ext cx="6280031" cy="5851525"/>
           </a:xfrm>
           <a:prstGeom prst="rect">
             <a:avLst/>
@@ -1171,8 +1171,8 @@
         </p:nvSpPr>
         <p:spPr>
           <a:xfrm>
-            <a:off x="540067" y="6356351"/>
-            <a:ext cx="2520315" cy="365125"/>
+            <a:off x="476970" y="6356361"/>
+            <a:ext cx="2225835" cy="365125"/>
           </a:xfrm>
           <a:prstGeom prst="rect">
             <a:avLst/>
@@ -1185,7 +1185,7 @@
             <a:fld id="{1D8BD707-D9CF-40AE-B4C6-C98DA3205C09}" type="datetimeFigureOut">
               <a:rPr lang="en-US" smtClean="0"/>
               <a:pPr/>
-              <a:t>1/30/2017</a:t>
+              <a:t>9/28/2018</a:t>
             </a:fld>
             <a:endParaRPr lang="en-US"/>
           </a:p>
@@ -1203,8 +1203,8 @@
         </p:nvSpPr>
         <p:spPr>
           <a:xfrm>
-            <a:off x="3690461" y="6356351"/>
-            <a:ext cx="3420428" cy="365125"/>
+            <a:off x="3259257" y="6356361"/>
+            <a:ext cx="3020775" cy="365125"/>
           </a:xfrm>
           <a:prstGeom prst="rect">
             <a:avLst/>
@@ -1230,8 +1230,8 @@
         </p:nvSpPr>
         <p:spPr>
           <a:xfrm>
-            <a:off x="7740968" y="6356351"/>
-            <a:ext cx="2520315" cy="365125"/>
+            <a:off x="6836496" y="6356361"/>
+            <a:ext cx="2225835" cy="365125"/>
           </a:xfrm>
           <a:prstGeom prst="rect">
             <a:avLst/>
@@ -1287,8 +1287,8 @@
         </p:nvSpPr>
         <p:spPr>
           <a:xfrm>
-            <a:off x="540068" y="274638"/>
-            <a:ext cx="9721215" cy="1143000"/>
+            <a:off x="476968" y="274642"/>
+            <a:ext cx="8585360" cy="1143000"/>
           </a:xfrm>
           <a:prstGeom prst="rect">
             <a:avLst/>
@@ -1318,8 +1318,8 @@
         </p:nvSpPr>
         <p:spPr>
           <a:xfrm>
-            <a:off x="540068" y="1600201"/>
-            <a:ext cx="9721215" cy="4525963"/>
+            <a:off x="476968" y="1600212"/>
+            <a:ext cx="8585360" cy="4525963"/>
           </a:xfrm>
           <a:prstGeom prst="rect">
             <a:avLst/>
@@ -1378,8 +1378,8 @@
         </p:nvSpPr>
         <p:spPr>
           <a:xfrm>
-            <a:off x="540067" y="6356351"/>
-            <a:ext cx="2520315" cy="365125"/>
+            <a:off x="476970" y="6356361"/>
+            <a:ext cx="2225835" cy="365125"/>
           </a:xfrm>
           <a:prstGeom prst="rect">
             <a:avLst/>
@@ -1392,7 +1392,7 @@
             <a:fld id="{1D8BD707-D9CF-40AE-B4C6-C98DA3205C09}" type="datetimeFigureOut">
               <a:rPr lang="en-US" smtClean="0"/>
               <a:pPr/>
-              <a:t>1/30/2017</a:t>
+              <a:t>9/28/2018</a:t>
             </a:fld>
             <a:endParaRPr lang="en-US"/>
           </a:p>
@@ -1410,8 +1410,8 @@
         </p:nvSpPr>
         <p:spPr>
           <a:xfrm>
-            <a:off x="3690461" y="6356351"/>
-            <a:ext cx="3420428" cy="365125"/>
+            <a:off x="3259257" y="6356361"/>
+            <a:ext cx="3020775" cy="365125"/>
           </a:xfrm>
           <a:prstGeom prst="rect">
             <a:avLst/>
@@ -1437,8 +1437,8 @@
         </p:nvSpPr>
         <p:spPr>
           <a:xfrm>
-            <a:off x="7740968" y="6356351"/>
-            <a:ext cx="2520315" cy="365125"/>
+            <a:off x="6836496" y="6356361"/>
+            <a:ext cx="2225835" cy="365125"/>
           </a:xfrm>
           <a:prstGeom prst="rect">
             <a:avLst/>
@@ -1494,8 +1494,8 @@
         </p:nvSpPr>
         <p:spPr>
           <a:xfrm>
-            <a:off x="853232" y="4406901"/>
-            <a:ext cx="9181148" cy="1362075"/>
+            <a:off x="753542" y="4406912"/>
+            <a:ext cx="8108395" cy="1362075"/>
           </a:xfrm>
           <a:prstGeom prst="rect">
             <a:avLst/>
@@ -1529,8 +1529,8 @@
         </p:nvSpPr>
         <p:spPr>
           <a:xfrm>
-            <a:off x="853232" y="2906713"/>
-            <a:ext cx="9181148" cy="1500187"/>
+            <a:off x="753542" y="2906717"/>
+            <a:ext cx="8108395" cy="1500187"/>
           </a:xfrm>
           <a:prstGeom prst="rect">
             <a:avLst/>
@@ -1549,7 +1549,7 @@
                 </a:solidFill>
               </a:defRPr>
             </a:lvl1pPr>
-            <a:lvl2pPr marL="457200" indent="0">
+            <a:lvl2pPr marL="457224" indent="0">
               <a:buNone/>
               <a:defRPr sz="1800">
                 <a:solidFill>
@@ -1559,7 +1559,7 @@
                 </a:solidFill>
               </a:defRPr>
             </a:lvl2pPr>
-            <a:lvl3pPr marL="914400" indent="0">
+            <a:lvl3pPr marL="914450" indent="0">
               <a:buNone/>
               <a:defRPr sz="1600">
                 <a:solidFill>
@@ -1569,7 +1569,7 @@
                 </a:solidFill>
               </a:defRPr>
             </a:lvl3pPr>
-            <a:lvl4pPr marL="1371600" indent="0">
+            <a:lvl4pPr marL="1371673" indent="0">
               <a:buNone/>
               <a:defRPr sz="1400">
                 <a:solidFill>
@@ -1579,7 +1579,7 @@
                 </a:solidFill>
               </a:defRPr>
             </a:lvl4pPr>
-            <a:lvl5pPr marL="1828800" indent="0">
+            <a:lvl5pPr marL="1828898" indent="0">
               <a:buNone/>
               <a:defRPr sz="1400">
                 <a:solidFill>
@@ -1589,7 +1589,7 @@
                 </a:solidFill>
               </a:defRPr>
             </a:lvl5pPr>
-            <a:lvl6pPr marL="2286000" indent="0">
+            <a:lvl6pPr marL="2286123" indent="0">
               <a:buNone/>
               <a:defRPr sz="1400">
                 <a:solidFill>
@@ -1599,7 +1599,7 @@
                 </a:solidFill>
               </a:defRPr>
             </a:lvl6pPr>
-            <a:lvl7pPr marL="2743200" indent="0">
+            <a:lvl7pPr marL="2743346" indent="0">
               <a:buNone/>
               <a:defRPr sz="1400">
                 <a:solidFill>
@@ -1609,7 +1609,7 @@
                 </a:solidFill>
               </a:defRPr>
             </a:lvl7pPr>
-            <a:lvl8pPr marL="3200400" indent="0">
+            <a:lvl8pPr marL="3200571" indent="0">
               <a:buNone/>
               <a:defRPr sz="1400">
                 <a:solidFill>
@@ -1619,7 +1619,7 @@
                 </a:solidFill>
               </a:defRPr>
             </a:lvl8pPr>
-            <a:lvl9pPr marL="3657600" indent="0">
+            <a:lvl9pPr marL="3657795" indent="0">
               <a:buNone/>
               <a:defRPr sz="1400">
                 <a:solidFill>
@@ -1651,8 +1651,8 @@
         </p:nvSpPr>
         <p:spPr>
           <a:xfrm>
-            <a:off x="540067" y="6356351"/>
-            <a:ext cx="2520315" cy="365125"/>
+            <a:off x="476970" y="6356361"/>
+            <a:ext cx="2225835" cy="365125"/>
           </a:xfrm>
           <a:prstGeom prst="rect">
             <a:avLst/>
@@ -1665,7 +1665,7 @@
             <a:fld id="{1D8BD707-D9CF-40AE-B4C6-C98DA3205C09}" type="datetimeFigureOut">
               <a:rPr lang="en-US" smtClean="0"/>
               <a:pPr/>
-              <a:t>1/30/2017</a:t>
+              <a:t>9/28/2018</a:t>
             </a:fld>
             <a:endParaRPr lang="en-US"/>
           </a:p>
@@ -1683,8 +1683,8 @@
         </p:nvSpPr>
         <p:spPr>
           <a:xfrm>
-            <a:off x="3690461" y="6356351"/>
-            <a:ext cx="3420428" cy="365125"/>
+            <a:off x="3259257" y="6356361"/>
+            <a:ext cx="3020775" cy="365125"/>
           </a:xfrm>
           <a:prstGeom prst="rect">
             <a:avLst/>
@@ -1710,8 +1710,8 @@
         </p:nvSpPr>
         <p:spPr>
           <a:xfrm>
-            <a:off x="7740968" y="6356351"/>
-            <a:ext cx="2520315" cy="365125"/>
+            <a:off x="6836496" y="6356361"/>
+            <a:ext cx="2225835" cy="365125"/>
           </a:xfrm>
           <a:prstGeom prst="rect">
             <a:avLst/>
@@ -1767,8 +1767,8 @@
         </p:nvSpPr>
         <p:spPr>
           <a:xfrm>
-            <a:off x="540068" y="274638"/>
-            <a:ext cx="9721215" cy="1143000"/>
+            <a:off x="476968" y="274642"/>
+            <a:ext cx="8585360" cy="1143000"/>
           </a:xfrm>
           <a:prstGeom prst="rect">
             <a:avLst/>
@@ -1798,8 +1798,8 @@
         </p:nvSpPr>
         <p:spPr>
           <a:xfrm>
-            <a:off x="540068" y="1600201"/>
-            <a:ext cx="4770596" cy="4525963"/>
+            <a:off x="476969" y="1600212"/>
+            <a:ext cx="4213185" cy="4525963"/>
           </a:xfrm>
           <a:prstGeom prst="rect">
             <a:avLst/>
@@ -1886,8 +1886,8 @@
         </p:nvSpPr>
         <p:spPr>
           <a:xfrm>
-            <a:off x="5490686" y="1600201"/>
-            <a:ext cx="4770596" cy="4525963"/>
+            <a:off x="4849142" y="1600212"/>
+            <a:ext cx="4213185" cy="4525963"/>
           </a:xfrm>
           <a:prstGeom prst="rect">
             <a:avLst/>
@@ -1974,8 +1974,8 @@
         </p:nvSpPr>
         <p:spPr>
           <a:xfrm>
-            <a:off x="540067" y="6356351"/>
-            <a:ext cx="2520315" cy="365125"/>
+            <a:off x="476970" y="6356361"/>
+            <a:ext cx="2225835" cy="365125"/>
           </a:xfrm>
           <a:prstGeom prst="rect">
             <a:avLst/>
@@ -1988,7 +1988,7 @@
             <a:fld id="{1D8BD707-D9CF-40AE-B4C6-C98DA3205C09}" type="datetimeFigureOut">
               <a:rPr lang="en-US" smtClean="0"/>
               <a:pPr/>
-              <a:t>1/30/2017</a:t>
+              <a:t>9/28/2018</a:t>
             </a:fld>
             <a:endParaRPr lang="en-US"/>
           </a:p>
@@ -2006,8 +2006,8 @@
         </p:nvSpPr>
         <p:spPr>
           <a:xfrm>
-            <a:off x="3690461" y="6356351"/>
-            <a:ext cx="3420428" cy="365125"/>
+            <a:off x="3259257" y="6356361"/>
+            <a:ext cx="3020775" cy="365125"/>
           </a:xfrm>
           <a:prstGeom prst="rect">
             <a:avLst/>
@@ -2033,8 +2033,8 @@
         </p:nvSpPr>
         <p:spPr>
           <a:xfrm>
-            <a:off x="7740968" y="6356351"/>
-            <a:ext cx="2520315" cy="365125"/>
+            <a:off x="6836496" y="6356361"/>
+            <a:ext cx="2225835" cy="365125"/>
           </a:xfrm>
           <a:prstGeom prst="rect">
             <a:avLst/>
@@ -2090,8 +2090,8 @@
         </p:nvSpPr>
         <p:spPr>
           <a:xfrm>
-            <a:off x="540068" y="274638"/>
-            <a:ext cx="9721215" cy="1143000"/>
+            <a:off x="476968" y="274642"/>
+            <a:ext cx="8585360" cy="1143000"/>
           </a:xfrm>
           <a:prstGeom prst="rect">
             <a:avLst/>
@@ -2125,8 +2125,8 @@
         </p:nvSpPr>
         <p:spPr>
           <a:xfrm>
-            <a:off x="540068" y="1535113"/>
-            <a:ext cx="4772472" cy="639762"/>
+            <a:off x="476966" y="1535114"/>
+            <a:ext cx="4214842" cy="639762"/>
           </a:xfrm>
           <a:prstGeom prst="rect">
             <a:avLst/>
@@ -2139,35 +2139,35 @@
               <a:buNone/>
               <a:defRPr sz="2400" b="1"/>
             </a:lvl1pPr>
-            <a:lvl2pPr marL="457200" indent="0">
+            <a:lvl2pPr marL="457224" indent="0">
               <a:buNone/>
               <a:defRPr sz="2000" b="1"/>
             </a:lvl2pPr>
-            <a:lvl3pPr marL="914400" indent="0">
+            <a:lvl3pPr marL="914450" indent="0">
               <a:buNone/>
               <a:defRPr sz="1800" b="1"/>
             </a:lvl3pPr>
-            <a:lvl4pPr marL="1371600" indent="0">
+            <a:lvl4pPr marL="1371673" indent="0">
               <a:buNone/>
               <a:defRPr sz="1600" b="1"/>
             </a:lvl4pPr>
-            <a:lvl5pPr marL="1828800" indent="0">
+            <a:lvl5pPr marL="1828898" indent="0">
               <a:buNone/>
               <a:defRPr sz="1600" b="1"/>
             </a:lvl5pPr>
-            <a:lvl6pPr marL="2286000" indent="0">
+            <a:lvl6pPr marL="2286123" indent="0">
               <a:buNone/>
               <a:defRPr sz="1600" b="1"/>
             </a:lvl6pPr>
-            <a:lvl7pPr marL="2743200" indent="0">
+            <a:lvl7pPr marL="2743346" indent="0">
               <a:buNone/>
               <a:defRPr sz="1600" b="1"/>
             </a:lvl7pPr>
-            <a:lvl8pPr marL="3200400" indent="0">
+            <a:lvl8pPr marL="3200571" indent="0">
               <a:buNone/>
               <a:defRPr sz="1600" b="1"/>
             </a:lvl8pPr>
-            <a:lvl9pPr marL="3657600" indent="0">
+            <a:lvl9pPr marL="3657795" indent="0">
               <a:buNone/>
               <a:defRPr sz="1600" b="1"/>
             </a:lvl9pPr>
@@ -2193,8 +2193,8 @@
         </p:nvSpPr>
         <p:spPr>
           <a:xfrm>
-            <a:off x="540068" y="2174875"/>
-            <a:ext cx="4772472" cy="3951288"/>
+            <a:off x="476966" y="2174879"/>
+            <a:ext cx="4214842" cy="3951288"/>
           </a:xfrm>
           <a:prstGeom prst="rect">
             <a:avLst/>
@@ -2281,8 +2281,8 @@
         </p:nvSpPr>
         <p:spPr>
           <a:xfrm>
-            <a:off x="5486936" y="1535113"/>
-            <a:ext cx="4774347" cy="639762"/>
+            <a:off x="4845829" y="1535114"/>
+            <a:ext cx="4216499" cy="639762"/>
           </a:xfrm>
           <a:prstGeom prst="rect">
             <a:avLst/>
@@ -2295,35 +2295,35 @@
               <a:buNone/>
               <a:defRPr sz="2400" b="1"/>
             </a:lvl1pPr>
-            <a:lvl2pPr marL="457200" indent="0">
+            <a:lvl2pPr marL="457224" indent="0">
               <a:buNone/>
               <a:defRPr sz="2000" b="1"/>
             </a:lvl2pPr>
-            <a:lvl3pPr marL="914400" indent="0">
+            <a:lvl3pPr marL="914450" indent="0">
               <a:buNone/>
               <a:defRPr sz="1800" b="1"/>
             </a:lvl3pPr>
-            <a:lvl4pPr marL="1371600" indent="0">
+            <a:lvl4pPr marL="1371673" indent="0">
               <a:buNone/>
               <a:defRPr sz="1600" b="1"/>
             </a:lvl4pPr>
-            <a:lvl5pPr marL="1828800" indent="0">
+            <a:lvl5pPr marL="1828898" indent="0">
               <a:buNone/>
               <a:defRPr sz="1600" b="1"/>
             </a:lvl5pPr>
-            <a:lvl6pPr marL="2286000" indent="0">
+            <a:lvl6pPr marL="2286123" indent="0">
               <a:buNone/>
               <a:defRPr sz="1600" b="1"/>
             </a:lvl6pPr>
-            <a:lvl7pPr marL="2743200" indent="0">
+            <a:lvl7pPr marL="2743346" indent="0">
               <a:buNone/>
               <a:defRPr sz="1600" b="1"/>
             </a:lvl7pPr>
-            <a:lvl8pPr marL="3200400" indent="0">
+            <a:lvl8pPr marL="3200571" indent="0">
               <a:buNone/>
               <a:defRPr sz="1600" b="1"/>
             </a:lvl8pPr>
-            <a:lvl9pPr marL="3657600" indent="0">
+            <a:lvl9pPr marL="3657795" indent="0">
               <a:buNone/>
               <a:defRPr sz="1600" b="1"/>
             </a:lvl9pPr>
@@ -2349,8 +2349,8 @@
         </p:nvSpPr>
         <p:spPr>
           <a:xfrm>
-            <a:off x="5486936" y="2174875"/>
-            <a:ext cx="4774347" cy="3951288"/>
+            <a:off x="4845829" y="2174879"/>
+            <a:ext cx="4216499" cy="3951288"/>
           </a:xfrm>
           <a:prstGeom prst="rect">
             <a:avLst/>
@@ -2437,8 +2437,8 @@
         </p:nvSpPr>
         <p:spPr>
           <a:xfrm>
-            <a:off x="540067" y="6356351"/>
-            <a:ext cx="2520315" cy="365125"/>
+            <a:off x="476970" y="6356361"/>
+            <a:ext cx="2225835" cy="365125"/>
           </a:xfrm>
           <a:prstGeom prst="rect">
             <a:avLst/>
@@ -2451,7 +2451,7 @@
             <a:fld id="{1D8BD707-D9CF-40AE-B4C6-C98DA3205C09}" type="datetimeFigureOut">
               <a:rPr lang="en-US" smtClean="0"/>
               <a:pPr/>
-              <a:t>1/30/2017</a:t>
+              <a:t>9/28/2018</a:t>
             </a:fld>
             <a:endParaRPr lang="en-US"/>
           </a:p>
@@ -2469,8 +2469,8 @@
         </p:nvSpPr>
         <p:spPr>
           <a:xfrm>
-            <a:off x="3690461" y="6356351"/>
-            <a:ext cx="3420428" cy="365125"/>
+            <a:off x="3259257" y="6356361"/>
+            <a:ext cx="3020775" cy="365125"/>
           </a:xfrm>
           <a:prstGeom prst="rect">
             <a:avLst/>
@@ -2496,8 +2496,8 @@
         </p:nvSpPr>
         <p:spPr>
           <a:xfrm>
-            <a:off x="7740968" y="6356351"/>
-            <a:ext cx="2520315" cy="365125"/>
+            <a:off x="6836496" y="6356361"/>
+            <a:ext cx="2225835" cy="365125"/>
           </a:xfrm>
           <a:prstGeom prst="rect">
             <a:avLst/>
@@ -2553,8 +2553,8 @@
         </p:nvSpPr>
         <p:spPr>
           <a:xfrm>
-            <a:off x="540068" y="274638"/>
-            <a:ext cx="9721215" cy="1143000"/>
+            <a:off x="476968" y="274642"/>
+            <a:ext cx="8585360" cy="1143000"/>
           </a:xfrm>
           <a:prstGeom prst="rect">
             <a:avLst/>
@@ -2584,8 +2584,8 @@
         </p:nvSpPr>
         <p:spPr>
           <a:xfrm>
-            <a:off x="540067" y="6356351"/>
-            <a:ext cx="2520315" cy="365125"/>
+            <a:off x="476970" y="6356361"/>
+            <a:ext cx="2225835" cy="365125"/>
           </a:xfrm>
           <a:prstGeom prst="rect">
             <a:avLst/>
@@ -2598,7 +2598,7 @@
             <a:fld id="{1D8BD707-D9CF-40AE-B4C6-C98DA3205C09}" type="datetimeFigureOut">
               <a:rPr lang="en-US" smtClean="0"/>
               <a:pPr/>
-              <a:t>1/30/2017</a:t>
+              <a:t>9/28/2018</a:t>
             </a:fld>
             <a:endParaRPr lang="en-US"/>
           </a:p>
@@ -2616,8 +2616,8 @@
         </p:nvSpPr>
         <p:spPr>
           <a:xfrm>
-            <a:off x="3690461" y="6356351"/>
-            <a:ext cx="3420428" cy="365125"/>
+            <a:off x="3259257" y="6356361"/>
+            <a:ext cx="3020775" cy="365125"/>
           </a:xfrm>
           <a:prstGeom prst="rect">
             <a:avLst/>
@@ -2643,8 +2643,8 @@
         </p:nvSpPr>
         <p:spPr>
           <a:xfrm>
-            <a:off x="7740968" y="6356351"/>
-            <a:ext cx="2520315" cy="365125"/>
+            <a:off x="6836496" y="6356361"/>
+            <a:ext cx="2225835" cy="365125"/>
           </a:xfrm>
           <a:prstGeom prst="rect">
             <a:avLst/>
@@ -2700,8 +2700,8 @@
         </p:nvSpPr>
         <p:spPr>
           <a:xfrm>
-            <a:off x="540067" y="6356351"/>
-            <a:ext cx="2520315" cy="365125"/>
+            <a:off x="476970" y="6356361"/>
+            <a:ext cx="2225835" cy="365125"/>
           </a:xfrm>
           <a:prstGeom prst="rect">
             <a:avLst/>
@@ -2714,7 +2714,7 @@
             <a:fld id="{1D8BD707-D9CF-40AE-B4C6-C98DA3205C09}" type="datetimeFigureOut">
               <a:rPr lang="en-US" smtClean="0"/>
               <a:pPr/>
-              <a:t>1/30/2017</a:t>
+              <a:t>9/28/2018</a:t>
             </a:fld>
             <a:endParaRPr lang="en-US"/>
           </a:p>
@@ -2732,8 +2732,8 @@
         </p:nvSpPr>
         <p:spPr>
           <a:xfrm>
-            <a:off x="3690461" y="6356351"/>
-            <a:ext cx="3420428" cy="365125"/>
+            <a:off x="3259257" y="6356361"/>
+            <a:ext cx="3020775" cy="365125"/>
           </a:xfrm>
           <a:prstGeom prst="rect">
             <a:avLst/>
@@ -2759,8 +2759,8 @@
         </p:nvSpPr>
         <p:spPr>
           <a:xfrm>
-            <a:off x="7740968" y="6356351"/>
-            <a:ext cx="2520315" cy="365125"/>
+            <a:off x="6836496" y="6356361"/>
+            <a:ext cx="2225835" cy="365125"/>
           </a:xfrm>
           <a:prstGeom prst="rect">
             <a:avLst/>
@@ -2816,8 +2816,8 @@
         </p:nvSpPr>
         <p:spPr>
           <a:xfrm>
-            <a:off x="540068" y="273050"/>
-            <a:ext cx="3553570" cy="1162050"/>
+            <a:off x="476965" y="273051"/>
+            <a:ext cx="3138360" cy="1162050"/>
           </a:xfrm>
           <a:prstGeom prst="rect">
             <a:avLst/>
@@ -2851,8 +2851,8 @@
         </p:nvSpPr>
         <p:spPr>
           <a:xfrm>
-            <a:off x="4223028" y="273051"/>
-            <a:ext cx="6038255" cy="5853113"/>
+            <a:off x="3729608" y="273055"/>
+            <a:ext cx="5332727" cy="5853113"/>
           </a:xfrm>
           <a:prstGeom prst="rect">
             <a:avLst/>
@@ -2862,7 +2862,7 @@
           <a:bodyPr/>
           <a:lstStyle>
             <a:lvl1pPr>
-              <a:defRPr sz="3200"/>
+              <a:defRPr sz="3201"/>
             </a:lvl1pPr>
             <a:lvl2pPr>
               <a:defRPr sz="2800"/>
@@ -2939,8 +2939,8 @@
         </p:nvSpPr>
         <p:spPr>
           <a:xfrm>
-            <a:off x="540068" y="1435101"/>
-            <a:ext cx="3553570" cy="4691063"/>
+            <a:off x="476965" y="1435105"/>
+            <a:ext cx="3138360" cy="4691063"/>
           </a:xfrm>
           <a:prstGeom prst="rect">
             <a:avLst/>
@@ -2953,35 +2953,35 @@
               <a:buNone/>
               <a:defRPr sz="1400"/>
             </a:lvl1pPr>
-            <a:lvl2pPr marL="457200" indent="0">
+            <a:lvl2pPr marL="457224" indent="0">
               <a:buNone/>
               <a:defRPr sz="1200"/>
             </a:lvl2pPr>
-            <a:lvl3pPr marL="914400" indent="0">
+            <a:lvl3pPr marL="914450" indent="0">
               <a:buNone/>
               <a:defRPr sz="1000"/>
             </a:lvl3pPr>
-            <a:lvl4pPr marL="1371600" indent="0">
+            <a:lvl4pPr marL="1371673" indent="0">
               <a:buNone/>
               <a:defRPr sz="900"/>
             </a:lvl4pPr>
-            <a:lvl5pPr marL="1828800" indent="0">
+            <a:lvl5pPr marL="1828898" indent="0">
               <a:buNone/>
               <a:defRPr sz="900"/>
             </a:lvl5pPr>
-            <a:lvl6pPr marL="2286000" indent="0">
+            <a:lvl6pPr marL="2286123" indent="0">
               <a:buNone/>
               <a:defRPr sz="900"/>
             </a:lvl6pPr>
-            <a:lvl7pPr marL="2743200" indent="0">
+            <a:lvl7pPr marL="2743346" indent="0">
               <a:buNone/>
               <a:defRPr sz="900"/>
             </a:lvl7pPr>
-            <a:lvl8pPr marL="3200400" indent="0">
+            <a:lvl8pPr marL="3200571" indent="0">
               <a:buNone/>
               <a:defRPr sz="900"/>
             </a:lvl8pPr>
-            <a:lvl9pPr marL="3657600" indent="0">
+            <a:lvl9pPr marL="3657795" indent="0">
               <a:buNone/>
               <a:defRPr sz="900"/>
             </a:lvl9pPr>
@@ -3007,8 +3007,8 @@
         </p:nvSpPr>
         <p:spPr>
           <a:xfrm>
-            <a:off x="540067" y="6356351"/>
-            <a:ext cx="2520315" cy="365125"/>
+            <a:off x="476970" y="6356361"/>
+            <a:ext cx="2225835" cy="365125"/>
           </a:xfrm>
           <a:prstGeom prst="rect">
             <a:avLst/>
@@ -3021,7 +3021,7 @@
             <a:fld id="{1D8BD707-D9CF-40AE-B4C6-C98DA3205C09}" type="datetimeFigureOut">
               <a:rPr lang="en-US" smtClean="0"/>
               <a:pPr/>
-              <a:t>1/30/2017</a:t>
+              <a:t>9/28/2018</a:t>
             </a:fld>
             <a:endParaRPr lang="en-US"/>
           </a:p>
@@ -3039,8 +3039,8 @@
         </p:nvSpPr>
         <p:spPr>
           <a:xfrm>
-            <a:off x="3690461" y="6356351"/>
-            <a:ext cx="3420428" cy="365125"/>
+            <a:off x="3259257" y="6356361"/>
+            <a:ext cx="3020775" cy="365125"/>
           </a:xfrm>
           <a:prstGeom prst="rect">
             <a:avLst/>
@@ -3066,8 +3066,8 @@
         </p:nvSpPr>
         <p:spPr>
           <a:xfrm>
-            <a:off x="7740968" y="6356351"/>
-            <a:ext cx="2520315" cy="365125"/>
+            <a:off x="6836496" y="6356361"/>
+            <a:ext cx="2225835" cy="365125"/>
           </a:xfrm>
           <a:prstGeom prst="rect">
             <a:avLst/>
@@ -3123,8 +3123,8 @@
         </p:nvSpPr>
         <p:spPr>
           <a:xfrm>
-            <a:off x="2117140" y="4800600"/>
-            <a:ext cx="6480810" cy="566738"/>
+            <a:off x="1869774" y="4800604"/>
+            <a:ext cx="5723573" cy="566738"/>
           </a:xfrm>
           <a:prstGeom prst="rect">
             <a:avLst/>
@@ -3158,8 +3158,8 @@
         </p:nvSpPr>
         <p:spPr>
           <a:xfrm>
-            <a:off x="2117140" y="612775"/>
-            <a:ext cx="6480810" cy="4114800"/>
+            <a:off x="1869774" y="612784"/>
+            <a:ext cx="5723573" cy="4114800"/>
           </a:xfrm>
           <a:prstGeom prst="rect">
             <a:avLst/>
@@ -3170,37 +3170,37 @@
           <a:lstStyle>
             <a:lvl1pPr marL="0" indent="0">
               <a:buNone/>
-              <a:defRPr sz="3200"/>
+              <a:defRPr sz="3201"/>
             </a:lvl1pPr>
-            <a:lvl2pPr marL="457200" indent="0">
+            <a:lvl2pPr marL="457224" indent="0">
               <a:buNone/>
               <a:defRPr sz="2800"/>
             </a:lvl2pPr>
-            <a:lvl3pPr marL="914400" indent="0">
+            <a:lvl3pPr marL="914450" indent="0">
               <a:buNone/>
               <a:defRPr sz="2400"/>
             </a:lvl3pPr>
-            <a:lvl4pPr marL="1371600" indent="0">
+            <a:lvl4pPr marL="1371673" indent="0">
               <a:buNone/>
               <a:defRPr sz="2000"/>
             </a:lvl4pPr>
-            <a:lvl5pPr marL="1828800" indent="0">
+            <a:lvl5pPr marL="1828898" indent="0">
               <a:buNone/>
               <a:defRPr sz="2000"/>
             </a:lvl5pPr>
-            <a:lvl6pPr marL="2286000" indent="0">
+            <a:lvl6pPr marL="2286123" indent="0">
               <a:buNone/>
               <a:defRPr sz="2000"/>
             </a:lvl6pPr>
-            <a:lvl7pPr marL="2743200" indent="0">
+            <a:lvl7pPr marL="2743346" indent="0">
               <a:buNone/>
               <a:defRPr sz="2000"/>
             </a:lvl7pPr>
-            <a:lvl8pPr marL="3200400" indent="0">
+            <a:lvl8pPr marL="3200571" indent="0">
               <a:buNone/>
               <a:defRPr sz="2000"/>
             </a:lvl8pPr>
-            <a:lvl9pPr marL="3657600" indent="0">
+            <a:lvl9pPr marL="3657795" indent="0">
               <a:buNone/>
               <a:defRPr sz="2000"/>
             </a:lvl9pPr>
@@ -3222,8 +3222,8 @@
         </p:nvSpPr>
         <p:spPr>
           <a:xfrm>
-            <a:off x="2117140" y="5367338"/>
-            <a:ext cx="6480810" cy="804862"/>
+            <a:off x="1869774" y="5367344"/>
+            <a:ext cx="5723573" cy="804862"/>
           </a:xfrm>
           <a:prstGeom prst="rect">
             <a:avLst/>
@@ -3236,35 +3236,35 @@
               <a:buNone/>
               <a:defRPr sz="1400"/>
             </a:lvl1pPr>
-            <a:lvl2pPr marL="457200" indent="0">
+            <a:lvl2pPr marL="457224" indent="0">
               <a:buNone/>
               <a:defRPr sz="1200"/>
             </a:lvl2pPr>
-            <a:lvl3pPr marL="914400" indent="0">
+            <a:lvl3pPr marL="914450" indent="0">
               <a:buNone/>
               <a:defRPr sz="1000"/>
             </a:lvl3pPr>
-            <a:lvl4pPr marL="1371600" indent="0">
+            <a:lvl4pPr marL="1371673" indent="0">
               <a:buNone/>
               <a:defRPr sz="900"/>
             </a:lvl4pPr>
-            <a:lvl5pPr marL="1828800" indent="0">
+            <a:lvl5pPr marL="1828898" indent="0">
               <a:buNone/>
               <a:defRPr sz="900"/>
             </a:lvl5pPr>
-            <a:lvl6pPr marL="2286000" indent="0">
+            <a:lvl6pPr marL="2286123" indent="0">
               <a:buNone/>
               <a:defRPr sz="900"/>
             </a:lvl6pPr>
-            <a:lvl7pPr marL="2743200" indent="0">
+            <a:lvl7pPr marL="2743346" indent="0">
               <a:buNone/>
               <a:defRPr sz="900"/>
             </a:lvl7pPr>
-            <a:lvl8pPr marL="3200400" indent="0">
+            <a:lvl8pPr marL="3200571" indent="0">
               <a:buNone/>
               <a:defRPr sz="900"/>
             </a:lvl8pPr>
-            <a:lvl9pPr marL="3657600" indent="0">
+            <a:lvl9pPr marL="3657795" indent="0">
               <a:buNone/>
               <a:defRPr sz="900"/>
             </a:lvl9pPr>
@@ -3290,8 +3290,8 @@
         </p:nvSpPr>
         <p:spPr>
           <a:xfrm>
-            <a:off x="540067" y="6356351"/>
-            <a:ext cx="2520315" cy="365125"/>
+            <a:off x="476970" y="6356361"/>
+            <a:ext cx="2225835" cy="365125"/>
           </a:xfrm>
           <a:prstGeom prst="rect">
             <a:avLst/>
@@ -3304,7 +3304,7 @@
             <a:fld id="{1D8BD707-D9CF-40AE-B4C6-C98DA3205C09}" type="datetimeFigureOut">
               <a:rPr lang="en-US" smtClean="0"/>
               <a:pPr/>
-              <a:t>1/30/2017</a:t>
+              <a:t>9/28/2018</a:t>
             </a:fld>
             <a:endParaRPr lang="en-US"/>
           </a:p>
@@ -3322,8 +3322,8 @@
         </p:nvSpPr>
         <p:spPr>
           <a:xfrm>
-            <a:off x="3690461" y="6356351"/>
-            <a:ext cx="3420428" cy="365125"/>
+            <a:off x="3259257" y="6356361"/>
+            <a:ext cx="3020775" cy="365125"/>
           </a:xfrm>
           <a:prstGeom prst="rect">
             <a:avLst/>
@@ -3349,8 +3349,8 @@
         </p:nvSpPr>
         <p:spPr>
           <a:xfrm>
-            <a:off x="7740968" y="6356351"/>
-            <a:ext cx="2520315" cy="365125"/>
+            <a:off x="6836496" y="6356361"/>
+            <a:ext cx="2225835" cy="365125"/>
           </a:xfrm>
           <a:prstGeom prst="rect">
             <a:avLst/>
@@ -3407,8 +3407,8 @@
         </p:nvSpPr>
         <p:spPr>
           <a:xfrm>
-            <a:off x="219076" y="609600"/>
-            <a:ext cx="8991599" cy="6138017"/>
+            <a:off x="193484" y="533396"/>
+            <a:ext cx="8995760" cy="5638804"/>
           </a:xfrm>
           <a:prstGeom prst="roundRect">
             <a:avLst>
@@ -3460,161 +3460,16 @@
       </p:sp>
       <p:grpSp>
         <p:nvGrpSpPr>
-          <p:cNvPr id="8" name="Group 7"/>
-          <p:cNvGrpSpPr/>
-          <p:nvPr userDrawn="1"/>
-        </p:nvGrpSpPr>
-        <p:grpSpPr>
-          <a:xfrm>
-            <a:off x="4943475" y="990600"/>
-            <a:ext cx="4078606" cy="2108239"/>
-            <a:chOff x="-1371600" y="1330021"/>
-            <a:chExt cx="2514600" cy="2839971"/>
-          </a:xfrm>
-          <a:solidFill>
-            <a:schemeClr val="bg1"/>
-          </a:solidFill>
-        </p:grpSpPr>
-        <p:sp>
-          <p:nvSpPr>
-            <p:cNvPr id="9" name="Rectangle 8"/>
-            <p:cNvSpPr/>
-            <p:nvPr/>
-          </p:nvSpPr>
-          <p:spPr>
-            <a:xfrm>
-              <a:off x="-1371600" y="1524000"/>
-              <a:ext cx="2514600" cy="2645992"/>
-            </a:xfrm>
-            <a:prstGeom prst="rect">
-              <a:avLst/>
-            </a:prstGeom>
-            <a:grpFill/>
-            <a:ln>
-              <a:solidFill>
-                <a:schemeClr val="accent2">
-                  <a:lumMod val="75000"/>
-                </a:schemeClr>
-              </a:solidFill>
-            </a:ln>
-          </p:spPr>
-          <p:style>
-            <a:lnRef idx="2">
-              <a:schemeClr val="accent1">
-                <a:shade val="50000"/>
-              </a:schemeClr>
-            </a:lnRef>
-            <a:fillRef idx="1">
-              <a:schemeClr val="accent1"/>
-            </a:fillRef>
-            <a:effectRef idx="0">
-              <a:schemeClr val="accent1"/>
-            </a:effectRef>
-            <a:fontRef idx="minor">
-              <a:schemeClr val="lt1"/>
-            </a:fontRef>
-          </p:style>
-          <p:txBody>
-            <a:bodyPr rtlCol="0" anchor="t" anchorCtr="0"/>
-            <a:lstStyle/>
-            <a:p>
-              <a:r>
-                <a:rPr lang="en-US" sz="1400" b="1" dirty="0" smtClean="0">
-                  <a:solidFill>
-                    <a:schemeClr val="accent2">
-                      <a:lumMod val="75000"/>
-                    </a:schemeClr>
-                  </a:solidFill>
-                </a:rPr>
-                <a:t>test</a:t>
-              </a:r>
-              <a:r>
-                <a:rPr lang="en-US" sz="1400" b="1" dirty="0" smtClean="0">
-                  <a:solidFill>
-                    <a:schemeClr val="accent2">
-                      <a:lumMod val="75000"/>
-                    </a:schemeClr>
-                  </a:solidFill>
-                </a:rPr>
-                <a:t>::driver</a:t>
-              </a:r>
-              <a:endParaRPr lang="en-SG" sz="1400" b="1" dirty="0">
-                <a:solidFill>
-                  <a:schemeClr val="accent2">
-                    <a:lumMod val="75000"/>
-                  </a:schemeClr>
-                </a:solidFill>
-              </a:endParaRPr>
-            </a:p>
-          </p:txBody>
-        </p:sp>
-        <p:sp>
-          <p:nvSpPr>
-            <p:cNvPr id="10" name="Rectangle 9"/>
-            <p:cNvSpPr/>
-            <p:nvPr/>
-          </p:nvSpPr>
-          <p:spPr>
-            <a:xfrm>
-              <a:off x="255190" y="1330021"/>
-              <a:ext cx="887809" cy="193980"/>
-            </a:xfrm>
-            <a:prstGeom prst="rect">
-              <a:avLst/>
-            </a:prstGeom>
-            <a:grpFill/>
-            <a:ln>
-              <a:solidFill>
-                <a:schemeClr val="accent2">
-                  <a:lumMod val="75000"/>
-                </a:schemeClr>
-              </a:solidFill>
-            </a:ln>
-          </p:spPr>
-          <p:style>
-            <a:lnRef idx="2">
-              <a:schemeClr val="accent1">
-                <a:shade val="50000"/>
-              </a:schemeClr>
-            </a:lnRef>
-            <a:fillRef idx="1">
-              <a:schemeClr val="accent1"/>
-            </a:fillRef>
-            <a:effectRef idx="0">
-              <a:schemeClr val="accent1"/>
-            </a:effectRef>
-            <a:fontRef idx="minor">
-              <a:schemeClr val="lt1"/>
-            </a:fontRef>
-          </p:style>
-          <p:txBody>
-            <a:bodyPr rtlCol="0" anchor="t" anchorCtr="0"/>
-            <a:lstStyle/>
-            <a:p>
-              <a:pPr algn="ctr"/>
-              <a:endParaRPr lang="en-SG" sz="1400" b="1">
-                <a:solidFill>
-                  <a:schemeClr val="accent2">
-                    <a:lumMod val="75000"/>
-                  </a:schemeClr>
-                </a:solidFill>
-              </a:endParaRPr>
-            </a:p>
-          </p:txBody>
-        </p:sp>
-      </p:grpSp>
-      <p:grpSp>
-        <p:nvGrpSpPr>
           <p:cNvPr id="11" name="Group 10"/>
           <p:cNvGrpSpPr/>
           <p:nvPr userDrawn="1"/>
         </p:nvGrpSpPr>
         <p:grpSpPr>
           <a:xfrm>
-            <a:off x="447675" y="3244521"/>
-            <a:ext cx="8574408" cy="3350696"/>
+            <a:off x="377700" y="941706"/>
+            <a:ext cx="8582944" cy="3706490"/>
             <a:chOff x="-1676400" y="1260789"/>
-            <a:chExt cx="2819400" cy="5787001"/>
+            <a:chExt cx="2819400" cy="6674436"/>
           </a:xfrm>
           <a:solidFill>
             <a:schemeClr val="bg1"/>
@@ -3628,8 +3483,8 @@
           </p:nvSpPr>
           <p:spPr>
             <a:xfrm>
-              <a:off x="-1676400" y="1523999"/>
-              <a:ext cx="2819400" cy="5523791"/>
+              <a:off x="-1676400" y="1523998"/>
+              <a:ext cx="2819400" cy="6411227"/>
             </a:xfrm>
             <a:prstGeom prst="rect">
               <a:avLst/>
@@ -3740,16 +3595,16 @@
       </p:grpSp>
       <p:grpSp>
         <p:nvGrpSpPr>
-          <p:cNvPr id="14" name="Group 13"/>
+          <p:cNvPr id="17" name="Group 16"/>
           <p:cNvGrpSpPr/>
           <p:nvPr userDrawn="1"/>
         </p:nvGrpSpPr>
         <p:grpSpPr>
           <a:xfrm>
-            <a:off x="447674" y="994864"/>
-            <a:ext cx="4267203" cy="2103975"/>
-            <a:chOff x="-1371600" y="1330315"/>
-            <a:chExt cx="2514600" cy="2839677"/>
+            <a:off x="377709" y="4849491"/>
+            <a:ext cx="8582941" cy="1094104"/>
+            <a:chOff x="-1371600" y="1330021"/>
+            <a:chExt cx="2514600" cy="1598397"/>
           </a:xfrm>
           <a:solidFill>
             <a:schemeClr val="bg1"/>
@@ -3757,14 +3612,14 @@
         </p:grpSpPr>
         <p:sp>
           <p:nvSpPr>
-            <p:cNvPr id="15" name="Rectangle 14"/>
+            <p:cNvPr id="18" name="Rectangle 17"/>
             <p:cNvSpPr/>
             <p:nvPr/>
           </p:nvSpPr>
           <p:spPr>
             <a:xfrm>
-              <a:off x="-1371600" y="1524000"/>
-              <a:ext cx="2514600" cy="2645992"/>
+              <a:off x="-1371600" y="1523999"/>
+              <a:ext cx="2514600" cy="1404419"/>
             </a:xfrm>
             <a:prstGeom prst="rect">
               <a:avLst/>
@@ -3806,27 +3661,7 @@
                     </a:schemeClr>
                   </a:solidFill>
                 </a:rPr>
-                <a:t>test</a:t>
-              </a:r>
-              <a:r>
-                <a:rPr lang="en-US" sz="1400" b="1" dirty="0" smtClean="0">
-                  <a:solidFill>
-                    <a:schemeClr val="accent2">
-                      <a:lumMod val="75000"/>
-                    </a:schemeClr>
-                  </a:solidFill>
-                </a:rPr>
-                <a:t>::</a:t>
-              </a:r>
-              <a:r>
-                <a:rPr lang="en-US" sz="1400" b="1" dirty="0" err="1" smtClean="0">
-                  <a:solidFill>
-                    <a:schemeClr val="accent2">
-                      <a:lumMod val="75000"/>
-                    </a:schemeClr>
-                  </a:solidFill>
-                </a:rPr>
-                <a:t>pageobjects</a:t>
+                <a:t>test::driver</a:t>
               </a:r>
               <a:endParaRPr lang="en-SG" sz="1400" b="1" dirty="0">
                 <a:solidFill>
@@ -3840,14 +3675,14 @@
         </p:sp>
         <p:sp>
           <p:nvSpPr>
-            <p:cNvPr id="16" name="Rectangle 15"/>
+            <p:cNvPr id="19" name="Rectangle 18"/>
             <p:cNvSpPr/>
             <p:nvPr/>
           </p:nvSpPr>
           <p:spPr>
             <a:xfrm>
-              <a:off x="294428" y="1330315"/>
-              <a:ext cx="848571" cy="194353"/>
+              <a:off x="615117" y="1330021"/>
+              <a:ext cx="527881" cy="193978"/>
             </a:xfrm>
             <a:prstGeom prst="rect">
               <a:avLst/>
@@ -3918,12 +3753,12 @@
   </p:timing>
   <p:txStyles>
     <p:titleStyle>
-      <a:lvl1pPr algn="ctr" defTabSz="914400" rtl="0" eaLnBrk="1" latinLnBrk="0" hangingPunct="1">
+      <a:lvl1pPr algn="ctr" defTabSz="914450" rtl="0" eaLnBrk="1" latinLnBrk="0" hangingPunct="1">
         <a:spcBef>
           <a:spcPct val="0"/>
         </a:spcBef>
         <a:buNone/>
-        <a:defRPr sz="4400" kern="1200">
+        <a:defRPr sz="4401" kern="1200">
           <a:solidFill>
             <a:schemeClr val="tx1"/>
           </a:solidFill>
@@ -3934,13 +3769,13 @@
       </a:lvl1pPr>
     </p:titleStyle>
     <p:bodyStyle>
-      <a:lvl1pPr marL="342900" indent="-342900" algn="l" defTabSz="914400" rtl="0" eaLnBrk="1" latinLnBrk="0" hangingPunct="1">
+      <a:lvl1pPr marL="342918" indent="-342918" algn="l" defTabSz="914450" rtl="0" eaLnBrk="1" latinLnBrk="0" hangingPunct="1">
         <a:spcBef>
           <a:spcPct val="20000"/>
         </a:spcBef>
         <a:buFont typeface="Arial" pitchFamily="34" charset="0"/>
         <a:buChar char="•"/>
-        <a:defRPr sz="3200" kern="1200">
+        <a:defRPr sz="3201" kern="1200">
           <a:solidFill>
             <a:schemeClr val="tx1"/>
           </a:solidFill>
@@ -3949,7 +3784,7 @@
           <a:cs typeface="+mn-cs"/>
         </a:defRPr>
       </a:lvl1pPr>
-      <a:lvl2pPr marL="742950" indent="-285750" algn="l" defTabSz="914400" rtl="0" eaLnBrk="1" latinLnBrk="0" hangingPunct="1">
+      <a:lvl2pPr marL="742990" indent="-285764" algn="l" defTabSz="914450" rtl="0" eaLnBrk="1" latinLnBrk="0" hangingPunct="1">
         <a:spcBef>
           <a:spcPct val="20000"/>
         </a:spcBef>
@@ -3964,7 +3799,7 @@
           <a:cs typeface="+mn-cs"/>
         </a:defRPr>
       </a:lvl2pPr>
-      <a:lvl3pPr marL="1143000" indent="-228600" algn="l" defTabSz="914400" rtl="0" eaLnBrk="1" latinLnBrk="0" hangingPunct="1">
+      <a:lvl3pPr marL="1143060" indent="-228611" algn="l" defTabSz="914450" rtl="0" eaLnBrk="1" latinLnBrk="0" hangingPunct="1">
         <a:spcBef>
           <a:spcPct val="20000"/>
         </a:spcBef>
@@ -3979,7 +3814,7 @@
           <a:cs typeface="+mn-cs"/>
         </a:defRPr>
       </a:lvl3pPr>
-      <a:lvl4pPr marL="1600200" indent="-228600" algn="l" defTabSz="914400" rtl="0" eaLnBrk="1" latinLnBrk="0" hangingPunct="1">
+      <a:lvl4pPr marL="1600286" indent="-228611" algn="l" defTabSz="914450" rtl="0" eaLnBrk="1" latinLnBrk="0" hangingPunct="1">
         <a:spcBef>
           <a:spcPct val="20000"/>
         </a:spcBef>
@@ -3994,7 +3829,7 @@
           <a:cs typeface="+mn-cs"/>
         </a:defRPr>
       </a:lvl4pPr>
-      <a:lvl5pPr marL="2057400" indent="-228600" algn="l" defTabSz="914400" rtl="0" eaLnBrk="1" latinLnBrk="0" hangingPunct="1">
+      <a:lvl5pPr marL="2057509" indent="-228611" algn="l" defTabSz="914450" rtl="0" eaLnBrk="1" latinLnBrk="0" hangingPunct="1">
         <a:spcBef>
           <a:spcPct val="20000"/>
         </a:spcBef>
@@ -4009,7 +3844,7 @@
           <a:cs typeface="+mn-cs"/>
         </a:defRPr>
       </a:lvl5pPr>
-      <a:lvl6pPr marL="2514600" indent="-228600" algn="l" defTabSz="914400" rtl="0" eaLnBrk="1" latinLnBrk="0" hangingPunct="1">
+      <a:lvl6pPr marL="2514735" indent="-228611" algn="l" defTabSz="914450" rtl="0" eaLnBrk="1" latinLnBrk="0" hangingPunct="1">
         <a:spcBef>
           <a:spcPct val="20000"/>
         </a:spcBef>
@@ -4024,7 +3859,7 @@
           <a:cs typeface="+mn-cs"/>
         </a:defRPr>
       </a:lvl6pPr>
-      <a:lvl7pPr marL="2971800" indent="-228600" algn="l" defTabSz="914400" rtl="0" eaLnBrk="1" latinLnBrk="0" hangingPunct="1">
+      <a:lvl7pPr marL="2971959" indent="-228611" algn="l" defTabSz="914450" rtl="0" eaLnBrk="1" latinLnBrk="0" hangingPunct="1">
         <a:spcBef>
           <a:spcPct val="20000"/>
         </a:spcBef>
@@ -4039,7 +3874,7 @@
           <a:cs typeface="+mn-cs"/>
         </a:defRPr>
       </a:lvl7pPr>
-      <a:lvl8pPr marL="3429000" indent="-228600" algn="l" defTabSz="914400" rtl="0" eaLnBrk="1" latinLnBrk="0" hangingPunct="1">
+      <a:lvl8pPr marL="3429184" indent="-228611" algn="l" defTabSz="914450" rtl="0" eaLnBrk="1" latinLnBrk="0" hangingPunct="1">
         <a:spcBef>
           <a:spcPct val="20000"/>
         </a:spcBef>
@@ -4054,7 +3889,7 @@
           <a:cs typeface="+mn-cs"/>
         </a:defRPr>
       </a:lvl8pPr>
-      <a:lvl9pPr marL="3886200" indent="-228600" algn="l" defTabSz="914400" rtl="0" eaLnBrk="1" latinLnBrk="0" hangingPunct="1">
+      <a:lvl9pPr marL="3886408" indent="-228611" algn="l" defTabSz="914450" rtl="0" eaLnBrk="1" latinLnBrk="0" hangingPunct="1">
         <a:spcBef>
           <a:spcPct val="20000"/>
         </a:spcBef>
@@ -4074,7 +3909,7 @@
       <a:defPPr>
         <a:defRPr lang="en-US"/>
       </a:defPPr>
-      <a:lvl1pPr marL="0" algn="l" defTabSz="914400" rtl="0" eaLnBrk="1" latinLnBrk="0" hangingPunct="1">
+      <a:lvl1pPr marL="0" algn="l" defTabSz="914450" rtl="0" eaLnBrk="1" latinLnBrk="0" hangingPunct="1">
         <a:defRPr sz="1800" kern="1200">
           <a:solidFill>
             <a:schemeClr val="tx1"/>
@@ -4084,7 +3919,7 @@
           <a:cs typeface="+mn-cs"/>
         </a:defRPr>
       </a:lvl1pPr>
-      <a:lvl2pPr marL="457200" algn="l" defTabSz="914400" rtl="0" eaLnBrk="1" latinLnBrk="0" hangingPunct="1">
+      <a:lvl2pPr marL="457224" algn="l" defTabSz="914450" rtl="0" eaLnBrk="1" latinLnBrk="0" hangingPunct="1">
         <a:defRPr sz="1800" kern="1200">
           <a:solidFill>
             <a:schemeClr val="tx1"/>
@@ -4094,7 +3929,7 @@
           <a:cs typeface="+mn-cs"/>
         </a:defRPr>
       </a:lvl2pPr>
-      <a:lvl3pPr marL="914400" algn="l" defTabSz="914400" rtl="0" eaLnBrk="1" latinLnBrk="0" hangingPunct="1">
+      <a:lvl3pPr marL="914450" algn="l" defTabSz="914450" rtl="0" eaLnBrk="1" latinLnBrk="0" hangingPunct="1">
         <a:defRPr sz="1800" kern="1200">
           <a:solidFill>
             <a:schemeClr val="tx1"/>
@@ -4104,7 +3939,7 @@
           <a:cs typeface="+mn-cs"/>
         </a:defRPr>
       </a:lvl3pPr>
-      <a:lvl4pPr marL="1371600" algn="l" defTabSz="914400" rtl="0" eaLnBrk="1" latinLnBrk="0" hangingPunct="1">
+      <a:lvl4pPr marL="1371673" algn="l" defTabSz="914450" rtl="0" eaLnBrk="1" latinLnBrk="0" hangingPunct="1">
         <a:defRPr sz="1800" kern="1200">
           <a:solidFill>
             <a:schemeClr val="tx1"/>
@@ -4114,7 +3949,7 @@
           <a:cs typeface="+mn-cs"/>
         </a:defRPr>
       </a:lvl4pPr>
-      <a:lvl5pPr marL="1828800" algn="l" defTabSz="914400" rtl="0" eaLnBrk="1" latinLnBrk="0" hangingPunct="1">
+      <a:lvl5pPr marL="1828898" algn="l" defTabSz="914450" rtl="0" eaLnBrk="1" latinLnBrk="0" hangingPunct="1">
         <a:defRPr sz="1800" kern="1200">
           <a:solidFill>
             <a:schemeClr val="tx1"/>
@@ -4124,7 +3959,7 @@
           <a:cs typeface="+mn-cs"/>
         </a:defRPr>
       </a:lvl5pPr>
-      <a:lvl6pPr marL="2286000" algn="l" defTabSz="914400" rtl="0" eaLnBrk="1" latinLnBrk="0" hangingPunct="1">
+      <a:lvl6pPr marL="2286123" algn="l" defTabSz="914450" rtl="0" eaLnBrk="1" latinLnBrk="0" hangingPunct="1">
         <a:defRPr sz="1800" kern="1200">
           <a:solidFill>
             <a:schemeClr val="tx1"/>
@@ -4134,7 +3969,7 @@
           <a:cs typeface="+mn-cs"/>
         </a:defRPr>
       </a:lvl6pPr>
-      <a:lvl7pPr marL="2743200" algn="l" defTabSz="914400" rtl="0" eaLnBrk="1" latinLnBrk="0" hangingPunct="1">
+      <a:lvl7pPr marL="2743346" algn="l" defTabSz="914450" rtl="0" eaLnBrk="1" latinLnBrk="0" hangingPunct="1">
         <a:defRPr sz="1800" kern="1200">
           <a:solidFill>
             <a:schemeClr val="tx1"/>
@@ -4144,7 +3979,7 @@
           <a:cs typeface="+mn-cs"/>
         </a:defRPr>
       </a:lvl7pPr>
-      <a:lvl8pPr marL="3200400" algn="l" defTabSz="914400" rtl="0" eaLnBrk="1" latinLnBrk="0" hangingPunct="1">
+      <a:lvl8pPr marL="3200571" algn="l" defTabSz="914450" rtl="0" eaLnBrk="1" latinLnBrk="0" hangingPunct="1">
         <a:defRPr sz="1800" kern="1200">
           <a:solidFill>
             <a:schemeClr val="tx1"/>
@@ -4154,7 +3989,7 @@
           <a:cs typeface="+mn-cs"/>
         </a:defRPr>
       </a:lvl8pPr>
-      <a:lvl9pPr marL="3657600" algn="l" defTabSz="914400" rtl="0" eaLnBrk="1" latinLnBrk="0" hangingPunct="1">
+      <a:lvl9pPr marL="3657795" algn="l" defTabSz="914450" rtl="0" eaLnBrk="1" latinLnBrk="0" hangingPunct="1">
         <a:defRPr sz="1800" kern="1200">
           <a:solidFill>
             <a:schemeClr val="tx1"/>
@@ -4188,566 +4023,14 @@
       </p:grpSpPr>
       <p:sp>
         <p:nvSpPr>
-          <p:cNvPr id="61" name="Rectangle 60"/>
+          <p:cNvPr id="228" name="Rectangle 227"/>
           <p:cNvSpPr/>
           <p:nvPr/>
         </p:nvSpPr>
         <p:spPr>
           <a:xfrm>
-            <a:off x="600075" y="2300136"/>
-            <a:ext cx="1800000" cy="360000"/>
-          </a:xfrm>
-          <a:prstGeom prst="rect">
-            <a:avLst/>
-          </a:prstGeom>
-        </p:spPr>
-        <p:style>
-          <a:lnRef idx="2">
-            <a:schemeClr val="accent4">
-              <a:shade val="50000"/>
-            </a:schemeClr>
-          </a:lnRef>
-          <a:fillRef idx="1">
-            <a:schemeClr val="accent4"/>
-          </a:fillRef>
-          <a:effectRef idx="0">
-            <a:schemeClr val="accent4"/>
-          </a:effectRef>
-          <a:fontRef idx="minor">
-            <a:schemeClr val="lt1"/>
-          </a:fontRef>
-        </p:style>
-        <p:txBody>
-          <a:bodyPr rtlCol="0" anchor="ctr"/>
-          <a:lstStyle/>
-          <a:p>
-            <a:pPr algn="ctr"/>
-            <a:r>
-              <a:rPr lang="en-US" sz="1600" b="1" dirty="0" err="1" smtClean="0"/>
-              <a:t>BrowserPool</a:t>
-            </a:r>
-            <a:endParaRPr lang="en-SG" sz="1600" b="1" dirty="0"/>
-          </a:p>
-        </p:txBody>
-      </p:sp>
-      <p:sp>
-        <p:nvSpPr>
-          <p:cNvPr id="63" name="Flowchart: Decision 62"/>
-          <p:cNvSpPr/>
-          <p:nvPr/>
-        </p:nvSpPr>
-        <p:spPr>
-          <a:xfrm>
-            <a:off x="1426795" y="2151306"/>
-            <a:ext cx="141518" cy="127830"/>
-          </a:xfrm>
-          <a:prstGeom prst="flowChartDecision">
-            <a:avLst/>
-          </a:prstGeom>
-        </p:spPr>
-        <p:style>
-          <a:lnRef idx="2">
-            <a:schemeClr val="accent4">
-              <a:shade val="50000"/>
-            </a:schemeClr>
-          </a:lnRef>
-          <a:fillRef idx="1">
-            <a:schemeClr val="accent4"/>
-          </a:fillRef>
-          <a:effectRef idx="0">
-            <a:schemeClr val="accent4"/>
-          </a:effectRef>
-          <a:fontRef idx="minor">
-            <a:schemeClr val="lt1"/>
-          </a:fontRef>
-        </p:style>
-        <p:txBody>
-          <a:bodyPr rtlCol="0" anchor="ctr"/>
-          <a:lstStyle/>
-          <a:p>
-            <a:pPr algn="ctr"/>
-            <a:endParaRPr lang="en-SG"/>
-          </a:p>
-        </p:txBody>
-      </p:sp>
-      <p:cxnSp>
-        <p:nvCxnSpPr>
-          <p:cNvPr id="64" name="Elbow Connector 63"/>
-          <p:cNvCxnSpPr>
-            <a:stCxn id="67" idx="2"/>
-            <a:endCxn id="63" idx="0"/>
-          </p:cNvCxnSpPr>
-          <p:nvPr/>
-        </p:nvCxnSpPr>
-        <p:spPr>
-          <a:xfrm rot="5400000">
-            <a:off x="1361730" y="2012960"/>
-            <a:ext cx="274170" cy="2522"/>
-          </a:xfrm>
-          <a:prstGeom prst="bentConnector3">
-            <a:avLst>
-              <a:gd name="adj1" fmla="val 50000"/>
-            </a:avLst>
-          </a:prstGeom>
-          <a:ln/>
-        </p:spPr>
-        <p:style>
-          <a:lnRef idx="2">
-            <a:schemeClr val="accent4">
-              <a:shade val="50000"/>
-            </a:schemeClr>
-          </a:lnRef>
-          <a:fillRef idx="1">
-            <a:schemeClr val="accent4"/>
-          </a:fillRef>
-          <a:effectRef idx="0">
-            <a:schemeClr val="accent4"/>
-          </a:effectRef>
-          <a:fontRef idx="minor">
-            <a:schemeClr val="lt1"/>
-          </a:fontRef>
-        </p:style>
-      </p:cxnSp>
-      <p:cxnSp>
-        <p:nvCxnSpPr>
-          <p:cNvPr id="65" name="Straight Arrow Connector 64"/>
-          <p:cNvCxnSpPr/>
-          <p:nvPr/>
-        </p:nvCxnSpPr>
-        <p:spPr>
-          <a:xfrm rot="16200000" flipH="1" flipV="1">
-            <a:off x="2198126" y="765000"/>
-            <a:ext cx="756000" cy="0"/>
-          </a:xfrm>
-          <a:prstGeom prst="straightConnector1">
-            <a:avLst/>
-          </a:prstGeom>
-          <a:ln w="38100">
-            <a:solidFill>
-              <a:schemeClr val="accent2">
-                <a:lumMod val="75000"/>
-              </a:schemeClr>
-            </a:solidFill>
-            <a:prstDash val="sysDash"/>
-            <a:headEnd type="arrow" w="med" len="med"/>
-            <a:tailEnd type="none" w="med" len="med"/>
-          </a:ln>
-        </p:spPr>
-        <p:style>
-          <a:lnRef idx="1">
-            <a:schemeClr val="accent1"/>
-          </a:lnRef>
-          <a:fillRef idx="0">
-            <a:schemeClr val="accent1"/>
-          </a:fillRef>
-          <a:effectRef idx="0">
-            <a:schemeClr val="accent1"/>
-          </a:effectRef>
-          <a:fontRef idx="minor">
-            <a:schemeClr val="tx1"/>
-          </a:fontRef>
-        </p:style>
-      </p:cxnSp>
-      <p:sp>
-        <p:nvSpPr>
-          <p:cNvPr id="66" name="TextBox 65"/>
-          <p:cNvSpPr txBox="1"/>
-          <p:nvPr/>
-        </p:nvSpPr>
-        <p:spPr>
-          <a:xfrm>
-            <a:off x="1557396" y="105475"/>
-            <a:ext cx="2062480" cy="288000"/>
-          </a:xfrm>
-          <a:prstGeom prst="rect">
-            <a:avLst/>
-          </a:prstGeom>
-          <a:grpFill/>
-          <a:ln>
-            <a:noFill/>
-          </a:ln>
-        </p:spPr>
-        <p:style>
-          <a:lnRef idx="2">
-            <a:schemeClr val="accent1">
-              <a:shade val="50000"/>
-            </a:schemeClr>
-          </a:lnRef>
-          <a:fillRef idx="1">
-            <a:schemeClr val="accent1"/>
-          </a:fillRef>
-          <a:effectRef idx="0">
-            <a:schemeClr val="accent1"/>
-          </a:effectRef>
-          <a:fontRef idx="minor">
-            <a:schemeClr val="lt1"/>
-          </a:fontRef>
-        </p:style>
-        <p:txBody>
-          <a:bodyPr rtlCol="0" anchor="t" anchorCtr="0"/>
-          <a:lstStyle>
-            <a:defPPr>
-              <a:defRPr lang="en-US"/>
-            </a:defPPr>
-            <a:lvl1pPr>
-              <a:defRPr sz="1400" b="1">
-                <a:solidFill>
-                  <a:srgbClr val="7030A0"/>
-                </a:solidFill>
-              </a:defRPr>
-            </a:lvl1pPr>
-            <a:lvl2pPr>
-              <a:defRPr>
-                <a:solidFill>
-                  <a:schemeClr val="lt1"/>
-                </a:solidFill>
-              </a:defRPr>
-            </a:lvl2pPr>
-            <a:lvl3pPr>
-              <a:defRPr>
-                <a:solidFill>
-                  <a:schemeClr val="lt1"/>
-                </a:solidFill>
-              </a:defRPr>
-            </a:lvl3pPr>
-            <a:lvl4pPr>
-              <a:defRPr>
-                <a:solidFill>
-                  <a:schemeClr val="lt1"/>
-                </a:solidFill>
-              </a:defRPr>
-            </a:lvl4pPr>
-            <a:lvl5pPr>
-              <a:defRPr>
-                <a:solidFill>
-                  <a:schemeClr val="lt1"/>
-                </a:solidFill>
-              </a:defRPr>
-            </a:lvl5pPr>
-            <a:lvl6pPr>
-              <a:defRPr>
-                <a:solidFill>
-                  <a:schemeClr val="lt1"/>
-                </a:solidFill>
-              </a:defRPr>
-            </a:lvl6pPr>
-            <a:lvl7pPr>
-              <a:defRPr>
-                <a:solidFill>
-                  <a:schemeClr val="lt1"/>
-                </a:solidFill>
-              </a:defRPr>
-            </a:lvl7pPr>
-            <a:lvl8pPr>
-              <a:defRPr>
-                <a:solidFill>
-                  <a:schemeClr val="lt1"/>
-                </a:solidFill>
-              </a:defRPr>
-            </a:lvl8pPr>
-            <a:lvl9pPr>
-              <a:defRPr>
-                <a:solidFill>
-                  <a:schemeClr val="lt1"/>
-                </a:solidFill>
-              </a:defRPr>
-            </a:lvl9pPr>
-          </a:lstStyle>
-          <a:p>
-            <a:pPr algn="ctr"/>
-            <a:r>
-              <a:rPr lang="en-US" dirty="0" smtClean="0">
-                <a:solidFill>
-                  <a:schemeClr val="tx1"/>
-                </a:solidFill>
-              </a:rPr>
-              <a:t>Selenium Web Driver</a:t>
-            </a:r>
-            <a:endParaRPr lang="en-SG" dirty="0">
-              <a:solidFill>
-                <a:schemeClr val="tx1"/>
-              </a:solidFill>
-            </a:endParaRPr>
-          </a:p>
-        </p:txBody>
-      </p:sp>
-      <p:sp>
-        <p:nvSpPr>
-          <p:cNvPr id="67" name="Rectangle 66"/>
-          <p:cNvSpPr/>
-          <p:nvPr/>
-        </p:nvSpPr>
-        <p:spPr>
-          <a:xfrm>
-            <a:off x="600076" y="1517136"/>
-            <a:ext cx="1800000" cy="360000"/>
-          </a:xfrm>
-          <a:prstGeom prst="rect">
-            <a:avLst/>
-          </a:prstGeom>
-        </p:spPr>
-        <p:style>
-          <a:lnRef idx="2">
-            <a:schemeClr val="accent4">
-              <a:shade val="50000"/>
-            </a:schemeClr>
-          </a:lnRef>
-          <a:fillRef idx="1">
-            <a:schemeClr val="accent4"/>
-          </a:fillRef>
-          <a:effectRef idx="0">
-            <a:schemeClr val="accent4"/>
-          </a:effectRef>
-          <a:fontRef idx="minor">
-            <a:schemeClr val="lt1"/>
-          </a:fontRef>
-        </p:style>
-        <p:txBody>
-          <a:bodyPr rtlCol="0" anchor="ctr"/>
-          <a:lstStyle/>
-          <a:p>
-            <a:pPr algn="ctr"/>
-            <a:r>
-              <a:rPr lang="en-US" sz="1600" b="1" dirty="0" smtClean="0"/>
-              <a:t>Browser</a:t>
-            </a:r>
-            <a:endParaRPr lang="en-SG" sz="1600" b="1" dirty="0"/>
-          </a:p>
-        </p:txBody>
-      </p:sp>
-      <p:sp>
-        <p:nvSpPr>
-          <p:cNvPr id="68" name="Rectangle 67"/>
-          <p:cNvSpPr/>
-          <p:nvPr/>
-        </p:nvSpPr>
-        <p:spPr>
-          <a:xfrm>
-            <a:off x="2659837" y="1512309"/>
-            <a:ext cx="1799999" cy="360000"/>
-          </a:xfrm>
-          <a:prstGeom prst="rect">
-            <a:avLst/>
-          </a:prstGeom>
-        </p:spPr>
-        <p:style>
-          <a:lnRef idx="2">
-            <a:schemeClr val="accent5">
-              <a:shade val="50000"/>
-            </a:schemeClr>
-          </a:lnRef>
-          <a:fillRef idx="1">
-            <a:schemeClr val="accent5"/>
-          </a:fillRef>
-          <a:effectRef idx="0">
-            <a:schemeClr val="accent5"/>
-          </a:effectRef>
-          <a:fontRef idx="minor">
-            <a:schemeClr val="lt1"/>
-          </a:fontRef>
-        </p:style>
-        <p:txBody>
-          <a:bodyPr rtlCol="0" anchor="ctr"/>
-          <a:lstStyle/>
-          <a:p>
-            <a:pPr algn="ctr"/>
-            <a:r>
-              <a:rPr lang="en-US" sz="1600" b="1" dirty="0" err="1"/>
-              <a:t>AppPage</a:t>
-            </a:r>
-            <a:endParaRPr lang="en-SG" sz="1600" b="1" dirty="0"/>
-          </a:p>
-        </p:txBody>
-      </p:sp>
-      <p:sp>
-        <p:nvSpPr>
-          <p:cNvPr id="69" name="Isosceles Triangle 68"/>
-          <p:cNvSpPr/>
-          <p:nvPr/>
-        </p:nvSpPr>
-        <p:spPr>
-          <a:xfrm>
-            <a:off x="3487836" y="1893926"/>
-            <a:ext cx="144000" cy="144000"/>
-          </a:xfrm>
-          <a:prstGeom prst="triangle">
-            <a:avLst/>
-          </a:prstGeom>
-        </p:spPr>
-        <p:style>
-          <a:lnRef idx="2">
-            <a:schemeClr val="accent5">
-              <a:shade val="50000"/>
-            </a:schemeClr>
-          </a:lnRef>
-          <a:fillRef idx="1">
-            <a:schemeClr val="accent5"/>
-          </a:fillRef>
-          <a:effectRef idx="0">
-            <a:schemeClr val="accent5"/>
-          </a:effectRef>
-          <a:fontRef idx="minor">
-            <a:schemeClr val="lt1"/>
-          </a:fontRef>
-        </p:style>
-        <p:txBody>
-          <a:bodyPr rtlCol="0" anchor="ctr"/>
-          <a:lstStyle/>
-          <a:p>
-            <a:pPr algn="ctr"/>
-            <a:endParaRPr lang="en-SG" sz="1600" b="1"/>
-          </a:p>
-        </p:txBody>
-      </p:sp>
-      <p:grpSp>
-        <p:nvGrpSpPr>
-          <p:cNvPr id="78" name="Group 77"/>
-          <p:cNvGrpSpPr/>
-          <p:nvPr/>
-        </p:nvGrpSpPr>
-        <p:grpSpPr>
-          <a:xfrm>
-            <a:off x="2659836" y="2355336"/>
-            <a:ext cx="1920080" cy="464064"/>
-            <a:chOff x="7005724" y="2667000"/>
-            <a:chExt cx="1920080" cy="464064"/>
-          </a:xfrm>
-        </p:grpSpPr>
-        <p:sp>
-          <p:nvSpPr>
-            <p:cNvPr id="79" name="Rectangle 78"/>
-            <p:cNvSpPr/>
-            <p:nvPr/>
-          </p:nvSpPr>
-          <p:spPr>
-            <a:xfrm>
-              <a:off x="7005724" y="2667000"/>
-              <a:ext cx="1800000" cy="360000"/>
-            </a:xfrm>
-            <a:prstGeom prst="rect">
-              <a:avLst/>
-            </a:prstGeom>
-          </p:spPr>
-          <p:style>
-            <a:lnRef idx="2">
-              <a:schemeClr val="accent5">
-                <a:shade val="50000"/>
-              </a:schemeClr>
-            </a:lnRef>
-            <a:fillRef idx="1">
-              <a:schemeClr val="accent5"/>
-            </a:fillRef>
-            <a:effectRef idx="0">
-              <a:schemeClr val="accent5"/>
-            </a:effectRef>
-            <a:fontRef idx="minor">
-              <a:schemeClr val="lt1"/>
-            </a:fontRef>
-          </p:style>
-          <p:txBody>
-            <a:bodyPr lIns="0" rIns="0" rtlCol="0" anchor="ctr"/>
-            <a:lstStyle/>
-            <a:p>
-              <a:pPr algn="ctr"/>
-              <a:endParaRPr lang="en-SG" sz="1600" b="1" dirty="0"/>
-            </a:p>
-          </p:txBody>
-        </p:sp>
-        <p:sp>
-          <p:nvSpPr>
-            <p:cNvPr id="80" name="Rectangle 79"/>
-            <p:cNvSpPr/>
-            <p:nvPr/>
-          </p:nvSpPr>
-          <p:spPr>
-            <a:xfrm>
-              <a:off x="7065764" y="2719032"/>
-              <a:ext cx="1800000" cy="360000"/>
-            </a:xfrm>
-            <a:prstGeom prst="rect">
-              <a:avLst/>
-            </a:prstGeom>
-          </p:spPr>
-          <p:style>
-            <a:lnRef idx="2">
-              <a:schemeClr val="accent5">
-                <a:shade val="50000"/>
-              </a:schemeClr>
-            </a:lnRef>
-            <a:fillRef idx="1">
-              <a:schemeClr val="accent5"/>
-            </a:fillRef>
-            <a:effectRef idx="0">
-              <a:schemeClr val="accent5"/>
-            </a:effectRef>
-            <a:fontRef idx="minor">
-              <a:schemeClr val="lt1"/>
-            </a:fontRef>
-          </p:style>
-          <p:txBody>
-            <a:bodyPr lIns="0" rIns="0" rtlCol="0" anchor="ctr"/>
-            <a:lstStyle/>
-            <a:p>
-              <a:pPr algn="ctr"/>
-              <a:endParaRPr lang="en-SG" sz="1600" b="1" dirty="0"/>
-            </a:p>
-          </p:txBody>
-        </p:sp>
-        <p:sp>
-          <p:nvSpPr>
-            <p:cNvPr id="81" name="Rectangle 80"/>
-            <p:cNvSpPr/>
-            <p:nvPr/>
-          </p:nvSpPr>
-          <p:spPr>
-            <a:xfrm>
-              <a:off x="7125804" y="2771064"/>
-              <a:ext cx="1800000" cy="360000"/>
-            </a:xfrm>
-            <a:prstGeom prst="rect">
-              <a:avLst/>
-            </a:prstGeom>
-          </p:spPr>
-          <p:style>
-            <a:lnRef idx="2">
-              <a:schemeClr val="accent5">
-                <a:shade val="50000"/>
-              </a:schemeClr>
-            </a:lnRef>
-            <a:fillRef idx="1">
-              <a:schemeClr val="accent5"/>
-            </a:fillRef>
-            <a:effectRef idx="0">
-              <a:schemeClr val="accent5"/>
-            </a:effectRef>
-            <a:fontRef idx="minor">
-              <a:schemeClr val="lt1"/>
-            </a:fontRef>
-          </p:style>
-          <p:txBody>
-            <a:bodyPr lIns="0" rIns="0" rtlCol="0" anchor="ctr"/>
-            <a:lstStyle/>
-            <a:p>
-              <a:pPr algn="ctr"/>
-              <a:r>
-                <a:rPr lang="en-US" sz="1600" b="1" dirty="0" smtClean="0"/>
-                <a:t>*Page</a:t>
-              </a:r>
-              <a:endParaRPr lang="en-SG" sz="1600" b="1" dirty="0"/>
-            </a:p>
-          </p:txBody>
-        </p:sp>
-      </p:grpSp>
-      <p:sp>
-        <p:nvSpPr>
-          <p:cNvPr id="87" name="Rectangle 86"/>
-          <p:cNvSpPr/>
-          <p:nvPr/>
-        </p:nvSpPr>
-        <p:spPr>
-          <a:xfrm>
-            <a:off x="5095875" y="2459400"/>
-            <a:ext cx="1800000" cy="360000"/>
+            <a:off x="6802631" y="2790396"/>
+            <a:ext cx="1795114" cy="360000"/>
           </a:xfrm>
           <a:prstGeom prst="rect">
             <a:avLst/>
@@ -4775,8 +4058,8 @@
           <a:p>
             <a:pPr algn="ctr"/>
             <a:r>
-              <a:rPr lang="en-US" sz="1600" b="1" dirty="0" err="1" smtClean="0"/>
-              <a:t>GaeSimulation</a:t>
+              <a:rPr lang="en-US" sz="1600" b="1" dirty="0" err="1"/>
+              <a:t>BaseTestCase</a:t>
             </a:r>
             <a:endParaRPr lang="en-SG" sz="1600" b="1" dirty="0"/>
           </a:p>
@@ -4784,507 +4067,49 @@
       </p:sp>
       <p:sp>
         <p:nvSpPr>
-          <p:cNvPr id="88" name="Rectangle 87"/>
+          <p:cNvPr id="229" name="Rectangle 228"/>
           <p:cNvSpPr/>
           <p:nvPr/>
         </p:nvSpPr>
         <p:spPr>
           <a:xfrm>
-            <a:off x="7074600" y="1981377"/>
-            <a:ext cx="1800000" cy="360000"/>
-          </a:xfrm>
-          <a:prstGeom prst="rect">
-            <a:avLst/>
-          </a:prstGeom>
+            <a:off x="6810515" y="3794186"/>
+            <a:ext cx="1800000" cy="648000"/>
+          </a:xfrm>
+          <a:prstGeom prst="rect">
+            <a:avLst/>
+          </a:prstGeom>
+          <a:ln/>
         </p:spPr>
         <p:style>
           <a:lnRef idx="2">
-            <a:schemeClr val="accent3">
+            <a:schemeClr val="accent2">
               <a:shade val="50000"/>
             </a:schemeClr>
           </a:lnRef>
           <a:fillRef idx="1">
-            <a:schemeClr val="accent3"/>
+            <a:schemeClr val="accent2"/>
           </a:fillRef>
           <a:effectRef idx="0">
-            <a:schemeClr val="accent3"/>
+            <a:schemeClr val="accent2"/>
           </a:effectRef>
           <a:fontRef idx="minor">
             <a:schemeClr val="lt1"/>
           </a:fontRef>
         </p:style>
         <p:txBody>
-          <a:bodyPr rtlCol="0" anchor="ctr"/>
+          <a:bodyPr lIns="0" rIns="0" rtlCol="0" anchor="ctr"/>
           <a:lstStyle/>
           <a:p>
             <a:pPr algn="ctr"/>
             <a:r>
               <a:rPr lang="en-US" sz="1600" b="1" dirty="0" err="1"/>
-              <a:t>EmailAccount</a:t>
-            </a:r>
-            <a:endParaRPr lang="en-SG" sz="1600" b="1" dirty="0"/>
-          </a:p>
-        </p:txBody>
-      </p:sp>
-      <p:sp>
-        <p:nvSpPr>
-          <p:cNvPr id="89" name="Rectangle 88"/>
-          <p:cNvSpPr/>
-          <p:nvPr/>
-        </p:nvSpPr>
-        <p:spPr>
-          <a:xfrm>
-            <a:off x="7074600" y="2459400"/>
-            <a:ext cx="1800000" cy="360000"/>
-          </a:xfrm>
-          <a:prstGeom prst="rect">
-            <a:avLst/>
-          </a:prstGeom>
-        </p:spPr>
-        <p:style>
-          <a:lnRef idx="2">
-            <a:schemeClr val="accent3">
-              <a:shade val="50000"/>
-            </a:schemeClr>
-          </a:lnRef>
-          <a:fillRef idx="1">
-            <a:schemeClr val="accent3"/>
-          </a:fillRef>
-          <a:effectRef idx="0">
-            <a:schemeClr val="accent3"/>
-          </a:effectRef>
-          <a:fontRef idx="minor">
-            <a:schemeClr val="lt1"/>
-          </a:fontRef>
-        </p:style>
-        <p:txBody>
-          <a:bodyPr rtlCol="0" anchor="ctr"/>
-          <a:lstStyle/>
+              <a:t>BaseComponent</a:t>
+            </a:r>
+            <a:endParaRPr lang="en-US" sz="1600" b="1" dirty="0"/>
+          </a:p>
           <a:p>
             <a:pPr algn="ctr"/>
-            <a:r>
-              <a:rPr lang="en-US" sz="1600" b="1" dirty="0" err="1" smtClean="0"/>
-              <a:t>BackDoor</a:t>
-            </a:r>
-            <a:endParaRPr lang="en-SG" sz="1600" b="1" dirty="0"/>
-          </a:p>
-        </p:txBody>
-      </p:sp>
-      <p:sp>
-        <p:nvSpPr>
-          <p:cNvPr id="94" name="Rectangle 93"/>
-          <p:cNvSpPr/>
-          <p:nvPr/>
-        </p:nvSpPr>
-        <p:spPr>
-          <a:xfrm>
-            <a:off x="7075249" y="1503355"/>
-            <a:ext cx="1800000" cy="360000"/>
-          </a:xfrm>
-          <a:prstGeom prst="rect">
-            <a:avLst/>
-          </a:prstGeom>
-        </p:spPr>
-        <p:style>
-          <a:lnRef idx="2">
-            <a:schemeClr val="accent3">
-              <a:shade val="50000"/>
-            </a:schemeClr>
-          </a:lnRef>
-          <a:fillRef idx="1">
-            <a:schemeClr val="accent3"/>
-          </a:fillRef>
-          <a:effectRef idx="0">
-            <a:schemeClr val="accent3"/>
-          </a:effectRef>
-          <a:fontRef idx="minor">
-            <a:schemeClr val="lt1"/>
-          </a:fontRef>
-        </p:style>
-        <p:txBody>
-          <a:bodyPr rtlCol="0" anchor="ctr"/>
-          <a:lstStyle/>
-          <a:p>
-            <a:pPr algn="ctr"/>
-            <a:r>
-              <a:rPr lang="en-US" sz="1600" b="1" dirty="0" err="1"/>
-              <a:t>TestProperties</a:t>
-            </a:r>
-            <a:endParaRPr lang="en-SG" sz="1600" b="1" dirty="0"/>
-          </a:p>
-        </p:txBody>
-      </p:sp>
-      <p:sp>
-        <p:nvSpPr>
-          <p:cNvPr id="96" name="Rectangle 95"/>
-          <p:cNvSpPr/>
-          <p:nvPr/>
-        </p:nvSpPr>
-        <p:spPr>
-          <a:xfrm>
-            <a:off x="5095875" y="1500553"/>
-            <a:ext cx="1800000" cy="360000"/>
-          </a:xfrm>
-          <a:prstGeom prst="rect">
-            <a:avLst/>
-          </a:prstGeom>
-        </p:spPr>
-        <p:style>
-          <a:lnRef idx="2">
-            <a:schemeClr val="accent3">
-              <a:shade val="50000"/>
-            </a:schemeClr>
-          </a:lnRef>
-          <a:fillRef idx="1">
-            <a:schemeClr val="accent3"/>
-          </a:fillRef>
-          <a:effectRef idx="0">
-            <a:schemeClr val="accent3"/>
-          </a:effectRef>
-          <a:fontRef idx="minor">
-            <a:schemeClr val="lt1"/>
-          </a:fontRef>
-        </p:style>
-        <p:txBody>
-          <a:bodyPr rtlCol="0" anchor="ctr"/>
-          <a:lstStyle/>
-          <a:p>
-            <a:pPr algn="ctr"/>
-            <a:r>
-              <a:rPr lang="en-US" sz="1600" b="1" dirty="0" err="1" smtClean="0"/>
-              <a:t>FileHelper</a:t>
-            </a:r>
-            <a:endParaRPr lang="en-SG" sz="1600" b="1" dirty="0"/>
-          </a:p>
-        </p:txBody>
-      </p:sp>
-      <p:grpSp>
-        <p:nvGrpSpPr>
-          <p:cNvPr id="98" name="Group 97"/>
-          <p:cNvGrpSpPr/>
-          <p:nvPr/>
-        </p:nvGrpSpPr>
-        <p:grpSpPr>
-          <a:xfrm>
-            <a:off x="600076" y="3505200"/>
-            <a:ext cx="2497311" cy="1539074"/>
-            <a:chOff x="3190875" y="1032304"/>
-            <a:chExt cx="2362200" cy="1396653"/>
-          </a:xfrm>
-          <a:solidFill>
-            <a:schemeClr val="bg1">
-              <a:lumMod val="75000"/>
-            </a:schemeClr>
-          </a:solidFill>
-        </p:grpSpPr>
-        <p:sp>
-          <p:nvSpPr>
-            <p:cNvPr id="99" name="Rectangle 35"/>
-            <p:cNvSpPr/>
-            <p:nvPr/>
-          </p:nvSpPr>
-          <p:spPr>
-            <a:xfrm>
-              <a:off x="3190875" y="1032304"/>
-              <a:ext cx="2362200" cy="1396653"/>
-            </a:xfrm>
-            <a:custGeom>
-              <a:avLst/>
-              <a:gdLst/>
-              <a:ahLst/>
-              <a:cxnLst/>
-              <a:rect l="l" t="t" r="r" b="b"/>
-              <a:pathLst>
-                <a:path w="2362200" h="1101295">
-                  <a:moveTo>
-                    <a:pt x="1524000" y="0"/>
-                  </a:moveTo>
-                  <a:lnTo>
-                    <a:pt x="2361824" y="0"/>
-                  </a:lnTo>
-                  <a:lnTo>
-                    <a:pt x="2361824" y="129015"/>
-                  </a:lnTo>
-                  <a:lnTo>
-                    <a:pt x="2362200" y="129015"/>
-                  </a:lnTo>
-                  <a:lnTo>
-                    <a:pt x="2362200" y="1101295"/>
-                  </a:lnTo>
-                  <a:lnTo>
-                    <a:pt x="0" y="1101295"/>
-                  </a:lnTo>
-                  <a:lnTo>
-                    <a:pt x="0" y="129015"/>
-                  </a:lnTo>
-                  <a:lnTo>
-                    <a:pt x="1524000" y="129015"/>
-                  </a:lnTo>
-                  <a:close/>
-                </a:path>
-              </a:pathLst>
-            </a:custGeom>
-            <a:grpFill/>
-            <a:ln>
-              <a:noFill/>
-            </a:ln>
-          </p:spPr>
-          <p:style>
-            <a:lnRef idx="2">
-              <a:schemeClr val="accent1">
-                <a:shade val="50000"/>
-              </a:schemeClr>
-            </a:lnRef>
-            <a:fillRef idx="1">
-              <a:schemeClr val="accent1"/>
-            </a:fillRef>
-            <a:effectRef idx="0">
-              <a:schemeClr val="accent1"/>
-            </a:effectRef>
-            <a:fontRef idx="minor">
-              <a:schemeClr val="lt1"/>
-            </a:fontRef>
-          </p:style>
-          <p:txBody>
-            <a:bodyPr tIns="180000" rtlCol="0" anchor="t" anchorCtr="0"/>
-            <a:lstStyle/>
-            <a:p>
-              <a:r>
-                <a:rPr lang="en-US" sz="1400" b="1" dirty="0" smtClean="0"/>
-                <a:t>::logic, ::storage, ::action, ::automated, ::search</a:t>
-              </a:r>
-              <a:endParaRPr lang="en-SG" sz="1400" b="1" dirty="0"/>
-            </a:p>
-          </p:txBody>
-        </p:sp>
-        <p:cxnSp>
-          <p:nvCxnSpPr>
-            <p:cNvPr id="100" name="Straight Connector 99"/>
-            <p:cNvCxnSpPr/>
-            <p:nvPr/>
-          </p:nvCxnSpPr>
-          <p:spPr>
-            <a:xfrm>
-              <a:off x="4714875" y="1163930"/>
-              <a:ext cx="838200" cy="0"/>
-            </a:xfrm>
-            <a:prstGeom prst="line">
-              <a:avLst/>
-            </a:prstGeom>
-            <a:grpFill/>
-            <a:ln w="19050">
-              <a:solidFill>
-                <a:schemeClr val="bg1"/>
-              </a:solidFill>
-            </a:ln>
-          </p:spPr>
-          <p:style>
-            <a:lnRef idx="1">
-              <a:schemeClr val="accent1"/>
-            </a:lnRef>
-            <a:fillRef idx="0">
-              <a:schemeClr val="accent1"/>
-            </a:fillRef>
-            <a:effectRef idx="0">
-              <a:schemeClr val="accent1"/>
-            </a:effectRef>
-            <a:fontRef idx="minor">
-              <a:schemeClr val="tx1"/>
-            </a:fontRef>
-          </p:style>
-        </p:cxnSp>
-      </p:grpSp>
-      <p:grpSp>
-        <p:nvGrpSpPr>
-          <p:cNvPr id="101" name="Group 100"/>
-          <p:cNvGrpSpPr/>
-          <p:nvPr/>
-        </p:nvGrpSpPr>
-        <p:grpSpPr>
-          <a:xfrm>
-            <a:off x="5324475" y="3505200"/>
-            <a:ext cx="2362200" cy="872695"/>
-            <a:chOff x="3190875" y="1032305"/>
-            <a:chExt cx="2362200" cy="872695"/>
-          </a:xfrm>
-          <a:solidFill>
-            <a:schemeClr val="bg1">
-              <a:lumMod val="75000"/>
-            </a:schemeClr>
-          </a:solidFill>
-        </p:grpSpPr>
-        <p:sp>
-          <p:nvSpPr>
-            <p:cNvPr id="102" name="Rectangle 35"/>
-            <p:cNvSpPr/>
-            <p:nvPr/>
-          </p:nvSpPr>
-          <p:spPr>
-            <a:xfrm>
-              <a:off x="3190875" y="1032305"/>
-              <a:ext cx="2362200" cy="872695"/>
-            </a:xfrm>
-            <a:custGeom>
-              <a:avLst/>
-              <a:gdLst/>
-              <a:ahLst/>
-              <a:cxnLst/>
-              <a:rect l="l" t="t" r="r" b="b"/>
-              <a:pathLst>
-                <a:path w="2362200" h="1101295">
-                  <a:moveTo>
-                    <a:pt x="1524000" y="0"/>
-                  </a:moveTo>
-                  <a:lnTo>
-                    <a:pt x="2361824" y="0"/>
-                  </a:lnTo>
-                  <a:lnTo>
-                    <a:pt x="2361824" y="129015"/>
-                  </a:lnTo>
-                  <a:lnTo>
-                    <a:pt x="2362200" y="129015"/>
-                  </a:lnTo>
-                  <a:lnTo>
-                    <a:pt x="2362200" y="1101295"/>
-                  </a:lnTo>
-                  <a:lnTo>
-                    <a:pt x="0" y="1101295"/>
-                  </a:lnTo>
-                  <a:lnTo>
-                    <a:pt x="0" y="129015"/>
-                  </a:lnTo>
-                  <a:lnTo>
-                    <a:pt x="1524000" y="129015"/>
-                  </a:lnTo>
-                  <a:close/>
-                </a:path>
-              </a:pathLst>
-            </a:custGeom>
-            <a:grpFill/>
-            <a:ln>
-              <a:noFill/>
-            </a:ln>
-          </p:spPr>
-          <p:style>
-            <a:lnRef idx="2">
-              <a:schemeClr val="accent1">
-                <a:shade val="50000"/>
-              </a:schemeClr>
-            </a:lnRef>
-            <a:fillRef idx="1">
-              <a:schemeClr val="accent1"/>
-            </a:fillRef>
-            <a:effectRef idx="0">
-              <a:schemeClr val="accent1"/>
-            </a:effectRef>
-            <a:fontRef idx="minor">
-              <a:schemeClr val="lt1"/>
-            </a:fontRef>
-          </p:style>
-          <p:txBody>
-            <a:bodyPr rtlCol="0" anchor="t" anchorCtr="0"/>
-            <a:lstStyle/>
-            <a:p>
-              <a:pPr>
-                <a:lnSpc>
-                  <a:spcPct val="150000"/>
-                </a:lnSpc>
-                <a:spcBef>
-                  <a:spcPts val="600"/>
-                </a:spcBef>
-              </a:pPr>
-              <a:r>
-                <a:rPr lang="en-US" sz="1400" b="1" dirty="0" smtClean="0"/>
-                <a:t>::</a:t>
-              </a:r>
-              <a:r>
-                <a:rPr lang="en-US" sz="1400" b="1" dirty="0" err="1" smtClean="0"/>
-                <a:t>browsertests</a:t>
-              </a:r>
-              <a:endParaRPr lang="en-SG" sz="1400" b="1" dirty="0"/>
-            </a:p>
-          </p:txBody>
-        </p:sp>
-        <p:cxnSp>
-          <p:nvCxnSpPr>
-            <p:cNvPr id="103" name="Straight Connector 102"/>
-            <p:cNvCxnSpPr/>
-            <p:nvPr/>
-          </p:nvCxnSpPr>
-          <p:spPr>
-            <a:xfrm>
-              <a:off x="4714875" y="1123350"/>
-              <a:ext cx="838200" cy="0"/>
-            </a:xfrm>
-            <a:prstGeom prst="line">
-              <a:avLst/>
-            </a:prstGeom>
-            <a:grpFill/>
-            <a:ln w="19050">
-              <a:solidFill>
-                <a:schemeClr val="bg1"/>
-              </a:solidFill>
-            </a:ln>
-          </p:spPr>
-          <p:style>
-            <a:lnRef idx="1">
-              <a:schemeClr val="accent1"/>
-            </a:lnRef>
-            <a:fillRef idx="0">
-              <a:schemeClr val="accent1"/>
-            </a:fillRef>
-            <a:effectRef idx="0">
-              <a:schemeClr val="accent1"/>
-            </a:effectRef>
-            <a:fontRef idx="minor">
-              <a:schemeClr val="tx1"/>
-            </a:fontRef>
-          </p:style>
-        </p:cxnSp>
-      </p:grpSp>
-      <p:sp>
-        <p:nvSpPr>
-          <p:cNvPr id="105" name="Rectangle 104"/>
-          <p:cNvSpPr/>
-          <p:nvPr/>
-        </p:nvSpPr>
-        <p:spPr>
-          <a:xfrm>
-            <a:off x="7772276" y="5528131"/>
-            <a:ext cx="1066800" cy="491669"/>
-          </a:xfrm>
-          <a:prstGeom prst="rect">
-            <a:avLst/>
-          </a:prstGeom>
-        </p:spPr>
-        <p:style>
-          <a:lnRef idx="2">
-            <a:schemeClr val="accent3">
-              <a:shade val="50000"/>
-            </a:schemeClr>
-          </a:lnRef>
-          <a:fillRef idx="1">
-            <a:schemeClr val="accent3"/>
-          </a:fillRef>
-          <a:effectRef idx="0">
-            <a:schemeClr val="accent3"/>
-          </a:effectRef>
-          <a:fontRef idx="minor">
-            <a:schemeClr val="lt1"/>
-          </a:fontRef>
-        </p:style>
-        <p:txBody>
-          <a:bodyPr rtlCol="0" anchor="ctr"/>
-          <a:lstStyle/>
-          <a:p>
-            <a:pPr algn="ctr"/>
-            <a:r>
-              <a:rPr lang="en-US" sz="1600" b="1" dirty="0"/>
-              <a:t>Base</a:t>
-            </a:r>
-            <a:br>
-              <a:rPr lang="en-US" sz="1600" b="1" dirty="0"/>
-            </a:br>
             <a:r>
               <a:rPr lang="en-US" sz="1600" b="1" dirty="0" err="1"/>
               <a:t>TestCase</a:t>
@@ -5293,66 +4118,25 @@
           </a:p>
         </p:txBody>
       </p:sp>
-      <p:sp>
-        <p:nvSpPr>
-          <p:cNvPr id="106" name="Isosceles Triangle 105"/>
-          <p:cNvSpPr/>
+      <p:cxnSp>
+        <p:nvCxnSpPr>
+          <p:cNvPr id="230" name="Elbow Connector 229"/>
+          <p:cNvCxnSpPr>
+            <a:stCxn id="229" idx="0"/>
+            <a:endCxn id="253" idx="3"/>
+          </p:cNvCxnSpPr>
           <p:nvPr/>
-        </p:nvSpPr>
-        <p:spPr>
-          <a:xfrm rot="5400000">
-            <a:off x="7551300" y="5664293"/>
-            <a:ext cx="216000" cy="216000"/>
-          </a:xfrm>
-          <a:prstGeom prst="triangle">
-            <a:avLst/>
-          </a:prstGeom>
-        </p:spPr>
-        <p:style>
-          <a:lnRef idx="2">
-            <a:schemeClr val="accent3">
-              <a:shade val="50000"/>
-            </a:schemeClr>
-          </a:lnRef>
-          <a:fillRef idx="1">
-            <a:schemeClr val="accent3"/>
-          </a:fillRef>
-          <a:effectRef idx="0">
-            <a:schemeClr val="accent3"/>
-          </a:effectRef>
-          <a:fontRef idx="minor">
-            <a:schemeClr val="lt1"/>
-          </a:fontRef>
-        </p:style>
-        <p:txBody>
-          <a:bodyPr rtlCol="0" anchor="ctr"/>
-          <a:lstStyle/>
-          <a:p>
-            <a:pPr algn="ctr"/>
-            <a:endParaRPr lang="en-SG" sz="1600" b="1"/>
-          </a:p>
-        </p:txBody>
-      </p:sp>
-      <p:sp>
-        <p:nvSpPr>
-          <p:cNvPr id="110" name="Rectangle 109"/>
-          <p:cNvSpPr/>
-          <p:nvPr/>
-        </p:nvSpPr>
-        <p:spPr>
-          <a:xfrm>
-            <a:off x="3219675" y="4860418"/>
-            <a:ext cx="1800000" cy="648000"/>
-          </a:xfrm>
-          <a:prstGeom prst="rect">
-            <a:avLst/>
-          </a:prstGeom>
-          <a:solidFill>
-            <a:schemeClr val="accent2">
-              <a:lumMod val="60000"/>
-              <a:lumOff val="40000"/>
-            </a:schemeClr>
-          </a:solidFill>
+        </p:nvCxnSpPr>
+        <p:spPr>
+          <a:xfrm rot="16200000" flipV="1">
+            <a:off x="7499334" y="3593321"/>
+            <a:ext cx="401729" cy="0"/>
+          </a:xfrm>
+          <a:prstGeom prst="bentConnector3">
+            <a:avLst>
+              <a:gd name="adj1" fmla="val 50000"/>
+            </a:avLst>
+          </a:prstGeom>
           <a:ln>
             <a:solidFill>
               <a:schemeClr val="accent2">
@@ -5360,119 +4144,6 @@
               </a:schemeClr>
             </a:solidFill>
           </a:ln>
-        </p:spPr>
-        <p:style>
-          <a:lnRef idx="2">
-            <a:schemeClr val="accent6">
-              <a:shade val="50000"/>
-            </a:schemeClr>
-          </a:lnRef>
-          <a:fillRef idx="1">
-            <a:schemeClr val="accent6"/>
-          </a:fillRef>
-          <a:effectRef idx="0">
-            <a:schemeClr val="accent6"/>
-          </a:effectRef>
-          <a:fontRef idx="minor">
-            <a:schemeClr val="lt1"/>
-          </a:fontRef>
-        </p:style>
-        <p:txBody>
-          <a:bodyPr lIns="0" rIns="0" rtlCol="0" anchor="ctr"/>
-          <a:lstStyle/>
-          <a:p>
-            <a:pPr algn="ctr"/>
-            <a:r>
-              <a:rPr lang="en-US" sz="1600" b="1" dirty="0" err="1" smtClean="0"/>
-              <a:t>BaseComponent</a:t>
-            </a:r>
-            <a:r>
-              <a:rPr lang="en-US" sz="1600" b="1" dirty="0" smtClean="0"/>
-              <a:t/>
-            </a:r>
-            <a:br>
-              <a:rPr lang="en-US" sz="1600" b="1" dirty="0" smtClean="0"/>
-            </a:br>
-            <a:r>
-              <a:rPr lang="en-US" sz="1600" b="1" dirty="0" err="1" smtClean="0"/>
-              <a:t>TestCase</a:t>
-            </a:r>
-            <a:endParaRPr lang="en-SG" sz="1600" b="1" dirty="0"/>
-          </a:p>
-        </p:txBody>
-      </p:sp>
-      <p:sp>
-        <p:nvSpPr>
-          <p:cNvPr id="113" name="Rectangle 112"/>
-          <p:cNvSpPr/>
-          <p:nvPr/>
-        </p:nvSpPr>
-        <p:spPr>
-          <a:xfrm>
-            <a:off x="5605576" y="4838400"/>
-            <a:ext cx="1800000" cy="648000"/>
-          </a:xfrm>
-          <a:prstGeom prst="rect">
-            <a:avLst/>
-          </a:prstGeom>
-        </p:spPr>
-        <p:style>
-          <a:lnRef idx="2">
-            <a:schemeClr val="accent5">
-              <a:shade val="50000"/>
-            </a:schemeClr>
-          </a:lnRef>
-          <a:fillRef idx="1">
-            <a:schemeClr val="accent5"/>
-          </a:fillRef>
-          <a:effectRef idx="0">
-            <a:schemeClr val="accent5"/>
-          </a:effectRef>
-          <a:fontRef idx="minor">
-            <a:schemeClr val="lt1"/>
-          </a:fontRef>
-        </p:style>
-        <p:txBody>
-          <a:bodyPr rtlCol="0" anchor="ctr"/>
-          <a:lstStyle/>
-          <a:p>
-            <a:pPr algn="ctr"/>
-            <a:r>
-              <a:rPr lang="en-US" sz="1600" b="1" dirty="0" err="1" smtClean="0"/>
-              <a:t>BaseTestCaseWith</a:t>
-            </a:r>
-            <a:r>
-              <a:rPr lang="en-US" sz="1600" b="1" dirty="0" smtClean="0"/>
-              <a:t/>
-            </a:r>
-            <a:br>
-              <a:rPr lang="en-US" sz="1600" b="1" dirty="0" smtClean="0"/>
-            </a:br>
-            <a:r>
-              <a:rPr lang="en-US" sz="1600" b="1" dirty="0" err="1" smtClean="0"/>
-              <a:t>DatastoreAccess</a:t>
-            </a:r>
-            <a:endParaRPr lang="en-SG" sz="1600" b="1" dirty="0"/>
-          </a:p>
-        </p:txBody>
-      </p:sp>
-      <p:cxnSp>
-        <p:nvCxnSpPr>
-          <p:cNvPr id="114" name="Elbow Connector 113"/>
-          <p:cNvCxnSpPr>
-            <a:stCxn id="113" idx="2"/>
-            <a:endCxn id="106" idx="3"/>
-          </p:cNvCxnSpPr>
-          <p:nvPr/>
-        </p:nvCxnSpPr>
-        <p:spPr>
-          <a:xfrm rot="16200000" flipH="1">
-            <a:off x="6885492" y="5106484"/>
-            <a:ext cx="285893" cy="1045724"/>
-          </a:xfrm>
-          <a:prstGeom prst="bentConnector2">
-            <a:avLst/>
-          </a:prstGeom>
         </p:spPr>
         <p:style>
           <a:lnRef idx="2">
@@ -5491,141 +4162,15 @@
           </a:fontRef>
         </p:style>
       </p:cxnSp>
-      <p:cxnSp>
-        <p:nvCxnSpPr>
-          <p:cNvPr id="120" name="Elbow Connector 119"/>
-          <p:cNvCxnSpPr>
-            <a:stCxn id="110" idx="3"/>
-            <a:endCxn id="135" idx="3"/>
-          </p:cNvCxnSpPr>
-          <p:nvPr/>
-        </p:nvCxnSpPr>
-        <p:spPr>
-          <a:xfrm flipV="1">
-            <a:off x="5019675" y="5081969"/>
-            <a:ext cx="396856" cy="102449"/>
-          </a:xfrm>
-          <a:prstGeom prst="bentConnector3">
-            <a:avLst>
-              <a:gd name="adj1" fmla="val 50000"/>
-            </a:avLst>
-          </a:prstGeom>
-          <a:ln>
-            <a:solidFill>
-              <a:srgbClr val="357D91"/>
-            </a:solidFill>
-          </a:ln>
-        </p:spPr>
-        <p:style>
-          <a:lnRef idx="2">
-            <a:schemeClr val="accent3">
-              <a:shade val="50000"/>
-            </a:schemeClr>
-          </a:lnRef>
-          <a:fillRef idx="1">
-            <a:schemeClr val="accent3"/>
-          </a:fillRef>
-          <a:effectRef idx="0">
-            <a:schemeClr val="accent3"/>
-          </a:effectRef>
-          <a:fontRef idx="minor">
-            <a:schemeClr val="lt1"/>
-          </a:fontRef>
-        </p:style>
-      </p:cxnSp>
-      <p:sp>
-        <p:nvSpPr>
-          <p:cNvPr id="121" name="Isosceles Triangle 120"/>
-          <p:cNvSpPr/>
-          <p:nvPr/>
-        </p:nvSpPr>
-        <p:spPr>
-          <a:xfrm rot="10800000" flipH="1">
-            <a:off x="6397576" y="4625923"/>
-            <a:ext cx="216000" cy="216000"/>
-          </a:xfrm>
-          <a:prstGeom prst="triangle">
-            <a:avLst/>
-          </a:prstGeom>
-        </p:spPr>
-        <p:style>
-          <a:lnRef idx="2">
-            <a:schemeClr val="accent5">
-              <a:shade val="50000"/>
-            </a:schemeClr>
-          </a:lnRef>
-          <a:fillRef idx="1">
-            <a:schemeClr val="accent5"/>
-          </a:fillRef>
-          <a:effectRef idx="0">
-            <a:schemeClr val="accent5"/>
-          </a:effectRef>
-          <a:fontRef idx="minor">
-            <a:schemeClr val="lt1"/>
-          </a:fontRef>
-        </p:style>
-        <p:txBody>
-          <a:bodyPr rtlCol="0" anchor="ctr"/>
-          <a:lstStyle/>
-          <a:p>
-            <a:pPr algn="ctr"/>
-            <a:endParaRPr lang="en-SG" sz="1600" b="1"/>
-          </a:p>
-        </p:txBody>
-      </p:sp>
-      <p:sp>
-        <p:nvSpPr>
-          <p:cNvPr id="122" name="Rectangle 121"/>
-          <p:cNvSpPr/>
-          <p:nvPr/>
-        </p:nvSpPr>
-        <p:spPr>
-          <a:xfrm>
-            <a:off x="5444288" y="3916524"/>
-            <a:ext cx="2129427" cy="365583"/>
-          </a:xfrm>
-          <a:prstGeom prst="rect">
-            <a:avLst/>
-          </a:prstGeom>
-        </p:spPr>
-        <p:style>
-          <a:lnRef idx="2">
-            <a:schemeClr val="accent5">
-              <a:shade val="50000"/>
-            </a:schemeClr>
-          </a:lnRef>
-          <a:fillRef idx="1">
-            <a:schemeClr val="accent5"/>
-          </a:fillRef>
-          <a:effectRef idx="0">
-            <a:schemeClr val="accent5"/>
-          </a:effectRef>
-          <a:fontRef idx="minor">
-            <a:schemeClr val="lt1"/>
-          </a:fontRef>
-        </p:style>
-        <p:txBody>
-          <a:bodyPr rtlCol="0" anchor="ctr"/>
-          <a:lstStyle/>
-          <a:p>
-            <a:pPr algn="ctr"/>
-            <a:r>
-              <a:rPr lang="en-US" sz="1600" b="1" dirty="0" smtClean="0"/>
-              <a:t>Browser tests</a:t>
-            </a:r>
-            <a:endParaRPr lang="en-SG" sz="1600" b="1" dirty="0"/>
-          </a:p>
-        </p:txBody>
-      </p:sp>
       <p:grpSp>
         <p:nvGrpSpPr>
-          <p:cNvPr id="126" name="Group 125"/>
+          <p:cNvPr id="231" name="Group 230"/>
           <p:cNvGrpSpPr/>
           <p:nvPr/>
         </p:nvGrpSpPr>
         <p:grpSpPr>
           <a:xfrm>
-            <a:off x="715878" y="5614500"/>
+            <a:off x="535180" y="2361115"/>
             <a:ext cx="5568721" cy="906770"/>
             <a:chOff x="3190875" y="998810"/>
             <a:chExt cx="2362200" cy="1224050"/>
@@ -5638,7 +4183,7 @@
         </p:grpSpPr>
         <p:sp>
           <p:nvSpPr>
-            <p:cNvPr id="127" name="Rectangle 35"/>
+            <p:cNvPr id="232" name="Rectangle 35"/>
             <p:cNvSpPr/>
             <p:nvPr/>
           </p:nvSpPr>
@@ -5717,40 +4262,28 @@
                 </a:spcBef>
               </a:pPr>
               <a:r>
-                <a:rPr lang="en-US" sz="1400" b="1" dirty="0" smtClean="0"/>
+                <a:rPr lang="en-US" sz="1400" b="1" dirty="0"/>
                 <a:t>::</a:t>
               </a:r>
               <a:r>
-                <a:rPr lang="en-US" sz="1400" b="1" dirty="0" err="1" smtClean="0"/>
+                <a:rPr lang="en-US" sz="1400" b="1" dirty="0" err="1"/>
                 <a:t>testdriver</a:t>
               </a:r>
               <a:r>
-                <a:rPr lang="en-US" sz="1400" b="1" dirty="0" smtClean="0"/>
+                <a:rPr lang="en-US" sz="1400" b="1" dirty="0"/>
                 <a:t>, ::</a:t>
               </a:r>
               <a:r>
-                <a:rPr lang="en-US" sz="1400" b="1" dirty="0" err="1" smtClean="0"/>
+                <a:rPr lang="en-US" sz="1400" b="1" dirty="0" err="1"/>
                 <a:t>datatransfer</a:t>
               </a:r>
               <a:r>
-                <a:rPr lang="en-US" sz="1400" b="1" dirty="0" smtClean="0"/>
+                <a:rPr lang="en-US" sz="1400" b="1" dirty="0"/>
                 <a:t>, ::</a:t>
               </a:r>
               <a:r>
-                <a:rPr lang="en-US" sz="1400" b="1" dirty="0" err="1" smtClean="0"/>
+                <a:rPr lang="en-US" sz="1400" b="1" dirty="0" err="1"/>
                 <a:t>util</a:t>
-              </a:r>
-              <a:r>
-                <a:rPr lang="en-US" sz="1400" b="1" dirty="0" smtClean="0"/>
-                <a:t>, ::</a:t>
-              </a:r>
-              <a:r>
-                <a:rPr lang="en-US" sz="1400" b="1" dirty="0" err="1" smtClean="0"/>
-                <a:t>pagedata</a:t>
-              </a:r>
-              <a:r>
-                <a:rPr lang="en-US" sz="1400" b="1" dirty="0" smtClean="0"/>
-                <a:t> </a:t>
               </a:r>
               <a:endParaRPr lang="en-SG" sz="1400" b="1" dirty="0"/>
             </a:p>
@@ -5758,7 +4291,7 @@
         </p:sp>
         <p:cxnSp>
           <p:nvCxnSpPr>
-            <p:cNvPr id="128" name="Straight Connector 127"/>
+            <p:cNvPr id="233" name="Straight Connector 232"/>
             <p:cNvCxnSpPr/>
             <p:nvPr/>
           </p:nvCxnSpPr>
@@ -5795,13 +4328,13 @@
       </p:grpSp>
       <p:sp>
         <p:nvSpPr>
-          <p:cNvPr id="129" name="Rectangle 128"/>
+          <p:cNvPr id="234" name="Rectangle 233"/>
           <p:cNvSpPr/>
           <p:nvPr/>
         </p:nvSpPr>
         <p:spPr>
           <a:xfrm>
-            <a:off x="826352" y="6040800"/>
+            <a:off x="645655" y="2787415"/>
             <a:ext cx="5336323" cy="360000"/>
           </a:xfrm>
           <a:prstGeom prst="rect">
@@ -5830,65 +4363,8 @@
           <a:p>
             <a:pPr algn="ctr"/>
             <a:r>
-              <a:rPr lang="en-US" sz="1600" b="1" dirty="0" smtClean="0"/>
+              <a:rPr lang="en-US" sz="1600" b="1" dirty="0"/>
               <a:t>Test cases that do not need simulated GAE environment</a:t>
-            </a:r>
-            <a:endParaRPr lang="en-SG" sz="1600" b="1" dirty="0"/>
-          </a:p>
-        </p:txBody>
-      </p:sp>
-      <p:sp>
-        <p:nvSpPr>
-          <p:cNvPr id="130" name="Rectangle 129"/>
-          <p:cNvSpPr/>
-          <p:nvPr/>
-        </p:nvSpPr>
-        <p:spPr>
-          <a:xfrm>
-            <a:off x="916886" y="4187757"/>
-            <a:ext cx="1831462" cy="762000"/>
-          </a:xfrm>
-          <a:prstGeom prst="rect">
-            <a:avLst/>
-          </a:prstGeom>
-          <a:solidFill>
-            <a:schemeClr val="accent2">
-              <a:lumMod val="60000"/>
-              <a:lumOff val="40000"/>
-            </a:schemeClr>
-          </a:solidFill>
-          <a:ln>
-            <a:solidFill>
-              <a:schemeClr val="accent2">
-                <a:lumMod val="75000"/>
-              </a:schemeClr>
-            </a:solidFill>
-          </a:ln>
-        </p:spPr>
-        <p:style>
-          <a:lnRef idx="2">
-            <a:schemeClr val="accent6">
-              <a:shade val="50000"/>
-            </a:schemeClr>
-          </a:lnRef>
-          <a:fillRef idx="1">
-            <a:schemeClr val="accent6"/>
-          </a:fillRef>
-          <a:effectRef idx="0">
-            <a:schemeClr val="accent6"/>
-          </a:effectRef>
-          <a:fontRef idx="minor">
-            <a:schemeClr val="lt1"/>
-          </a:fontRef>
-        </p:style>
-        <p:txBody>
-          <a:bodyPr lIns="0" rIns="0" rtlCol="0" anchor="ctr"/>
-          <a:lstStyle/>
-          <a:p>
-            <a:pPr algn="ctr"/>
-            <a:r>
-              <a:rPr lang="en-US" sz="1600" b="1" dirty="0" smtClean="0"/>
-              <a:t>Test cases that need simulated GAE environment</a:t>
             </a:r>
             <a:endParaRPr lang="en-SG" sz="1600" b="1" dirty="0"/>
           </a:p>
@@ -5896,22 +4372,21 @@
       </p:sp>
       <p:cxnSp>
         <p:nvCxnSpPr>
-          <p:cNvPr id="131" name="Elbow Connector 130"/>
+          <p:cNvPr id="235" name="Elbow Connector 234"/>
           <p:cNvCxnSpPr>
-            <a:stCxn id="129" idx="3"/>
-            <a:endCxn id="132" idx="3"/>
+            <a:stCxn id="234" idx="3"/>
+            <a:endCxn id="236" idx="3"/>
           </p:cNvCxnSpPr>
           <p:nvPr/>
         </p:nvCxnSpPr>
         <p:spPr>
           <a:xfrm>
-            <a:off x="6162675" y="6220800"/>
-            <a:ext cx="2143001" cy="44611"/>
-          </a:xfrm>
-          <a:prstGeom prst="bentConnector4">
+            <a:off x="5981969" y="2967415"/>
+            <a:ext cx="604662" cy="0"/>
+          </a:xfrm>
+          <a:prstGeom prst="bentConnector3">
             <a:avLst>
-              <a:gd name="adj1" fmla="val 47480"/>
-              <a:gd name="adj2" fmla="val 612430"/>
+              <a:gd name="adj1" fmla="val 50000"/>
             </a:avLst>
           </a:prstGeom>
         </p:spPr>
@@ -5934,13 +4409,13 @@
       </p:cxnSp>
       <p:sp>
         <p:nvSpPr>
-          <p:cNvPr id="132" name="Isosceles Triangle 131"/>
+          <p:cNvPr id="236" name="Isosceles Triangle 235"/>
           <p:cNvSpPr/>
           <p:nvPr/>
         </p:nvSpPr>
         <p:spPr>
-          <a:xfrm>
-            <a:off x="8197676" y="6049411"/>
+          <a:xfrm rot="5400000">
+            <a:off x="6586631" y="2863964"/>
             <a:ext cx="216000" cy="216000"/>
           </a:xfrm>
           <a:prstGeom prst="triangle">
@@ -5974,43 +4449,31 @@
       </p:sp>
       <p:sp>
         <p:nvSpPr>
-          <p:cNvPr id="133" name="Isosceles Triangle 132"/>
+          <p:cNvPr id="237" name="Isosceles Triangle 236"/>
           <p:cNvSpPr/>
           <p:nvPr/>
         </p:nvSpPr>
         <p:spPr>
           <a:xfrm rot="5400000">
-            <a:off x="2974875" y="5081968"/>
+            <a:off x="6579261" y="4010186"/>
             <a:ext cx="216000" cy="216000"/>
           </a:xfrm>
           <a:prstGeom prst="triangle">
             <a:avLst/>
           </a:prstGeom>
-          <a:solidFill>
-            <a:schemeClr val="accent2">
-              <a:lumMod val="60000"/>
-              <a:lumOff val="40000"/>
-            </a:schemeClr>
-          </a:solidFill>
-          <a:ln>
-            <a:solidFill>
-              <a:schemeClr val="accent2">
-                <a:lumMod val="75000"/>
-              </a:schemeClr>
-            </a:solidFill>
-          </a:ln>
+          <a:ln/>
         </p:spPr>
         <p:style>
           <a:lnRef idx="2">
-            <a:schemeClr val="accent6">
+            <a:schemeClr val="accent2">
               <a:shade val="50000"/>
             </a:schemeClr>
           </a:lnRef>
           <a:fillRef idx="1">
-            <a:schemeClr val="accent6"/>
+            <a:schemeClr val="accent2"/>
           </a:fillRef>
           <a:effectRef idx="0">
-            <a:schemeClr val="accent6"/>
+            <a:schemeClr val="accent2"/>
           </a:effectRef>
           <a:fontRef idx="minor">
             <a:schemeClr val="lt1"/>
@@ -6027,153 +4490,26 @@
       </p:sp>
       <p:cxnSp>
         <p:nvCxnSpPr>
-          <p:cNvPr id="134" name="Elbow Connector 133"/>
+          <p:cNvPr id="238" name="Elbow Connector 237"/>
           <p:cNvCxnSpPr>
-            <a:stCxn id="133" idx="3"/>
-            <a:endCxn id="130" idx="2"/>
+            <a:stCxn id="229" idx="2"/>
+            <a:endCxn id="248" idx="0"/>
           </p:cNvCxnSpPr>
           <p:nvPr/>
         </p:nvCxnSpPr>
         <p:spPr>
-          <a:xfrm rot="10800000">
-            <a:off x="1832617" y="4949758"/>
-            <a:ext cx="1142258" cy="240211"/>
-          </a:xfrm>
-          <a:prstGeom prst="bentConnector2">
-            <a:avLst/>
+          <a:xfrm rot="5400000">
+            <a:off x="6177964" y="3864261"/>
+            <a:ext cx="954627" cy="2110495"/>
+          </a:xfrm>
+          <a:prstGeom prst="bentConnector3">
+            <a:avLst>
+              <a:gd name="adj1" fmla="val 75443"/>
+            </a:avLst>
           </a:prstGeom>
           <a:ln>
             <a:solidFill>
               <a:schemeClr val="accent2">
-                <a:lumMod val="75000"/>
-              </a:schemeClr>
-            </a:solidFill>
-          </a:ln>
-        </p:spPr>
-        <p:style>
-          <a:lnRef idx="2">
-            <a:schemeClr val="accent6">
-              <a:shade val="50000"/>
-            </a:schemeClr>
-          </a:lnRef>
-          <a:fillRef idx="1">
-            <a:schemeClr val="accent6"/>
-          </a:fillRef>
-          <a:effectRef idx="0">
-            <a:schemeClr val="accent6"/>
-          </a:effectRef>
-          <a:fontRef idx="minor">
-            <a:schemeClr val="lt1"/>
-          </a:fontRef>
-        </p:style>
-      </p:cxnSp>
-      <p:sp>
-        <p:nvSpPr>
-          <p:cNvPr id="135" name="Isosceles Triangle 134"/>
-          <p:cNvSpPr/>
-          <p:nvPr/>
-        </p:nvSpPr>
-        <p:spPr>
-          <a:xfrm rot="5400000">
-            <a:off x="5416531" y="4973969"/>
-            <a:ext cx="216000" cy="216000"/>
-          </a:xfrm>
-          <a:prstGeom prst="triangle">
-            <a:avLst/>
-          </a:prstGeom>
-          <a:ln>
-            <a:solidFill>
-              <a:srgbClr val="3B889E"/>
-            </a:solidFill>
-          </a:ln>
-        </p:spPr>
-        <p:style>
-          <a:lnRef idx="2">
-            <a:schemeClr val="accent5">
-              <a:shade val="50000"/>
-            </a:schemeClr>
-          </a:lnRef>
-          <a:fillRef idx="1">
-            <a:schemeClr val="accent5"/>
-          </a:fillRef>
-          <a:effectRef idx="0">
-            <a:schemeClr val="accent5"/>
-          </a:effectRef>
-          <a:fontRef idx="minor">
-            <a:schemeClr val="lt1"/>
-          </a:fontRef>
-        </p:style>
-        <p:txBody>
-          <a:bodyPr rtlCol="0" anchor="ctr"/>
-          <a:lstStyle/>
-          <a:p>
-            <a:pPr algn="ctr"/>
-            <a:endParaRPr lang="en-SG" sz="1600" b="1"/>
-          </a:p>
-        </p:txBody>
-      </p:sp>
-      <p:cxnSp>
-        <p:nvCxnSpPr>
-          <p:cNvPr id="136" name="Elbow Connector 135"/>
-          <p:cNvCxnSpPr>
-            <a:stCxn id="121" idx="3"/>
-            <a:endCxn id="122" idx="2"/>
-          </p:cNvCxnSpPr>
-          <p:nvPr/>
-        </p:nvCxnSpPr>
-        <p:spPr>
-          <a:xfrm rot="5400000" flipH="1" flipV="1">
-            <a:off x="6337094" y="4454015"/>
-            <a:ext cx="343816" cy="0"/>
-          </a:xfrm>
-          <a:prstGeom prst="bentConnector3">
-            <a:avLst>
-              <a:gd name="adj1" fmla="val 50000"/>
-            </a:avLst>
-          </a:prstGeom>
-          <a:ln>
-            <a:solidFill>
-              <a:srgbClr val="357D91"/>
-            </a:solidFill>
-          </a:ln>
-        </p:spPr>
-        <p:style>
-          <a:lnRef idx="2">
-            <a:schemeClr val="accent3">
-              <a:shade val="50000"/>
-            </a:schemeClr>
-          </a:lnRef>
-          <a:fillRef idx="1">
-            <a:schemeClr val="accent3"/>
-          </a:fillRef>
-          <a:effectRef idx="0">
-            <a:schemeClr val="accent3"/>
-          </a:effectRef>
-          <a:fontRef idx="minor">
-            <a:schemeClr val="lt1"/>
-          </a:fontRef>
-        </p:style>
-      </p:cxnSp>
-      <p:cxnSp>
-        <p:nvCxnSpPr>
-          <p:cNvPr id="138" name="Elbow Connector 137"/>
-          <p:cNvCxnSpPr>
-            <a:stCxn id="113" idx="3"/>
-            <a:endCxn id="89" idx="2"/>
-          </p:cNvCxnSpPr>
-          <p:nvPr/>
-        </p:nvCxnSpPr>
-        <p:spPr>
-          <a:xfrm flipV="1">
-            <a:off x="7405576" y="2819400"/>
-            <a:ext cx="569024" cy="2343000"/>
-          </a:xfrm>
-          <a:prstGeom prst="bentConnector2">
-            <a:avLst/>
-          </a:prstGeom>
-          <a:ln>
-            <a:solidFill>
-              <a:schemeClr val="accent5">
                 <a:lumMod val="75000"/>
               </a:schemeClr>
             </a:solidFill>
@@ -6201,22 +4537,17 @@
       </p:cxnSp>
       <p:cxnSp>
         <p:nvCxnSpPr>
-          <p:cNvPr id="146" name="Elbow Connector 145"/>
-          <p:cNvCxnSpPr>
-            <a:stCxn id="110" idx="0"/>
-            <a:endCxn id="87" idx="2"/>
-          </p:cNvCxnSpPr>
+          <p:cNvPr id="239" name="Straight Arrow Connector 238"/>
+          <p:cNvCxnSpPr/>
           <p:nvPr/>
         </p:nvCxnSpPr>
         <p:spPr>
-          <a:xfrm rot="5400000" flipH="1" flipV="1">
-            <a:off x="4037266" y="2901809"/>
-            <a:ext cx="2041018" cy="1876200"/>
-          </a:xfrm>
-          <a:prstGeom prst="bentConnector3">
-            <a:avLst>
-              <a:gd name="adj1" fmla="val 66717"/>
-            </a:avLst>
+          <a:xfrm rot="5400000" flipV="1">
+            <a:off x="4538020" y="4805045"/>
+            <a:ext cx="324000" cy="0"/>
+          </a:xfrm>
+          <a:prstGeom prst="straightConnector1">
+            <a:avLst/>
           </a:prstGeom>
           <a:ln>
             <a:solidFill>
@@ -6248,67 +4579,23 @@
       </p:cxnSp>
       <p:cxnSp>
         <p:nvCxnSpPr>
-          <p:cNvPr id="160" name="Straight Arrow Connector 159"/>
-          <p:cNvCxnSpPr/>
-          <p:nvPr/>
-        </p:nvCxnSpPr>
-        <p:spPr>
-          <a:xfrm rot="16200000">
-            <a:off x="6780675" y="3268200"/>
-            <a:ext cx="288000" cy="0"/>
-          </a:xfrm>
-          <a:prstGeom prst="straightConnector1">
-            <a:avLst/>
-          </a:prstGeom>
-          <a:ln>
-            <a:solidFill>
-              <a:schemeClr val="accent2">
-                <a:lumMod val="75000"/>
-              </a:schemeClr>
-            </a:solidFill>
-            <a:prstDash val="sysDot"/>
-            <a:headEnd type="none" w="med" len="med"/>
-            <a:tailEnd type="arrow" w="med" len="med"/>
-          </a:ln>
-        </p:spPr>
-        <p:style>
-          <a:lnRef idx="2">
-            <a:schemeClr val="accent6">
-              <a:shade val="50000"/>
-            </a:schemeClr>
-          </a:lnRef>
-          <a:fillRef idx="1">
-            <a:schemeClr val="accent6"/>
-          </a:fillRef>
-          <a:effectRef idx="0">
-            <a:schemeClr val="accent6"/>
-          </a:effectRef>
-          <a:fontRef idx="minor">
-            <a:schemeClr val="lt1"/>
-          </a:fontRef>
-        </p:style>
-      </p:cxnSp>
-      <p:cxnSp>
-        <p:nvCxnSpPr>
-          <p:cNvPr id="161" name="Straight Arrow Connector 160"/>
+          <p:cNvPr id="240" name="Straight Arrow Connector 239"/>
           <p:cNvCxnSpPr>
-            <a:endCxn id="89" idx="3"/>
+            <a:endCxn id="241" idx="2"/>
           </p:cNvCxnSpPr>
           <p:nvPr/>
         </p:nvCxnSpPr>
         <p:spPr>
-          <a:xfrm flipH="1" flipV="1">
-            <a:off x="8874600" y="2639400"/>
-            <a:ext cx="612000" cy="0"/>
+          <a:xfrm flipV="1">
+            <a:off x="1797844" y="435375"/>
+            <a:ext cx="0" cy="660470"/>
           </a:xfrm>
           <a:prstGeom prst="straightConnector1">
             <a:avLst/>
           </a:prstGeom>
           <a:ln w="38100">
             <a:solidFill>
-              <a:schemeClr val="accent3">
-                <a:lumMod val="75000"/>
-              </a:schemeClr>
+              <a:schemeClr val="tx1"/>
             </a:solidFill>
             <a:prstDash val="sysDash"/>
             <a:headEnd type="arrow" w="med" len="med"/>
@@ -6332,14 +4619,14 @@
       </p:cxnSp>
       <p:sp>
         <p:nvSpPr>
-          <p:cNvPr id="167" name="TextBox 166"/>
+          <p:cNvPr id="241" name="TextBox 240"/>
           <p:cNvSpPr txBox="1"/>
           <p:nvPr/>
         </p:nvSpPr>
         <p:spPr>
           <a:xfrm>
-            <a:off x="9415418" y="2487548"/>
-            <a:ext cx="1319257" cy="307777"/>
+            <a:off x="1349061" y="75375"/>
+            <a:ext cx="897566" cy="360000"/>
           </a:xfrm>
           <a:prstGeom prst="rect">
             <a:avLst/>
@@ -6438,20 +4725,12 @@
           <a:p>
             <a:pPr algn="ctr"/>
             <a:r>
-              <a:rPr lang="en-US" dirty="0" err="1" smtClean="0">
+              <a:rPr lang="en-US" dirty="0" err="1">
                 <a:solidFill>
                   <a:schemeClr val="tx1"/>
                 </a:solidFill>
               </a:rPr>
-              <a:t>BackDoor</a:t>
-            </a:r>
-            <a:r>
-              <a:rPr lang="en-US" dirty="0" smtClean="0">
-                <a:solidFill>
-                  <a:schemeClr val="tx1"/>
-                </a:solidFill>
-              </a:rPr>
-              <a:t> API</a:t>
+              <a:t>TestNG</a:t>
             </a:r>
             <a:endParaRPr lang="en-SG" dirty="0">
               <a:solidFill>
@@ -6461,25 +4740,391 @@
           </a:p>
         </p:txBody>
       </p:sp>
+      <p:grpSp>
+        <p:nvGrpSpPr>
+          <p:cNvPr id="242" name="Group 241"/>
+          <p:cNvGrpSpPr/>
+          <p:nvPr/>
+        </p:nvGrpSpPr>
+        <p:grpSpPr>
+          <a:xfrm>
+            <a:off x="535180" y="3499626"/>
+            <a:ext cx="5568721" cy="906770"/>
+            <a:chOff x="3190875" y="998810"/>
+            <a:chExt cx="2362200" cy="1224050"/>
+          </a:xfrm>
+          <a:solidFill>
+            <a:schemeClr val="bg1">
+              <a:lumMod val="75000"/>
+            </a:schemeClr>
+          </a:solidFill>
+        </p:grpSpPr>
+        <p:sp>
+          <p:nvSpPr>
+            <p:cNvPr id="243" name="Rectangle 35"/>
+            <p:cNvSpPr/>
+            <p:nvPr/>
+          </p:nvSpPr>
+          <p:spPr>
+            <a:xfrm>
+              <a:off x="3190875" y="998810"/>
+              <a:ext cx="2362200" cy="1224050"/>
+            </a:xfrm>
+            <a:custGeom>
+              <a:avLst/>
+              <a:gdLst/>
+              <a:ahLst/>
+              <a:cxnLst/>
+              <a:rect l="l" t="t" r="r" b="b"/>
+              <a:pathLst>
+                <a:path w="2362200" h="1101295">
+                  <a:moveTo>
+                    <a:pt x="1524000" y="0"/>
+                  </a:moveTo>
+                  <a:lnTo>
+                    <a:pt x="2361824" y="0"/>
+                  </a:lnTo>
+                  <a:lnTo>
+                    <a:pt x="2361824" y="129015"/>
+                  </a:lnTo>
+                  <a:lnTo>
+                    <a:pt x="2362200" y="129015"/>
+                  </a:lnTo>
+                  <a:lnTo>
+                    <a:pt x="2362200" y="1101295"/>
+                  </a:lnTo>
+                  <a:lnTo>
+                    <a:pt x="0" y="1101295"/>
+                  </a:lnTo>
+                  <a:lnTo>
+                    <a:pt x="0" y="129015"/>
+                  </a:lnTo>
+                  <a:lnTo>
+                    <a:pt x="1524000" y="129015"/>
+                  </a:lnTo>
+                  <a:close/>
+                </a:path>
+              </a:pathLst>
+            </a:custGeom>
+            <a:grpFill/>
+            <a:ln>
+              <a:noFill/>
+            </a:ln>
+          </p:spPr>
+          <p:style>
+            <a:lnRef idx="2">
+              <a:schemeClr val="accent1">
+                <a:shade val="50000"/>
+              </a:schemeClr>
+            </a:lnRef>
+            <a:fillRef idx="1">
+              <a:schemeClr val="accent1"/>
+            </a:fillRef>
+            <a:effectRef idx="0">
+              <a:schemeClr val="accent1"/>
+            </a:effectRef>
+            <a:fontRef idx="minor">
+              <a:schemeClr val="lt1"/>
+            </a:fontRef>
+          </p:style>
+          <p:txBody>
+            <a:bodyPr tIns="72000" rtlCol="0" anchor="t" anchorCtr="0"/>
+            <a:lstStyle/>
+            <a:p>
+              <a:pPr>
+                <a:lnSpc>
+                  <a:spcPct val="150000"/>
+                </a:lnSpc>
+                <a:spcBef>
+                  <a:spcPts val="600"/>
+                </a:spcBef>
+              </a:pPr>
+              <a:r>
+                <a:rPr lang="en-US" sz="1400" b="1" dirty="0"/>
+                <a:t>::logic, ::storage, ::action, ::automated, ::search</a:t>
+              </a:r>
+              <a:endParaRPr lang="en-SG" sz="1400" b="1" dirty="0"/>
+            </a:p>
+          </p:txBody>
+        </p:sp>
+        <p:cxnSp>
+          <p:nvCxnSpPr>
+            <p:cNvPr id="244" name="Straight Connector 243"/>
+            <p:cNvCxnSpPr/>
+            <p:nvPr/>
+          </p:nvCxnSpPr>
+          <p:spPr>
+            <a:xfrm>
+              <a:off x="4714875" y="1123350"/>
+              <a:ext cx="838200" cy="0"/>
+            </a:xfrm>
+            <a:prstGeom prst="line">
+              <a:avLst/>
+            </a:prstGeom>
+            <a:grpFill/>
+            <a:ln w="19050">
+              <a:solidFill>
+                <a:schemeClr val="bg1"/>
+              </a:solidFill>
+            </a:ln>
+          </p:spPr>
+          <p:style>
+            <a:lnRef idx="1">
+              <a:schemeClr val="accent1"/>
+            </a:lnRef>
+            <a:fillRef idx="0">
+              <a:schemeClr val="accent1"/>
+            </a:fillRef>
+            <a:effectRef idx="0">
+              <a:schemeClr val="accent1"/>
+            </a:effectRef>
+            <a:fontRef idx="minor">
+              <a:schemeClr val="tx1"/>
+            </a:fontRef>
+          </p:style>
+        </p:cxnSp>
+      </p:grpSp>
+      <p:sp>
+        <p:nvSpPr>
+          <p:cNvPr id="245" name="Rectangle 244"/>
+          <p:cNvSpPr/>
+          <p:nvPr/>
+        </p:nvSpPr>
+        <p:spPr>
+          <a:xfrm>
+            <a:off x="640954" y="3942241"/>
+            <a:ext cx="5336323" cy="351890"/>
+          </a:xfrm>
+          <a:prstGeom prst="rect">
+            <a:avLst/>
+          </a:prstGeom>
+          <a:ln/>
+        </p:spPr>
+        <p:style>
+          <a:lnRef idx="2">
+            <a:schemeClr val="accent2">
+              <a:shade val="50000"/>
+            </a:schemeClr>
+          </a:lnRef>
+          <a:fillRef idx="1">
+            <a:schemeClr val="accent2"/>
+          </a:fillRef>
+          <a:effectRef idx="0">
+            <a:schemeClr val="accent2"/>
+          </a:effectRef>
+          <a:fontRef idx="minor">
+            <a:schemeClr val="lt1"/>
+          </a:fontRef>
+        </p:style>
+        <p:txBody>
+          <a:bodyPr lIns="0" rIns="0" rtlCol="0" anchor="ctr"/>
+          <a:lstStyle/>
+          <a:p>
+            <a:pPr algn="ctr"/>
+            <a:r>
+              <a:rPr lang="en-US" sz="1600" b="1" dirty="0"/>
+              <a:t>Test cases that need simulated GAE environment</a:t>
+            </a:r>
+            <a:endParaRPr lang="en-SG" sz="1600" b="1" dirty="0"/>
+          </a:p>
+        </p:txBody>
+      </p:sp>
       <p:cxnSp>
         <p:nvCxnSpPr>
-          <p:cNvPr id="170" name="Straight Arrow Connector 169"/>
+          <p:cNvPr id="246" name="Elbow Connector 245"/>
           <p:cNvCxnSpPr>
-            <a:endCxn id="96" idx="0"/>
+            <a:stCxn id="237" idx="3"/>
+            <a:endCxn id="245" idx="3"/>
           </p:cNvCxnSpPr>
           <p:nvPr/>
         </p:nvCxnSpPr>
         <p:spPr>
-          <a:xfrm flipH="1">
-            <a:off x="5995875" y="381000"/>
-            <a:ext cx="0" cy="1119553"/>
+          <a:xfrm rot="10800000">
+            <a:off x="5977278" y="4130886"/>
+            <a:ext cx="601993" cy="0"/>
+          </a:xfrm>
+          <a:prstGeom prst="bentConnector3">
+            <a:avLst>
+              <a:gd name="adj1" fmla="val 50000"/>
+            </a:avLst>
+          </a:prstGeom>
+          <a:ln>
+            <a:solidFill>
+              <a:schemeClr val="accent2">
+                <a:lumMod val="75000"/>
+              </a:schemeClr>
+            </a:solidFill>
+          </a:ln>
+        </p:spPr>
+        <p:style>
+          <a:lnRef idx="2">
+            <a:schemeClr val="accent6">
+              <a:shade val="50000"/>
+            </a:schemeClr>
+          </a:lnRef>
+          <a:fillRef idx="1">
+            <a:schemeClr val="accent6"/>
+          </a:fillRef>
+          <a:effectRef idx="0">
+            <a:schemeClr val="accent6"/>
+          </a:effectRef>
+          <a:fontRef idx="minor">
+            <a:schemeClr val="lt1"/>
+          </a:fontRef>
+        </p:style>
+      </p:cxnSp>
+      <p:sp>
+        <p:nvSpPr>
+          <p:cNvPr id="247" name="Rectangle 246"/>
+          <p:cNvSpPr/>
+          <p:nvPr/>
+        </p:nvSpPr>
+        <p:spPr>
+          <a:xfrm>
+            <a:off x="2675158" y="5396813"/>
+            <a:ext cx="1800000" cy="360000"/>
+          </a:xfrm>
+          <a:prstGeom prst="rect">
+            <a:avLst/>
+          </a:prstGeom>
+        </p:spPr>
+        <p:style>
+          <a:lnRef idx="2">
+            <a:schemeClr val="accent1">
+              <a:shade val="50000"/>
+            </a:schemeClr>
+          </a:lnRef>
+          <a:fillRef idx="1">
+            <a:schemeClr val="accent1"/>
+          </a:fillRef>
+          <a:effectRef idx="0">
+            <a:schemeClr val="accent1"/>
+          </a:effectRef>
+          <a:fontRef idx="minor">
+            <a:schemeClr val="lt1"/>
+          </a:fontRef>
+        </p:style>
+        <p:txBody>
+          <a:bodyPr rtlCol="0" anchor="ctr"/>
+          <a:lstStyle/>
+          <a:p>
+            <a:pPr algn="ctr"/>
+            <a:r>
+              <a:rPr lang="en-US" sz="1600" b="1" dirty="0" err="1"/>
+              <a:t>TestProperties</a:t>
+            </a:r>
+            <a:endParaRPr lang="en-SG" sz="1600" b="1" dirty="0"/>
+          </a:p>
+        </p:txBody>
+      </p:sp>
+      <p:sp>
+        <p:nvSpPr>
+          <p:cNvPr id="248" name="Rectangle 247"/>
+          <p:cNvSpPr/>
+          <p:nvPr/>
+        </p:nvSpPr>
+        <p:spPr>
+          <a:xfrm>
+            <a:off x="4700020" y="5396813"/>
+            <a:ext cx="1800000" cy="360000"/>
+          </a:xfrm>
+          <a:prstGeom prst="rect">
+            <a:avLst/>
+          </a:prstGeom>
+        </p:spPr>
+        <p:style>
+          <a:lnRef idx="2">
+            <a:schemeClr val="accent1">
+              <a:shade val="50000"/>
+            </a:schemeClr>
+          </a:lnRef>
+          <a:fillRef idx="1">
+            <a:schemeClr val="accent1"/>
+          </a:fillRef>
+          <a:effectRef idx="0">
+            <a:schemeClr val="accent1"/>
+          </a:effectRef>
+          <a:fontRef idx="minor">
+            <a:schemeClr val="lt1"/>
+          </a:fontRef>
+        </p:style>
+        <p:txBody>
+          <a:bodyPr rtlCol="0" anchor="ctr"/>
+          <a:lstStyle/>
+          <a:p>
+            <a:pPr algn="ctr"/>
+            <a:r>
+              <a:rPr lang="en-US" sz="1600" b="1" dirty="0" err="1"/>
+              <a:t>GaeSimulation</a:t>
+            </a:r>
+            <a:endParaRPr lang="en-SG" sz="1600" b="1" dirty="0"/>
+          </a:p>
+        </p:txBody>
+      </p:sp>
+      <p:sp>
+        <p:nvSpPr>
+          <p:cNvPr id="249" name="Rectangle 248"/>
+          <p:cNvSpPr/>
+          <p:nvPr/>
+        </p:nvSpPr>
+        <p:spPr>
+          <a:xfrm>
+            <a:off x="6724882" y="5401037"/>
+            <a:ext cx="1800000" cy="360000"/>
+          </a:xfrm>
+          <a:prstGeom prst="rect">
+            <a:avLst/>
+          </a:prstGeom>
+        </p:spPr>
+        <p:style>
+          <a:lnRef idx="2">
+            <a:schemeClr val="accent1">
+              <a:shade val="50000"/>
+            </a:schemeClr>
+          </a:lnRef>
+          <a:fillRef idx="1">
+            <a:schemeClr val="accent1"/>
+          </a:fillRef>
+          <a:effectRef idx="0">
+            <a:schemeClr val="accent1"/>
+          </a:effectRef>
+          <a:fontRef idx="minor">
+            <a:schemeClr val="lt1"/>
+          </a:fontRef>
+        </p:style>
+        <p:txBody>
+          <a:bodyPr rtlCol="0" anchor="ctr"/>
+          <a:lstStyle/>
+          <a:p>
+            <a:pPr algn="ctr"/>
+            <a:r>
+              <a:rPr lang="en-US" sz="1600" b="1" dirty="0" err="1"/>
+              <a:t>FileHelper</a:t>
+            </a:r>
+            <a:endParaRPr lang="en-SG" sz="1600" b="1" dirty="0"/>
+          </a:p>
+        </p:txBody>
+      </p:sp>
+      <p:cxnSp>
+        <p:nvCxnSpPr>
+          <p:cNvPr id="250" name="Straight Arrow Connector 249"/>
+          <p:cNvCxnSpPr>
+            <a:stCxn id="251" idx="0"/>
+            <a:endCxn id="249" idx="2"/>
+          </p:cNvCxnSpPr>
+          <p:nvPr/>
+        </p:nvCxnSpPr>
+        <p:spPr>
+          <a:xfrm flipV="1">
+            <a:off x="7624882" y="5761037"/>
+            <a:ext cx="0" cy="656563"/>
           </a:xfrm>
           <a:prstGeom prst="straightConnector1">
             <a:avLst/>
           </a:prstGeom>
           <a:ln w="38100">
             <a:solidFill>
-              <a:schemeClr val="accent3">
+              <a:schemeClr val="accent1">
                 <a:lumMod val="75000"/>
               </a:schemeClr>
             </a:solidFill>
@@ -6505,13 +5150,13 @@
       </p:cxnSp>
       <p:sp>
         <p:nvSpPr>
-          <p:cNvPr id="171" name="TextBox 170"/>
+          <p:cNvPr id="251" name="TextBox 250"/>
           <p:cNvSpPr txBox="1"/>
           <p:nvPr/>
         </p:nvSpPr>
         <p:spPr>
           <a:xfrm>
-            <a:off x="5142865" y="105475"/>
+            <a:off x="6764228" y="6417600"/>
             <a:ext cx="1721307" cy="288000"/>
           </a:xfrm>
           <a:prstGeom prst="rect">
@@ -6611,7 +5256,7 @@
           <a:p>
             <a:pPr algn="ctr"/>
             <a:r>
-              <a:rPr lang="en-US" dirty="0" smtClean="0">
+              <a:rPr lang="en-US" dirty="0">
                 <a:solidFill>
                   <a:schemeClr val="tx1"/>
                 </a:solidFill>
@@ -6626,58 +5271,292 @@
           </a:p>
         </p:txBody>
       </p:sp>
-      <p:cxnSp>
-        <p:nvCxnSpPr>
-          <p:cNvPr id="172" name="Straight Arrow Connector 171"/>
-          <p:cNvCxnSpPr>
-            <a:endCxn id="88" idx="3"/>
-          </p:cNvCxnSpPr>
+      <p:sp>
+        <p:nvSpPr>
+          <p:cNvPr id="252" name="Rectangle 251"/>
+          <p:cNvSpPr/>
           <p:nvPr/>
-        </p:nvCxnSpPr>
-        <p:spPr>
-          <a:xfrm flipH="1" flipV="1">
-            <a:off x="8874600" y="2161377"/>
-            <a:ext cx="612000" cy="0"/>
-          </a:xfrm>
-          <a:prstGeom prst="straightConnector1">
-            <a:avLst/>
-          </a:prstGeom>
-          <a:ln w="38100">
-            <a:solidFill>
-              <a:schemeClr val="accent3">
-                <a:lumMod val="75000"/>
-              </a:schemeClr>
-            </a:solidFill>
-            <a:prstDash val="sysDash"/>
-            <a:headEnd type="arrow" w="med" len="med"/>
-            <a:tailEnd type="none" w="med" len="med"/>
-          </a:ln>
+        </p:nvSpPr>
+        <p:spPr>
+          <a:xfrm>
+            <a:off x="636008" y="5396813"/>
+            <a:ext cx="1800000" cy="360000"/>
+          </a:xfrm>
+          <a:prstGeom prst="rect">
+            <a:avLst/>
+          </a:prstGeom>
         </p:spPr>
         <p:style>
-          <a:lnRef idx="1">
-            <a:schemeClr val="accent1"/>
+          <a:lnRef idx="2">
+            <a:schemeClr val="accent1">
+              <a:shade val="50000"/>
+            </a:schemeClr>
           </a:lnRef>
-          <a:fillRef idx="0">
+          <a:fillRef idx="1">
             <a:schemeClr val="accent1"/>
           </a:fillRef>
           <a:effectRef idx="0">
             <a:schemeClr val="accent1"/>
           </a:effectRef>
           <a:fontRef idx="minor">
-            <a:schemeClr val="tx1"/>
+            <a:schemeClr val="lt1"/>
           </a:fontRef>
         </p:style>
-      </p:cxnSp>
-      <p:sp>
-        <p:nvSpPr>
-          <p:cNvPr id="173" name="TextBox 172"/>
+        <p:txBody>
+          <a:bodyPr rtlCol="0" anchor="ctr"/>
+          <a:lstStyle/>
+          <a:p>
+            <a:pPr algn="ctr"/>
+            <a:r>
+              <a:rPr lang="en-US" sz="1600" b="1" dirty="0"/>
+              <a:t>Mock*</a:t>
+            </a:r>
+            <a:endParaRPr lang="en-SG" sz="1600" b="1" dirty="0"/>
+          </a:p>
+        </p:txBody>
+      </p:sp>
+      <p:sp>
+        <p:nvSpPr>
+          <p:cNvPr id="253" name="Isosceles Triangle 252"/>
+          <p:cNvSpPr/>
+          <p:nvPr/>
+        </p:nvSpPr>
+        <p:spPr>
+          <a:xfrm>
+            <a:off x="7592188" y="3176457"/>
+            <a:ext cx="216000" cy="216000"/>
+          </a:xfrm>
+          <a:prstGeom prst="triangle">
+            <a:avLst/>
+          </a:prstGeom>
+        </p:spPr>
+        <p:style>
+          <a:lnRef idx="2">
+            <a:schemeClr val="accent2">
+              <a:shade val="50000"/>
+            </a:schemeClr>
+          </a:lnRef>
+          <a:fillRef idx="1">
+            <a:schemeClr val="accent2"/>
+          </a:fillRef>
+          <a:effectRef idx="0">
+            <a:schemeClr val="accent2"/>
+          </a:effectRef>
+          <a:fontRef idx="minor">
+            <a:schemeClr val="lt1"/>
+          </a:fontRef>
+        </p:style>
+        <p:txBody>
+          <a:bodyPr rtlCol="0" anchor="ctr"/>
+          <a:lstStyle/>
+          <a:p>
+            <a:pPr algn="ctr"/>
+            <a:endParaRPr lang="en-SG" sz="1600" b="1"/>
+          </a:p>
+        </p:txBody>
+      </p:sp>
+      <p:grpSp>
+        <p:nvGrpSpPr>
+          <p:cNvPr id="254" name="Group 253"/>
+          <p:cNvGrpSpPr/>
+          <p:nvPr/>
+        </p:nvGrpSpPr>
+        <p:grpSpPr>
+          <a:xfrm>
+            <a:off x="3353154" y="1297875"/>
+            <a:ext cx="5244591" cy="906770"/>
+            <a:chOff x="3190875" y="998810"/>
+            <a:chExt cx="2362200" cy="1224050"/>
+          </a:xfrm>
+          <a:solidFill>
+            <a:schemeClr val="bg1">
+              <a:lumMod val="75000"/>
+            </a:schemeClr>
+          </a:solidFill>
+        </p:grpSpPr>
+        <p:sp>
+          <p:nvSpPr>
+            <p:cNvPr id="255" name="Rectangle 35"/>
+            <p:cNvSpPr/>
+            <p:nvPr/>
+          </p:nvSpPr>
+          <p:spPr>
+            <a:xfrm>
+              <a:off x="3190875" y="998810"/>
+              <a:ext cx="2362200" cy="1224050"/>
+            </a:xfrm>
+            <a:custGeom>
+              <a:avLst/>
+              <a:gdLst/>
+              <a:ahLst/>
+              <a:cxnLst/>
+              <a:rect l="l" t="t" r="r" b="b"/>
+              <a:pathLst>
+                <a:path w="2362200" h="1101295">
+                  <a:moveTo>
+                    <a:pt x="1524000" y="0"/>
+                  </a:moveTo>
+                  <a:lnTo>
+                    <a:pt x="2361824" y="0"/>
+                  </a:lnTo>
+                  <a:lnTo>
+                    <a:pt x="2361824" y="129015"/>
+                  </a:lnTo>
+                  <a:lnTo>
+                    <a:pt x="2362200" y="129015"/>
+                  </a:lnTo>
+                  <a:lnTo>
+                    <a:pt x="2362200" y="1101295"/>
+                  </a:lnTo>
+                  <a:lnTo>
+                    <a:pt x="0" y="1101295"/>
+                  </a:lnTo>
+                  <a:lnTo>
+                    <a:pt x="0" y="129015"/>
+                  </a:lnTo>
+                  <a:lnTo>
+                    <a:pt x="1524000" y="129015"/>
+                  </a:lnTo>
+                  <a:close/>
+                </a:path>
+              </a:pathLst>
+            </a:custGeom>
+            <a:grpFill/>
+            <a:ln>
+              <a:noFill/>
+            </a:ln>
+          </p:spPr>
+          <p:style>
+            <a:lnRef idx="2">
+              <a:schemeClr val="accent1">
+                <a:shade val="50000"/>
+              </a:schemeClr>
+            </a:lnRef>
+            <a:fillRef idx="1">
+              <a:schemeClr val="accent1"/>
+            </a:fillRef>
+            <a:effectRef idx="0">
+              <a:schemeClr val="accent1"/>
+            </a:effectRef>
+            <a:fontRef idx="minor">
+              <a:schemeClr val="lt1"/>
+            </a:fontRef>
+          </p:style>
+          <p:txBody>
+            <a:bodyPr tIns="72000" rtlCol="0" anchor="t" anchorCtr="0"/>
+            <a:lstStyle/>
+            <a:p>
+              <a:pPr>
+                <a:lnSpc>
+                  <a:spcPct val="150000"/>
+                </a:lnSpc>
+                <a:spcBef>
+                  <a:spcPts val="600"/>
+                </a:spcBef>
+              </a:pPr>
+              <a:r>
+                <a:rPr lang="en-US" sz="1400" b="1" dirty="0"/>
+                <a:t>*.</a:t>
+              </a:r>
+              <a:r>
+                <a:rPr lang="en-US" sz="1400" b="1" dirty="0" err="1"/>
+                <a:t>spec.ts</a:t>
+              </a:r>
+              <a:endParaRPr lang="en-SG" sz="1400" b="1" dirty="0"/>
+            </a:p>
+          </p:txBody>
+        </p:sp>
+        <p:cxnSp>
+          <p:nvCxnSpPr>
+            <p:cNvPr id="256" name="Straight Connector 255"/>
+            <p:cNvCxnSpPr/>
+            <p:nvPr/>
+          </p:nvCxnSpPr>
+          <p:spPr>
+            <a:xfrm>
+              <a:off x="4714875" y="1123350"/>
+              <a:ext cx="838200" cy="0"/>
+            </a:xfrm>
+            <a:prstGeom prst="line">
+              <a:avLst/>
+            </a:prstGeom>
+            <a:grpFill/>
+            <a:ln w="19050">
+              <a:solidFill>
+                <a:schemeClr val="bg1"/>
+              </a:solidFill>
+            </a:ln>
+          </p:spPr>
+          <p:style>
+            <a:lnRef idx="1">
+              <a:schemeClr val="accent1"/>
+            </a:lnRef>
+            <a:fillRef idx="0">
+              <a:schemeClr val="accent1"/>
+            </a:fillRef>
+            <a:effectRef idx="0">
+              <a:schemeClr val="accent1"/>
+            </a:effectRef>
+            <a:fontRef idx="minor">
+              <a:schemeClr val="tx1"/>
+            </a:fontRef>
+          </p:style>
+        </p:cxnSp>
+      </p:grpSp>
+      <p:sp>
+        <p:nvSpPr>
+          <p:cNvPr id="257" name="Rectangle 256"/>
+          <p:cNvSpPr/>
+          <p:nvPr/>
+        </p:nvSpPr>
+        <p:spPr>
+          <a:xfrm>
+            <a:off x="3470654" y="1751260"/>
+            <a:ext cx="5014881" cy="360000"/>
+          </a:xfrm>
+          <a:prstGeom prst="rect">
+            <a:avLst/>
+          </a:prstGeom>
+        </p:spPr>
+        <p:style>
+          <a:lnRef idx="2">
+            <a:schemeClr val="accent4">
+              <a:shade val="50000"/>
+            </a:schemeClr>
+          </a:lnRef>
+          <a:fillRef idx="1">
+            <a:schemeClr val="accent4"/>
+          </a:fillRef>
+          <a:effectRef idx="0">
+            <a:schemeClr val="accent4"/>
+          </a:effectRef>
+          <a:fontRef idx="minor">
+            <a:schemeClr val="lt1"/>
+          </a:fontRef>
+        </p:style>
+        <p:txBody>
+          <a:bodyPr rtlCol="0" anchor="ctr"/>
+          <a:lstStyle/>
+          <a:p>
+            <a:pPr algn="ctr"/>
+            <a:r>
+              <a:rPr lang="en-US" sz="1600" b="1" dirty="0"/>
+              <a:t>Front-end unit tests</a:t>
+            </a:r>
+            <a:endParaRPr lang="en-SG" sz="1600" b="1" dirty="0"/>
+          </a:p>
+        </p:txBody>
+      </p:sp>
+      <p:sp>
+        <p:nvSpPr>
+          <p:cNvPr id="259" name="TextBox 258"/>
           <p:cNvSpPr txBox="1"/>
           <p:nvPr/>
         </p:nvSpPr>
         <p:spPr>
           <a:xfrm>
-            <a:off x="9355343" y="2007488"/>
-            <a:ext cx="1319257" cy="307777"/>
+            <a:off x="2455588" y="75375"/>
+            <a:ext cx="897566" cy="360000"/>
           </a:xfrm>
           <a:prstGeom prst="rect">
             <a:avLst/>
@@ -6776,20 +5655,12 @@
           <a:p>
             <a:pPr algn="ctr"/>
             <a:r>
-              <a:rPr lang="en-US" dirty="0" smtClean="0">
+              <a:rPr lang="en-US" dirty="0">
                 <a:solidFill>
                   <a:schemeClr val="tx1"/>
                 </a:solidFill>
               </a:rPr>
-              <a:t>Email </a:t>
-            </a:r>
-            <a:r>
-              <a:rPr lang="en-US" dirty="0" smtClean="0">
-                <a:solidFill>
-                  <a:schemeClr val="tx1"/>
-                </a:solidFill>
-              </a:rPr>
-              <a:t>server</a:t>
+              <a:t>Karma</a:t>
             </a:r>
             <a:endParaRPr lang="en-SG" dirty="0">
               <a:solidFill>
@@ -6801,338 +5672,19 @@
       </p:sp>
       <p:cxnSp>
         <p:nvCxnSpPr>
-          <p:cNvPr id="175" name="Straight Connector 174"/>
+          <p:cNvPr id="260" name="Elbow Connector 259"/>
           <p:cNvCxnSpPr>
-            <a:stCxn id="69" idx="3"/>
-            <a:endCxn id="79" idx="0"/>
+            <a:stCxn id="259" idx="2"/>
+            <a:endCxn id="257" idx="1"/>
           </p:cNvCxnSpPr>
           <p:nvPr/>
         </p:nvCxnSpPr>
         <p:spPr>
-          <a:xfrm>
-            <a:off x="3559836" y="2037926"/>
-            <a:ext cx="0" cy="317410"/>
-          </a:xfrm>
-          <a:prstGeom prst="line">
-            <a:avLst/>
-          </a:prstGeom>
-        </p:spPr>
-        <p:style>
-          <a:lnRef idx="2">
-            <a:schemeClr val="accent5">
-              <a:shade val="50000"/>
-            </a:schemeClr>
-          </a:lnRef>
-          <a:fillRef idx="1">
-            <a:schemeClr val="accent5"/>
-          </a:fillRef>
-          <a:effectRef idx="0">
-            <a:schemeClr val="accent5"/>
-          </a:effectRef>
-          <a:fontRef idx="minor">
-            <a:schemeClr val="lt1"/>
-          </a:fontRef>
-        </p:style>
-      </p:cxnSp>
-      <p:sp>
-        <p:nvSpPr>
-          <p:cNvPr id="176" name="TextBox 175"/>
-          <p:cNvSpPr txBox="1"/>
-          <p:nvPr/>
-        </p:nvSpPr>
-        <p:spPr>
-          <a:xfrm>
-            <a:off x="9346760" y="3762635"/>
-            <a:ext cx="1319257" cy="307777"/>
-          </a:xfrm>
-          <a:prstGeom prst="rect">
-            <a:avLst/>
-          </a:prstGeom>
-          <a:grpFill/>
-          <a:ln>
-            <a:noFill/>
-          </a:ln>
-        </p:spPr>
-        <p:style>
-          <a:lnRef idx="2">
-            <a:schemeClr val="accent1">
-              <a:shade val="50000"/>
-            </a:schemeClr>
-          </a:lnRef>
-          <a:fillRef idx="1">
-            <a:schemeClr val="accent1"/>
-          </a:fillRef>
-          <a:effectRef idx="0">
-            <a:schemeClr val="accent1"/>
-          </a:effectRef>
-          <a:fontRef idx="minor">
-            <a:schemeClr val="lt1"/>
-          </a:fontRef>
-        </p:style>
-        <p:txBody>
-          <a:bodyPr rtlCol="0" anchor="t" anchorCtr="0"/>
-          <a:lstStyle>
-            <a:defPPr>
-              <a:defRPr lang="en-US"/>
-            </a:defPPr>
-            <a:lvl1pPr>
-              <a:defRPr sz="1400" b="1">
-                <a:solidFill>
-                  <a:srgbClr val="7030A0"/>
-                </a:solidFill>
-              </a:defRPr>
-            </a:lvl1pPr>
-            <a:lvl2pPr>
-              <a:defRPr>
-                <a:solidFill>
-                  <a:schemeClr val="lt1"/>
-                </a:solidFill>
-              </a:defRPr>
-            </a:lvl2pPr>
-            <a:lvl3pPr>
-              <a:defRPr>
-                <a:solidFill>
-                  <a:schemeClr val="lt1"/>
-                </a:solidFill>
-              </a:defRPr>
-            </a:lvl3pPr>
-            <a:lvl4pPr>
-              <a:defRPr>
-                <a:solidFill>
-                  <a:schemeClr val="lt1"/>
-                </a:solidFill>
-              </a:defRPr>
-            </a:lvl4pPr>
-            <a:lvl5pPr>
-              <a:defRPr>
-                <a:solidFill>
-                  <a:schemeClr val="lt1"/>
-                </a:solidFill>
-              </a:defRPr>
-            </a:lvl5pPr>
-            <a:lvl6pPr>
-              <a:defRPr>
-                <a:solidFill>
-                  <a:schemeClr val="lt1"/>
-                </a:solidFill>
-              </a:defRPr>
-            </a:lvl6pPr>
-            <a:lvl7pPr>
-              <a:defRPr>
-                <a:solidFill>
-                  <a:schemeClr val="lt1"/>
-                </a:solidFill>
-              </a:defRPr>
-            </a:lvl7pPr>
-            <a:lvl8pPr>
-              <a:defRPr>
-                <a:solidFill>
-                  <a:schemeClr val="lt1"/>
-                </a:solidFill>
-              </a:defRPr>
-            </a:lvl8pPr>
-            <a:lvl9pPr>
-              <a:defRPr>
-                <a:solidFill>
-                  <a:schemeClr val="lt1"/>
-                </a:solidFill>
-              </a:defRPr>
-            </a:lvl9pPr>
-          </a:lstStyle>
-          <a:p>
-            <a:pPr algn="ctr"/>
-            <a:r>
-              <a:rPr lang="en-US" dirty="0" err="1" smtClean="0">
-                <a:solidFill>
-                  <a:schemeClr val="tx1"/>
-                </a:solidFill>
-              </a:rPr>
-              <a:t>BackDoorLogic</a:t>
-            </a:r>
-            <a:endParaRPr lang="en-SG" dirty="0">
-              <a:solidFill>
-                <a:schemeClr val="tx1"/>
-              </a:solidFill>
-            </a:endParaRPr>
-          </a:p>
-        </p:txBody>
-      </p:sp>
-      <p:cxnSp>
-        <p:nvCxnSpPr>
-          <p:cNvPr id="177" name="Elbow Connector 176"/>
-          <p:cNvCxnSpPr>
-            <a:stCxn id="110" idx="0"/>
-            <a:endCxn id="176" idx="2"/>
-          </p:cNvCxnSpPr>
-          <p:nvPr/>
-        </p:nvCxnSpPr>
-        <p:spPr>
-          <a:xfrm rot="5400000" flipH="1" flipV="1">
-            <a:off x="6668029" y="1522058"/>
-            <a:ext cx="790006" cy="5886714"/>
-          </a:xfrm>
-          <a:prstGeom prst="bentConnector3">
-            <a:avLst>
-              <a:gd name="adj1" fmla="val 50000"/>
-            </a:avLst>
-          </a:prstGeom>
-          <a:ln w="38100">
-            <a:solidFill>
-              <a:schemeClr val="accent2">
-                <a:lumMod val="75000"/>
-              </a:schemeClr>
-            </a:solidFill>
-            <a:prstDash val="sysDash"/>
-            <a:tailEnd type="arrow"/>
-          </a:ln>
-        </p:spPr>
-        <p:style>
-          <a:lnRef idx="1">
-            <a:schemeClr val="accent1"/>
-          </a:lnRef>
-          <a:fillRef idx="0">
-            <a:schemeClr val="accent1"/>
-          </a:fillRef>
-          <a:effectRef idx="0">
-            <a:schemeClr val="accent1"/>
-          </a:effectRef>
-          <a:fontRef idx="minor">
-            <a:schemeClr val="tx1"/>
-          </a:fontRef>
-        </p:style>
-      </p:cxnSp>
-      <p:sp>
-        <p:nvSpPr>
-          <p:cNvPr id="186" name="Folded Corner 185"/>
-          <p:cNvSpPr/>
-          <p:nvPr/>
-        </p:nvSpPr>
-        <p:spPr>
-          <a:xfrm>
-            <a:off x="8564687" y="138929"/>
-            <a:ext cx="1800000" cy="360000"/>
-          </a:xfrm>
-          <a:prstGeom prst="foldedCorner">
-            <a:avLst/>
-          </a:prstGeom>
-          <a:solidFill>
-            <a:schemeClr val="bg1"/>
-          </a:solidFill>
-          <a:ln>
-            <a:solidFill>
-              <a:schemeClr val="tx1"/>
-            </a:solidFill>
-          </a:ln>
-        </p:spPr>
-        <p:style>
-          <a:lnRef idx="2">
-            <a:schemeClr val="accent1">
-              <a:shade val="50000"/>
-            </a:schemeClr>
-          </a:lnRef>
-          <a:fillRef idx="1">
-            <a:schemeClr val="accent1"/>
-          </a:fillRef>
-          <a:effectRef idx="0">
-            <a:schemeClr val="accent1"/>
-          </a:effectRef>
-          <a:fontRef idx="minor">
-            <a:schemeClr val="lt1"/>
-          </a:fontRef>
-        </p:style>
-        <p:txBody>
-          <a:bodyPr rtlCol="0" anchor="ctr"/>
-          <a:lstStyle/>
-          <a:p>
-            <a:pPr algn="ctr"/>
-            <a:r>
-              <a:rPr lang="en-US" sz="1600" b="1" dirty="0" err="1" smtClean="0">
-                <a:solidFill>
-                  <a:schemeClr val="tx1"/>
-                </a:solidFill>
-              </a:rPr>
-              <a:t>test.properties</a:t>
-            </a:r>
-            <a:endParaRPr lang="en-SG" sz="1600" b="1" dirty="0">
-              <a:solidFill>
-                <a:schemeClr val="tx1"/>
-              </a:solidFill>
-            </a:endParaRPr>
-          </a:p>
-        </p:txBody>
-      </p:sp>
-      <p:sp>
-        <p:nvSpPr>
-          <p:cNvPr id="188" name="Folded Corner 187"/>
-          <p:cNvSpPr/>
-          <p:nvPr/>
-        </p:nvSpPr>
-        <p:spPr>
-          <a:xfrm>
-            <a:off x="9254284" y="450600"/>
-            <a:ext cx="1440000" cy="540000"/>
-          </a:xfrm>
-          <a:prstGeom prst="foldedCorner">
-            <a:avLst/>
-          </a:prstGeom>
-          <a:solidFill>
-            <a:schemeClr val="bg1"/>
-          </a:solidFill>
-          <a:ln>
-            <a:solidFill>
-              <a:schemeClr val="tx1"/>
-            </a:solidFill>
-          </a:ln>
-        </p:spPr>
-        <p:style>
-          <a:lnRef idx="2">
-            <a:schemeClr val="accent1">
-              <a:shade val="50000"/>
-            </a:schemeClr>
-          </a:lnRef>
-          <a:fillRef idx="1">
-            <a:schemeClr val="accent1"/>
-          </a:fillRef>
-          <a:effectRef idx="0">
-            <a:schemeClr val="accent1"/>
-          </a:effectRef>
-          <a:fontRef idx="minor">
-            <a:schemeClr val="lt1"/>
-          </a:fontRef>
-        </p:style>
-        <p:txBody>
-          <a:bodyPr rtlCol="0" anchor="ctr"/>
-          <a:lstStyle/>
-          <a:p>
-            <a:pPr algn="ctr"/>
-            <a:r>
-              <a:rPr lang="en-US" sz="1600" b="1" dirty="0" smtClean="0">
-                <a:solidFill>
-                  <a:schemeClr val="tx1"/>
-                </a:solidFill>
-              </a:rPr>
-              <a:t>appengine-web.xml</a:t>
-            </a:r>
-            <a:endParaRPr lang="en-SG" sz="1600" b="1" dirty="0">
-              <a:solidFill>
-                <a:schemeClr val="tx1"/>
-              </a:solidFill>
-            </a:endParaRPr>
-          </a:p>
-        </p:txBody>
-      </p:sp>
-      <p:cxnSp>
-        <p:nvCxnSpPr>
-          <p:cNvPr id="189" name="Straight Arrow Connector 188"/>
-          <p:cNvCxnSpPr/>
-          <p:nvPr/>
-        </p:nvCxnSpPr>
-        <p:spPr>
-          <a:xfrm flipV="1">
-            <a:off x="9024075" y="4973969"/>
-            <a:ext cx="720000" cy="0"/>
-          </a:xfrm>
-          <a:prstGeom prst="straightConnector1">
+          <a:xfrm rot="16200000" flipH="1">
+            <a:off x="2439570" y="900175"/>
+            <a:ext cx="1495885" cy="566283"/>
+          </a:xfrm>
+          <a:prstGeom prst="bentConnector2">
             <a:avLst/>
           </a:prstGeom>
           <a:ln w="38100">
@@ -7140,214 +5692,6 @@
               <a:schemeClr val="tx1"/>
             </a:solidFill>
             <a:prstDash val="sysDash"/>
-            <a:headEnd type="arrow" w="med" len="med"/>
-            <a:tailEnd type="none" w="med" len="med"/>
-          </a:ln>
-        </p:spPr>
-        <p:style>
-          <a:lnRef idx="1">
-            <a:schemeClr val="accent1"/>
-          </a:lnRef>
-          <a:fillRef idx="0">
-            <a:schemeClr val="accent1"/>
-          </a:fillRef>
-          <a:effectRef idx="0">
-            <a:schemeClr val="accent1"/>
-          </a:effectRef>
-          <a:fontRef idx="minor">
-            <a:schemeClr val="tx1"/>
-          </a:fontRef>
-        </p:style>
-      </p:cxnSp>
-      <p:cxnSp>
-        <p:nvCxnSpPr>
-          <p:cNvPr id="190" name="Elbow Connector 189"/>
-          <p:cNvCxnSpPr>
-            <a:stCxn id="94" idx="0"/>
-            <a:endCxn id="186" idx="1"/>
-          </p:cNvCxnSpPr>
-          <p:nvPr/>
-        </p:nvCxnSpPr>
-        <p:spPr>
-          <a:xfrm rot="5400000" flipH="1" flipV="1">
-            <a:off x="7677755" y="616423"/>
-            <a:ext cx="1184426" cy="589438"/>
-          </a:xfrm>
-          <a:prstGeom prst="bentConnector2">
-            <a:avLst/>
-          </a:prstGeom>
-          <a:ln w="38100">
-            <a:solidFill>
-              <a:schemeClr val="accent3">
-                <a:lumMod val="75000"/>
-              </a:schemeClr>
-            </a:solidFill>
-            <a:prstDash val="sysDash"/>
-            <a:tailEnd type="arrow"/>
-          </a:ln>
-        </p:spPr>
-        <p:style>
-          <a:lnRef idx="1">
-            <a:schemeClr val="accent1"/>
-          </a:lnRef>
-          <a:fillRef idx="0">
-            <a:schemeClr val="accent1"/>
-          </a:fillRef>
-          <a:effectRef idx="0">
-            <a:schemeClr val="accent1"/>
-          </a:effectRef>
-          <a:fontRef idx="minor">
-            <a:schemeClr val="tx1"/>
-          </a:fontRef>
-        </p:style>
-      </p:cxnSp>
-      <p:sp>
-        <p:nvSpPr>
-          <p:cNvPr id="192" name="TextBox 191"/>
-          <p:cNvSpPr txBox="1"/>
-          <p:nvPr/>
-        </p:nvSpPr>
-        <p:spPr>
-          <a:xfrm>
-            <a:off x="9591675" y="4793969"/>
-            <a:ext cx="1076815" cy="360000"/>
-          </a:xfrm>
-          <a:prstGeom prst="rect">
-            <a:avLst/>
-          </a:prstGeom>
-          <a:grpFill/>
-          <a:ln>
-            <a:noFill/>
-          </a:ln>
-        </p:spPr>
-        <p:style>
-          <a:lnRef idx="2">
-            <a:schemeClr val="accent1">
-              <a:shade val="50000"/>
-            </a:schemeClr>
-          </a:lnRef>
-          <a:fillRef idx="1">
-            <a:schemeClr val="accent1"/>
-          </a:fillRef>
-          <a:effectRef idx="0">
-            <a:schemeClr val="accent1"/>
-          </a:effectRef>
-          <a:fontRef idx="minor">
-            <a:schemeClr val="lt1"/>
-          </a:fontRef>
-        </p:style>
-        <p:txBody>
-          <a:bodyPr rtlCol="0" anchor="t" anchorCtr="0"/>
-          <a:lstStyle>
-            <a:defPPr>
-              <a:defRPr lang="en-US"/>
-            </a:defPPr>
-            <a:lvl1pPr>
-              <a:defRPr sz="1400" b="1">
-                <a:solidFill>
-                  <a:srgbClr val="7030A0"/>
-                </a:solidFill>
-              </a:defRPr>
-            </a:lvl1pPr>
-            <a:lvl2pPr>
-              <a:defRPr>
-                <a:solidFill>
-                  <a:schemeClr val="lt1"/>
-                </a:solidFill>
-              </a:defRPr>
-            </a:lvl2pPr>
-            <a:lvl3pPr>
-              <a:defRPr>
-                <a:solidFill>
-                  <a:schemeClr val="lt1"/>
-                </a:solidFill>
-              </a:defRPr>
-            </a:lvl3pPr>
-            <a:lvl4pPr>
-              <a:defRPr>
-                <a:solidFill>
-                  <a:schemeClr val="lt1"/>
-                </a:solidFill>
-              </a:defRPr>
-            </a:lvl4pPr>
-            <a:lvl5pPr>
-              <a:defRPr>
-                <a:solidFill>
-                  <a:schemeClr val="lt1"/>
-                </a:solidFill>
-              </a:defRPr>
-            </a:lvl5pPr>
-            <a:lvl6pPr>
-              <a:defRPr>
-                <a:solidFill>
-                  <a:schemeClr val="lt1"/>
-                </a:solidFill>
-              </a:defRPr>
-            </a:lvl6pPr>
-            <a:lvl7pPr>
-              <a:defRPr>
-                <a:solidFill>
-                  <a:schemeClr val="lt1"/>
-                </a:solidFill>
-              </a:defRPr>
-            </a:lvl7pPr>
-            <a:lvl8pPr>
-              <a:defRPr>
-                <a:solidFill>
-                  <a:schemeClr val="lt1"/>
-                </a:solidFill>
-              </a:defRPr>
-            </a:lvl8pPr>
-            <a:lvl9pPr>
-              <a:defRPr>
-                <a:solidFill>
-                  <a:schemeClr val="lt1"/>
-                </a:solidFill>
-              </a:defRPr>
-            </a:lvl9pPr>
-          </a:lstStyle>
-          <a:p>
-            <a:pPr algn="ctr"/>
-            <a:r>
-              <a:rPr lang="en-US" dirty="0" err="1" smtClean="0">
-                <a:solidFill>
-                  <a:schemeClr val="tx1"/>
-                </a:solidFill>
-              </a:rPr>
-              <a:t>TestNG</a:t>
-            </a:r>
-            <a:endParaRPr lang="en-SG" dirty="0">
-              <a:solidFill>
-                <a:schemeClr val="tx1"/>
-              </a:solidFill>
-            </a:endParaRPr>
-          </a:p>
-        </p:txBody>
-      </p:sp>
-      <p:cxnSp>
-        <p:nvCxnSpPr>
-          <p:cNvPr id="193" name="Elbow Connector 192"/>
-          <p:cNvCxnSpPr>
-            <a:stCxn id="122" idx="1"/>
-            <a:endCxn id="81" idx="2"/>
-          </p:cNvCxnSpPr>
-          <p:nvPr/>
-        </p:nvCxnSpPr>
-        <p:spPr>
-          <a:xfrm rot="10800000">
-            <a:off x="3679916" y="2819400"/>
-            <a:ext cx="1764372" cy="1279916"/>
-          </a:xfrm>
-          <a:prstGeom prst="bentConnector2">
-            <a:avLst/>
-          </a:prstGeom>
-          <a:ln>
-            <a:solidFill>
-              <a:schemeClr val="accent5">
-                <a:lumMod val="75000"/>
-              </a:schemeClr>
-            </a:solidFill>
-            <a:prstDash val="sysDot"/>
             <a:headEnd type="none" w="med" len="med"/>
             <a:tailEnd type="arrow" w="med" len="med"/>
           </a:ln>

--- a/docs/images/TestDriverComponent.pptx
+++ b/docs/images/TestDriverComponent.pptx
@@ -10,7 +10,7 @@
   <p:sldIdLst>
     <p:sldId id="256" r:id="rId2"/>
   </p:sldIdLst>
-  <p:sldSz cx="9539288" cy="6858000"/>
+  <p:sldSz cx="10801350" cy="6858000"/>
   <p:notesSz cx="6858000" cy="9144000"/>
   <p:defaultTextStyle>
     <a:defPPr>
@@ -110,12 +110,12 @@
   <p:extLst>
     <p:ext uri="{EFAFB233-063F-42B5-8137-9DF3F51BA10A}">
       <p15:sldGuideLst xmlns:p15="http://schemas.microsoft.com/office/powerpoint/2012/main">
-        <p15:guide id="1" orient="horz" pos="2160" userDrawn="1">
+        <p15:guide id="1" orient="horz" pos="2160">
           <p15:clr>
             <a:srgbClr val="A4A3A4"/>
           </p15:clr>
         </p15:guide>
-        <p15:guide id="2" pos="3005" userDrawn="1">
+        <p15:guide id="2" pos="3402">
           <p15:clr>
             <a:srgbClr val="A4A3A4"/>
           </p15:clr>
@@ -209,7 +209,7 @@
             <a:fld id="{AF301891-4E62-472A-98E9-95DBD40531A4}" type="datetimeFigureOut">
               <a:rPr lang="en-SG" smtClean="0"/>
               <a:pPr/>
-              <a:t>28/9/2018</a:t>
+              <a:t>30/1/2017</a:t>
             </a:fld>
             <a:endParaRPr lang="en-SG"/>
           </a:p>
@@ -227,8 +227,8 @@
         </p:nvSpPr>
         <p:spPr>
           <a:xfrm>
-            <a:off x="1044575" y="685800"/>
-            <a:ext cx="4768850" cy="3429000"/>
+            <a:off x="728663" y="685800"/>
+            <a:ext cx="5400675" cy="3429000"/>
           </a:xfrm>
           <a:prstGeom prst="rect">
             <a:avLst/>
@@ -507,8 +507,8 @@
         </p:nvSpPr>
         <p:spPr>
           <a:xfrm>
-            <a:off x="1044575" y="685800"/>
-            <a:ext cx="4768850" cy="3429000"/>
+            <a:off x="728663" y="685800"/>
+            <a:ext cx="5400675" cy="3429000"/>
           </a:xfrm>
         </p:spPr>
       </p:sp>
@@ -597,8 +597,8 @@
         </p:nvSpPr>
         <p:spPr>
           <a:xfrm>
-            <a:off x="715447" y="2130433"/>
-            <a:ext cx="8108395" cy="1470025"/>
+            <a:off x="810101" y="2130426"/>
+            <a:ext cx="9181148" cy="1470025"/>
           </a:xfrm>
           <a:prstGeom prst="rect">
             <a:avLst/>
@@ -628,8 +628,8 @@
         </p:nvSpPr>
         <p:spPr>
           <a:xfrm>
-            <a:off x="1430895" y="3886201"/>
-            <a:ext cx="6677502" cy="1752600"/>
+            <a:off x="1620203" y="3886200"/>
+            <a:ext cx="7560945" cy="1752600"/>
           </a:xfrm>
           <a:prstGeom prst="rect">
             <a:avLst/>
@@ -648,7 +648,7 @@
                 </a:solidFill>
               </a:defRPr>
             </a:lvl1pPr>
-            <a:lvl2pPr marL="457224" indent="0" algn="ctr">
+            <a:lvl2pPr marL="457200" indent="0" algn="ctr">
               <a:buNone/>
               <a:defRPr>
                 <a:solidFill>
@@ -658,7 +658,7 @@
                 </a:solidFill>
               </a:defRPr>
             </a:lvl2pPr>
-            <a:lvl3pPr marL="914450" indent="0" algn="ctr">
+            <a:lvl3pPr marL="914400" indent="0" algn="ctr">
               <a:buNone/>
               <a:defRPr>
                 <a:solidFill>
@@ -668,7 +668,7 @@
                 </a:solidFill>
               </a:defRPr>
             </a:lvl3pPr>
-            <a:lvl4pPr marL="1371673" indent="0" algn="ctr">
+            <a:lvl4pPr marL="1371600" indent="0" algn="ctr">
               <a:buNone/>
               <a:defRPr>
                 <a:solidFill>
@@ -678,7 +678,7 @@
                 </a:solidFill>
               </a:defRPr>
             </a:lvl4pPr>
-            <a:lvl5pPr marL="1828898" indent="0" algn="ctr">
+            <a:lvl5pPr marL="1828800" indent="0" algn="ctr">
               <a:buNone/>
               <a:defRPr>
                 <a:solidFill>
@@ -688,7 +688,7 @@
                 </a:solidFill>
               </a:defRPr>
             </a:lvl5pPr>
-            <a:lvl6pPr marL="2286123" indent="0" algn="ctr">
+            <a:lvl6pPr marL="2286000" indent="0" algn="ctr">
               <a:buNone/>
               <a:defRPr>
                 <a:solidFill>
@@ -698,7 +698,7 @@
                 </a:solidFill>
               </a:defRPr>
             </a:lvl6pPr>
-            <a:lvl7pPr marL="2743346" indent="0" algn="ctr">
+            <a:lvl7pPr marL="2743200" indent="0" algn="ctr">
               <a:buNone/>
               <a:defRPr>
                 <a:solidFill>
@@ -708,7 +708,7 @@
                 </a:solidFill>
               </a:defRPr>
             </a:lvl7pPr>
-            <a:lvl8pPr marL="3200571" indent="0" algn="ctr">
+            <a:lvl8pPr marL="3200400" indent="0" algn="ctr">
               <a:buNone/>
               <a:defRPr>
                 <a:solidFill>
@@ -718,7 +718,7 @@
                 </a:solidFill>
               </a:defRPr>
             </a:lvl8pPr>
-            <a:lvl9pPr marL="3657795" indent="0" algn="ctr">
+            <a:lvl9pPr marL="3657600" indent="0" algn="ctr">
               <a:buNone/>
               <a:defRPr>
                 <a:solidFill>
@@ -750,8 +750,8 @@
         </p:nvSpPr>
         <p:spPr>
           <a:xfrm>
-            <a:off x="476970" y="6356361"/>
-            <a:ext cx="2225835" cy="365125"/>
+            <a:off x="540067" y="6356351"/>
+            <a:ext cx="2520315" cy="365125"/>
           </a:xfrm>
           <a:prstGeom prst="rect">
             <a:avLst/>
@@ -764,7 +764,7 @@
             <a:fld id="{1D8BD707-D9CF-40AE-B4C6-C98DA3205C09}" type="datetimeFigureOut">
               <a:rPr lang="en-US" smtClean="0"/>
               <a:pPr/>
-              <a:t>9/28/2018</a:t>
+              <a:t>1/30/2017</a:t>
             </a:fld>
             <a:endParaRPr lang="en-US"/>
           </a:p>
@@ -782,8 +782,8 @@
         </p:nvSpPr>
         <p:spPr>
           <a:xfrm>
-            <a:off x="3259257" y="6356361"/>
-            <a:ext cx="3020775" cy="365125"/>
+            <a:off x="3690461" y="6356351"/>
+            <a:ext cx="3420428" cy="365125"/>
           </a:xfrm>
           <a:prstGeom prst="rect">
             <a:avLst/>
@@ -809,8 +809,8 @@
         </p:nvSpPr>
         <p:spPr>
           <a:xfrm>
-            <a:off x="6836496" y="6356361"/>
-            <a:ext cx="2225835" cy="365125"/>
+            <a:off x="7740968" y="6356351"/>
+            <a:ext cx="2520315" cy="365125"/>
           </a:xfrm>
           <a:prstGeom prst="rect">
             <a:avLst/>
@@ -873,8 +873,8 @@
         </p:nvSpPr>
         <p:spPr>
           <a:xfrm>
-            <a:off x="476968" y="274642"/>
-            <a:ext cx="8585360" cy="1143000"/>
+            <a:off x="540068" y="274638"/>
+            <a:ext cx="9721215" cy="1143000"/>
           </a:xfrm>
           <a:prstGeom prst="rect">
             <a:avLst/>
@@ -904,8 +904,8 @@
         </p:nvSpPr>
         <p:spPr>
           <a:xfrm>
-            <a:off x="476968" y="1600212"/>
-            <a:ext cx="8585360" cy="4525963"/>
+            <a:off x="540068" y="1600201"/>
+            <a:ext cx="9721215" cy="4525963"/>
           </a:xfrm>
           <a:prstGeom prst="rect">
             <a:avLst/>
@@ -964,8 +964,8 @@
         </p:nvSpPr>
         <p:spPr>
           <a:xfrm>
-            <a:off x="476970" y="6356361"/>
-            <a:ext cx="2225835" cy="365125"/>
+            <a:off x="540067" y="6356351"/>
+            <a:ext cx="2520315" cy="365125"/>
           </a:xfrm>
           <a:prstGeom prst="rect">
             <a:avLst/>
@@ -978,7 +978,7 @@
             <a:fld id="{1D8BD707-D9CF-40AE-B4C6-C98DA3205C09}" type="datetimeFigureOut">
               <a:rPr lang="en-US" smtClean="0"/>
               <a:pPr/>
-              <a:t>9/28/2018</a:t>
+              <a:t>1/30/2017</a:t>
             </a:fld>
             <a:endParaRPr lang="en-US"/>
           </a:p>
@@ -996,8 +996,8 @@
         </p:nvSpPr>
         <p:spPr>
           <a:xfrm>
-            <a:off x="3259257" y="6356361"/>
-            <a:ext cx="3020775" cy="365125"/>
+            <a:off x="3690461" y="6356351"/>
+            <a:ext cx="3420428" cy="365125"/>
           </a:xfrm>
           <a:prstGeom prst="rect">
             <a:avLst/>
@@ -1023,8 +1023,8 @@
         </p:nvSpPr>
         <p:spPr>
           <a:xfrm>
-            <a:off x="6836496" y="6356361"/>
-            <a:ext cx="2225835" cy="365125"/>
+            <a:off x="7740968" y="6356351"/>
+            <a:ext cx="2520315" cy="365125"/>
           </a:xfrm>
           <a:prstGeom prst="rect">
             <a:avLst/>
@@ -1080,8 +1080,8 @@
         </p:nvSpPr>
         <p:spPr>
           <a:xfrm>
-            <a:off x="6915984" y="274647"/>
-            <a:ext cx="2146340" cy="5851525"/>
+            <a:off x="7830979" y="274639"/>
+            <a:ext cx="2430304" cy="5851525"/>
           </a:xfrm>
           <a:prstGeom prst="rect">
             <a:avLst/>
@@ -1111,8 +1111,8 @@
         </p:nvSpPr>
         <p:spPr>
           <a:xfrm>
-            <a:off x="476975" y="274647"/>
-            <a:ext cx="6280031" cy="5851525"/>
+            <a:off x="540067" y="274639"/>
+            <a:ext cx="7110889" cy="5851525"/>
           </a:xfrm>
           <a:prstGeom prst="rect">
             <a:avLst/>
@@ -1171,8 +1171,8 @@
         </p:nvSpPr>
         <p:spPr>
           <a:xfrm>
-            <a:off x="476970" y="6356361"/>
-            <a:ext cx="2225835" cy="365125"/>
+            <a:off x="540067" y="6356351"/>
+            <a:ext cx="2520315" cy="365125"/>
           </a:xfrm>
           <a:prstGeom prst="rect">
             <a:avLst/>
@@ -1185,7 +1185,7 @@
             <a:fld id="{1D8BD707-D9CF-40AE-B4C6-C98DA3205C09}" type="datetimeFigureOut">
               <a:rPr lang="en-US" smtClean="0"/>
               <a:pPr/>
-              <a:t>9/28/2018</a:t>
+              <a:t>1/30/2017</a:t>
             </a:fld>
             <a:endParaRPr lang="en-US"/>
           </a:p>
@@ -1203,8 +1203,8 @@
         </p:nvSpPr>
         <p:spPr>
           <a:xfrm>
-            <a:off x="3259257" y="6356361"/>
-            <a:ext cx="3020775" cy="365125"/>
+            <a:off x="3690461" y="6356351"/>
+            <a:ext cx="3420428" cy="365125"/>
           </a:xfrm>
           <a:prstGeom prst="rect">
             <a:avLst/>
@@ -1230,8 +1230,8 @@
         </p:nvSpPr>
         <p:spPr>
           <a:xfrm>
-            <a:off x="6836496" y="6356361"/>
-            <a:ext cx="2225835" cy="365125"/>
+            <a:off x="7740968" y="6356351"/>
+            <a:ext cx="2520315" cy="365125"/>
           </a:xfrm>
           <a:prstGeom prst="rect">
             <a:avLst/>
@@ -1287,8 +1287,8 @@
         </p:nvSpPr>
         <p:spPr>
           <a:xfrm>
-            <a:off x="476968" y="274642"/>
-            <a:ext cx="8585360" cy="1143000"/>
+            <a:off x="540068" y="274638"/>
+            <a:ext cx="9721215" cy="1143000"/>
           </a:xfrm>
           <a:prstGeom prst="rect">
             <a:avLst/>
@@ -1318,8 +1318,8 @@
         </p:nvSpPr>
         <p:spPr>
           <a:xfrm>
-            <a:off x="476968" y="1600212"/>
-            <a:ext cx="8585360" cy="4525963"/>
+            <a:off x="540068" y="1600201"/>
+            <a:ext cx="9721215" cy="4525963"/>
           </a:xfrm>
           <a:prstGeom prst="rect">
             <a:avLst/>
@@ -1378,8 +1378,8 @@
         </p:nvSpPr>
         <p:spPr>
           <a:xfrm>
-            <a:off x="476970" y="6356361"/>
-            <a:ext cx="2225835" cy="365125"/>
+            <a:off x="540067" y="6356351"/>
+            <a:ext cx="2520315" cy="365125"/>
           </a:xfrm>
           <a:prstGeom prst="rect">
             <a:avLst/>
@@ -1392,7 +1392,7 @@
             <a:fld id="{1D8BD707-D9CF-40AE-B4C6-C98DA3205C09}" type="datetimeFigureOut">
               <a:rPr lang="en-US" smtClean="0"/>
               <a:pPr/>
-              <a:t>9/28/2018</a:t>
+              <a:t>1/30/2017</a:t>
             </a:fld>
             <a:endParaRPr lang="en-US"/>
           </a:p>
@@ -1410,8 +1410,8 @@
         </p:nvSpPr>
         <p:spPr>
           <a:xfrm>
-            <a:off x="3259257" y="6356361"/>
-            <a:ext cx="3020775" cy="365125"/>
+            <a:off x="3690461" y="6356351"/>
+            <a:ext cx="3420428" cy="365125"/>
           </a:xfrm>
           <a:prstGeom prst="rect">
             <a:avLst/>
@@ -1437,8 +1437,8 @@
         </p:nvSpPr>
         <p:spPr>
           <a:xfrm>
-            <a:off x="6836496" y="6356361"/>
-            <a:ext cx="2225835" cy="365125"/>
+            <a:off x="7740968" y="6356351"/>
+            <a:ext cx="2520315" cy="365125"/>
           </a:xfrm>
           <a:prstGeom prst="rect">
             <a:avLst/>
@@ -1494,8 +1494,8 @@
         </p:nvSpPr>
         <p:spPr>
           <a:xfrm>
-            <a:off x="753542" y="4406912"/>
-            <a:ext cx="8108395" cy="1362075"/>
+            <a:off x="853232" y="4406901"/>
+            <a:ext cx="9181148" cy="1362075"/>
           </a:xfrm>
           <a:prstGeom prst="rect">
             <a:avLst/>
@@ -1529,8 +1529,8 @@
         </p:nvSpPr>
         <p:spPr>
           <a:xfrm>
-            <a:off x="753542" y="2906717"/>
-            <a:ext cx="8108395" cy="1500187"/>
+            <a:off x="853232" y="2906713"/>
+            <a:ext cx="9181148" cy="1500187"/>
           </a:xfrm>
           <a:prstGeom prst="rect">
             <a:avLst/>
@@ -1549,7 +1549,7 @@
                 </a:solidFill>
               </a:defRPr>
             </a:lvl1pPr>
-            <a:lvl2pPr marL="457224" indent="0">
+            <a:lvl2pPr marL="457200" indent="0">
               <a:buNone/>
               <a:defRPr sz="1800">
                 <a:solidFill>
@@ -1559,7 +1559,7 @@
                 </a:solidFill>
               </a:defRPr>
             </a:lvl2pPr>
-            <a:lvl3pPr marL="914450" indent="0">
+            <a:lvl3pPr marL="914400" indent="0">
               <a:buNone/>
               <a:defRPr sz="1600">
                 <a:solidFill>
@@ -1569,7 +1569,7 @@
                 </a:solidFill>
               </a:defRPr>
             </a:lvl3pPr>
-            <a:lvl4pPr marL="1371673" indent="0">
+            <a:lvl4pPr marL="1371600" indent="0">
               <a:buNone/>
               <a:defRPr sz="1400">
                 <a:solidFill>
@@ -1579,7 +1579,7 @@
                 </a:solidFill>
               </a:defRPr>
             </a:lvl4pPr>
-            <a:lvl5pPr marL="1828898" indent="0">
+            <a:lvl5pPr marL="1828800" indent="0">
               <a:buNone/>
               <a:defRPr sz="1400">
                 <a:solidFill>
@@ -1589,7 +1589,7 @@
                 </a:solidFill>
               </a:defRPr>
             </a:lvl5pPr>
-            <a:lvl6pPr marL="2286123" indent="0">
+            <a:lvl6pPr marL="2286000" indent="0">
               <a:buNone/>
               <a:defRPr sz="1400">
                 <a:solidFill>
@@ -1599,7 +1599,7 @@
                 </a:solidFill>
               </a:defRPr>
             </a:lvl6pPr>
-            <a:lvl7pPr marL="2743346" indent="0">
+            <a:lvl7pPr marL="2743200" indent="0">
               <a:buNone/>
               <a:defRPr sz="1400">
                 <a:solidFill>
@@ -1609,7 +1609,7 @@
                 </a:solidFill>
               </a:defRPr>
             </a:lvl7pPr>
-            <a:lvl8pPr marL="3200571" indent="0">
+            <a:lvl8pPr marL="3200400" indent="0">
               <a:buNone/>
               <a:defRPr sz="1400">
                 <a:solidFill>
@@ -1619,7 +1619,7 @@
                 </a:solidFill>
               </a:defRPr>
             </a:lvl8pPr>
-            <a:lvl9pPr marL="3657795" indent="0">
+            <a:lvl9pPr marL="3657600" indent="0">
               <a:buNone/>
               <a:defRPr sz="1400">
                 <a:solidFill>
@@ -1651,8 +1651,8 @@
         </p:nvSpPr>
         <p:spPr>
           <a:xfrm>
-            <a:off x="476970" y="6356361"/>
-            <a:ext cx="2225835" cy="365125"/>
+            <a:off x="540067" y="6356351"/>
+            <a:ext cx="2520315" cy="365125"/>
           </a:xfrm>
           <a:prstGeom prst="rect">
             <a:avLst/>
@@ -1665,7 +1665,7 @@
             <a:fld id="{1D8BD707-D9CF-40AE-B4C6-C98DA3205C09}" type="datetimeFigureOut">
               <a:rPr lang="en-US" smtClean="0"/>
               <a:pPr/>
-              <a:t>9/28/2018</a:t>
+              <a:t>1/30/2017</a:t>
             </a:fld>
             <a:endParaRPr lang="en-US"/>
           </a:p>
@@ -1683,8 +1683,8 @@
         </p:nvSpPr>
         <p:spPr>
           <a:xfrm>
-            <a:off x="3259257" y="6356361"/>
-            <a:ext cx="3020775" cy="365125"/>
+            <a:off x="3690461" y="6356351"/>
+            <a:ext cx="3420428" cy="365125"/>
           </a:xfrm>
           <a:prstGeom prst="rect">
             <a:avLst/>
@@ -1710,8 +1710,8 @@
         </p:nvSpPr>
         <p:spPr>
           <a:xfrm>
-            <a:off x="6836496" y="6356361"/>
-            <a:ext cx="2225835" cy="365125"/>
+            <a:off x="7740968" y="6356351"/>
+            <a:ext cx="2520315" cy="365125"/>
           </a:xfrm>
           <a:prstGeom prst="rect">
             <a:avLst/>
@@ -1767,8 +1767,8 @@
         </p:nvSpPr>
         <p:spPr>
           <a:xfrm>
-            <a:off x="476968" y="274642"/>
-            <a:ext cx="8585360" cy="1143000"/>
+            <a:off x="540068" y="274638"/>
+            <a:ext cx="9721215" cy="1143000"/>
           </a:xfrm>
           <a:prstGeom prst="rect">
             <a:avLst/>
@@ -1798,8 +1798,8 @@
         </p:nvSpPr>
         <p:spPr>
           <a:xfrm>
-            <a:off x="476969" y="1600212"/>
-            <a:ext cx="4213185" cy="4525963"/>
+            <a:off x="540068" y="1600201"/>
+            <a:ext cx="4770596" cy="4525963"/>
           </a:xfrm>
           <a:prstGeom prst="rect">
             <a:avLst/>
@@ -1886,8 +1886,8 @@
         </p:nvSpPr>
         <p:spPr>
           <a:xfrm>
-            <a:off x="4849142" y="1600212"/>
-            <a:ext cx="4213185" cy="4525963"/>
+            <a:off x="5490686" y="1600201"/>
+            <a:ext cx="4770596" cy="4525963"/>
           </a:xfrm>
           <a:prstGeom prst="rect">
             <a:avLst/>
@@ -1974,8 +1974,8 @@
         </p:nvSpPr>
         <p:spPr>
           <a:xfrm>
-            <a:off x="476970" y="6356361"/>
-            <a:ext cx="2225835" cy="365125"/>
+            <a:off x="540067" y="6356351"/>
+            <a:ext cx="2520315" cy="365125"/>
           </a:xfrm>
           <a:prstGeom prst="rect">
             <a:avLst/>
@@ -1988,7 +1988,7 @@
             <a:fld id="{1D8BD707-D9CF-40AE-B4C6-C98DA3205C09}" type="datetimeFigureOut">
               <a:rPr lang="en-US" smtClean="0"/>
               <a:pPr/>
-              <a:t>9/28/2018</a:t>
+              <a:t>1/30/2017</a:t>
             </a:fld>
             <a:endParaRPr lang="en-US"/>
           </a:p>
@@ -2006,8 +2006,8 @@
         </p:nvSpPr>
         <p:spPr>
           <a:xfrm>
-            <a:off x="3259257" y="6356361"/>
-            <a:ext cx="3020775" cy="365125"/>
+            <a:off x="3690461" y="6356351"/>
+            <a:ext cx="3420428" cy="365125"/>
           </a:xfrm>
           <a:prstGeom prst="rect">
             <a:avLst/>
@@ -2033,8 +2033,8 @@
         </p:nvSpPr>
         <p:spPr>
           <a:xfrm>
-            <a:off x="6836496" y="6356361"/>
-            <a:ext cx="2225835" cy="365125"/>
+            <a:off x="7740968" y="6356351"/>
+            <a:ext cx="2520315" cy="365125"/>
           </a:xfrm>
           <a:prstGeom prst="rect">
             <a:avLst/>
@@ -2090,8 +2090,8 @@
         </p:nvSpPr>
         <p:spPr>
           <a:xfrm>
-            <a:off x="476968" y="274642"/>
-            <a:ext cx="8585360" cy="1143000"/>
+            <a:off x="540068" y="274638"/>
+            <a:ext cx="9721215" cy="1143000"/>
           </a:xfrm>
           <a:prstGeom prst="rect">
             <a:avLst/>
@@ -2125,8 +2125,8 @@
         </p:nvSpPr>
         <p:spPr>
           <a:xfrm>
-            <a:off x="476966" y="1535114"/>
-            <a:ext cx="4214842" cy="639762"/>
+            <a:off x="540068" y="1535113"/>
+            <a:ext cx="4772472" cy="639762"/>
           </a:xfrm>
           <a:prstGeom prst="rect">
             <a:avLst/>
@@ -2139,35 +2139,35 @@
               <a:buNone/>
               <a:defRPr sz="2400" b="1"/>
             </a:lvl1pPr>
-            <a:lvl2pPr marL="457224" indent="0">
+            <a:lvl2pPr marL="457200" indent="0">
               <a:buNone/>
               <a:defRPr sz="2000" b="1"/>
             </a:lvl2pPr>
-            <a:lvl3pPr marL="914450" indent="0">
+            <a:lvl3pPr marL="914400" indent="0">
               <a:buNone/>
               <a:defRPr sz="1800" b="1"/>
             </a:lvl3pPr>
-            <a:lvl4pPr marL="1371673" indent="0">
+            <a:lvl4pPr marL="1371600" indent="0">
               <a:buNone/>
               <a:defRPr sz="1600" b="1"/>
             </a:lvl4pPr>
-            <a:lvl5pPr marL="1828898" indent="0">
+            <a:lvl5pPr marL="1828800" indent="0">
               <a:buNone/>
               <a:defRPr sz="1600" b="1"/>
             </a:lvl5pPr>
-            <a:lvl6pPr marL="2286123" indent="0">
+            <a:lvl6pPr marL="2286000" indent="0">
               <a:buNone/>
               <a:defRPr sz="1600" b="1"/>
             </a:lvl6pPr>
-            <a:lvl7pPr marL="2743346" indent="0">
+            <a:lvl7pPr marL="2743200" indent="0">
               <a:buNone/>
               <a:defRPr sz="1600" b="1"/>
             </a:lvl7pPr>
-            <a:lvl8pPr marL="3200571" indent="0">
+            <a:lvl8pPr marL="3200400" indent="0">
               <a:buNone/>
               <a:defRPr sz="1600" b="1"/>
             </a:lvl8pPr>
-            <a:lvl9pPr marL="3657795" indent="0">
+            <a:lvl9pPr marL="3657600" indent="0">
               <a:buNone/>
               <a:defRPr sz="1600" b="1"/>
             </a:lvl9pPr>
@@ -2193,8 +2193,8 @@
         </p:nvSpPr>
         <p:spPr>
           <a:xfrm>
-            <a:off x="476966" y="2174879"/>
-            <a:ext cx="4214842" cy="3951288"/>
+            <a:off x="540068" y="2174875"/>
+            <a:ext cx="4772472" cy="3951288"/>
           </a:xfrm>
           <a:prstGeom prst="rect">
             <a:avLst/>
@@ -2281,8 +2281,8 @@
         </p:nvSpPr>
         <p:spPr>
           <a:xfrm>
-            <a:off x="4845829" y="1535114"/>
-            <a:ext cx="4216499" cy="639762"/>
+            <a:off x="5486936" y="1535113"/>
+            <a:ext cx="4774347" cy="639762"/>
           </a:xfrm>
           <a:prstGeom prst="rect">
             <a:avLst/>
@@ -2295,35 +2295,35 @@
               <a:buNone/>
               <a:defRPr sz="2400" b="1"/>
             </a:lvl1pPr>
-            <a:lvl2pPr marL="457224" indent="0">
+            <a:lvl2pPr marL="457200" indent="0">
               <a:buNone/>
               <a:defRPr sz="2000" b="1"/>
             </a:lvl2pPr>
-            <a:lvl3pPr marL="914450" indent="0">
+            <a:lvl3pPr marL="914400" indent="0">
               <a:buNone/>
               <a:defRPr sz="1800" b="1"/>
             </a:lvl3pPr>
-            <a:lvl4pPr marL="1371673" indent="0">
+            <a:lvl4pPr marL="1371600" indent="0">
               <a:buNone/>
               <a:defRPr sz="1600" b="1"/>
             </a:lvl4pPr>
-            <a:lvl5pPr marL="1828898" indent="0">
+            <a:lvl5pPr marL="1828800" indent="0">
               <a:buNone/>
               <a:defRPr sz="1600" b="1"/>
             </a:lvl5pPr>
-            <a:lvl6pPr marL="2286123" indent="0">
+            <a:lvl6pPr marL="2286000" indent="0">
               <a:buNone/>
               <a:defRPr sz="1600" b="1"/>
             </a:lvl6pPr>
-            <a:lvl7pPr marL="2743346" indent="0">
+            <a:lvl7pPr marL="2743200" indent="0">
               <a:buNone/>
               <a:defRPr sz="1600" b="1"/>
             </a:lvl7pPr>
-            <a:lvl8pPr marL="3200571" indent="0">
+            <a:lvl8pPr marL="3200400" indent="0">
               <a:buNone/>
               <a:defRPr sz="1600" b="1"/>
             </a:lvl8pPr>
-            <a:lvl9pPr marL="3657795" indent="0">
+            <a:lvl9pPr marL="3657600" indent="0">
               <a:buNone/>
               <a:defRPr sz="1600" b="1"/>
             </a:lvl9pPr>
@@ -2349,8 +2349,8 @@
         </p:nvSpPr>
         <p:spPr>
           <a:xfrm>
-            <a:off x="4845829" y="2174879"/>
-            <a:ext cx="4216499" cy="3951288"/>
+            <a:off x="5486936" y="2174875"/>
+            <a:ext cx="4774347" cy="3951288"/>
           </a:xfrm>
           <a:prstGeom prst="rect">
             <a:avLst/>
@@ -2437,8 +2437,8 @@
         </p:nvSpPr>
         <p:spPr>
           <a:xfrm>
-            <a:off x="476970" y="6356361"/>
-            <a:ext cx="2225835" cy="365125"/>
+            <a:off x="540067" y="6356351"/>
+            <a:ext cx="2520315" cy="365125"/>
           </a:xfrm>
           <a:prstGeom prst="rect">
             <a:avLst/>
@@ -2451,7 +2451,7 @@
             <a:fld id="{1D8BD707-D9CF-40AE-B4C6-C98DA3205C09}" type="datetimeFigureOut">
               <a:rPr lang="en-US" smtClean="0"/>
               <a:pPr/>
-              <a:t>9/28/2018</a:t>
+              <a:t>1/30/2017</a:t>
             </a:fld>
             <a:endParaRPr lang="en-US"/>
           </a:p>
@@ -2469,8 +2469,8 @@
         </p:nvSpPr>
         <p:spPr>
           <a:xfrm>
-            <a:off x="3259257" y="6356361"/>
-            <a:ext cx="3020775" cy="365125"/>
+            <a:off x="3690461" y="6356351"/>
+            <a:ext cx="3420428" cy="365125"/>
           </a:xfrm>
           <a:prstGeom prst="rect">
             <a:avLst/>
@@ -2496,8 +2496,8 @@
         </p:nvSpPr>
         <p:spPr>
           <a:xfrm>
-            <a:off x="6836496" y="6356361"/>
-            <a:ext cx="2225835" cy="365125"/>
+            <a:off x="7740968" y="6356351"/>
+            <a:ext cx="2520315" cy="365125"/>
           </a:xfrm>
           <a:prstGeom prst="rect">
             <a:avLst/>
@@ -2553,8 +2553,8 @@
         </p:nvSpPr>
         <p:spPr>
           <a:xfrm>
-            <a:off x="476968" y="274642"/>
-            <a:ext cx="8585360" cy="1143000"/>
+            <a:off x="540068" y="274638"/>
+            <a:ext cx="9721215" cy="1143000"/>
           </a:xfrm>
           <a:prstGeom prst="rect">
             <a:avLst/>
@@ -2584,8 +2584,8 @@
         </p:nvSpPr>
         <p:spPr>
           <a:xfrm>
-            <a:off x="476970" y="6356361"/>
-            <a:ext cx="2225835" cy="365125"/>
+            <a:off x="540067" y="6356351"/>
+            <a:ext cx="2520315" cy="365125"/>
           </a:xfrm>
           <a:prstGeom prst="rect">
             <a:avLst/>
@@ -2598,7 +2598,7 @@
             <a:fld id="{1D8BD707-D9CF-40AE-B4C6-C98DA3205C09}" type="datetimeFigureOut">
               <a:rPr lang="en-US" smtClean="0"/>
               <a:pPr/>
-              <a:t>9/28/2018</a:t>
+              <a:t>1/30/2017</a:t>
             </a:fld>
             <a:endParaRPr lang="en-US"/>
           </a:p>
@@ -2616,8 +2616,8 @@
         </p:nvSpPr>
         <p:spPr>
           <a:xfrm>
-            <a:off x="3259257" y="6356361"/>
-            <a:ext cx="3020775" cy="365125"/>
+            <a:off x="3690461" y="6356351"/>
+            <a:ext cx="3420428" cy="365125"/>
           </a:xfrm>
           <a:prstGeom prst="rect">
             <a:avLst/>
@@ -2643,8 +2643,8 @@
         </p:nvSpPr>
         <p:spPr>
           <a:xfrm>
-            <a:off x="6836496" y="6356361"/>
-            <a:ext cx="2225835" cy="365125"/>
+            <a:off x="7740968" y="6356351"/>
+            <a:ext cx="2520315" cy="365125"/>
           </a:xfrm>
           <a:prstGeom prst="rect">
             <a:avLst/>
@@ -2700,8 +2700,8 @@
         </p:nvSpPr>
         <p:spPr>
           <a:xfrm>
-            <a:off x="476970" y="6356361"/>
-            <a:ext cx="2225835" cy="365125"/>
+            <a:off x="540067" y="6356351"/>
+            <a:ext cx="2520315" cy="365125"/>
           </a:xfrm>
           <a:prstGeom prst="rect">
             <a:avLst/>
@@ -2714,7 +2714,7 @@
             <a:fld id="{1D8BD707-D9CF-40AE-B4C6-C98DA3205C09}" type="datetimeFigureOut">
               <a:rPr lang="en-US" smtClean="0"/>
               <a:pPr/>
-              <a:t>9/28/2018</a:t>
+              <a:t>1/30/2017</a:t>
             </a:fld>
             <a:endParaRPr lang="en-US"/>
           </a:p>
@@ -2732,8 +2732,8 @@
         </p:nvSpPr>
         <p:spPr>
           <a:xfrm>
-            <a:off x="3259257" y="6356361"/>
-            <a:ext cx="3020775" cy="365125"/>
+            <a:off x="3690461" y="6356351"/>
+            <a:ext cx="3420428" cy="365125"/>
           </a:xfrm>
           <a:prstGeom prst="rect">
             <a:avLst/>
@@ -2759,8 +2759,8 @@
         </p:nvSpPr>
         <p:spPr>
           <a:xfrm>
-            <a:off x="6836496" y="6356361"/>
-            <a:ext cx="2225835" cy="365125"/>
+            <a:off x="7740968" y="6356351"/>
+            <a:ext cx="2520315" cy="365125"/>
           </a:xfrm>
           <a:prstGeom prst="rect">
             <a:avLst/>
@@ -2816,8 +2816,8 @@
         </p:nvSpPr>
         <p:spPr>
           <a:xfrm>
-            <a:off x="476965" y="273051"/>
-            <a:ext cx="3138360" cy="1162050"/>
+            <a:off x="540068" y="273050"/>
+            <a:ext cx="3553570" cy="1162050"/>
           </a:xfrm>
           <a:prstGeom prst="rect">
             <a:avLst/>
@@ -2851,8 +2851,8 @@
         </p:nvSpPr>
         <p:spPr>
           <a:xfrm>
-            <a:off x="3729608" y="273055"/>
-            <a:ext cx="5332727" cy="5853113"/>
+            <a:off x="4223028" y="273051"/>
+            <a:ext cx="6038255" cy="5853113"/>
           </a:xfrm>
           <a:prstGeom prst="rect">
             <a:avLst/>
@@ -2862,7 +2862,7 @@
           <a:bodyPr/>
           <a:lstStyle>
             <a:lvl1pPr>
-              <a:defRPr sz="3201"/>
+              <a:defRPr sz="3200"/>
             </a:lvl1pPr>
             <a:lvl2pPr>
               <a:defRPr sz="2800"/>
@@ -2939,8 +2939,8 @@
         </p:nvSpPr>
         <p:spPr>
           <a:xfrm>
-            <a:off x="476965" y="1435105"/>
-            <a:ext cx="3138360" cy="4691063"/>
+            <a:off x="540068" y="1435101"/>
+            <a:ext cx="3553570" cy="4691063"/>
           </a:xfrm>
           <a:prstGeom prst="rect">
             <a:avLst/>
@@ -2953,35 +2953,35 @@
               <a:buNone/>
               <a:defRPr sz="1400"/>
             </a:lvl1pPr>
-            <a:lvl2pPr marL="457224" indent="0">
+            <a:lvl2pPr marL="457200" indent="0">
               <a:buNone/>
               <a:defRPr sz="1200"/>
             </a:lvl2pPr>
-            <a:lvl3pPr marL="914450" indent="0">
+            <a:lvl3pPr marL="914400" indent="0">
               <a:buNone/>
               <a:defRPr sz="1000"/>
             </a:lvl3pPr>
-            <a:lvl4pPr marL="1371673" indent="0">
+            <a:lvl4pPr marL="1371600" indent="0">
               <a:buNone/>
               <a:defRPr sz="900"/>
             </a:lvl4pPr>
-            <a:lvl5pPr marL="1828898" indent="0">
+            <a:lvl5pPr marL="1828800" indent="0">
               <a:buNone/>
               <a:defRPr sz="900"/>
             </a:lvl5pPr>
-            <a:lvl6pPr marL="2286123" indent="0">
+            <a:lvl6pPr marL="2286000" indent="0">
               <a:buNone/>
               <a:defRPr sz="900"/>
             </a:lvl6pPr>
-            <a:lvl7pPr marL="2743346" indent="0">
+            <a:lvl7pPr marL="2743200" indent="0">
               <a:buNone/>
               <a:defRPr sz="900"/>
             </a:lvl7pPr>
-            <a:lvl8pPr marL="3200571" indent="0">
+            <a:lvl8pPr marL="3200400" indent="0">
               <a:buNone/>
               <a:defRPr sz="900"/>
             </a:lvl8pPr>
-            <a:lvl9pPr marL="3657795" indent="0">
+            <a:lvl9pPr marL="3657600" indent="0">
               <a:buNone/>
               <a:defRPr sz="900"/>
             </a:lvl9pPr>
@@ -3007,8 +3007,8 @@
         </p:nvSpPr>
         <p:spPr>
           <a:xfrm>
-            <a:off x="476970" y="6356361"/>
-            <a:ext cx="2225835" cy="365125"/>
+            <a:off x="540067" y="6356351"/>
+            <a:ext cx="2520315" cy="365125"/>
           </a:xfrm>
           <a:prstGeom prst="rect">
             <a:avLst/>
@@ -3021,7 +3021,7 @@
             <a:fld id="{1D8BD707-D9CF-40AE-B4C6-C98DA3205C09}" type="datetimeFigureOut">
               <a:rPr lang="en-US" smtClean="0"/>
               <a:pPr/>
-              <a:t>9/28/2018</a:t>
+              <a:t>1/30/2017</a:t>
             </a:fld>
             <a:endParaRPr lang="en-US"/>
           </a:p>
@@ -3039,8 +3039,8 @@
         </p:nvSpPr>
         <p:spPr>
           <a:xfrm>
-            <a:off x="3259257" y="6356361"/>
-            <a:ext cx="3020775" cy="365125"/>
+            <a:off x="3690461" y="6356351"/>
+            <a:ext cx="3420428" cy="365125"/>
           </a:xfrm>
           <a:prstGeom prst="rect">
             <a:avLst/>
@@ -3066,8 +3066,8 @@
         </p:nvSpPr>
         <p:spPr>
           <a:xfrm>
-            <a:off x="6836496" y="6356361"/>
-            <a:ext cx="2225835" cy="365125"/>
+            <a:off x="7740968" y="6356351"/>
+            <a:ext cx="2520315" cy="365125"/>
           </a:xfrm>
           <a:prstGeom prst="rect">
             <a:avLst/>
@@ -3123,8 +3123,8 @@
         </p:nvSpPr>
         <p:spPr>
           <a:xfrm>
-            <a:off x="1869774" y="4800604"/>
-            <a:ext cx="5723573" cy="566738"/>
+            <a:off x="2117140" y="4800600"/>
+            <a:ext cx="6480810" cy="566738"/>
           </a:xfrm>
           <a:prstGeom prst="rect">
             <a:avLst/>
@@ -3158,8 +3158,8 @@
         </p:nvSpPr>
         <p:spPr>
           <a:xfrm>
-            <a:off x="1869774" y="612784"/>
-            <a:ext cx="5723573" cy="4114800"/>
+            <a:off x="2117140" y="612775"/>
+            <a:ext cx="6480810" cy="4114800"/>
           </a:xfrm>
           <a:prstGeom prst="rect">
             <a:avLst/>
@@ -3170,37 +3170,37 @@
           <a:lstStyle>
             <a:lvl1pPr marL="0" indent="0">
               <a:buNone/>
-              <a:defRPr sz="3201"/>
+              <a:defRPr sz="3200"/>
             </a:lvl1pPr>
-            <a:lvl2pPr marL="457224" indent="0">
+            <a:lvl2pPr marL="457200" indent="0">
               <a:buNone/>
               <a:defRPr sz="2800"/>
             </a:lvl2pPr>
-            <a:lvl3pPr marL="914450" indent="0">
+            <a:lvl3pPr marL="914400" indent="0">
               <a:buNone/>
               <a:defRPr sz="2400"/>
             </a:lvl3pPr>
-            <a:lvl4pPr marL="1371673" indent="0">
+            <a:lvl4pPr marL="1371600" indent="0">
               <a:buNone/>
               <a:defRPr sz="2000"/>
             </a:lvl4pPr>
-            <a:lvl5pPr marL="1828898" indent="0">
+            <a:lvl5pPr marL="1828800" indent="0">
               <a:buNone/>
               <a:defRPr sz="2000"/>
             </a:lvl5pPr>
-            <a:lvl6pPr marL="2286123" indent="0">
+            <a:lvl6pPr marL="2286000" indent="0">
               <a:buNone/>
               <a:defRPr sz="2000"/>
             </a:lvl6pPr>
-            <a:lvl7pPr marL="2743346" indent="0">
+            <a:lvl7pPr marL="2743200" indent="0">
               <a:buNone/>
               <a:defRPr sz="2000"/>
             </a:lvl7pPr>
-            <a:lvl8pPr marL="3200571" indent="0">
+            <a:lvl8pPr marL="3200400" indent="0">
               <a:buNone/>
               <a:defRPr sz="2000"/>
             </a:lvl8pPr>
-            <a:lvl9pPr marL="3657795" indent="0">
+            <a:lvl9pPr marL="3657600" indent="0">
               <a:buNone/>
               <a:defRPr sz="2000"/>
             </a:lvl9pPr>
@@ -3222,8 +3222,8 @@
         </p:nvSpPr>
         <p:spPr>
           <a:xfrm>
-            <a:off x="1869774" y="5367344"/>
-            <a:ext cx="5723573" cy="804862"/>
+            <a:off x="2117140" y="5367338"/>
+            <a:ext cx="6480810" cy="804862"/>
           </a:xfrm>
           <a:prstGeom prst="rect">
             <a:avLst/>
@@ -3236,35 +3236,35 @@
               <a:buNone/>
               <a:defRPr sz="1400"/>
             </a:lvl1pPr>
-            <a:lvl2pPr marL="457224" indent="0">
+            <a:lvl2pPr marL="457200" indent="0">
               <a:buNone/>
               <a:defRPr sz="1200"/>
             </a:lvl2pPr>
-            <a:lvl3pPr marL="914450" indent="0">
+            <a:lvl3pPr marL="914400" indent="0">
               <a:buNone/>
               <a:defRPr sz="1000"/>
             </a:lvl3pPr>
-            <a:lvl4pPr marL="1371673" indent="0">
+            <a:lvl4pPr marL="1371600" indent="0">
               <a:buNone/>
               <a:defRPr sz="900"/>
             </a:lvl4pPr>
-            <a:lvl5pPr marL="1828898" indent="0">
+            <a:lvl5pPr marL="1828800" indent="0">
               <a:buNone/>
               <a:defRPr sz="900"/>
             </a:lvl5pPr>
-            <a:lvl6pPr marL="2286123" indent="0">
+            <a:lvl6pPr marL="2286000" indent="0">
               <a:buNone/>
               <a:defRPr sz="900"/>
             </a:lvl6pPr>
-            <a:lvl7pPr marL="2743346" indent="0">
+            <a:lvl7pPr marL="2743200" indent="0">
               <a:buNone/>
               <a:defRPr sz="900"/>
             </a:lvl7pPr>
-            <a:lvl8pPr marL="3200571" indent="0">
+            <a:lvl8pPr marL="3200400" indent="0">
               <a:buNone/>
               <a:defRPr sz="900"/>
             </a:lvl8pPr>
-            <a:lvl9pPr marL="3657795" indent="0">
+            <a:lvl9pPr marL="3657600" indent="0">
               <a:buNone/>
               <a:defRPr sz="900"/>
             </a:lvl9pPr>
@@ -3290,8 +3290,8 @@
         </p:nvSpPr>
         <p:spPr>
           <a:xfrm>
-            <a:off x="476970" y="6356361"/>
-            <a:ext cx="2225835" cy="365125"/>
+            <a:off x="540067" y="6356351"/>
+            <a:ext cx="2520315" cy="365125"/>
           </a:xfrm>
           <a:prstGeom prst="rect">
             <a:avLst/>
@@ -3304,7 +3304,7 @@
             <a:fld id="{1D8BD707-D9CF-40AE-B4C6-C98DA3205C09}" type="datetimeFigureOut">
               <a:rPr lang="en-US" smtClean="0"/>
               <a:pPr/>
-              <a:t>9/28/2018</a:t>
+              <a:t>1/30/2017</a:t>
             </a:fld>
             <a:endParaRPr lang="en-US"/>
           </a:p>
@@ -3322,8 +3322,8 @@
         </p:nvSpPr>
         <p:spPr>
           <a:xfrm>
-            <a:off x="3259257" y="6356361"/>
-            <a:ext cx="3020775" cy="365125"/>
+            <a:off x="3690461" y="6356351"/>
+            <a:ext cx="3420428" cy="365125"/>
           </a:xfrm>
           <a:prstGeom prst="rect">
             <a:avLst/>
@@ -3349,8 +3349,8 @@
         </p:nvSpPr>
         <p:spPr>
           <a:xfrm>
-            <a:off x="6836496" y="6356361"/>
-            <a:ext cx="2225835" cy="365125"/>
+            <a:off x="7740968" y="6356351"/>
+            <a:ext cx="2520315" cy="365125"/>
           </a:xfrm>
           <a:prstGeom prst="rect">
             <a:avLst/>
@@ -3407,8 +3407,8 @@
         </p:nvSpPr>
         <p:spPr>
           <a:xfrm>
-            <a:off x="193484" y="533396"/>
-            <a:ext cx="8995760" cy="5638804"/>
+            <a:off x="219076" y="609600"/>
+            <a:ext cx="8991599" cy="6138017"/>
           </a:xfrm>
           <a:prstGeom prst="roundRect">
             <a:avLst>
@@ -3460,16 +3460,161 @@
       </p:sp>
       <p:grpSp>
         <p:nvGrpSpPr>
+          <p:cNvPr id="8" name="Group 7"/>
+          <p:cNvGrpSpPr/>
+          <p:nvPr userDrawn="1"/>
+        </p:nvGrpSpPr>
+        <p:grpSpPr>
+          <a:xfrm>
+            <a:off x="4943475" y="990600"/>
+            <a:ext cx="4078606" cy="2108239"/>
+            <a:chOff x="-1371600" y="1330021"/>
+            <a:chExt cx="2514600" cy="2839971"/>
+          </a:xfrm>
+          <a:solidFill>
+            <a:schemeClr val="bg1"/>
+          </a:solidFill>
+        </p:grpSpPr>
+        <p:sp>
+          <p:nvSpPr>
+            <p:cNvPr id="9" name="Rectangle 8"/>
+            <p:cNvSpPr/>
+            <p:nvPr/>
+          </p:nvSpPr>
+          <p:spPr>
+            <a:xfrm>
+              <a:off x="-1371600" y="1524000"/>
+              <a:ext cx="2514600" cy="2645992"/>
+            </a:xfrm>
+            <a:prstGeom prst="rect">
+              <a:avLst/>
+            </a:prstGeom>
+            <a:grpFill/>
+            <a:ln>
+              <a:solidFill>
+                <a:schemeClr val="accent2">
+                  <a:lumMod val="75000"/>
+                </a:schemeClr>
+              </a:solidFill>
+            </a:ln>
+          </p:spPr>
+          <p:style>
+            <a:lnRef idx="2">
+              <a:schemeClr val="accent1">
+                <a:shade val="50000"/>
+              </a:schemeClr>
+            </a:lnRef>
+            <a:fillRef idx="1">
+              <a:schemeClr val="accent1"/>
+            </a:fillRef>
+            <a:effectRef idx="0">
+              <a:schemeClr val="accent1"/>
+            </a:effectRef>
+            <a:fontRef idx="minor">
+              <a:schemeClr val="lt1"/>
+            </a:fontRef>
+          </p:style>
+          <p:txBody>
+            <a:bodyPr rtlCol="0" anchor="t" anchorCtr="0"/>
+            <a:lstStyle/>
+            <a:p>
+              <a:r>
+                <a:rPr lang="en-US" sz="1400" b="1" dirty="0" smtClean="0">
+                  <a:solidFill>
+                    <a:schemeClr val="accent2">
+                      <a:lumMod val="75000"/>
+                    </a:schemeClr>
+                  </a:solidFill>
+                </a:rPr>
+                <a:t>test</a:t>
+              </a:r>
+              <a:r>
+                <a:rPr lang="en-US" sz="1400" b="1" dirty="0" smtClean="0">
+                  <a:solidFill>
+                    <a:schemeClr val="accent2">
+                      <a:lumMod val="75000"/>
+                    </a:schemeClr>
+                  </a:solidFill>
+                </a:rPr>
+                <a:t>::driver</a:t>
+              </a:r>
+              <a:endParaRPr lang="en-SG" sz="1400" b="1" dirty="0">
+                <a:solidFill>
+                  <a:schemeClr val="accent2">
+                    <a:lumMod val="75000"/>
+                  </a:schemeClr>
+                </a:solidFill>
+              </a:endParaRPr>
+            </a:p>
+          </p:txBody>
+        </p:sp>
+        <p:sp>
+          <p:nvSpPr>
+            <p:cNvPr id="10" name="Rectangle 9"/>
+            <p:cNvSpPr/>
+            <p:nvPr/>
+          </p:nvSpPr>
+          <p:spPr>
+            <a:xfrm>
+              <a:off x="255190" y="1330021"/>
+              <a:ext cx="887809" cy="193980"/>
+            </a:xfrm>
+            <a:prstGeom prst="rect">
+              <a:avLst/>
+            </a:prstGeom>
+            <a:grpFill/>
+            <a:ln>
+              <a:solidFill>
+                <a:schemeClr val="accent2">
+                  <a:lumMod val="75000"/>
+                </a:schemeClr>
+              </a:solidFill>
+            </a:ln>
+          </p:spPr>
+          <p:style>
+            <a:lnRef idx="2">
+              <a:schemeClr val="accent1">
+                <a:shade val="50000"/>
+              </a:schemeClr>
+            </a:lnRef>
+            <a:fillRef idx="1">
+              <a:schemeClr val="accent1"/>
+            </a:fillRef>
+            <a:effectRef idx="0">
+              <a:schemeClr val="accent1"/>
+            </a:effectRef>
+            <a:fontRef idx="minor">
+              <a:schemeClr val="lt1"/>
+            </a:fontRef>
+          </p:style>
+          <p:txBody>
+            <a:bodyPr rtlCol="0" anchor="t" anchorCtr="0"/>
+            <a:lstStyle/>
+            <a:p>
+              <a:pPr algn="ctr"/>
+              <a:endParaRPr lang="en-SG" sz="1400" b="1">
+                <a:solidFill>
+                  <a:schemeClr val="accent2">
+                    <a:lumMod val="75000"/>
+                  </a:schemeClr>
+                </a:solidFill>
+              </a:endParaRPr>
+            </a:p>
+          </p:txBody>
+        </p:sp>
+      </p:grpSp>
+      <p:grpSp>
+        <p:nvGrpSpPr>
           <p:cNvPr id="11" name="Group 10"/>
           <p:cNvGrpSpPr/>
           <p:nvPr userDrawn="1"/>
         </p:nvGrpSpPr>
         <p:grpSpPr>
           <a:xfrm>
-            <a:off x="377700" y="941706"/>
-            <a:ext cx="8582944" cy="3706490"/>
+            <a:off x="447675" y="3244521"/>
+            <a:ext cx="8574408" cy="3350696"/>
             <a:chOff x="-1676400" y="1260789"/>
-            <a:chExt cx="2819400" cy="6674436"/>
+            <a:chExt cx="2819400" cy="5787001"/>
           </a:xfrm>
           <a:solidFill>
             <a:schemeClr val="bg1"/>
@@ -3483,8 +3628,8 @@
           </p:nvSpPr>
           <p:spPr>
             <a:xfrm>
-              <a:off x="-1676400" y="1523998"/>
-              <a:ext cx="2819400" cy="6411227"/>
+              <a:off x="-1676400" y="1523999"/>
+              <a:ext cx="2819400" cy="5523791"/>
             </a:xfrm>
             <a:prstGeom prst="rect">
               <a:avLst/>
@@ -3595,16 +3740,16 @@
       </p:grpSp>
       <p:grpSp>
         <p:nvGrpSpPr>
-          <p:cNvPr id="17" name="Group 16"/>
+          <p:cNvPr id="14" name="Group 13"/>
           <p:cNvGrpSpPr/>
           <p:nvPr userDrawn="1"/>
         </p:nvGrpSpPr>
         <p:grpSpPr>
           <a:xfrm>
-            <a:off x="377709" y="4849491"/>
-            <a:ext cx="8582941" cy="1094104"/>
-            <a:chOff x="-1371600" y="1330021"/>
-            <a:chExt cx="2514600" cy="1598397"/>
+            <a:off x="447674" y="994864"/>
+            <a:ext cx="4267203" cy="2103975"/>
+            <a:chOff x="-1371600" y="1330315"/>
+            <a:chExt cx="2514600" cy="2839677"/>
           </a:xfrm>
           <a:solidFill>
             <a:schemeClr val="bg1"/>
@@ -3612,14 +3757,14 @@
         </p:grpSpPr>
         <p:sp>
           <p:nvSpPr>
-            <p:cNvPr id="18" name="Rectangle 17"/>
+            <p:cNvPr id="15" name="Rectangle 14"/>
             <p:cNvSpPr/>
             <p:nvPr/>
           </p:nvSpPr>
           <p:spPr>
             <a:xfrm>
-              <a:off x="-1371600" y="1523999"/>
-              <a:ext cx="2514600" cy="1404419"/>
+              <a:off x="-1371600" y="1524000"/>
+              <a:ext cx="2514600" cy="2645992"/>
             </a:xfrm>
             <a:prstGeom prst="rect">
               <a:avLst/>
@@ -3661,7 +3806,27 @@
                     </a:schemeClr>
                   </a:solidFill>
                 </a:rPr>
-                <a:t>test::driver</a:t>
+                <a:t>test</a:t>
+              </a:r>
+              <a:r>
+                <a:rPr lang="en-US" sz="1400" b="1" dirty="0" smtClean="0">
+                  <a:solidFill>
+                    <a:schemeClr val="accent2">
+                      <a:lumMod val="75000"/>
+                    </a:schemeClr>
+                  </a:solidFill>
+                </a:rPr>
+                <a:t>::</a:t>
+              </a:r>
+              <a:r>
+                <a:rPr lang="en-US" sz="1400" b="1" dirty="0" err="1" smtClean="0">
+                  <a:solidFill>
+                    <a:schemeClr val="accent2">
+                      <a:lumMod val="75000"/>
+                    </a:schemeClr>
+                  </a:solidFill>
+                </a:rPr>
+                <a:t>pageobjects</a:t>
               </a:r>
               <a:endParaRPr lang="en-SG" sz="1400" b="1" dirty="0">
                 <a:solidFill>
@@ -3675,14 +3840,14 @@
         </p:sp>
         <p:sp>
           <p:nvSpPr>
-            <p:cNvPr id="19" name="Rectangle 18"/>
+            <p:cNvPr id="16" name="Rectangle 15"/>
             <p:cNvSpPr/>
             <p:nvPr/>
           </p:nvSpPr>
           <p:spPr>
             <a:xfrm>
-              <a:off x="615117" y="1330021"/>
-              <a:ext cx="527881" cy="193978"/>
+              <a:off x="294428" y="1330315"/>
+              <a:ext cx="848571" cy="194353"/>
             </a:xfrm>
             <a:prstGeom prst="rect">
               <a:avLst/>
@@ -3753,12 +3918,12 @@
   </p:timing>
   <p:txStyles>
     <p:titleStyle>
-      <a:lvl1pPr algn="ctr" defTabSz="914450" rtl="0" eaLnBrk="1" latinLnBrk="0" hangingPunct="1">
+      <a:lvl1pPr algn="ctr" defTabSz="914400" rtl="0" eaLnBrk="1" latinLnBrk="0" hangingPunct="1">
         <a:spcBef>
           <a:spcPct val="0"/>
         </a:spcBef>
         <a:buNone/>
-        <a:defRPr sz="4401" kern="1200">
+        <a:defRPr sz="4400" kern="1200">
           <a:solidFill>
             <a:schemeClr val="tx1"/>
           </a:solidFill>
@@ -3769,13 +3934,13 @@
       </a:lvl1pPr>
     </p:titleStyle>
     <p:bodyStyle>
-      <a:lvl1pPr marL="342918" indent="-342918" algn="l" defTabSz="914450" rtl="0" eaLnBrk="1" latinLnBrk="0" hangingPunct="1">
+      <a:lvl1pPr marL="342900" indent="-342900" algn="l" defTabSz="914400" rtl="0" eaLnBrk="1" latinLnBrk="0" hangingPunct="1">
         <a:spcBef>
           <a:spcPct val="20000"/>
         </a:spcBef>
         <a:buFont typeface="Arial" pitchFamily="34" charset="0"/>
         <a:buChar char="•"/>
-        <a:defRPr sz="3201" kern="1200">
+        <a:defRPr sz="3200" kern="1200">
           <a:solidFill>
             <a:schemeClr val="tx1"/>
           </a:solidFill>
@@ -3784,7 +3949,7 @@
           <a:cs typeface="+mn-cs"/>
         </a:defRPr>
       </a:lvl1pPr>
-      <a:lvl2pPr marL="742990" indent="-285764" algn="l" defTabSz="914450" rtl="0" eaLnBrk="1" latinLnBrk="0" hangingPunct="1">
+      <a:lvl2pPr marL="742950" indent="-285750" algn="l" defTabSz="914400" rtl="0" eaLnBrk="1" latinLnBrk="0" hangingPunct="1">
         <a:spcBef>
           <a:spcPct val="20000"/>
         </a:spcBef>
@@ -3799,7 +3964,7 @@
           <a:cs typeface="+mn-cs"/>
         </a:defRPr>
       </a:lvl2pPr>
-      <a:lvl3pPr marL="1143060" indent="-228611" algn="l" defTabSz="914450" rtl="0" eaLnBrk="1" latinLnBrk="0" hangingPunct="1">
+      <a:lvl3pPr marL="1143000" indent="-228600" algn="l" defTabSz="914400" rtl="0" eaLnBrk="1" latinLnBrk="0" hangingPunct="1">
         <a:spcBef>
           <a:spcPct val="20000"/>
         </a:spcBef>
@@ -3814,7 +3979,7 @@
           <a:cs typeface="+mn-cs"/>
         </a:defRPr>
       </a:lvl3pPr>
-      <a:lvl4pPr marL="1600286" indent="-228611" algn="l" defTabSz="914450" rtl="0" eaLnBrk="1" latinLnBrk="0" hangingPunct="1">
+      <a:lvl4pPr marL="1600200" indent="-228600" algn="l" defTabSz="914400" rtl="0" eaLnBrk="1" latinLnBrk="0" hangingPunct="1">
         <a:spcBef>
           <a:spcPct val="20000"/>
         </a:spcBef>
@@ -3829,7 +3994,7 @@
           <a:cs typeface="+mn-cs"/>
         </a:defRPr>
       </a:lvl4pPr>
-      <a:lvl5pPr marL="2057509" indent="-228611" algn="l" defTabSz="914450" rtl="0" eaLnBrk="1" latinLnBrk="0" hangingPunct="1">
+      <a:lvl5pPr marL="2057400" indent="-228600" algn="l" defTabSz="914400" rtl="0" eaLnBrk="1" latinLnBrk="0" hangingPunct="1">
         <a:spcBef>
           <a:spcPct val="20000"/>
         </a:spcBef>
@@ -3844,7 +4009,7 @@
           <a:cs typeface="+mn-cs"/>
         </a:defRPr>
       </a:lvl5pPr>
-      <a:lvl6pPr marL="2514735" indent="-228611" algn="l" defTabSz="914450" rtl="0" eaLnBrk="1" latinLnBrk="0" hangingPunct="1">
+      <a:lvl6pPr marL="2514600" indent="-228600" algn="l" defTabSz="914400" rtl="0" eaLnBrk="1" latinLnBrk="0" hangingPunct="1">
         <a:spcBef>
           <a:spcPct val="20000"/>
         </a:spcBef>
@@ -3859,7 +4024,7 @@
           <a:cs typeface="+mn-cs"/>
         </a:defRPr>
       </a:lvl6pPr>
-      <a:lvl7pPr marL="2971959" indent="-228611" algn="l" defTabSz="914450" rtl="0" eaLnBrk="1" latinLnBrk="0" hangingPunct="1">
+      <a:lvl7pPr marL="2971800" indent="-228600" algn="l" defTabSz="914400" rtl="0" eaLnBrk="1" latinLnBrk="0" hangingPunct="1">
         <a:spcBef>
           <a:spcPct val="20000"/>
         </a:spcBef>
@@ -3874,7 +4039,7 @@
           <a:cs typeface="+mn-cs"/>
         </a:defRPr>
       </a:lvl7pPr>
-      <a:lvl8pPr marL="3429184" indent="-228611" algn="l" defTabSz="914450" rtl="0" eaLnBrk="1" latinLnBrk="0" hangingPunct="1">
+      <a:lvl8pPr marL="3429000" indent="-228600" algn="l" defTabSz="914400" rtl="0" eaLnBrk="1" latinLnBrk="0" hangingPunct="1">
         <a:spcBef>
           <a:spcPct val="20000"/>
         </a:spcBef>
@@ -3889,7 +4054,7 @@
           <a:cs typeface="+mn-cs"/>
         </a:defRPr>
       </a:lvl8pPr>
-      <a:lvl9pPr marL="3886408" indent="-228611" algn="l" defTabSz="914450" rtl="0" eaLnBrk="1" latinLnBrk="0" hangingPunct="1">
+      <a:lvl9pPr marL="3886200" indent="-228600" algn="l" defTabSz="914400" rtl="0" eaLnBrk="1" latinLnBrk="0" hangingPunct="1">
         <a:spcBef>
           <a:spcPct val="20000"/>
         </a:spcBef>
@@ -3909,7 +4074,7 @@
       <a:defPPr>
         <a:defRPr lang="en-US"/>
       </a:defPPr>
-      <a:lvl1pPr marL="0" algn="l" defTabSz="914450" rtl="0" eaLnBrk="1" latinLnBrk="0" hangingPunct="1">
+      <a:lvl1pPr marL="0" algn="l" defTabSz="914400" rtl="0" eaLnBrk="1" latinLnBrk="0" hangingPunct="1">
         <a:defRPr sz="1800" kern="1200">
           <a:solidFill>
             <a:schemeClr val="tx1"/>
@@ -3919,7 +4084,7 @@
           <a:cs typeface="+mn-cs"/>
         </a:defRPr>
       </a:lvl1pPr>
-      <a:lvl2pPr marL="457224" algn="l" defTabSz="914450" rtl="0" eaLnBrk="1" latinLnBrk="0" hangingPunct="1">
+      <a:lvl2pPr marL="457200" algn="l" defTabSz="914400" rtl="0" eaLnBrk="1" latinLnBrk="0" hangingPunct="1">
         <a:defRPr sz="1800" kern="1200">
           <a:solidFill>
             <a:schemeClr val="tx1"/>
@@ -3929,7 +4094,7 @@
           <a:cs typeface="+mn-cs"/>
         </a:defRPr>
       </a:lvl2pPr>
-      <a:lvl3pPr marL="914450" algn="l" defTabSz="914450" rtl="0" eaLnBrk="1" latinLnBrk="0" hangingPunct="1">
+      <a:lvl3pPr marL="914400" algn="l" defTabSz="914400" rtl="0" eaLnBrk="1" latinLnBrk="0" hangingPunct="1">
         <a:defRPr sz="1800" kern="1200">
           <a:solidFill>
             <a:schemeClr val="tx1"/>
@@ -3939,7 +4104,7 @@
           <a:cs typeface="+mn-cs"/>
         </a:defRPr>
       </a:lvl3pPr>
-      <a:lvl4pPr marL="1371673" algn="l" defTabSz="914450" rtl="0" eaLnBrk="1" latinLnBrk="0" hangingPunct="1">
+      <a:lvl4pPr marL="1371600" algn="l" defTabSz="914400" rtl="0" eaLnBrk="1" latinLnBrk="0" hangingPunct="1">
         <a:defRPr sz="1800" kern="1200">
           <a:solidFill>
             <a:schemeClr val="tx1"/>
@@ -3949,7 +4114,7 @@
           <a:cs typeface="+mn-cs"/>
         </a:defRPr>
       </a:lvl4pPr>
-      <a:lvl5pPr marL="1828898" algn="l" defTabSz="914450" rtl="0" eaLnBrk="1" latinLnBrk="0" hangingPunct="1">
+      <a:lvl5pPr marL="1828800" algn="l" defTabSz="914400" rtl="0" eaLnBrk="1" latinLnBrk="0" hangingPunct="1">
         <a:defRPr sz="1800" kern="1200">
           <a:solidFill>
             <a:schemeClr val="tx1"/>
@@ -3959,7 +4124,7 @@
           <a:cs typeface="+mn-cs"/>
         </a:defRPr>
       </a:lvl5pPr>
-      <a:lvl6pPr marL="2286123" algn="l" defTabSz="914450" rtl="0" eaLnBrk="1" latinLnBrk="0" hangingPunct="1">
+      <a:lvl6pPr marL="2286000" algn="l" defTabSz="914400" rtl="0" eaLnBrk="1" latinLnBrk="0" hangingPunct="1">
         <a:defRPr sz="1800" kern="1200">
           <a:solidFill>
             <a:schemeClr val="tx1"/>
@@ -3969,7 +4134,7 @@
           <a:cs typeface="+mn-cs"/>
         </a:defRPr>
       </a:lvl6pPr>
-      <a:lvl7pPr marL="2743346" algn="l" defTabSz="914450" rtl="0" eaLnBrk="1" latinLnBrk="0" hangingPunct="1">
+      <a:lvl7pPr marL="2743200" algn="l" defTabSz="914400" rtl="0" eaLnBrk="1" latinLnBrk="0" hangingPunct="1">
         <a:defRPr sz="1800" kern="1200">
           <a:solidFill>
             <a:schemeClr val="tx1"/>
@@ -3979,7 +4144,7 @@
           <a:cs typeface="+mn-cs"/>
         </a:defRPr>
       </a:lvl7pPr>
-      <a:lvl8pPr marL="3200571" algn="l" defTabSz="914450" rtl="0" eaLnBrk="1" latinLnBrk="0" hangingPunct="1">
+      <a:lvl8pPr marL="3200400" algn="l" defTabSz="914400" rtl="0" eaLnBrk="1" latinLnBrk="0" hangingPunct="1">
         <a:defRPr sz="1800" kern="1200">
           <a:solidFill>
             <a:schemeClr val="tx1"/>
@@ -3989,7 +4154,7 @@
           <a:cs typeface="+mn-cs"/>
         </a:defRPr>
       </a:lvl8pPr>
-      <a:lvl9pPr marL="3657795" algn="l" defTabSz="914450" rtl="0" eaLnBrk="1" latinLnBrk="0" hangingPunct="1">
+      <a:lvl9pPr marL="3657600" algn="l" defTabSz="914400" rtl="0" eaLnBrk="1" latinLnBrk="0" hangingPunct="1">
         <a:defRPr sz="1800" kern="1200">
           <a:solidFill>
             <a:schemeClr val="tx1"/>
@@ -4023,14 +4188,566 @@
       </p:grpSpPr>
       <p:sp>
         <p:nvSpPr>
-          <p:cNvPr id="228" name="Rectangle 227"/>
+          <p:cNvPr id="61" name="Rectangle 60"/>
           <p:cNvSpPr/>
           <p:nvPr/>
         </p:nvSpPr>
         <p:spPr>
           <a:xfrm>
-            <a:off x="6802631" y="2790396"/>
-            <a:ext cx="1795114" cy="360000"/>
+            <a:off x="600075" y="2300136"/>
+            <a:ext cx="1800000" cy="360000"/>
+          </a:xfrm>
+          <a:prstGeom prst="rect">
+            <a:avLst/>
+          </a:prstGeom>
+        </p:spPr>
+        <p:style>
+          <a:lnRef idx="2">
+            <a:schemeClr val="accent4">
+              <a:shade val="50000"/>
+            </a:schemeClr>
+          </a:lnRef>
+          <a:fillRef idx="1">
+            <a:schemeClr val="accent4"/>
+          </a:fillRef>
+          <a:effectRef idx="0">
+            <a:schemeClr val="accent4"/>
+          </a:effectRef>
+          <a:fontRef idx="minor">
+            <a:schemeClr val="lt1"/>
+          </a:fontRef>
+        </p:style>
+        <p:txBody>
+          <a:bodyPr rtlCol="0" anchor="ctr"/>
+          <a:lstStyle/>
+          <a:p>
+            <a:pPr algn="ctr"/>
+            <a:r>
+              <a:rPr lang="en-US" sz="1600" b="1" dirty="0" err="1" smtClean="0"/>
+              <a:t>BrowserPool</a:t>
+            </a:r>
+            <a:endParaRPr lang="en-SG" sz="1600" b="1" dirty="0"/>
+          </a:p>
+        </p:txBody>
+      </p:sp>
+      <p:sp>
+        <p:nvSpPr>
+          <p:cNvPr id="63" name="Flowchart: Decision 62"/>
+          <p:cNvSpPr/>
+          <p:nvPr/>
+        </p:nvSpPr>
+        <p:spPr>
+          <a:xfrm>
+            <a:off x="1426795" y="2151306"/>
+            <a:ext cx="141518" cy="127830"/>
+          </a:xfrm>
+          <a:prstGeom prst="flowChartDecision">
+            <a:avLst/>
+          </a:prstGeom>
+        </p:spPr>
+        <p:style>
+          <a:lnRef idx="2">
+            <a:schemeClr val="accent4">
+              <a:shade val="50000"/>
+            </a:schemeClr>
+          </a:lnRef>
+          <a:fillRef idx="1">
+            <a:schemeClr val="accent4"/>
+          </a:fillRef>
+          <a:effectRef idx="0">
+            <a:schemeClr val="accent4"/>
+          </a:effectRef>
+          <a:fontRef idx="minor">
+            <a:schemeClr val="lt1"/>
+          </a:fontRef>
+        </p:style>
+        <p:txBody>
+          <a:bodyPr rtlCol="0" anchor="ctr"/>
+          <a:lstStyle/>
+          <a:p>
+            <a:pPr algn="ctr"/>
+            <a:endParaRPr lang="en-SG"/>
+          </a:p>
+        </p:txBody>
+      </p:sp>
+      <p:cxnSp>
+        <p:nvCxnSpPr>
+          <p:cNvPr id="64" name="Elbow Connector 63"/>
+          <p:cNvCxnSpPr>
+            <a:stCxn id="67" idx="2"/>
+            <a:endCxn id="63" idx="0"/>
+          </p:cNvCxnSpPr>
+          <p:nvPr/>
+        </p:nvCxnSpPr>
+        <p:spPr>
+          <a:xfrm rot="5400000">
+            <a:off x="1361730" y="2012960"/>
+            <a:ext cx="274170" cy="2522"/>
+          </a:xfrm>
+          <a:prstGeom prst="bentConnector3">
+            <a:avLst>
+              <a:gd name="adj1" fmla="val 50000"/>
+            </a:avLst>
+          </a:prstGeom>
+          <a:ln/>
+        </p:spPr>
+        <p:style>
+          <a:lnRef idx="2">
+            <a:schemeClr val="accent4">
+              <a:shade val="50000"/>
+            </a:schemeClr>
+          </a:lnRef>
+          <a:fillRef idx="1">
+            <a:schemeClr val="accent4"/>
+          </a:fillRef>
+          <a:effectRef idx="0">
+            <a:schemeClr val="accent4"/>
+          </a:effectRef>
+          <a:fontRef idx="minor">
+            <a:schemeClr val="lt1"/>
+          </a:fontRef>
+        </p:style>
+      </p:cxnSp>
+      <p:cxnSp>
+        <p:nvCxnSpPr>
+          <p:cNvPr id="65" name="Straight Arrow Connector 64"/>
+          <p:cNvCxnSpPr/>
+          <p:nvPr/>
+        </p:nvCxnSpPr>
+        <p:spPr>
+          <a:xfrm rot="16200000" flipH="1" flipV="1">
+            <a:off x="2198126" y="765000"/>
+            <a:ext cx="756000" cy="0"/>
+          </a:xfrm>
+          <a:prstGeom prst="straightConnector1">
+            <a:avLst/>
+          </a:prstGeom>
+          <a:ln w="38100">
+            <a:solidFill>
+              <a:schemeClr val="accent2">
+                <a:lumMod val="75000"/>
+              </a:schemeClr>
+            </a:solidFill>
+            <a:prstDash val="sysDash"/>
+            <a:headEnd type="arrow" w="med" len="med"/>
+            <a:tailEnd type="none" w="med" len="med"/>
+          </a:ln>
+        </p:spPr>
+        <p:style>
+          <a:lnRef idx="1">
+            <a:schemeClr val="accent1"/>
+          </a:lnRef>
+          <a:fillRef idx="0">
+            <a:schemeClr val="accent1"/>
+          </a:fillRef>
+          <a:effectRef idx="0">
+            <a:schemeClr val="accent1"/>
+          </a:effectRef>
+          <a:fontRef idx="minor">
+            <a:schemeClr val="tx1"/>
+          </a:fontRef>
+        </p:style>
+      </p:cxnSp>
+      <p:sp>
+        <p:nvSpPr>
+          <p:cNvPr id="66" name="TextBox 65"/>
+          <p:cNvSpPr txBox="1"/>
+          <p:nvPr/>
+        </p:nvSpPr>
+        <p:spPr>
+          <a:xfrm>
+            <a:off x="1557396" y="105475"/>
+            <a:ext cx="2062480" cy="288000"/>
+          </a:xfrm>
+          <a:prstGeom prst="rect">
+            <a:avLst/>
+          </a:prstGeom>
+          <a:grpFill/>
+          <a:ln>
+            <a:noFill/>
+          </a:ln>
+        </p:spPr>
+        <p:style>
+          <a:lnRef idx="2">
+            <a:schemeClr val="accent1">
+              <a:shade val="50000"/>
+            </a:schemeClr>
+          </a:lnRef>
+          <a:fillRef idx="1">
+            <a:schemeClr val="accent1"/>
+          </a:fillRef>
+          <a:effectRef idx="0">
+            <a:schemeClr val="accent1"/>
+          </a:effectRef>
+          <a:fontRef idx="minor">
+            <a:schemeClr val="lt1"/>
+          </a:fontRef>
+        </p:style>
+        <p:txBody>
+          <a:bodyPr rtlCol="0" anchor="t" anchorCtr="0"/>
+          <a:lstStyle>
+            <a:defPPr>
+              <a:defRPr lang="en-US"/>
+            </a:defPPr>
+            <a:lvl1pPr>
+              <a:defRPr sz="1400" b="1">
+                <a:solidFill>
+                  <a:srgbClr val="7030A0"/>
+                </a:solidFill>
+              </a:defRPr>
+            </a:lvl1pPr>
+            <a:lvl2pPr>
+              <a:defRPr>
+                <a:solidFill>
+                  <a:schemeClr val="lt1"/>
+                </a:solidFill>
+              </a:defRPr>
+            </a:lvl2pPr>
+            <a:lvl3pPr>
+              <a:defRPr>
+                <a:solidFill>
+                  <a:schemeClr val="lt1"/>
+                </a:solidFill>
+              </a:defRPr>
+            </a:lvl3pPr>
+            <a:lvl4pPr>
+              <a:defRPr>
+                <a:solidFill>
+                  <a:schemeClr val="lt1"/>
+                </a:solidFill>
+              </a:defRPr>
+            </a:lvl4pPr>
+            <a:lvl5pPr>
+              <a:defRPr>
+                <a:solidFill>
+                  <a:schemeClr val="lt1"/>
+                </a:solidFill>
+              </a:defRPr>
+            </a:lvl5pPr>
+            <a:lvl6pPr>
+              <a:defRPr>
+                <a:solidFill>
+                  <a:schemeClr val="lt1"/>
+                </a:solidFill>
+              </a:defRPr>
+            </a:lvl6pPr>
+            <a:lvl7pPr>
+              <a:defRPr>
+                <a:solidFill>
+                  <a:schemeClr val="lt1"/>
+                </a:solidFill>
+              </a:defRPr>
+            </a:lvl7pPr>
+            <a:lvl8pPr>
+              <a:defRPr>
+                <a:solidFill>
+                  <a:schemeClr val="lt1"/>
+                </a:solidFill>
+              </a:defRPr>
+            </a:lvl8pPr>
+            <a:lvl9pPr>
+              <a:defRPr>
+                <a:solidFill>
+                  <a:schemeClr val="lt1"/>
+                </a:solidFill>
+              </a:defRPr>
+            </a:lvl9pPr>
+          </a:lstStyle>
+          <a:p>
+            <a:pPr algn="ctr"/>
+            <a:r>
+              <a:rPr lang="en-US" dirty="0" smtClean="0">
+                <a:solidFill>
+                  <a:schemeClr val="tx1"/>
+                </a:solidFill>
+              </a:rPr>
+              <a:t>Selenium Web Driver</a:t>
+            </a:r>
+            <a:endParaRPr lang="en-SG" dirty="0">
+              <a:solidFill>
+                <a:schemeClr val="tx1"/>
+              </a:solidFill>
+            </a:endParaRPr>
+          </a:p>
+        </p:txBody>
+      </p:sp>
+      <p:sp>
+        <p:nvSpPr>
+          <p:cNvPr id="67" name="Rectangle 66"/>
+          <p:cNvSpPr/>
+          <p:nvPr/>
+        </p:nvSpPr>
+        <p:spPr>
+          <a:xfrm>
+            <a:off x="600076" y="1517136"/>
+            <a:ext cx="1800000" cy="360000"/>
+          </a:xfrm>
+          <a:prstGeom prst="rect">
+            <a:avLst/>
+          </a:prstGeom>
+        </p:spPr>
+        <p:style>
+          <a:lnRef idx="2">
+            <a:schemeClr val="accent4">
+              <a:shade val="50000"/>
+            </a:schemeClr>
+          </a:lnRef>
+          <a:fillRef idx="1">
+            <a:schemeClr val="accent4"/>
+          </a:fillRef>
+          <a:effectRef idx="0">
+            <a:schemeClr val="accent4"/>
+          </a:effectRef>
+          <a:fontRef idx="minor">
+            <a:schemeClr val="lt1"/>
+          </a:fontRef>
+        </p:style>
+        <p:txBody>
+          <a:bodyPr rtlCol="0" anchor="ctr"/>
+          <a:lstStyle/>
+          <a:p>
+            <a:pPr algn="ctr"/>
+            <a:r>
+              <a:rPr lang="en-US" sz="1600" b="1" dirty="0" smtClean="0"/>
+              <a:t>Browser</a:t>
+            </a:r>
+            <a:endParaRPr lang="en-SG" sz="1600" b="1" dirty="0"/>
+          </a:p>
+        </p:txBody>
+      </p:sp>
+      <p:sp>
+        <p:nvSpPr>
+          <p:cNvPr id="68" name="Rectangle 67"/>
+          <p:cNvSpPr/>
+          <p:nvPr/>
+        </p:nvSpPr>
+        <p:spPr>
+          <a:xfrm>
+            <a:off x="2659837" y="1512309"/>
+            <a:ext cx="1799999" cy="360000"/>
+          </a:xfrm>
+          <a:prstGeom prst="rect">
+            <a:avLst/>
+          </a:prstGeom>
+        </p:spPr>
+        <p:style>
+          <a:lnRef idx="2">
+            <a:schemeClr val="accent5">
+              <a:shade val="50000"/>
+            </a:schemeClr>
+          </a:lnRef>
+          <a:fillRef idx="1">
+            <a:schemeClr val="accent5"/>
+          </a:fillRef>
+          <a:effectRef idx="0">
+            <a:schemeClr val="accent5"/>
+          </a:effectRef>
+          <a:fontRef idx="minor">
+            <a:schemeClr val="lt1"/>
+          </a:fontRef>
+        </p:style>
+        <p:txBody>
+          <a:bodyPr rtlCol="0" anchor="ctr"/>
+          <a:lstStyle/>
+          <a:p>
+            <a:pPr algn="ctr"/>
+            <a:r>
+              <a:rPr lang="en-US" sz="1600" b="1" dirty="0" err="1"/>
+              <a:t>AppPage</a:t>
+            </a:r>
+            <a:endParaRPr lang="en-SG" sz="1600" b="1" dirty="0"/>
+          </a:p>
+        </p:txBody>
+      </p:sp>
+      <p:sp>
+        <p:nvSpPr>
+          <p:cNvPr id="69" name="Isosceles Triangle 68"/>
+          <p:cNvSpPr/>
+          <p:nvPr/>
+        </p:nvSpPr>
+        <p:spPr>
+          <a:xfrm>
+            <a:off x="3487836" y="1893926"/>
+            <a:ext cx="144000" cy="144000"/>
+          </a:xfrm>
+          <a:prstGeom prst="triangle">
+            <a:avLst/>
+          </a:prstGeom>
+        </p:spPr>
+        <p:style>
+          <a:lnRef idx="2">
+            <a:schemeClr val="accent5">
+              <a:shade val="50000"/>
+            </a:schemeClr>
+          </a:lnRef>
+          <a:fillRef idx="1">
+            <a:schemeClr val="accent5"/>
+          </a:fillRef>
+          <a:effectRef idx="0">
+            <a:schemeClr val="accent5"/>
+          </a:effectRef>
+          <a:fontRef idx="minor">
+            <a:schemeClr val="lt1"/>
+          </a:fontRef>
+        </p:style>
+        <p:txBody>
+          <a:bodyPr rtlCol="0" anchor="ctr"/>
+          <a:lstStyle/>
+          <a:p>
+            <a:pPr algn="ctr"/>
+            <a:endParaRPr lang="en-SG" sz="1600" b="1"/>
+          </a:p>
+        </p:txBody>
+      </p:sp>
+      <p:grpSp>
+        <p:nvGrpSpPr>
+          <p:cNvPr id="78" name="Group 77"/>
+          <p:cNvGrpSpPr/>
+          <p:nvPr/>
+        </p:nvGrpSpPr>
+        <p:grpSpPr>
+          <a:xfrm>
+            <a:off x="2659836" y="2355336"/>
+            <a:ext cx="1920080" cy="464064"/>
+            <a:chOff x="7005724" y="2667000"/>
+            <a:chExt cx="1920080" cy="464064"/>
+          </a:xfrm>
+        </p:grpSpPr>
+        <p:sp>
+          <p:nvSpPr>
+            <p:cNvPr id="79" name="Rectangle 78"/>
+            <p:cNvSpPr/>
+            <p:nvPr/>
+          </p:nvSpPr>
+          <p:spPr>
+            <a:xfrm>
+              <a:off x="7005724" y="2667000"/>
+              <a:ext cx="1800000" cy="360000"/>
+            </a:xfrm>
+            <a:prstGeom prst="rect">
+              <a:avLst/>
+            </a:prstGeom>
+          </p:spPr>
+          <p:style>
+            <a:lnRef idx="2">
+              <a:schemeClr val="accent5">
+                <a:shade val="50000"/>
+              </a:schemeClr>
+            </a:lnRef>
+            <a:fillRef idx="1">
+              <a:schemeClr val="accent5"/>
+            </a:fillRef>
+            <a:effectRef idx="0">
+              <a:schemeClr val="accent5"/>
+            </a:effectRef>
+            <a:fontRef idx="minor">
+              <a:schemeClr val="lt1"/>
+            </a:fontRef>
+          </p:style>
+          <p:txBody>
+            <a:bodyPr lIns="0" rIns="0" rtlCol="0" anchor="ctr"/>
+            <a:lstStyle/>
+            <a:p>
+              <a:pPr algn="ctr"/>
+              <a:endParaRPr lang="en-SG" sz="1600" b="1" dirty="0"/>
+            </a:p>
+          </p:txBody>
+        </p:sp>
+        <p:sp>
+          <p:nvSpPr>
+            <p:cNvPr id="80" name="Rectangle 79"/>
+            <p:cNvSpPr/>
+            <p:nvPr/>
+          </p:nvSpPr>
+          <p:spPr>
+            <a:xfrm>
+              <a:off x="7065764" y="2719032"/>
+              <a:ext cx="1800000" cy="360000"/>
+            </a:xfrm>
+            <a:prstGeom prst="rect">
+              <a:avLst/>
+            </a:prstGeom>
+          </p:spPr>
+          <p:style>
+            <a:lnRef idx="2">
+              <a:schemeClr val="accent5">
+                <a:shade val="50000"/>
+              </a:schemeClr>
+            </a:lnRef>
+            <a:fillRef idx="1">
+              <a:schemeClr val="accent5"/>
+            </a:fillRef>
+            <a:effectRef idx="0">
+              <a:schemeClr val="accent5"/>
+            </a:effectRef>
+            <a:fontRef idx="minor">
+              <a:schemeClr val="lt1"/>
+            </a:fontRef>
+          </p:style>
+          <p:txBody>
+            <a:bodyPr lIns="0" rIns="0" rtlCol="0" anchor="ctr"/>
+            <a:lstStyle/>
+            <a:p>
+              <a:pPr algn="ctr"/>
+              <a:endParaRPr lang="en-SG" sz="1600" b="1" dirty="0"/>
+            </a:p>
+          </p:txBody>
+        </p:sp>
+        <p:sp>
+          <p:nvSpPr>
+            <p:cNvPr id="81" name="Rectangle 80"/>
+            <p:cNvSpPr/>
+            <p:nvPr/>
+          </p:nvSpPr>
+          <p:spPr>
+            <a:xfrm>
+              <a:off x="7125804" y="2771064"/>
+              <a:ext cx="1800000" cy="360000"/>
+            </a:xfrm>
+            <a:prstGeom prst="rect">
+              <a:avLst/>
+            </a:prstGeom>
+          </p:spPr>
+          <p:style>
+            <a:lnRef idx="2">
+              <a:schemeClr val="accent5">
+                <a:shade val="50000"/>
+              </a:schemeClr>
+            </a:lnRef>
+            <a:fillRef idx="1">
+              <a:schemeClr val="accent5"/>
+            </a:fillRef>
+            <a:effectRef idx="0">
+              <a:schemeClr val="accent5"/>
+            </a:effectRef>
+            <a:fontRef idx="minor">
+              <a:schemeClr val="lt1"/>
+            </a:fontRef>
+          </p:style>
+          <p:txBody>
+            <a:bodyPr lIns="0" rIns="0" rtlCol="0" anchor="ctr"/>
+            <a:lstStyle/>
+            <a:p>
+              <a:pPr algn="ctr"/>
+              <a:r>
+                <a:rPr lang="en-US" sz="1600" b="1" dirty="0" smtClean="0"/>
+                <a:t>*Page</a:t>
+              </a:r>
+              <a:endParaRPr lang="en-SG" sz="1600" b="1" dirty="0"/>
+            </a:p>
+          </p:txBody>
+        </p:sp>
+      </p:grpSp>
+      <p:sp>
+        <p:nvSpPr>
+          <p:cNvPr id="87" name="Rectangle 86"/>
+          <p:cNvSpPr/>
+          <p:nvPr/>
+        </p:nvSpPr>
+        <p:spPr>
+          <a:xfrm>
+            <a:off x="5095875" y="2459400"/>
+            <a:ext cx="1800000" cy="360000"/>
           </a:xfrm>
           <a:prstGeom prst="rect">
             <a:avLst/>
@@ -4058,8 +4775,8 @@
           <a:p>
             <a:pPr algn="ctr"/>
             <a:r>
-              <a:rPr lang="en-US" sz="1600" b="1" dirty="0" err="1"/>
-              <a:t>BaseTestCase</a:t>
+              <a:rPr lang="en-US" sz="1600" b="1" dirty="0" err="1" smtClean="0"/>
+              <a:t>GaeSimulation</a:t>
             </a:r>
             <a:endParaRPr lang="en-SG" sz="1600" b="1" dirty="0"/>
           </a:p>
@@ -4067,49 +4784,507 @@
       </p:sp>
       <p:sp>
         <p:nvSpPr>
-          <p:cNvPr id="229" name="Rectangle 228"/>
+          <p:cNvPr id="88" name="Rectangle 87"/>
           <p:cNvSpPr/>
           <p:nvPr/>
         </p:nvSpPr>
         <p:spPr>
           <a:xfrm>
-            <a:off x="6810515" y="3794186"/>
-            <a:ext cx="1800000" cy="648000"/>
-          </a:xfrm>
-          <a:prstGeom prst="rect">
-            <a:avLst/>
-          </a:prstGeom>
-          <a:ln/>
+            <a:off x="7074600" y="1981377"/>
+            <a:ext cx="1800000" cy="360000"/>
+          </a:xfrm>
+          <a:prstGeom prst="rect">
+            <a:avLst/>
+          </a:prstGeom>
         </p:spPr>
         <p:style>
           <a:lnRef idx="2">
-            <a:schemeClr val="accent2">
+            <a:schemeClr val="accent3">
               <a:shade val="50000"/>
             </a:schemeClr>
           </a:lnRef>
           <a:fillRef idx="1">
-            <a:schemeClr val="accent2"/>
+            <a:schemeClr val="accent3"/>
           </a:fillRef>
           <a:effectRef idx="0">
-            <a:schemeClr val="accent2"/>
+            <a:schemeClr val="accent3"/>
           </a:effectRef>
           <a:fontRef idx="minor">
             <a:schemeClr val="lt1"/>
           </a:fontRef>
         </p:style>
         <p:txBody>
-          <a:bodyPr lIns="0" rIns="0" rtlCol="0" anchor="ctr"/>
+          <a:bodyPr rtlCol="0" anchor="ctr"/>
           <a:lstStyle/>
           <a:p>
             <a:pPr algn="ctr"/>
             <a:r>
               <a:rPr lang="en-US" sz="1600" b="1" dirty="0" err="1"/>
-              <a:t>BaseComponent</a:t>
-            </a:r>
-            <a:endParaRPr lang="en-US" sz="1600" b="1" dirty="0"/>
-          </a:p>
+              <a:t>EmailAccount</a:t>
+            </a:r>
+            <a:endParaRPr lang="en-SG" sz="1600" b="1" dirty="0"/>
+          </a:p>
+        </p:txBody>
+      </p:sp>
+      <p:sp>
+        <p:nvSpPr>
+          <p:cNvPr id="89" name="Rectangle 88"/>
+          <p:cNvSpPr/>
+          <p:nvPr/>
+        </p:nvSpPr>
+        <p:spPr>
+          <a:xfrm>
+            <a:off x="7074600" y="2459400"/>
+            <a:ext cx="1800000" cy="360000"/>
+          </a:xfrm>
+          <a:prstGeom prst="rect">
+            <a:avLst/>
+          </a:prstGeom>
+        </p:spPr>
+        <p:style>
+          <a:lnRef idx="2">
+            <a:schemeClr val="accent3">
+              <a:shade val="50000"/>
+            </a:schemeClr>
+          </a:lnRef>
+          <a:fillRef idx="1">
+            <a:schemeClr val="accent3"/>
+          </a:fillRef>
+          <a:effectRef idx="0">
+            <a:schemeClr val="accent3"/>
+          </a:effectRef>
+          <a:fontRef idx="minor">
+            <a:schemeClr val="lt1"/>
+          </a:fontRef>
+        </p:style>
+        <p:txBody>
+          <a:bodyPr rtlCol="0" anchor="ctr"/>
+          <a:lstStyle/>
           <a:p>
             <a:pPr algn="ctr"/>
+            <a:r>
+              <a:rPr lang="en-US" sz="1600" b="1" dirty="0" err="1" smtClean="0"/>
+              <a:t>BackDoor</a:t>
+            </a:r>
+            <a:endParaRPr lang="en-SG" sz="1600" b="1" dirty="0"/>
+          </a:p>
+        </p:txBody>
+      </p:sp>
+      <p:sp>
+        <p:nvSpPr>
+          <p:cNvPr id="94" name="Rectangle 93"/>
+          <p:cNvSpPr/>
+          <p:nvPr/>
+        </p:nvSpPr>
+        <p:spPr>
+          <a:xfrm>
+            <a:off x="7075249" y="1503355"/>
+            <a:ext cx="1800000" cy="360000"/>
+          </a:xfrm>
+          <a:prstGeom prst="rect">
+            <a:avLst/>
+          </a:prstGeom>
+        </p:spPr>
+        <p:style>
+          <a:lnRef idx="2">
+            <a:schemeClr val="accent3">
+              <a:shade val="50000"/>
+            </a:schemeClr>
+          </a:lnRef>
+          <a:fillRef idx="1">
+            <a:schemeClr val="accent3"/>
+          </a:fillRef>
+          <a:effectRef idx="0">
+            <a:schemeClr val="accent3"/>
+          </a:effectRef>
+          <a:fontRef idx="minor">
+            <a:schemeClr val="lt1"/>
+          </a:fontRef>
+        </p:style>
+        <p:txBody>
+          <a:bodyPr rtlCol="0" anchor="ctr"/>
+          <a:lstStyle/>
+          <a:p>
+            <a:pPr algn="ctr"/>
+            <a:r>
+              <a:rPr lang="en-US" sz="1600" b="1" dirty="0" err="1"/>
+              <a:t>TestProperties</a:t>
+            </a:r>
+            <a:endParaRPr lang="en-SG" sz="1600" b="1" dirty="0"/>
+          </a:p>
+        </p:txBody>
+      </p:sp>
+      <p:sp>
+        <p:nvSpPr>
+          <p:cNvPr id="96" name="Rectangle 95"/>
+          <p:cNvSpPr/>
+          <p:nvPr/>
+        </p:nvSpPr>
+        <p:spPr>
+          <a:xfrm>
+            <a:off x="5095875" y="1500553"/>
+            <a:ext cx="1800000" cy="360000"/>
+          </a:xfrm>
+          <a:prstGeom prst="rect">
+            <a:avLst/>
+          </a:prstGeom>
+        </p:spPr>
+        <p:style>
+          <a:lnRef idx="2">
+            <a:schemeClr val="accent3">
+              <a:shade val="50000"/>
+            </a:schemeClr>
+          </a:lnRef>
+          <a:fillRef idx="1">
+            <a:schemeClr val="accent3"/>
+          </a:fillRef>
+          <a:effectRef idx="0">
+            <a:schemeClr val="accent3"/>
+          </a:effectRef>
+          <a:fontRef idx="minor">
+            <a:schemeClr val="lt1"/>
+          </a:fontRef>
+        </p:style>
+        <p:txBody>
+          <a:bodyPr rtlCol="0" anchor="ctr"/>
+          <a:lstStyle/>
+          <a:p>
+            <a:pPr algn="ctr"/>
+            <a:r>
+              <a:rPr lang="en-US" sz="1600" b="1" dirty="0" err="1" smtClean="0"/>
+              <a:t>FileHelper</a:t>
+            </a:r>
+            <a:endParaRPr lang="en-SG" sz="1600" b="1" dirty="0"/>
+          </a:p>
+        </p:txBody>
+      </p:sp>
+      <p:grpSp>
+        <p:nvGrpSpPr>
+          <p:cNvPr id="98" name="Group 97"/>
+          <p:cNvGrpSpPr/>
+          <p:nvPr/>
+        </p:nvGrpSpPr>
+        <p:grpSpPr>
+          <a:xfrm>
+            <a:off x="600076" y="3505200"/>
+            <a:ext cx="2497311" cy="1539074"/>
+            <a:chOff x="3190875" y="1032304"/>
+            <a:chExt cx="2362200" cy="1396653"/>
+          </a:xfrm>
+          <a:solidFill>
+            <a:schemeClr val="bg1">
+              <a:lumMod val="75000"/>
+            </a:schemeClr>
+          </a:solidFill>
+        </p:grpSpPr>
+        <p:sp>
+          <p:nvSpPr>
+            <p:cNvPr id="99" name="Rectangle 35"/>
+            <p:cNvSpPr/>
+            <p:nvPr/>
+          </p:nvSpPr>
+          <p:spPr>
+            <a:xfrm>
+              <a:off x="3190875" y="1032304"/>
+              <a:ext cx="2362200" cy="1396653"/>
+            </a:xfrm>
+            <a:custGeom>
+              <a:avLst/>
+              <a:gdLst/>
+              <a:ahLst/>
+              <a:cxnLst/>
+              <a:rect l="l" t="t" r="r" b="b"/>
+              <a:pathLst>
+                <a:path w="2362200" h="1101295">
+                  <a:moveTo>
+                    <a:pt x="1524000" y="0"/>
+                  </a:moveTo>
+                  <a:lnTo>
+                    <a:pt x="2361824" y="0"/>
+                  </a:lnTo>
+                  <a:lnTo>
+                    <a:pt x="2361824" y="129015"/>
+                  </a:lnTo>
+                  <a:lnTo>
+                    <a:pt x="2362200" y="129015"/>
+                  </a:lnTo>
+                  <a:lnTo>
+                    <a:pt x="2362200" y="1101295"/>
+                  </a:lnTo>
+                  <a:lnTo>
+                    <a:pt x="0" y="1101295"/>
+                  </a:lnTo>
+                  <a:lnTo>
+                    <a:pt x="0" y="129015"/>
+                  </a:lnTo>
+                  <a:lnTo>
+                    <a:pt x="1524000" y="129015"/>
+                  </a:lnTo>
+                  <a:close/>
+                </a:path>
+              </a:pathLst>
+            </a:custGeom>
+            <a:grpFill/>
+            <a:ln>
+              <a:noFill/>
+            </a:ln>
+          </p:spPr>
+          <p:style>
+            <a:lnRef idx="2">
+              <a:schemeClr val="accent1">
+                <a:shade val="50000"/>
+              </a:schemeClr>
+            </a:lnRef>
+            <a:fillRef idx="1">
+              <a:schemeClr val="accent1"/>
+            </a:fillRef>
+            <a:effectRef idx="0">
+              <a:schemeClr val="accent1"/>
+            </a:effectRef>
+            <a:fontRef idx="minor">
+              <a:schemeClr val="lt1"/>
+            </a:fontRef>
+          </p:style>
+          <p:txBody>
+            <a:bodyPr tIns="180000" rtlCol="0" anchor="t" anchorCtr="0"/>
+            <a:lstStyle/>
+            <a:p>
+              <a:r>
+                <a:rPr lang="en-US" sz="1400" b="1" dirty="0" smtClean="0"/>
+                <a:t>::logic, ::storage, ::action, ::automated, ::search</a:t>
+              </a:r>
+              <a:endParaRPr lang="en-SG" sz="1400" b="1" dirty="0"/>
+            </a:p>
+          </p:txBody>
+        </p:sp>
+        <p:cxnSp>
+          <p:nvCxnSpPr>
+            <p:cNvPr id="100" name="Straight Connector 99"/>
+            <p:cNvCxnSpPr/>
+            <p:nvPr/>
+          </p:nvCxnSpPr>
+          <p:spPr>
+            <a:xfrm>
+              <a:off x="4714875" y="1163930"/>
+              <a:ext cx="838200" cy="0"/>
+            </a:xfrm>
+            <a:prstGeom prst="line">
+              <a:avLst/>
+            </a:prstGeom>
+            <a:grpFill/>
+            <a:ln w="19050">
+              <a:solidFill>
+                <a:schemeClr val="bg1"/>
+              </a:solidFill>
+            </a:ln>
+          </p:spPr>
+          <p:style>
+            <a:lnRef idx="1">
+              <a:schemeClr val="accent1"/>
+            </a:lnRef>
+            <a:fillRef idx="0">
+              <a:schemeClr val="accent1"/>
+            </a:fillRef>
+            <a:effectRef idx="0">
+              <a:schemeClr val="accent1"/>
+            </a:effectRef>
+            <a:fontRef idx="minor">
+              <a:schemeClr val="tx1"/>
+            </a:fontRef>
+          </p:style>
+        </p:cxnSp>
+      </p:grpSp>
+      <p:grpSp>
+        <p:nvGrpSpPr>
+          <p:cNvPr id="101" name="Group 100"/>
+          <p:cNvGrpSpPr/>
+          <p:nvPr/>
+        </p:nvGrpSpPr>
+        <p:grpSpPr>
+          <a:xfrm>
+            <a:off x="5324475" y="3505200"/>
+            <a:ext cx="2362200" cy="872695"/>
+            <a:chOff x="3190875" y="1032305"/>
+            <a:chExt cx="2362200" cy="872695"/>
+          </a:xfrm>
+          <a:solidFill>
+            <a:schemeClr val="bg1">
+              <a:lumMod val="75000"/>
+            </a:schemeClr>
+          </a:solidFill>
+        </p:grpSpPr>
+        <p:sp>
+          <p:nvSpPr>
+            <p:cNvPr id="102" name="Rectangle 35"/>
+            <p:cNvSpPr/>
+            <p:nvPr/>
+          </p:nvSpPr>
+          <p:spPr>
+            <a:xfrm>
+              <a:off x="3190875" y="1032305"/>
+              <a:ext cx="2362200" cy="872695"/>
+            </a:xfrm>
+            <a:custGeom>
+              <a:avLst/>
+              <a:gdLst/>
+              <a:ahLst/>
+              <a:cxnLst/>
+              <a:rect l="l" t="t" r="r" b="b"/>
+              <a:pathLst>
+                <a:path w="2362200" h="1101295">
+                  <a:moveTo>
+                    <a:pt x="1524000" y="0"/>
+                  </a:moveTo>
+                  <a:lnTo>
+                    <a:pt x="2361824" y="0"/>
+                  </a:lnTo>
+                  <a:lnTo>
+                    <a:pt x="2361824" y="129015"/>
+                  </a:lnTo>
+                  <a:lnTo>
+                    <a:pt x="2362200" y="129015"/>
+                  </a:lnTo>
+                  <a:lnTo>
+                    <a:pt x="2362200" y="1101295"/>
+                  </a:lnTo>
+                  <a:lnTo>
+                    <a:pt x="0" y="1101295"/>
+                  </a:lnTo>
+                  <a:lnTo>
+                    <a:pt x="0" y="129015"/>
+                  </a:lnTo>
+                  <a:lnTo>
+                    <a:pt x="1524000" y="129015"/>
+                  </a:lnTo>
+                  <a:close/>
+                </a:path>
+              </a:pathLst>
+            </a:custGeom>
+            <a:grpFill/>
+            <a:ln>
+              <a:noFill/>
+            </a:ln>
+          </p:spPr>
+          <p:style>
+            <a:lnRef idx="2">
+              <a:schemeClr val="accent1">
+                <a:shade val="50000"/>
+              </a:schemeClr>
+            </a:lnRef>
+            <a:fillRef idx="1">
+              <a:schemeClr val="accent1"/>
+            </a:fillRef>
+            <a:effectRef idx="0">
+              <a:schemeClr val="accent1"/>
+            </a:effectRef>
+            <a:fontRef idx="minor">
+              <a:schemeClr val="lt1"/>
+            </a:fontRef>
+          </p:style>
+          <p:txBody>
+            <a:bodyPr rtlCol="0" anchor="t" anchorCtr="0"/>
+            <a:lstStyle/>
+            <a:p>
+              <a:pPr>
+                <a:lnSpc>
+                  <a:spcPct val="150000"/>
+                </a:lnSpc>
+                <a:spcBef>
+                  <a:spcPts val="600"/>
+                </a:spcBef>
+              </a:pPr>
+              <a:r>
+                <a:rPr lang="en-US" sz="1400" b="1" dirty="0" smtClean="0"/>
+                <a:t>::</a:t>
+              </a:r>
+              <a:r>
+                <a:rPr lang="en-US" sz="1400" b="1" dirty="0" err="1" smtClean="0"/>
+                <a:t>browsertests</a:t>
+              </a:r>
+              <a:endParaRPr lang="en-SG" sz="1400" b="1" dirty="0"/>
+            </a:p>
+          </p:txBody>
+        </p:sp>
+        <p:cxnSp>
+          <p:nvCxnSpPr>
+            <p:cNvPr id="103" name="Straight Connector 102"/>
+            <p:cNvCxnSpPr/>
+            <p:nvPr/>
+          </p:nvCxnSpPr>
+          <p:spPr>
+            <a:xfrm>
+              <a:off x="4714875" y="1123350"/>
+              <a:ext cx="838200" cy="0"/>
+            </a:xfrm>
+            <a:prstGeom prst="line">
+              <a:avLst/>
+            </a:prstGeom>
+            <a:grpFill/>
+            <a:ln w="19050">
+              <a:solidFill>
+                <a:schemeClr val="bg1"/>
+              </a:solidFill>
+            </a:ln>
+          </p:spPr>
+          <p:style>
+            <a:lnRef idx="1">
+              <a:schemeClr val="accent1"/>
+            </a:lnRef>
+            <a:fillRef idx="0">
+              <a:schemeClr val="accent1"/>
+            </a:fillRef>
+            <a:effectRef idx="0">
+              <a:schemeClr val="accent1"/>
+            </a:effectRef>
+            <a:fontRef idx="minor">
+              <a:schemeClr val="tx1"/>
+            </a:fontRef>
+          </p:style>
+        </p:cxnSp>
+      </p:grpSp>
+      <p:sp>
+        <p:nvSpPr>
+          <p:cNvPr id="105" name="Rectangle 104"/>
+          <p:cNvSpPr/>
+          <p:nvPr/>
+        </p:nvSpPr>
+        <p:spPr>
+          <a:xfrm>
+            <a:off x="7772276" y="5528131"/>
+            <a:ext cx="1066800" cy="491669"/>
+          </a:xfrm>
+          <a:prstGeom prst="rect">
+            <a:avLst/>
+          </a:prstGeom>
+        </p:spPr>
+        <p:style>
+          <a:lnRef idx="2">
+            <a:schemeClr val="accent3">
+              <a:shade val="50000"/>
+            </a:schemeClr>
+          </a:lnRef>
+          <a:fillRef idx="1">
+            <a:schemeClr val="accent3"/>
+          </a:fillRef>
+          <a:effectRef idx="0">
+            <a:schemeClr val="accent3"/>
+          </a:effectRef>
+          <a:fontRef idx="minor">
+            <a:schemeClr val="lt1"/>
+          </a:fontRef>
+        </p:style>
+        <p:txBody>
+          <a:bodyPr rtlCol="0" anchor="ctr"/>
+          <a:lstStyle/>
+          <a:p>
+            <a:pPr algn="ctr"/>
+            <a:r>
+              <a:rPr lang="en-US" sz="1600" b="1" dirty="0"/>
+              <a:t>Base</a:t>
+            </a:r>
+            <a:br>
+              <a:rPr lang="en-US" sz="1600" b="1" dirty="0"/>
+            </a:br>
             <a:r>
               <a:rPr lang="en-US" sz="1600" b="1" dirty="0" err="1"/>
               <a:t>TestCase</a:t>
@@ -4118,25 +5293,66 @@
           </a:p>
         </p:txBody>
       </p:sp>
-      <p:cxnSp>
-        <p:nvCxnSpPr>
-          <p:cNvPr id="230" name="Elbow Connector 229"/>
-          <p:cNvCxnSpPr>
-            <a:stCxn id="229" idx="0"/>
-            <a:endCxn id="253" idx="3"/>
-          </p:cNvCxnSpPr>
+      <p:sp>
+        <p:nvSpPr>
+          <p:cNvPr id="106" name="Isosceles Triangle 105"/>
+          <p:cNvSpPr/>
           <p:nvPr/>
-        </p:nvCxnSpPr>
-        <p:spPr>
-          <a:xfrm rot="16200000" flipV="1">
-            <a:off x="7499334" y="3593321"/>
-            <a:ext cx="401729" cy="0"/>
-          </a:xfrm>
-          <a:prstGeom prst="bentConnector3">
-            <a:avLst>
-              <a:gd name="adj1" fmla="val 50000"/>
-            </a:avLst>
-          </a:prstGeom>
+        </p:nvSpPr>
+        <p:spPr>
+          <a:xfrm rot="5400000">
+            <a:off x="7551300" y="5664293"/>
+            <a:ext cx="216000" cy="216000"/>
+          </a:xfrm>
+          <a:prstGeom prst="triangle">
+            <a:avLst/>
+          </a:prstGeom>
+        </p:spPr>
+        <p:style>
+          <a:lnRef idx="2">
+            <a:schemeClr val="accent3">
+              <a:shade val="50000"/>
+            </a:schemeClr>
+          </a:lnRef>
+          <a:fillRef idx="1">
+            <a:schemeClr val="accent3"/>
+          </a:fillRef>
+          <a:effectRef idx="0">
+            <a:schemeClr val="accent3"/>
+          </a:effectRef>
+          <a:fontRef idx="minor">
+            <a:schemeClr val="lt1"/>
+          </a:fontRef>
+        </p:style>
+        <p:txBody>
+          <a:bodyPr rtlCol="0" anchor="ctr"/>
+          <a:lstStyle/>
+          <a:p>
+            <a:pPr algn="ctr"/>
+            <a:endParaRPr lang="en-SG" sz="1600" b="1"/>
+          </a:p>
+        </p:txBody>
+      </p:sp>
+      <p:sp>
+        <p:nvSpPr>
+          <p:cNvPr id="110" name="Rectangle 109"/>
+          <p:cNvSpPr/>
+          <p:nvPr/>
+        </p:nvSpPr>
+        <p:spPr>
+          <a:xfrm>
+            <a:off x="3219675" y="4860418"/>
+            <a:ext cx="1800000" cy="648000"/>
+          </a:xfrm>
+          <a:prstGeom prst="rect">
+            <a:avLst/>
+          </a:prstGeom>
+          <a:solidFill>
+            <a:schemeClr val="accent2">
+              <a:lumMod val="60000"/>
+              <a:lumOff val="40000"/>
+            </a:schemeClr>
+          </a:solidFill>
           <a:ln>
             <a:solidFill>
               <a:schemeClr val="accent2">
@@ -4144,6 +5360,119 @@
               </a:schemeClr>
             </a:solidFill>
           </a:ln>
+        </p:spPr>
+        <p:style>
+          <a:lnRef idx="2">
+            <a:schemeClr val="accent6">
+              <a:shade val="50000"/>
+            </a:schemeClr>
+          </a:lnRef>
+          <a:fillRef idx="1">
+            <a:schemeClr val="accent6"/>
+          </a:fillRef>
+          <a:effectRef idx="0">
+            <a:schemeClr val="accent6"/>
+          </a:effectRef>
+          <a:fontRef idx="minor">
+            <a:schemeClr val="lt1"/>
+          </a:fontRef>
+        </p:style>
+        <p:txBody>
+          <a:bodyPr lIns="0" rIns="0" rtlCol="0" anchor="ctr"/>
+          <a:lstStyle/>
+          <a:p>
+            <a:pPr algn="ctr"/>
+            <a:r>
+              <a:rPr lang="en-US" sz="1600" b="1" dirty="0" err="1" smtClean="0"/>
+              <a:t>BaseComponent</a:t>
+            </a:r>
+            <a:r>
+              <a:rPr lang="en-US" sz="1600" b="1" dirty="0" smtClean="0"/>
+              <a:t/>
+            </a:r>
+            <a:br>
+              <a:rPr lang="en-US" sz="1600" b="1" dirty="0" smtClean="0"/>
+            </a:br>
+            <a:r>
+              <a:rPr lang="en-US" sz="1600" b="1" dirty="0" err="1" smtClean="0"/>
+              <a:t>TestCase</a:t>
+            </a:r>
+            <a:endParaRPr lang="en-SG" sz="1600" b="1" dirty="0"/>
+          </a:p>
+        </p:txBody>
+      </p:sp>
+      <p:sp>
+        <p:nvSpPr>
+          <p:cNvPr id="113" name="Rectangle 112"/>
+          <p:cNvSpPr/>
+          <p:nvPr/>
+        </p:nvSpPr>
+        <p:spPr>
+          <a:xfrm>
+            <a:off x="5605576" y="4838400"/>
+            <a:ext cx="1800000" cy="648000"/>
+          </a:xfrm>
+          <a:prstGeom prst="rect">
+            <a:avLst/>
+          </a:prstGeom>
+        </p:spPr>
+        <p:style>
+          <a:lnRef idx="2">
+            <a:schemeClr val="accent5">
+              <a:shade val="50000"/>
+            </a:schemeClr>
+          </a:lnRef>
+          <a:fillRef idx="1">
+            <a:schemeClr val="accent5"/>
+          </a:fillRef>
+          <a:effectRef idx="0">
+            <a:schemeClr val="accent5"/>
+          </a:effectRef>
+          <a:fontRef idx="minor">
+            <a:schemeClr val="lt1"/>
+          </a:fontRef>
+        </p:style>
+        <p:txBody>
+          <a:bodyPr rtlCol="0" anchor="ctr"/>
+          <a:lstStyle/>
+          <a:p>
+            <a:pPr algn="ctr"/>
+            <a:r>
+              <a:rPr lang="en-US" sz="1600" b="1" dirty="0" err="1" smtClean="0"/>
+              <a:t>BaseTestCaseWith</a:t>
+            </a:r>
+            <a:r>
+              <a:rPr lang="en-US" sz="1600" b="1" dirty="0" smtClean="0"/>
+              <a:t/>
+            </a:r>
+            <a:br>
+              <a:rPr lang="en-US" sz="1600" b="1" dirty="0" smtClean="0"/>
+            </a:br>
+            <a:r>
+              <a:rPr lang="en-US" sz="1600" b="1" dirty="0" err="1" smtClean="0"/>
+              <a:t>DatastoreAccess</a:t>
+            </a:r>
+            <a:endParaRPr lang="en-SG" sz="1600" b="1" dirty="0"/>
+          </a:p>
+        </p:txBody>
+      </p:sp>
+      <p:cxnSp>
+        <p:nvCxnSpPr>
+          <p:cNvPr id="114" name="Elbow Connector 113"/>
+          <p:cNvCxnSpPr>
+            <a:stCxn id="113" idx="2"/>
+            <a:endCxn id="106" idx="3"/>
+          </p:cNvCxnSpPr>
+          <p:nvPr/>
+        </p:nvCxnSpPr>
+        <p:spPr>
+          <a:xfrm rot="16200000" flipH="1">
+            <a:off x="6885492" y="5106484"/>
+            <a:ext cx="285893" cy="1045724"/>
+          </a:xfrm>
+          <a:prstGeom prst="bentConnector2">
+            <a:avLst/>
+          </a:prstGeom>
         </p:spPr>
         <p:style>
           <a:lnRef idx="2">
@@ -4162,15 +5491,141 @@
           </a:fontRef>
         </p:style>
       </p:cxnSp>
+      <p:cxnSp>
+        <p:nvCxnSpPr>
+          <p:cNvPr id="120" name="Elbow Connector 119"/>
+          <p:cNvCxnSpPr>
+            <a:stCxn id="110" idx="3"/>
+            <a:endCxn id="135" idx="3"/>
+          </p:cNvCxnSpPr>
+          <p:nvPr/>
+        </p:nvCxnSpPr>
+        <p:spPr>
+          <a:xfrm flipV="1">
+            <a:off x="5019675" y="5081969"/>
+            <a:ext cx="396856" cy="102449"/>
+          </a:xfrm>
+          <a:prstGeom prst="bentConnector3">
+            <a:avLst>
+              <a:gd name="adj1" fmla="val 50000"/>
+            </a:avLst>
+          </a:prstGeom>
+          <a:ln>
+            <a:solidFill>
+              <a:srgbClr val="357D91"/>
+            </a:solidFill>
+          </a:ln>
+        </p:spPr>
+        <p:style>
+          <a:lnRef idx="2">
+            <a:schemeClr val="accent3">
+              <a:shade val="50000"/>
+            </a:schemeClr>
+          </a:lnRef>
+          <a:fillRef idx="1">
+            <a:schemeClr val="accent3"/>
+          </a:fillRef>
+          <a:effectRef idx="0">
+            <a:schemeClr val="accent3"/>
+          </a:effectRef>
+          <a:fontRef idx="minor">
+            <a:schemeClr val="lt1"/>
+          </a:fontRef>
+        </p:style>
+      </p:cxnSp>
+      <p:sp>
+        <p:nvSpPr>
+          <p:cNvPr id="121" name="Isosceles Triangle 120"/>
+          <p:cNvSpPr/>
+          <p:nvPr/>
+        </p:nvSpPr>
+        <p:spPr>
+          <a:xfrm rot="10800000" flipH="1">
+            <a:off x="6397576" y="4625923"/>
+            <a:ext cx="216000" cy="216000"/>
+          </a:xfrm>
+          <a:prstGeom prst="triangle">
+            <a:avLst/>
+          </a:prstGeom>
+        </p:spPr>
+        <p:style>
+          <a:lnRef idx="2">
+            <a:schemeClr val="accent5">
+              <a:shade val="50000"/>
+            </a:schemeClr>
+          </a:lnRef>
+          <a:fillRef idx="1">
+            <a:schemeClr val="accent5"/>
+          </a:fillRef>
+          <a:effectRef idx="0">
+            <a:schemeClr val="accent5"/>
+          </a:effectRef>
+          <a:fontRef idx="minor">
+            <a:schemeClr val="lt1"/>
+          </a:fontRef>
+        </p:style>
+        <p:txBody>
+          <a:bodyPr rtlCol="0" anchor="ctr"/>
+          <a:lstStyle/>
+          <a:p>
+            <a:pPr algn="ctr"/>
+            <a:endParaRPr lang="en-SG" sz="1600" b="1"/>
+          </a:p>
+        </p:txBody>
+      </p:sp>
+      <p:sp>
+        <p:nvSpPr>
+          <p:cNvPr id="122" name="Rectangle 121"/>
+          <p:cNvSpPr/>
+          <p:nvPr/>
+        </p:nvSpPr>
+        <p:spPr>
+          <a:xfrm>
+            <a:off x="5444288" y="3916524"/>
+            <a:ext cx="2129427" cy="365583"/>
+          </a:xfrm>
+          <a:prstGeom prst="rect">
+            <a:avLst/>
+          </a:prstGeom>
+        </p:spPr>
+        <p:style>
+          <a:lnRef idx="2">
+            <a:schemeClr val="accent5">
+              <a:shade val="50000"/>
+            </a:schemeClr>
+          </a:lnRef>
+          <a:fillRef idx="1">
+            <a:schemeClr val="accent5"/>
+          </a:fillRef>
+          <a:effectRef idx="0">
+            <a:schemeClr val="accent5"/>
+          </a:effectRef>
+          <a:fontRef idx="minor">
+            <a:schemeClr val="lt1"/>
+          </a:fontRef>
+        </p:style>
+        <p:txBody>
+          <a:bodyPr rtlCol="0" anchor="ctr"/>
+          <a:lstStyle/>
+          <a:p>
+            <a:pPr algn="ctr"/>
+            <a:r>
+              <a:rPr lang="en-US" sz="1600" b="1" dirty="0" smtClean="0"/>
+              <a:t>Browser tests</a:t>
+            </a:r>
+            <a:endParaRPr lang="en-SG" sz="1600" b="1" dirty="0"/>
+          </a:p>
+        </p:txBody>
+      </p:sp>
       <p:grpSp>
         <p:nvGrpSpPr>
-          <p:cNvPr id="231" name="Group 230"/>
+          <p:cNvPr id="126" name="Group 125"/>
           <p:cNvGrpSpPr/>
           <p:nvPr/>
         </p:nvGrpSpPr>
         <p:grpSpPr>
           <a:xfrm>
-            <a:off x="535180" y="2361115"/>
+            <a:off x="715878" y="5614500"/>
             <a:ext cx="5568721" cy="906770"/>
             <a:chOff x="3190875" y="998810"/>
             <a:chExt cx="2362200" cy="1224050"/>
@@ -4183,7 +5638,7 @@
         </p:grpSpPr>
         <p:sp>
           <p:nvSpPr>
-            <p:cNvPr id="232" name="Rectangle 35"/>
+            <p:cNvPr id="127" name="Rectangle 35"/>
             <p:cNvSpPr/>
             <p:nvPr/>
           </p:nvSpPr>
@@ -4262,28 +5717,40 @@
                 </a:spcBef>
               </a:pPr>
               <a:r>
-                <a:rPr lang="en-US" sz="1400" b="1" dirty="0"/>
+                <a:rPr lang="en-US" sz="1400" b="1" dirty="0" smtClean="0"/>
                 <a:t>::</a:t>
               </a:r>
               <a:r>
-                <a:rPr lang="en-US" sz="1400" b="1" dirty="0" err="1"/>
+                <a:rPr lang="en-US" sz="1400" b="1" dirty="0" err="1" smtClean="0"/>
                 <a:t>testdriver</a:t>
               </a:r>
               <a:r>
-                <a:rPr lang="en-US" sz="1400" b="1" dirty="0"/>
+                <a:rPr lang="en-US" sz="1400" b="1" dirty="0" smtClean="0"/>
                 <a:t>, ::</a:t>
               </a:r>
               <a:r>
-                <a:rPr lang="en-US" sz="1400" b="1" dirty="0" err="1"/>
+                <a:rPr lang="en-US" sz="1400" b="1" dirty="0" err="1" smtClean="0"/>
                 <a:t>datatransfer</a:t>
               </a:r>
               <a:r>
-                <a:rPr lang="en-US" sz="1400" b="1" dirty="0"/>
+                <a:rPr lang="en-US" sz="1400" b="1" dirty="0" smtClean="0"/>
                 <a:t>, ::</a:t>
               </a:r>
               <a:r>
-                <a:rPr lang="en-US" sz="1400" b="1" dirty="0" err="1"/>
+                <a:rPr lang="en-US" sz="1400" b="1" dirty="0" err="1" smtClean="0"/>
                 <a:t>util</a:t>
+              </a:r>
+              <a:r>
+                <a:rPr lang="en-US" sz="1400" b="1" dirty="0" smtClean="0"/>
+                <a:t>, ::</a:t>
+              </a:r>
+              <a:r>
+                <a:rPr lang="en-US" sz="1400" b="1" dirty="0" err="1" smtClean="0"/>
+                <a:t>pagedata</a:t>
+              </a:r>
+              <a:r>
+                <a:rPr lang="en-US" sz="1400" b="1" dirty="0" smtClean="0"/>
+                <a:t> </a:t>
               </a:r>
               <a:endParaRPr lang="en-SG" sz="1400" b="1" dirty="0"/>
             </a:p>
@@ -4291,7 +5758,7 @@
         </p:sp>
         <p:cxnSp>
           <p:nvCxnSpPr>
-            <p:cNvPr id="233" name="Straight Connector 232"/>
+            <p:cNvPr id="128" name="Straight Connector 127"/>
             <p:cNvCxnSpPr/>
             <p:nvPr/>
           </p:nvCxnSpPr>
@@ -4328,13 +5795,13 @@
       </p:grpSp>
       <p:sp>
         <p:nvSpPr>
-          <p:cNvPr id="234" name="Rectangle 233"/>
+          <p:cNvPr id="129" name="Rectangle 128"/>
           <p:cNvSpPr/>
           <p:nvPr/>
         </p:nvSpPr>
         <p:spPr>
           <a:xfrm>
-            <a:off x="645655" y="2787415"/>
+            <a:off x="826352" y="6040800"/>
             <a:ext cx="5336323" cy="360000"/>
           </a:xfrm>
           <a:prstGeom prst="rect">
@@ -4363,8 +5830,65 @@
           <a:p>
             <a:pPr algn="ctr"/>
             <a:r>
-              <a:rPr lang="en-US" sz="1600" b="1" dirty="0"/>
+              <a:rPr lang="en-US" sz="1600" b="1" dirty="0" smtClean="0"/>
               <a:t>Test cases that do not need simulated GAE environment</a:t>
+            </a:r>
+            <a:endParaRPr lang="en-SG" sz="1600" b="1" dirty="0"/>
+          </a:p>
+        </p:txBody>
+      </p:sp>
+      <p:sp>
+        <p:nvSpPr>
+          <p:cNvPr id="130" name="Rectangle 129"/>
+          <p:cNvSpPr/>
+          <p:nvPr/>
+        </p:nvSpPr>
+        <p:spPr>
+          <a:xfrm>
+            <a:off x="916886" y="4187757"/>
+            <a:ext cx="1831462" cy="762000"/>
+          </a:xfrm>
+          <a:prstGeom prst="rect">
+            <a:avLst/>
+          </a:prstGeom>
+          <a:solidFill>
+            <a:schemeClr val="accent2">
+              <a:lumMod val="60000"/>
+              <a:lumOff val="40000"/>
+            </a:schemeClr>
+          </a:solidFill>
+          <a:ln>
+            <a:solidFill>
+              <a:schemeClr val="accent2">
+                <a:lumMod val="75000"/>
+              </a:schemeClr>
+            </a:solidFill>
+          </a:ln>
+        </p:spPr>
+        <p:style>
+          <a:lnRef idx="2">
+            <a:schemeClr val="accent6">
+              <a:shade val="50000"/>
+            </a:schemeClr>
+          </a:lnRef>
+          <a:fillRef idx="1">
+            <a:schemeClr val="accent6"/>
+          </a:fillRef>
+          <a:effectRef idx="0">
+            <a:schemeClr val="accent6"/>
+          </a:effectRef>
+          <a:fontRef idx="minor">
+            <a:schemeClr val="lt1"/>
+          </a:fontRef>
+        </p:style>
+        <p:txBody>
+          <a:bodyPr lIns="0" rIns="0" rtlCol="0" anchor="ctr"/>
+          <a:lstStyle/>
+          <a:p>
+            <a:pPr algn="ctr"/>
+            <a:r>
+              <a:rPr lang="en-US" sz="1600" b="1" dirty="0" smtClean="0"/>
+              <a:t>Test cases that need simulated GAE environment</a:t>
             </a:r>
             <a:endParaRPr lang="en-SG" sz="1600" b="1" dirty="0"/>
           </a:p>
@@ -4372,21 +5896,22 @@
       </p:sp>
       <p:cxnSp>
         <p:nvCxnSpPr>
-          <p:cNvPr id="235" name="Elbow Connector 234"/>
+          <p:cNvPr id="131" name="Elbow Connector 130"/>
           <p:cNvCxnSpPr>
-            <a:stCxn id="234" idx="3"/>
-            <a:endCxn id="236" idx="3"/>
+            <a:stCxn id="129" idx="3"/>
+            <a:endCxn id="132" idx="3"/>
           </p:cNvCxnSpPr>
           <p:nvPr/>
         </p:nvCxnSpPr>
         <p:spPr>
           <a:xfrm>
-            <a:off x="5981969" y="2967415"/>
-            <a:ext cx="604662" cy="0"/>
-          </a:xfrm>
-          <a:prstGeom prst="bentConnector3">
+            <a:off x="6162675" y="6220800"/>
+            <a:ext cx="2143001" cy="44611"/>
+          </a:xfrm>
+          <a:prstGeom prst="bentConnector4">
             <a:avLst>
-              <a:gd name="adj1" fmla="val 50000"/>
+              <a:gd name="adj1" fmla="val 47480"/>
+              <a:gd name="adj2" fmla="val 612430"/>
             </a:avLst>
           </a:prstGeom>
         </p:spPr>
@@ -4409,13 +5934,13 @@
       </p:cxnSp>
       <p:sp>
         <p:nvSpPr>
-          <p:cNvPr id="236" name="Isosceles Triangle 235"/>
+          <p:cNvPr id="132" name="Isosceles Triangle 131"/>
           <p:cNvSpPr/>
           <p:nvPr/>
         </p:nvSpPr>
         <p:spPr>
-          <a:xfrm rot="5400000">
-            <a:off x="6586631" y="2863964"/>
+          <a:xfrm>
+            <a:off x="8197676" y="6049411"/>
             <a:ext cx="216000" cy="216000"/>
           </a:xfrm>
           <a:prstGeom prst="triangle">
@@ -4449,31 +5974,43 @@
       </p:sp>
       <p:sp>
         <p:nvSpPr>
-          <p:cNvPr id="237" name="Isosceles Triangle 236"/>
+          <p:cNvPr id="133" name="Isosceles Triangle 132"/>
           <p:cNvSpPr/>
           <p:nvPr/>
         </p:nvSpPr>
         <p:spPr>
           <a:xfrm rot="5400000">
-            <a:off x="6579261" y="4010186"/>
+            <a:off x="2974875" y="5081968"/>
             <a:ext cx="216000" cy="216000"/>
           </a:xfrm>
           <a:prstGeom prst="triangle">
             <a:avLst/>
           </a:prstGeom>
-          <a:ln/>
+          <a:solidFill>
+            <a:schemeClr val="accent2">
+              <a:lumMod val="60000"/>
+              <a:lumOff val="40000"/>
+            </a:schemeClr>
+          </a:solidFill>
+          <a:ln>
+            <a:solidFill>
+              <a:schemeClr val="accent2">
+                <a:lumMod val="75000"/>
+              </a:schemeClr>
+            </a:solidFill>
+          </a:ln>
         </p:spPr>
         <p:style>
           <a:lnRef idx="2">
-            <a:schemeClr val="accent2">
+            <a:schemeClr val="accent6">
               <a:shade val="50000"/>
             </a:schemeClr>
           </a:lnRef>
           <a:fillRef idx="1">
-            <a:schemeClr val="accent2"/>
+            <a:schemeClr val="accent6"/>
           </a:fillRef>
           <a:effectRef idx="0">
-            <a:schemeClr val="accent2"/>
+            <a:schemeClr val="accent6"/>
           </a:effectRef>
           <a:fontRef idx="minor">
             <a:schemeClr val="lt1"/>
@@ -4490,26 +6027,153 @@
       </p:sp>
       <p:cxnSp>
         <p:nvCxnSpPr>
-          <p:cNvPr id="238" name="Elbow Connector 237"/>
+          <p:cNvPr id="134" name="Elbow Connector 133"/>
           <p:cNvCxnSpPr>
-            <a:stCxn id="229" idx="2"/>
-            <a:endCxn id="248" idx="0"/>
+            <a:stCxn id="133" idx="3"/>
+            <a:endCxn id="130" idx="2"/>
           </p:cNvCxnSpPr>
           <p:nvPr/>
         </p:nvCxnSpPr>
         <p:spPr>
-          <a:xfrm rot="5400000">
-            <a:off x="6177964" y="3864261"/>
-            <a:ext cx="954627" cy="2110495"/>
-          </a:xfrm>
-          <a:prstGeom prst="bentConnector3">
-            <a:avLst>
-              <a:gd name="adj1" fmla="val 75443"/>
-            </a:avLst>
+          <a:xfrm rot="10800000">
+            <a:off x="1832617" y="4949758"/>
+            <a:ext cx="1142258" cy="240211"/>
+          </a:xfrm>
+          <a:prstGeom prst="bentConnector2">
+            <a:avLst/>
           </a:prstGeom>
           <a:ln>
             <a:solidFill>
               <a:schemeClr val="accent2">
+                <a:lumMod val="75000"/>
+              </a:schemeClr>
+            </a:solidFill>
+          </a:ln>
+        </p:spPr>
+        <p:style>
+          <a:lnRef idx="2">
+            <a:schemeClr val="accent6">
+              <a:shade val="50000"/>
+            </a:schemeClr>
+          </a:lnRef>
+          <a:fillRef idx="1">
+            <a:schemeClr val="accent6"/>
+          </a:fillRef>
+          <a:effectRef idx="0">
+            <a:schemeClr val="accent6"/>
+          </a:effectRef>
+          <a:fontRef idx="minor">
+            <a:schemeClr val="lt1"/>
+          </a:fontRef>
+        </p:style>
+      </p:cxnSp>
+      <p:sp>
+        <p:nvSpPr>
+          <p:cNvPr id="135" name="Isosceles Triangle 134"/>
+          <p:cNvSpPr/>
+          <p:nvPr/>
+        </p:nvSpPr>
+        <p:spPr>
+          <a:xfrm rot="5400000">
+            <a:off x="5416531" y="4973969"/>
+            <a:ext cx="216000" cy="216000"/>
+          </a:xfrm>
+          <a:prstGeom prst="triangle">
+            <a:avLst/>
+          </a:prstGeom>
+          <a:ln>
+            <a:solidFill>
+              <a:srgbClr val="3B889E"/>
+            </a:solidFill>
+          </a:ln>
+        </p:spPr>
+        <p:style>
+          <a:lnRef idx="2">
+            <a:schemeClr val="accent5">
+              <a:shade val="50000"/>
+            </a:schemeClr>
+          </a:lnRef>
+          <a:fillRef idx="1">
+            <a:schemeClr val="accent5"/>
+          </a:fillRef>
+          <a:effectRef idx="0">
+            <a:schemeClr val="accent5"/>
+          </a:effectRef>
+          <a:fontRef idx="minor">
+            <a:schemeClr val="lt1"/>
+          </a:fontRef>
+        </p:style>
+        <p:txBody>
+          <a:bodyPr rtlCol="0" anchor="ctr"/>
+          <a:lstStyle/>
+          <a:p>
+            <a:pPr algn="ctr"/>
+            <a:endParaRPr lang="en-SG" sz="1600" b="1"/>
+          </a:p>
+        </p:txBody>
+      </p:sp>
+      <p:cxnSp>
+        <p:nvCxnSpPr>
+          <p:cNvPr id="136" name="Elbow Connector 135"/>
+          <p:cNvCxnSpPr>
+            <a:stCxn id="121" idx="3"/>
+            <a:endCxn id="122" idx="2"/>
+          </p:cNvCxnSpPr>
+          <p:nvPr/>
+        </p:nvCxnSpPr>
+        <p:spPr>
+          <a:xfrm rot="5400000" flipH="1" flipV="1">
+            <a:off x="6337094" y="4454015"/>
+            <a:ext cx="343816" cy="0"/>
+          </a:xfrm>
+          <a:prstGeom prst="bentConnector3">
+            <a:avLst>
+              <a:gd name="adj1" fmla="val 50000"/>
+            </a:avLst>
+          </a:prstGeom>
+          <a:ln>
+            <a:solidFill>
+              <a:srgbClr val="357D91"/>
+            </a:solidFill>
+          </a:ln>
+        </p:spPr>
+        <p:style>
+          <a:lnRef idx="2">
+            <a:schemeClr val="accent3">
+              <a:shade val="50000"/>
+            </a:schemeClr>
+          </a:lnRef>
+          <a:fillRef idx="1">
+            <a:schemeClr val="accent3"/>
+          </a:fillRef>
+          <a:effectRef idx="0">
+            <a:schemeClr val="accent3"/>
+          </a:effectRef>
+          <a:fontRef idx="minor">
+            <a:schemeClr val="lt1"/>
+          </a:fontRef>
+        </p:style>
+      </p:cxnSp>
+      <p:cxnSp>
+        <p:nvCxnSpPr>
+          <p:cNvPr id="138" name="Elbow Connector 137"/>
+          <p:cNvCxnSpPr>
+            <a:stCxn id="113" idx="3"/>
+            <a:endCxn id="89" idx="2"/>
+          </p:cNvCxnSpPr>
+          <p:nvPr/>
+        </p:nvCxnSpPr>
+        <p:spPr>
+          <a:xfrm flipV="1">
+            <a:off x="7405576" y="2819400"/>
+            <a:ext cx="569024" cy="2343000"/>
+          </a:xfrm>
+          <a:prstGeom prst="bentConnector2">
+            <a:avLst/>
+          </a:prstGeom>
+          <a:ln>
+            <a:solidFill>
+              <a:schemeClr val="accent5">
                 <a:lumMod val="75000"/>
               </a:schemeClr>
             </a:solidFill>
@@ -4537,17 +6201,22 @@
       </p:cxnSp>
       <p:cxnSp>
         <p:nvCxnSpPr>
-          <p:cNvPr id="239" name="Straight Arrow Connector 238"/>
-          <p:cNvCxnSpPr/>
+          <p:cNvPr id="146" name="Elbow Connector 145"/>
+          <p:cNvCxnSpPr>
+            <a:stCxn id="110" idx="0"/>
+            <a:endCxn id="87" idx="2"/>
+          </p:cNvCxnSpPr>
           <p:nvPr/>
         </p:nvCxnSpPr>
         <p:spPr>
-          <a:xfrm rot="5400000" flipV="1">
-            <a:off x="4538020" y="4805045"/>
-            <a:ext cx="324000" cy="0"/>
-          </a:xfrm>
-          <a:prstGeom prst="straightConnector1">
-            <a:avLst/>
+          <a:xfrm rot="5400000" flipH="1" flipV="1">
+            <a:off x="4037266" y="2901809"/>
+            <a:ext cx="2041018" cy="1876200"/>
+          </a:xfrm>
+          <a:prstGeom prst="bentConnector3">
+            <a:avLst>
+              <a:gd name="adj1" fmla="val 66717"/>
+            </a:avLst>
           </a:prstGeom>
           <a:ln>
             <a:solidFill>
@@ -4579,374 +6248,17 @@
       </p:cxnSp>
       <p:cxnSp>
         <p:nvCxnSpPr>
-          <p:cNvPr id="240" name="Straight Arrow Connector 239"/>
-          <p:cNvCxnSpPr>
-            <a:endCxn id="241" idx="2"/>
-          </p:cNvCxnSpPr>
+          <p:cNvPr id="160" name="Straight Arrow Connector 159"/>
+          <p:cNvCxnSpPr/>
           <p:nvPr/>
         </p:nvCxnSpPr>
         <p:spPr>
-          <a:xfrm flipV="1">
-            <a:off x="1797844" y="435375"/>
-            <a:ext cx="0" cy="660470"/>
+          <a:xfrm rot="16200000">
+            <a:off x="6780675" y="3268200"/>
+            <a:ext cx="288000" cy="0"/>
           </a:xfrm>
           <a:prstGeom prst="straightConnector1">
             <a:avLst/>
-          </a:prstGeom>
-          <a:ln w="38100">
-            <a:solidFill>
-              <a:schemeClr val="tx1"/>
-            </a:solidFill>
-            <a:prstDash val="sysDash"/>
-            <a:headEnd type="arrow" w="med" len="med"/>
-            <a:tailEnd type="none" w="med" len="med"/>
-          </a:ln>
-        </p:spPr>
-        <p:style>
-          <a:lnRef idx="1">
-            <a:schemeClr val="accent1"/>
-          </a:lnRef>
-          <a:fillRef idx="0">
-            <a:schemeClr val="accent1"/>
-          </a:fillRef>
-          <a:effectRef idx="0">
-            <a:schemeClr val="accent1"/>
-          </a:effectRef>
-          <a:fontRef idx="minor">
-            <a:schemeClr val="tx1"/>
-          </a:fontRef>
-        </p:style>
-      </p:cxnSp>
-      <p:sp>
-        <p:nvSpPr>
-          <p:cNvPr id="241" name="TextBox 240"/>
-          <p:cNvSpPr txBox="1"/>
-          <p:nvPr/>
-        </p:nvSpPr>
-        <p:spPr>
-          <a:xfrm>
-            <a:off x="1349061" y="75375"/>
-            <a:ext cx="897566" cy="360000"/>
-          </a:xfrm>
-          <a:prstGeom prst="rect">
-            <a:avLst/>
-          </a:prstGeom>
-          <a:grpFill/>
-          <a:ln>
-            <a:noFill/>
-          </a:ln>
-        </p:spPr>
-        <p:style>
-          <a:lnRef idx="2">
-            <a:schemeClr val="accent1">
-              <a:shade val="50000"/>
-            </a:schemeClr>
-          </a:lnRef>
-          <a:fillRef idx="1">
-            <a:schemeClr val="accent1"/>
-          </a:fillRef>
-          <a:effectRef idx="0">
-            <a:schemeClr val="accent1"/>
-          </a:effectRef>
-          <a:fontRef idx="minor">
-            <a:schemeClr val="lt1"/>
-          </a:fontRef>
-        </p:style>
-        <p:txBody>
-          <a:bodyPr rtlCol="0" anchor="t" anchorCtr="0"/>
-          <a:lstStyle>
-            <a:defPPr>
-              <a:defRPr lang="en-US"/>
-            </a:defPPr>
-            <a:lvl1pPr>
-              <a:defRPr sz="1400" b="1">
-                <a:solidFill>
-                  <a:srgbClr val="7030A0"/>
-                </a:solidFill>
-              </a:defRPr>
-            </a:lvl1pPr>
-            <a:lvl2pPr>
-              <a:defRPr>
-                <a:solidFill>
-                  <a:schemeClr val="lt1"/>
-                </a:solidFill>
-              </a:defRPr>
-            </a:lvl2pPr>
-            <a:lvl3pPr>
-              <a:defRPr>
-                <a:solidFill>
-                  <a:schemeClr val="lt1"/>
-                </a:solidFill>
-              </a:defRPr>
-            </a:lvl3pPr>
-            <a:lvl4pPr>
-              <a:defRPr>
-                <a:solidFill>
-                  <a:schemeClr val="lt1"/>
-                </a:solidFill>
-              </a:defRPr>
-            </a:lvl4pPr>
-            <a:lvl5pPr>
-              <a:defRPr>
-                <a:solidFill>
-                  <a:schemeClr val="lt1"/>
-                </a:solidFill>
-              </a:defRPr>
-            </a:lvl5pPr>
-            <a:lvl6pPr>
-              <a:defRPr>
-                <a:solidFill>
-                  <a:schemeClr val="lt1"/>
-                </a:solidFill>
-              </a:defRPr>
-            </a:lvl6pPr>
-            <a:lvl7pPr>
-              <a:defRPr>
-                <a:solidFill>
-                  <a:schemeClr val="lt1"/>
-                </a:solidFill>
-              </a:defRPr>
-            </a:lvl7pPr>
-            <a:lvl8pPr>
-              <a:defRPr>
-                <a:solidFill>
-                  <a:schemeClr val="lt1"/>
-                </a:solidFill>
-              </a:defRPr>
-            </a:lvl8pPr>
-            <a:lvl9pPr>
-              <a:defRPr>
-                <a:solidFill>
-                  <a:schemeClr val="lt1"/>
-                </a:solidFill>
-              </a:defRPr>
-            </a:lvl9pPr>
-          </a:lstStyle>
-          <a:p>
-            <a:pPr algn="ctr"/>
-            <a:r>
-              <a:rPr lang="en-US" dirty="0" err="1">
-                <a:solidFill>
-                  <a:schemeClr val="tx1"/>
-                </a:solidFill>
-              </a:rPr>
-              <a:t>TestNG</a:t>
-            </a:r>
-            <a:endParaRPr lang="en-SG" dirty="0">
-              <a:solidFill>
-                <a:schemeClr val="tx1"/>
-              </a:solidFill>
-            </a:endParaRPr>
-          </a:p>
-        </p:txBody>
-      </p:sp>
-      <p:grpSp>
-        <p:nvGrpSpPr>
-          <p:cNvPr id="242" name="Group 241"/>
-          <p:cNvGrpSpPr/>
-          <p:nvPr/>
-        </p:nvGrpSpPr>
-        <p:grpSpPr>
-          <a:xfrm>
-            <a:off x="535180" y="3499626"/>
-            <a:ext cx="5568721" cy="906770"/>
-            <a:chOff x="3190875" y="998810"/>
-            <a:chExt cx="2362200" cy="1224050"/>
-          </a:xfrm>
-          <a:solidFill>
-            <a:schemeClr val="bg1">
-              <a:lumMod val="75000"/>
-            </a:schemeClr>
-          </a:solidFill>
-        </p:grpSpPr>
-        <p:sp>
-          <p:nvSpPr>
-            <p:cNvPr id="243" name="Rectangle 35"/>
-            <p:cNvSpPr/>
-            <p:nvPr/>
-          </p:nvSpPr>
-          <p:spPr>
-            <a:xfrm>
-              <a:off x="3190875" y="998810"/>
-              <a:ext cx="2362200" cy="1224050"/>
-            </a:xfrm>
-            <a:custGeom>
-              <a:avLst/>
-              <a:gdLst/>
-              <a:ahLst/>
-              <a:cxnLst/>
-              <a:rect l="l" t="t" r="r" b="b"/>
-              <a:pathLst>
-                <a:path w="2362200" h="1101295">
-                  <a:moveTo>
-                    <a:pt x="1524000" y="0"/>
-                  </a:moveTo>
-                  <a:lnTo>
-                    <a:pt x="2361824" y="0"/>
-                  </a:lnTo>
-                  <a:lnTo>
-                    <a:pt x="2361824" y="129015"/>
-                  </a:lnTo>
-                  <a:lnTo>
-                    <a:pt x="2362200" y="129015"/>
-                  </a:lnTo>
-                  <a:lnTo>
-                    <a:pt x="2362200" y="1101295"/>
-                  </a:lnTo>
-                  <a:lnTo>
-                    <a:pt x="0" y="1101295"/>
-                  </a:lnTo>
-                  <a:lnTo>
-                    <a:pt x="0" y="129015"/>
-                  </a:lnTo>
-                  <a:lnTo>
-                    <a:pt x="1524000" y="129015"/>
-                  </a:lnTo>
-                  <a:close/>
-                </a:path>
-              </a:pathLst>
-            </a:custGeom>
-            <a:grpFill/>
-            <a:ln>
-              <a:noFill/>
-            </a:ln>
-          </p:spPr>
-          <p:style>
-            <a:lnRef idx="2">
-              <a:schemeClr val="accent1">
-                <a:shade val="50000"/>
-              </a:schemeClr>
-            </a:lnRef>
-            <a:fillRef idx="1">
-              <a:schemeClr val="accent1"/>
-            </a:fillRef>
-            <a:effectRef idx="0">
-              <a:schemeClr val="accent1"/>
-            </a:effectRef>
-            <a:fontRef idx="minor">
-              <a:schemeClr val="lt1"/>
-            </a:fontRef>
-          </p:style>
-          <p:txBody>
-            <a:bodyPr tIns="72000" rtlCol="0" anchor="t" anchorCtr="0"/>
-            <a:lstStyle/>
-            <a:p>
-              <a:pPr>
-                <a:lnSpc>
-                  <a:spcPct val="150000"/>
-                </a:lnSpc>
-                <a:spcBef>
-                  <a:spcPts val="600"/>
-                </a:spcBef>
-              </a:pPr>
-              <a:r>
-                <a:rPr lang="en-US" sz="1400" b="1" dirty="0"/>
-                <a:t>::logic, ::storage, ::action, ::automated, ::search</a:t>
-              </a:r>
-              <a:endParaRPr lang="en-SG" sz="1400" b="1" dirty="0"/>
-            </a:p>
-          </p:txBody>
-        </p:sp>
-        <p:cxnSp>
-          <p:nvCxnSpPr>
-            <p:cNvPr id="244" name="Straight Connector 243"/>
-            <p:cNvCxnSpPr/>
-            <p:nvPr/>
-          </p:nvCxnSpPr>
-          <p:spPr>
-            <a:xfrm>
-              <a:off x="4714875" y="1123350"/>
-              <a:ext cx="838200" cy="0"/>
-            </a:xfrm>
-            <a:prstGeom prst="line">
-              <a:avLst/>
-            </a:prstGeom>
-            <a:grpFill/>
-            <a:ln w="19050">
-              <a:solidFill>
-                <a:schemeClr val="bg1"/>
-              </a:solidFill>
-            </a:ln>
-          </p:spPr>
-          <p:style>
-            <a:lnRef idx="1">
-              <a:schemeClr val="accent1"/>
-            </a:lnRef>
-            <a:fillRef idx="0">
-              <a:schemeClr val="accent1"/>
-            </a:fillRef>
-            <a:effectRef idx="0">
-              <a:schemeClr val="accent1"/>
-            </a:effectRef>
-            <a:fontRef idx="minor">
-              <a:schemeClr val="tx1"/>
-            </a:fontRef>
-          </p:style>
-        </p:cxnSp>
-      </p:grpSp>
-      <p:sp>
-        <p:nvSpPr>
-          <p:cNvPr id="245" name="Rectangle 244"/>
-          <p:cNvSpPr/>
-          <p:nvPr/>
-        </p:nvSpPr>
-        <p:spPr>
-          <a:xfrm>
-            <a:off x="640954" y="3942241"/>
-            <a:ext cx="5336323" cy="351890"/>
-          </a:xfrm>
-          <a:prstGeom prst="rect">
-            <a:avLst/>
-          </a:prstGeom>
-          <a:ln/>
-        </p:spPr>
-        <p:style>
-          <a:lnRef idx="2">
-            <a:schemeClr val="accent2">
-              <a:shade val="50000"/>
-            </a:schemeClr>
-          </a:lnRef>
-          <a:fillRef idx="1">
-            <a:schemeClr val="accent2"/>
-          </a:fillRef>
-          <a:effectRef idx="0">
-            <a:schemeClr val="accent2"/>
-          </a:effectRef>
-          <a:fontRef idx="minor">
-            <a:schemeClr val="lt1"/>
-          </a:fontRef>
-        </p:style>
-        <p:txBody>
-          <a:bodyPr lIns="0" rIns="0" rtlCol="0" anchor="ctr"/>
-          <a:lstStyle/>
-          <a:p>
-            <a:pPr algn="ctr"/>
-            <a:r>
-              <a:rPr lang="en-US" sz="1600" b="1" dirty="0"/>
-              <a:t>Test cases that need simulated GAE environment</a:t>
-            </a:r>
-            <a:endParaRPr lang="en-SG" sz="1600" b="1" dirty="0"/>
-          </a:p>
-        </p:txBody>
-      </p:sp>
-      <p:cxnSp>
-        <p:nvCxnSpPr>
-          <p:cNvPr id="246" name="Elbow Connector 245"/>
-          <p:cNvCxnSpPr>
-            <a:stCxn id="237" idx="3"/>
-            <a:endCxn id="245" idx="3"/>
-          </p:cNvCxnSpPr>
-          <p:nvPr/>
-        </p:nvCxnSpPr>
-        <p:spPr>
-          <a:xfrm rot="10800000">
-            <a:off x="5977278" y="4130886"/>
-            <a:ext cx="601993" cy="0"/>
-          </a:xfrm>
-          <a:prstGeom prst="bentConnector3">
-            <a:avLst>
-              <a:gd name="adj1" fmla="val 50000"/>
-            </a:avLst>
           </a:prstGeom>
           <a:ln>
             <a:solidFill>
@@ -4954,6 +6266,9 @@
                 <a:lumMod val="75000"/>
               </a:schemeClr>
             </a:solidFill>
+            <a:prstDash val="sysDot"/>
+            <a:headEnd type="none" w="med" len="med"/>
+            <a:tailEnd type="arrow" w="med" len="med"/>
           </a:ln>
         </p:spPr>
         <p:style>
@@ -4973,20 +6288,66 @@
           </a:fontRef>
         </p:style>
       </p:cxnSp>
-      <p:sp>
-        <p:nvSpPr>
-          <p:cNvPr id="247" name="Rectangle 246"/>
-          <p:cNvSpPr/>
+      <p:cxnSp>
+        <p:nvCxnSpPr>
+          <p:cNvPr id="161" name="Straight Arrow Connector 160"/>
+          <p:cNvCxnSpPr>
+            <a:endCxn id="89" idx="3"/>
+          </p:cNvCxnSpPr>
           <p:nvPr/>
-        </p:nvSpPr>
-        <p:spPr>
-          <a:xfrm>
-            <a:off x="2675158" y="5396813"/>
-            <a:ext cx="1800000" cy="360000"/>
-          </a:xfrm>
-          <a:prstGeom prst="rect">
-            <a:avLst/>
-          </a:prstGeom>
+        </p:nvCxnSpPr>
+        <p:spPr>
+          <a:xfrm flipH="1" flipV="1">
+            <a:off x="8874600" y="2639400"/>
+            <a:ext cx="612000" cy="0"/>
+          </a:xfrm>
+          <a:prstGeom prst="straightConnector1">
+            <a:avLst/>
+          </a:prstGeom>
+          <a:ln w="38100">
+            <a:solidFill>
+              <a:schemeClr val="accent3">
+                <a:lumMod val="75000"/>
+              </a:schemeClr>
+            </a:solidFill>
+            <a:prstDash val="sysDash"/>
+            <a:headEnd type="arrow" w="med" len="med"/>
+            <a:tailEnd type="none" w="med" len="med"/>
+          </a:ln>
+        </p:spPr>
+        <p:style>
+          <a:lnRef idx="1">
+            <a:schemeClr val="accent1"/>
+          </a:lnRef>
+          <a:fillRef idx="0">
+            <a:schemeClr val="accent1"/>
+          </a:fillRef>
+          <a:effectRef idx="0">
+            <a:schemeClr val="accent1"/>
+          </a:effectRef>
+          <a:fontRef idx="minor">
+            <a:schemeClr val="tx1"/>
+          </a:fontRef>
+        </p:style>
+      </p:cxnSp>
+      <p:sp>
+        <p:nvSpPr>
+          <p:cNvPr id="167" name="TextBox 166"/>
+          <p:cNvSpPr txBox="1"/>
+          <p:nvPr/>
+        </p:nvSpPr>
+        <p:spPr>
+          <a:xfrm>
+            <a:off x="9415418" y="2487548"/>
+            <a:ext cx="1319257" cy="307777"/>
+          </a:xfrm>
+          <a:prstGeom prst="rect">
+            <a:avLst/>
+          </a:prstGeom>
+          <a:grpFill/>
+          <a:ln>
+            <a:noFill/>
+          </a:ln>
         </p:spPr>
         <p:style>
           <a:lnRef idx="2">
@@ -5005,32 +6366,161 @@
           </a:fontRef>
         </p:style>
         <p:txBody>
-          <a:bodyPr rtlCol="0" anchor="ctr"/>
-          <a:lstStyle/>
+          <a:bodyPr rtlCol="0" anchor="t" anchorCtr="0"/>
+          <a:lstStyle>
+            <a:defPPr>
+              <a:defRPr lang="en-US"/>
+            </a:defPPr>
+            <a:lvl1pPr>
+              <a:defRPr sz="1400" b="1">
+                <a:solidFill>
+                  <a:srgbClr val="7030A0"/>
+                </a:solidFill>
+              </a:defRPr>
+            </a:lvl1pPr>
+            <a:lvl2pPr>
+              <a:defRPr>
+                <a:solidFill>
+                  <a:schemeClr val="lt1"/>
+                </a:solidFill>
+              </a:defRPr>
+            </a:lvl2pPr>
+            <a:lvl3pPr>
+              <a:defRPr>
+                <a:solidFill>
+                  <a:schemeClr val="lt1"/>
+                </a:solidFill>
+              </a:defRPr>
+            </a:lvl3pPr>
+            <a:lvl4pPr>
+              <a:defRPr>
+                <a:solidFill>
+                  <a:schemeClr val="lt1"/>
+                </a:solidFill>
+              </a:defRPr>
+            </a:lvl4pPr>
+            <a:lvl5pPr>
+              <a:defRPr>
+                <a:solidFill>
+                  <a:schemeClr val="lt1"/>
+                </a:solidFill>
+              </a:defRPr>
+            </a:lvl5pPr>
+            <a:lvl6pPr>
+              <a:defRPr>
+                <a:solidFill>
+                  <a:schemeClr val="lt1"/>
+                </a:solidFill>
+              </a:defRPr>
+            </a:lvl6pPr>
+            <a:lvl7pPr>
+              <a:defRPr>
+                <a:solidFill>
+                  <a:schemeClr val="lt1"/>
+                </a:solidFill>
+              </a:defRPr>
+            </a:lvl7pPr>
+            <a:lvl8pPr>
+              <a:defRPr>
+                <a:solidFill>
+                  <a:schemeClr val="lt1"/>
+                </a:solidFill>
+              </a:defRPr>
+            </a:lvl8pPr>
+            <a:lvl9pPr>
+              <a:defRPr>
+                <a:solidFill>
+                  <a:schemeClr val="lt1"/>
+                </a:solidFill>
+              </a:defRPr>
+            </a:lvl9pPr>
+          </a:lstStyle>
           <a:p>
             <a:pPr algn="ctr"/>
             <a:r>
-              <a:rPr lang="en-US" sz="1600" b="1" dirty="0" err="1"/>
-              <a:t>TestProperties</a:t>
-            </a:r>
-            <a:endParaRPr lang="en-SG" sz="1600" b="1" dirty="0"/>
-          </a:p>
-        </p:txBody>
-      </p:sp>
-      <p:sp>
-        <p:nvSpPr>
-          <p:cNvPr id="248" name="Rectangle 247"/>
-          <p:cNvSpPr/>
+              <a:rPr lang="en-US" dirty="0" err="1" smtClean="0">
+                <a:solidFill>
+                  <a:schemeClr val="tx1"/>
+                </a:solidFill>
+              </a:rPr>
+              <a:t>BackDoor</a:t>
+            </a:r>
+            <a:r>
+              <a:rPr lang="en-US" dirty="0" smtClean="0">
+                <a:solidFill>
+                  <a:schemeClr val="tx1"/>
+                </a:solidFill>
+              </a:rPr>
+              <a:t> API</a:t>
+            </a:r>
+            <a:endParaRPr lang="en-SG" dirty="0">
+              <a:solidFill>
+                <a:schemeClr val="tx1"/>
+              </a:solidFill>
+            </a:endParaRPr>
+          </a:p>
+        </p:txBody>
+      </p:sp>
+      <p:cxnSp>
+        <p:nvCxnSpPr>
+          <p:cNvPr id="170" name="Straight Arrow Connector 169"/>
+          <p:cNvCxnSpPr>
+            <a:endCxn id="96" idx="0"/>
+          </p:cNvCxnSpPr>
           <p:nvPr/>
-        </p:nvSpPr>
-        <p:spPr>
-          <a:xfrm>
-            <a:off x="4700020" y="5396813"/>
-            <a:ext cx="1800000" cy="360000"/>
-          </a:xfrm>
-          <a:prstGeom prst="rect">
-            <a:avLst/>
-          </a:prstGeom>
+        </p:nvCxnSpPr>
+        <p:spPr>
+          <a:xfrm flipH="1">
+            <a:off x="5995875" y="381000"/>
+            <a:ext cx="0" cy="1119553"/>
+          </a:xfrm>
+          <a:prstGeom prst="straightConnector1">
+            <a:avLst/>
+          </a:prstGeom>
+          <a:ln w="38100">
+            <a:solidFill>
+              <a:schemeClr val="accent3">
+                <a:lumMod val="75000"/>
+              </a:schemeClr>
+            </a:solidFill>
+            <a:prstDash val="sysDash"/>
+            <a:headEnd type="arrow" w="med" len="med"/>
+            <a:tailEnd type="none" w="med" len="med"/>
+          </a:ln>
+        </p:spPr>
+        <p:style>
+          <a:lnRef idx="1">
+            <a:schemeClr val="accent1"/>
+          </a:lnRef>
+          <a:fillRef idx="0">
+            <a:schemeClr val="accent1"/>
+          </a:fillRef>
+          <a:effectRef idx="0">
+            <a:schemeClr val="accent1"/>
+          </a:effectRef>
+          <a:fontRef idx="minor">
+            <a:schemeClr val="tx1"/>
+          </a:fontRef>
+        </p:style>
+      </p:cxnSp>
+      <p:sp>
+        <p:nvSpPr>
+          <p:cNvPr id="171" name="TextBox 170"/>
+          <p:cNvSpPr txBox="1"/>
+          <p:nvPr/>
+        </p:nvSpPr>
+        <p:spPr>
+          <a:xfrm>
+            <a:off x="5142865" y="105475"/>
+            <a:ext cx="1721307" cy="288000"/>
+          </a:xfrm>
+          <a:prstGeom prst="rect">
+            <a:avLst/>
+          </a:prstGeom>
+          <a:grpFill/>
+          <a:ln>
+            <a:noFill/>
+          </a:ln>
         </p:spPr>
         <p:style>
           <a:lnRef idx="2">
@@ -5049,32 +6539,153 @@
           </a:fontRef>
         </p:style>
         <p:txBody>
-          <a:bodyPr rtlCol="0" anchor="ctr"/>
-          <a:lstStyle/>
+          <a:bodyPr rtlCol="0" anchor="t" anchorCtr="0"/>
+          <a:lstStyle>
+            <a:defPPr>
+              <a:defRPr lang="en-US"/>
+            </a:defPPr>
+            <a:lvl1pPr>
+              <a:defRPr sz="1400" b="1">
+                <a:solidFill>
+                  <a:srgbClr val="7030A0"/>
+                </a:solidFill>
+              </a:defRPr>
+            </a:lvl1pPr>
+            <a:lvl2pPr>
+              <a:defRPr>
+                <a:solidFill>
+                  <a:schemeClr val="lt1"/>
+                </a:solidFill>
+              </a:defRPr>
+            </a:lvl2pPr>
+            <a:lvl3pPr>
+              <a:defRPr>
+                <a:solidFill>
+                  <a:schemeClr val="lt1"/>
+                </a:solidFill>
+              </a:defRPr>
+            </a:lvl3pPr>
+            <a:lvl4pPr>
+              <a:defRPr>
+                <a:solidFill>
+                  <a:schemeClr val="lt1"/>
+                </a:solidFill>
+              </a:defRPr>
+            </a:lvl4pPr>
+            <a:lvl5pPr>
+              <a:defRPr>
+                <a:solidFill>
+                  <a:schemeClr val="lt1"/>
+                </a:solidFill>
+              </a:defRPr>
+            </a:lvl5pPr>
+            <a:lvl6pPr>
+              <a:defRPr>
+                <a:solidFill>
+                  <a:schemeClr val="lt1"/>
+                </a:solidFill>
+              </a:defRPr>
+            </a:lvl6pPr>
+            <a:lvl7pPr>
+              <a:defRPr>
+                <a:solidFill>
+                  <a:schemeClr val="lt1"/>
+                </a:solidFill>
+              </a:defRPr>
+            </a:lvl7pPr>
+            <a:lvl8pPr>
+              <a:defRPr>
+                <a:solidFill>
+                  <a:schemeClr val="lt1"/>
+                </a:solidFill>
+              </a:defRPr>
+            </a:lvl8pPr>
+            <a:lvl9pPr>
+              <a:defRPr>
+                <a:solidFill>
+                  <a:schemeClr val="lt1"/>
+                </a:solidFill>
+              </a:defRPr>
+            </a:lvl9pPr>
+          </a:lstStyle>
           <a:p>
             <a:pPr algn="ctr"/>
             <a:r>
-              <a:rPr lang="en-US" sz="1600" b="1" dirty="0" err="1"/>
-              <a:t>GaeSimulation</a:t>
-            </a:r>
-            <a:endParaRPr lang="en-SG" sz="1600" b="1" dirty="0"/>
-          </a:p>
-        </p:txBody>
-      </p:sp>
-      <p:sp>
-        <p:nvSpPr>
-          <p:cNvPr id="249" name="Rectangle 248"/>
-          <p:cNvSpPr/>
+              <a:rPr lang="en-US" dirty="0" smtClean="0">
+                <a:solidFill>
+                  <a:schemeClr val="tx1"/>
+                </a:solidFill>
+              </a:rPr>
+              <a:t>Local files for testing</a:t>
+            </a:r>
+            <a:endParaRPr lang="en-SG" dirty="0">
+              <a:solidFill>
+                <a:schemeClr val="tx1"/>
+              </a:solidFill>
+            </a:endParaRPr>
+          </a:p>
+        </p:txBody>
+      </p:sp>
+      <p:cxnSp>
+        <p:nvCxnSpPr>
+          <p:cNvPr id="172" name="Straight Arrow Connector 171"/>
+          <p:cNvCxnSpPr>
+            <a:endCxn id="88" idx="3"/>
+          </p:cNvCxnSpPr>
           <p:nvPr/>
-        </p:nvSpPr>
-        <p:spPr>
-          <a:xfrm>
-            <a:off x="6724882" y="5401037"/>
-            <a:ext cx="1800000" cy="360000"/>
-          </a:xfrm>
-          <a:prstGeom prst="rect">
-            <a:avLst/>
-          </a:prstGeom>
+        </p:nvCxnSpPr>
+        <p:spPr>
+          <a:xfrm flipH="1" flipV="1">
+            <a:off x="8874600" y="2161377"/>
+            <a:ext cx="612000" cy="0"/>
+          </a:xfrm>
+          <a:prstGeom prst="straightConnector1">
+            <a:avLst/>
+          </a:prstGeom>
+          <a:ln w="38100">
+            <a:solidFill>
+              <a:schemeClr val="accent3">
+                <a:lumMod val="75000"/>
+              </a:schemeClr>
+            </a:solidFill>
+            <a:prstDash val="sysDash"/>
+            <a:headEnd type="arrow" w="med" len="med"/>
+            <a:tailEnd type="none" w="med" len="med"/>
+          </a:ln>
+        </p:spPr>
+        <p:style>
+          <a:lnRef idx="1">
+            <a:schemeClr val="accent1"/>
+          </a:lnRef>
+          <a:fillRef idx="0">
+            <a:schemeClr val="accent1"/>
+          </a:fillRef>
+          <a:effectRef idx="0">
+            <a:schemeClr val="accent1"/>
+          </a:effectRef>
+          <a:fontRef idx="minor">
+            <a:schemeClr val="tx1"/>
+          </a:fontRef>
+        </p:style>
+      </p:cxnSp>
+      <p:sp>
+        <p:nvSpPr>
+          <p:cNvPr id="173" name="TextBox 172"/>
+          <p:cNvSpPr txBox="1"/>
+          <p:nvPr/>
+        </p:nvSpPr>
+        <p:spPr>
+          <a:xfrm>
+            <a:off x="9355343" y="2007488"/>
+            <a:ext cx="1319257" cy="307777"/>
+          </a:xfrm>
+          <a:prstGeom prst="rect">
+            <a:avLst/>
+          </a:prstGeom>
+          <a:grpFill/>
+          <a:ln>
+            <a:noFill/>
+          </a:ln>
         </p:spPr>
         <p:style>
           <a:lnRef idx="2">
@@ -5093,71 +6704,146 @@
           </a:fontRef>
         </p:style>
         <p:txBody>
-          <a:bodyPr rtlCol="0" anchor="ctr"/>
-          <a:lstStyle/>
+          <a:bodyPr rtlCol="0" anchor="t" anchorCtr="0"/>
+          <a:lstStyle>
+            <a:defPPr>
+              <a:defRPr lang="en-US"/>
+            </a:defPPr>
+            <a:lvl1pPr>
+              <a:defRPr sz="1400" b="1">
+                <a:solidFill>
+                  <a:srgbClr val="7030A0"/>
+                </a:solidFill>
+              </a:defRPr>
+            </a:lvl1pPr>
+            <a:lvl2pPr>
+              <a:defRPr>
+                <a:solidFill>
+                  <a:schemeClr val="lt1"/>
+                </a:solidFill>
+              </a:defRPr>
+            </a:lvl2pPr>
+            <a:lvl3pPr>
+              <a:defRPr>
+                <a:solidFill>
+                  <a:schemeClr val="lt1"/>
+                </a:solidFill>
+              </a:defRPr>
+            </a:lvl3pPr>
+            <a:lvl4pPr>
+              <a:defRPr>
+                <a:solidFill>
+                  <a:schemeClr val="lt1"/>
+                </a:solidFill>
+              </a:defRPr>
+            </a:lvl4pPr>
+            <a:lvl5pPr>
+              <a:defRPr>
+                <a:solidFill>
+                  <a:schemeClr val="lt1"/>
+                </a:solidFill>
+              </a:defRPr>
+            </a:lvl5pPr>
+            <a:lvl6pPr>
+              <a:defRPr>
+                <a:solidFill>
+                  <a:schemeClr val="lt1"/>
+                </a:solidFill>
+              </a:defRPr>
+            </a:lvl6pPr>
+            <a:lvl7pPr>
+              <a:defRPr>
+                <a:solidFill>
+                  <a:schemeClr val="lt1"/>
+                </a:solidFill>
+              </a:defRPr>
+            </a:lvl7pPr>
+            <a:lvl8pPr>
+              <a:defRPr>
+                <a:solidFill>
+                  <a:schemeClr val="lt1"/>
+                </a:solidFill>
+              </a:defRPr>
+            </a:lvl8pPr>
+            <a:lvl9pPr>
+              <a:defRPr>
+                <a:solidFill>
+                  <a:schemeClr val="lt1"/>
+                </a:solidFill>
+              </a:defRPr>
+            </a:lvl9pPr>
+          </a:lstStyle>
           <a:p>
             <a:pPr algn="ctr"/>
             <a:r>
-              <a:rPr lang="en-US" sz="1600" b="1" dirty="0" err="1"/>
-              <a:t>FileHelper</a:t>
-            </a:r>
-            <a:endParaRPr lang="en-SG" sz="1600" b="1" dirty="0"/>
+              <a:rPr lang="en-US" dirty="0" smtClean="0">
+                <a:solidFill>
+                  <a:schemeClr val="tx1"/>
+                </a:solidFill>
+              </a:rPr>
+              <a:t>Email </a:t>
+            </a:r>
+            <a:r>
+              <a:rPr lang="en-US" dirty="0" smtClean="0">
+                <a:solidFill>
+                  <a:schemeClr val="tx1"/>
+                </a:solidFill>
+              </a:rPr>
+              <a:t>server</a:t>
+            </a:r>
+            <a:endParaRPr lang="en-SG" dirty="0">
+              <a:solidFill>
+                <a:schemeClr val="tx1"/>
+              </a:solidFill>
+            </a:endParaRPr>
           </a:p>
         </p:txBody>
       </p:sp>
       <p:cxnSp>
         <p:nvCxnSpPr>
-          <p:cNvPr id="250" name="Straight Arrow Connector 249"/>
+          <p:cNvPr id="175" name="Straight Connector 174"/>
           <p:cNvCxnSpPr>
-            <a:stCxn id="251" idx="0"/>
-            <a:endCxn id="249" idx="2"/>
+            <a:stCxn id="69" idx="3"/>
+            <a:endCxn id="79" idx="0"/>
           </p:cNvCxnSpPr>
           <p:nvPr/>
         </p:nvCxnSpPr>
         <p:spPr>
-          <a:xfrm flipV="1">
-            <a:off x="7624882" y="5761037"/>
-            <a:ext cx="0" cy="656563"/>
-          </a:xfrm>
-          <a:prstGeom prst="straightConnector1">
-            <a:avLst/>
-          </a:prstGeom>
-          <a:ln w="38100">
-            <a:solidFill>
-              <a:schemeClr val="accent1">
-                <a:lumMod val="75000"/>
-              </a:schemeClr>
-            </a:solidFill>
-            <a:prstDash val="sysDash"/>
-            <a:headEnd type="arrow" w="med" len="med"/>
-            <a:tailEnd type="none" w="med" len="med"/>
-          </a:ln>
+          <a:xfrm>
+            <a:off x="3559836" y="2037926"/>
+            <a:ext cx="0" cy="317410"/>
+          </a:xfrm>
+          <a:prstGeom prst="line">
+            <a:avLst/>
+          </a:prstGeom>
         </p:spPr>
         <p:style>
-          <a:lnRef idx="1">
-            <a:schemeClr val="accent1"/>
+          <a:lnRef idx="2">
+            <a:schemeClr val="accent5">
+              <a:shade val="50000"/>
+            </a:schemeClr>
           </a:lnRef>
-          <a:fillRef idx="0">
-            <a:schemeClr val="accent1"/>
+          <a:fillRef idx="1">
+            <a:schemeClr val="accent5"/>
           </a:fillRef>
           <a:effectRef idx="0">
-            <a:schemeClr val="accent1"/>
+            <a:schemeClr val="accent5"/>
           </a:effectRef>
           <a:fontRef idx="minor">
-            <a:schemeClr val="tx1"/>
+            <a:schemeClr val="lt1"/>
           </a:fontRef>
         </p:style>
       </p:cxnSp>
       <p:sp>
         <p:nvSpPr>
-          <p:cNvPr id="251" name="TextBox 250"/>
+          <p:cNvPr id="176" name="TextBox 175"/>
           <p:cNvSpPr txBox="1"/>
           <p:nvPr/>
         </p:nvSpPr>
         <p:spPr>
           <a:xfrm>
-            <a:off x="6764228" y="6417600"/>
-            <a:ext cx="1721307" cy="288000"/>
+            <a:off x="9346760" y="3762635"/>
+            <a:ext cx="1319257" cy="307777"/>
           </a:xfrm>
           <a:prstGeom prst="rect">
             <a:avLst/>
@@ -5256,12 +6942,12 @@
           <a:p>
             <a:pPr algn="ctr"/>
             <a:r>
-              <a:rPr lang="en-US" dirty="0">
+              <a:rPr lang="en-US" dirty="0" err="1" smtClean="0">
                 <a:solidFill>
                   <a:schemeClr val="tx1"/>
                 </a:solidFill>
               </a:rPr>
-              <a:t>Local files for testing</a:t>
+              <a:t>BackDoorLogic</a:t>
             </a:r>
             <a:endParaRPr lang="en-SG" dirty="0">
               <a:solidFill>
@@ -5271,20 +6957,72 @@
           </a:p>
         </p:txBody>
       </p:sp>
-      <p:sp>
-        <p:nvSpPr>
-          <p:cNvPr id="252" name="Rectangle 251"/>
+      <p:cxnSp>
+        <p:nvCxnSpPr>
+          <p:cNvPr id="177" name="Elbow Connector 176"/>
+          <p:cNvCxnSpPr>
+            <a:stCxn id="110" idx="0"/>
+            <a:endCxn id="176" idx="2"/>
+          </p:cNvCxnSpPr>
+          <p:nvPr/>
+        </p:nvCxnSpPr>
+        <p:spPr>
+          <a:xfrm rot="5400000" flipH="1" flipV="1">
+            <a:off x="6668029" y="1522058"/>
+            <a:ext cx="790006" cy="5886714"/>
+          </a:xfrm>
+          <a:prstGeom prst="bentConnector3">
+            <a:avLst>
+              <a:gd name="adj1" fmla="val 50000"/>
+            </a:avLst>
+          </a:prstGeom>
+          <a:ln w="38100">
+            <a:solidFill>
+              <a:schemeClr val="accent2">
+                <a:lumMod val="75000"/>
+              </a:schemeClr>
+            </a:solidFill>
+            <a:prstDash val="sysDash"/>
+            <a:tailEnd type="arrow"/>
+          </a:ln>
+        </p:spPr>
+        <p:style>
+          <a:lnRef idx="1">
+            <a:schemeClr val="accent1"/>
+          </a:lnRef>
+          <a:fillRef idx="0">
+            <a:schemeClr val="accent1"/>
+          </a:fillRef>
+          <a:effectRef idx="0">
+            <a:schemeClr val="accent1"/>
+          </a:effectRef>
+          <a:fontRef idx="minor">
+            <a:schemeClr val="tx1"/>
+          </a:fontRef>
+        </p:style>
+      </p:cxnSp>
+      <p:sp>
+        <p:nvSpPr>
+          <p:cNvPr id="186" name="Folded Corner 185"/>
           <p:cNvSpPr/>
           <p:nvPr/>
         </p:nvSpPr>
         <p:spPr>
           <a:xfrm>
-            <a:off x="636008" y="5396813"/>
+            <a:off x="8564687" y="138929"/>
             <a:ext cx="1800000" cy="360000"/>
           </a:xfrm>
-          <a:prstGeom prst="rect">
-            <a:avLst/>
-          </a:prstGeom>
+          <a:prstGeom prst="foldedCorner">
+            <a:avLst/>
+          </a:prstGeom>
+          <a:solidFill>
+            <a:schemeClr val="bg1"/>
+          </a:solidFill>
+          <a:ln>
+            <a:solidFill>
+              <a:schemeClr val="tx1"/>
+            </a:solidFill>
+          </a:ln>
         </p:spPr>
         <p:style>
           <a:lnRef idx="2">
@@ -5308,262 +7046,42 @@
           <a:p>
             <a:pPr algn="ctr"/>
             <a:r>
-              <a:rPr lang="en-US" sz="1600" b="1" dirty="0"/>
-              <a:t>Mock*</a:t>
-            </a:r>
-            <a:endParaRPr lang="en-SG" sz="1600" b="1" dirty="0"/>
-          </a:p>
-        </p:txBody>
-      </p:sp>
-      <p:sp>
-        <p:nvSpPr>
-          <p:cNvPr id="253" name="Isosceles Triangle 252"/>
+              <a:rPr lang="en-US" sz="1600" b="1" dirty="0" err="1" smtClean="0">
+                <a:solidFill>
+                  <a:schemeClr val="tx1"/>
+                </a:solidFill>
+              </a:rPr>
+              <a:t>test.properties</a:t>
+            </a:r>
+            <a:endParaRPr lang="en-SG" sz="1600" b="1" dirty="0">
+              <a:solidFill>
+                <a:schemeClr val="tx1"/>
+              </a:solidFill>
+            </a:endParaRPr>
+          </a:p>
+        </p:txBody>
+      </p:sp>
+      <p:sp>
+        <p:nvSpPr>
+          <p:cNvPr id="188" name="Folded Corner 187"/>
           <p:cNvSpPr/>
           <p:nvPr/>
         </p:nvSpPr>
         <p:spPr>
           <a:xfrm>
-            <a:off x="7592188" y="3176457"/>
-            <a:ext cx="216000" cy="216000"/>
-          </a:xfrm>
-          <a:prstGeom prst="triangle">
-            <a:avLst/>
-          </a:prstGeom>
-        </p:spPr>
-        <p:style>
-          <a:lnRef idx="2">
-            <a:schemeClr val="accent2">
-              <a:shade val="50000"/>
-            </a:schemeClr>
-          </a:lnRef>
-          <a:fillRef idx="1">
-            <a:schemeClr val="accent2"/>
-          </a:fillRef>
-          <a:effectRef idx="0">
-            <a:schemeClr val="accent2"/>
-          </a:effectRef>
-          <a:fontRef idx="minor">
-            <a:schemeClr val="lt1"/>
-          </a:fontRef>
-        </p:style>
-        <p:txBody>
-          <a:bodyPr rtlCol="0" anchor="ctr"/>
-          <a:lstStyle/>
-          <a:p>
-            <a:pPr algn="ctr"/>
-            <a:endParaRPr lang="en-SG" sz="1600" b="1"/>
-          </a:p>
-        </p:txBody>
-      </p:sp>
-      <p:grpSp>
-        <p:nvGrpSpPr>
-          <p:cNvPr id="254" name="Group 253"/>
-          <p:cNvGrpSpPr/>
-          <p:nvPr/>
-        </p:nvGrpSpPr>
-        <p:grpSpPr>
-          <a:xfrm>
-            <a:off x="3353154" y="1297875"/>
-            <a:ext cx="5244591" cy="906770"/>
-            <a:chOff x="3190875" y="998810"/>
-            <a:chExt cx="2362200" cy="1224050"/>
-          </a:xfrm>
+            <a:off x="9254284" y="450600"/>
+            <a:ext cx="1440000" cy="540000"/>
+          </a:xfrm>
+          <a:prstGeom prst="foldedCorner">
+            <a:avLst/>
+          </a:prstGeom>
           <a:solidFill>
-            <a:schemeClr val="bg1">
-              <a:lumMod val="75000"/>
-            </a:schemeClr>
+            <a:schemeClr val="bg1"/>
           </a:solidFill>
-        </p:grpSpPr>
-        <p:sp>
-          <p:nvSpPr>
-            <p:cNvPr id="255" name="Rectangle 35"/>
-            <p:cNvSpPr/>
-            <p:nvPr/>
-          </p:nvSpPr>
-          <p:spPr>
-            <a:xfrm>
-              <a:off x="3190875" y="998810"/>
-              <a:ext cx="2362200" cy="1224050"/>
-            </a:xfrm>
-            <a:custGeom>
-              <a:avLst/>
-              <a:gdLst/>
-              <a:ahLst/>
-              <a:cxnLst/>
-              <a:rect l="l" t="t" r="r" b="b"/>
-              <a:pathLst>
-                <a:path w="2362200" h="1101295">
-                  <a:moveTo>
-                    <a:pt x="1524000" y="0"/>
-                  </a:moveTo>
-                  <a:lnTo>
-                    <a:pt x="2361824" y="0"/>
-                  </a:lnTo>
-                  <a:lnTo>
-                    <a:pt x="2361824" y="129015"/>
-                  </a:lnTo>
-                  <a:lnTo>
-                    <a:pt x="2362200" y="129015"/>
-                  </a:lnTo>
-                  <a:lnTo>
-                    <a:pt x="2362200" y="1101295"/>
-                  </a:lnTo>
-                  <a:lnTo>
-                    <a:pt x="0" y="1101295"/>
-                  </a:lnTo>
-                  <a:lnTo>
-                    <a:pt x="0" y="129015"/>
-                  </a:lnTo>
-                  <a:lnTo>
-                    <a:pt x="1524000" y="129015"/>
-                  </a:lnTo>
-                  <a:close/>
-                </a:path>
-              </a:pathLst>
-            </a:custGeom>
-            <a:grpFill/>
-            <a:ln>
-              <a:noFill/>
-            </a:ln>
-          </p:spPr>
-          <p:style>
-            <a:lnRef idx="2">
-              <a:schemeClr val="accent1">
-                <a:shade val="50000"/>
-              </a:schemeClr>
-            </a:lnRef>
-            <a:fillRef idx="1">
-              <a:schemeClr val="accent1"/>
-            </a:fillRef>
-            <a:effectRef idx="0">
-              <a:schemeClr val="accent1"/>
-            </a:effectRef>
-            <a:fontRef idx="minor">
-              <a:schemeClr val="lt1"/>
-            </a:fontRef>
-          </p:style>
-          <p:txBody>
-            <a:bodyPr tIns="72000" rtlCol="0" anchor="t" anchorCtr="0"/>
-            <a:lstStyle/>
-            <a:p>
-              <a:pPr>
-                <a:lnSpc>
-                  <a:spcPct val="150000"/>
-                </a:lnSpc>
-                <a:spcBef>
-                  <a:spcPts val="600"/>
-                </a:spcBef>
-              </a:pPr>
-              <a:r>
-                <a:rPr lang="en-US" sz="1400" b="1" dirty="0"/>
-                <a:t>*.</a:t>
-              </a:r>
-              <a:r>
-                <a:rPr lang="en-US" sz="1400" b="1" dirty="0" err="1"/>
-                <a:t>spec.ts</a:t>
-              </a:r>
-              <a:endParaRPr lang="en-SG" sz="1400" b="1" dirty="0"/>
-            </a:p>
-          </p:txBody>
-        </p:sp>
-        <p:cxnSp>
-          <p:nvCxnSpPr>
-            <p:cNvPr id="256" name="Straight Connector 255"/>
-            <p:cNvCxnSpPr/>
-            <p:nvPr/>
-          </p:nvCxnSpPr>
-          <p:spPr>
-            <a:xfrm>
-              <a:off x="4714875" y="1123350"/>
-              <a:ext cx="838200" cy="0"/>
-            </a:xfrm>
-            <a:prstGeom prst="line">
-              <a:avLst/>
-            </a:prstGeom>
-            <a:grpFill/>
-            <a:ln w="19050">
-              <a:solidFill>
-                <a:schemeClr val="bg1"/>
-              </a:solidFill>
-            </a:ln>
-          </p:spPr>
-          <p:style>
-            <a:lnRef idx="1">
-              <a:schemeClr val="accent1"/>
-            </a:lnRef>
-            <a:fillRef idx="0">
-              <a:schemeClr val="accent1"/>
-            </a:fillRef>
-            <a:effectRef idx="0">
-              <a:schemeClr val="accent1"/>
-            </a:effectRef>
-            <a:fontRef idx="minor">
+          <a:ln>
+            <a:solidFill>
               <a:schemeClr val="tx1"/>
-            </a:fontRef>
-          </p:style>
-        </p:cxnSp>
-      </p:grpSp>
-      <p:sp>
-        <p:nvSpPr>
-          <p:cNvPr id="257" name="Rectangle 256"/>
-          <p:cNvSpPr/>
-          <p:nvPr/>
-        </p:nvSpPr>
-        <p:spPr>
-          <a:xfrm>
-            <a:off x="3470654" y="1751260"/>
-            <a:ext cx="5014881" cy="360000"/>
-          </a:xfrm>
-          <a:prstGeom prst="rect">
-            <a:avLst/>
-          </a:prstGeom>
-        </p:spPr>
-        <p:style>
-          <a:lnRef idx="2">
-            <a:schemeClr val="accent4">
-              <a:shade val="50000"/>
-            </a:schemeClr>
-          </a:lnRef>
-          <a:fillRef idx="1">
-            <a:schemeClr val="accent4"/>
-          </a:fillRef>
-          <a:effectRef idx="0">
-            <a:schemeClr val="accent4"/>
-          </a:effectRef>
-          <a:fontRef idx="minor">
-            <a:schemeClr val="lt1"/>
-          </a:fontRef>
-        </p:style>
-        <p:txBody>
-          <a:bodyPr rtlCol="0" anchor="ctr"/>
-          <a:lstStyle/>
-          <a:p>
-            <a:pPr algn="ctr"/>
-            <a:r>
-              <a:rPr lang="en-US" sz="1600" b="1" dirty="0"/>
-              <a:t>Front-end unit tests</a:t>
-            </a:r>
-            <a:endParaRPr lang="en-SG" sz="1600" b="1" dirty="0"/>
-          </a:p>
-        </p:txBody>
-      </p:sp>
-      <p:sp>
-        <p:nvSpPr>
-          <p:cNvPr id="259" name="TextBox 258"/>
-          <p:cNvSpPr txBox="1"/>
-          <p:nvPr/>
-        </p:nvSpPr>
-        <p:spPr>
-          <a:xfrm>
-            <a:off x="2455588" y="75375"/>
-            <a:ext cx="897566" cy="360000"/>
-          </a:xfrm>
-          <a:prstGeom prst="rect">
-            <a:avLst/>
-          </a:prstGeom>
-          <a:grpFill/>
-          <a:ln>
-            <a:noFill/>
+            </a:solidFill>
           </a:ln>
         </p:spPr>
         <p:style>
@@ -5583,6 +7101,142 @@
           </a:fontRef>
         </p:style>
         <p:txBody>
+          <a:bodyPr rtlCol="0" anchor="ctr"/>
+          <a:lstStyle/>
+          <a:p>
+            <a:pPr algn="ctr"/>
+            <a:r>
+              <a:rPr lang="en-US" sz="1600" b="1" dirty="0" smtClean="0">
+                <a:solidFill>
+                  <a:schemeClr val="tx1"/>
+                </a:solidFill>
+              </a:rPr>
+              <a:t>appengine-web.xml</a:t>
+            </a:r>
+            <a:endParaRPr lang="en-SG" sz="1600" b="1" dirty="0">
+              <a:solidFill>
+                <a:schemeClr val="tx1"/>
+              </a:solidFill>
+            </a:endParaRPr>
+          </a:p>
+        </p:txBody>
+      </p:sp>
+      <p:cxnSp>
+        <p:nvCxnSpPr>
+          <p:cNvPr id="189" name="Straight Arrow Connector 188"/>
+          <p:cNvCxnSpPr/>
+          <p:nvPr/>
+        </p:nvCxnSpPr>
+        <p:spPr>
+          <a:xfrm flipV="1">
+            <a:off x="9024075" y="4973969"/>
+            <a:ext cx="720000" cy="0"/>
+          </a:xfrm>
+          <a:prstGeom prst="straightConnector1">
+            <a:avLst/>
+          </a:prstGeom>
+          <a:ln w="38100">
+            <a:solidFill>
+              <a:schemeClr val="tx1"/>
+            </a:solidFill>
+            <a:prstDash val="sysDash"/>
+            <a:headEnd type="arrow" w="med" len="med"/>
+            <a:tailEnd type="none" w="med" len="med"/>
+          </a:ln>
+        </p:spPr>
+        <p:style>
+          <a:lnRef idx="1">
+            <a:schemeClr val="accent1"/>
+          </a:lnRef>
+          <a:fillRef idx="0">
+            <a:schemeClr val="accent1"/>
+          </a:fillRef>
+          <a:effectRef idx="0">
+            <a:schemeClr val="accent1"/>
+          </a:effectRef>
+          <a:fontRef idx="minor">
+            <a:schemeClr val="tx1"/>
+          </a:fontRef>
+        </p:style>
+      </p:cxnSp>
+      <p:cxnSp>
+        <p:nvCxnSpPr>
+          <p:cNvPr id="190" name="Elbow Connector 189"/>
+          <p:cNvCxnSpPr>
+            <a:stCxn id="94" idx="0"/>
+            <a:endCxn id="186" idx="1"/>
+          </p:cNvCxnSpPr>
+          <p:nvPr/>
+        </p:nvCxnSpPr>
+        <p:spPr>
+          <a:xfrm rot="5400000" flipH="1" flipV="1">
+            <a:off x="7677755" y="616423"/>
+            <a:ext cx="1184426" cy="589438"/>
+          </a:xfrm>
+          <a:prstGeom prst="bentConnector2">
+            <a:avLst/>
+          </a:prstGeom>
+          <a:ln w="38100">
+            <a:solidFill>
+              <a:schemeClr val="accent3">
+                <a:lumMod val="75000"/>
+              </a:schemeClr>
+            </a:solidFill>
+            <a:prstDash val="sysDash"/>
+            <a:tailEnd type="arrow"/>
+          </a:ln>
+        </p:spPr>
+        <p:style>
+          <a:lnRef idx="1">
+            <a:schemeClr val="accent1"/>
+          </a:lnRef>
+          <a:fillRef idx="0">
+            <a:schemeClr val="accent1"/>
+          </a:fillRef>
+          <a:effectRef idx="0">
+            <a:schemeClr val="accent1"/>
+          </a:effectRef>
+          <a:fontRef idx="minor">
+            <a:schemeClr val="tx1"/>
+          </a:fontRef>
+        </p:style>
+      </p:cxnSp>
+      <p:sp>
+        <p:nvSpPr>
+          <p:cNvPr id="192" name="TextBox 191"/>
+          <p:cNvSpPr txBox="1"/>
+          <p:nvPr/>
+        </p:nvSpPr>
+        <p:spPr>
+          <a:xfrm>
+            <a:off x="9591675" y="4793969"/>
+            <a:ext cx="1076815" cy="360000"/>
+          </a:xfrm>
+          <a:prstGeom prst="rect">
+            <a:avLst/>
+          </a:prstGeom>
+          <a:grpFill/>
+          <a:ln>
+            <a:noFill/>
+          </a:ln>
+        </p:spPr>
+        <p:style>
+          <a:lnRef idx="2">
+            <a:schemeClr val="accent1">
+              <a:shade val="50000"/>
+            </a:schemeClr>
+          </a:lnRef>
+          <a:fillRef idx="1">
+            <a:schemeClr val="accent1"/>
+          </a:fillRef>
+          <a:effectRef idx="0">
+            <a:schemeClr val="accent1"/>
+          </a:effectRef>
+          <a:fontRef idx="minor">
+            <a:schemeClr val="lt1"/>
+          </a:fontRef>
+        </p:style>
+        <p:txBody>
           <a:bodyPr rtlCol="0" anchor="t" anchorCtr="0"/>
           <a:lstStyle>
             <a:defPPr>
@@ -5655,12 +7309,12 @@
           <a:p>
             <a:pPr algn="ctr"/>
             <a:r>
-              <a:rPr lang="en-US" dirty="0">
+              <a:rPr lang="en-US" dirty="0" err="1" smtClean="0">
                 <a:solidFill>
                   <a:schemeClr val="tx1"/>
                 </a:solidFill>
               </a:rPr>
-              <a:t>Karma</a:t>
+              <a:t>TestNG</a:t>
             </a:r>
             <a:endParaRPr lang="en-SG" dirty="0">
               <a:solidFill>
@@ -5672,26 +7326,28 @@
       </p:sp>
       <p:cxnSp>
         <p:nvCxnSpPr>
-          <p:cNvPr id="260" name="Elbow Connector 259"/>
+          <p:cNvPr id="193" name="Elbow Connector 192"/>
           <p:cNvCxnSpPr>
-            <a:stCxn id="259" idx="2"/>
-            <a:endCxn id="257" idx="1"/>
+            <a:stCxn id="122" idx="1"/>
+            <a:endCxn id="81" idx="2"/>
           </p:cNvCxnSpPr>
           <p:nvPr/>
         </p:nvCxnSpPr>
         <p:spPr>
-          <a:xfrm rot="16200000" flipH="1">
-            <a:off x="2439570" y="900175"/>
-            <a:ext cx="1495885" cy="566283"/>
+          <a:xfrm rot="10800000">
+            <a:off x="3679916" y="2819400"/>
+            <a:ext cx="1764372" cy="1279916"/>
           </a:xfrm>
           <a:prstGeom prst="bentConnector2">
             <a:avLst/>
           </a:prstGeom>
-          <a:ln w="38100">
+          <a:ln>
             <a:solidFill>
-              <a:schemeClr val="tx1"/>
+              <a:schemeClr val="accent5">
+                <a:lumMod val="75000"/>
+              </a:schemeClr>
             </a:solidFill>
-            <a:prstDash val="sysDash"/>
+            <a:prstDash val="sysDot"/>
             <a:headEnd type="none" w="med" len="med"/>
             <a:tailEnd type="arrow" w="med" len="med"/>
           </a:ln>

--- a/docs/images/TestDriverComponent.pptx
+++ b/docs/images/TestDriverComponent.pptx
@@ -209,7 +209,7 @@
             <a:fld id="{AF301891-4E62-472A-98E9-95DBD40531A4}" type="datetimeFigureOut">
               <a:rPr lang="en-SG" smtClean="0"/>
               <a:pPr/>
-              <a:t>28/9/2018</a:t>
+              <a:t>7/12/2018</a:t>
             </a:fld>
             <a:endParaRPr lang="en-SG"/>
           </a:p>
@@ -764,7 +764,7 @@
             <a:fld id="{1D8BD707-D9CF-40AE-B4C6-C98DA3205C09}" type="datetimeFigureOut">
               <a:rPr lang="en-US" smtClean="0"/>
               <a:pPr/>
-              <a:t>9/28/2018</a:t>
+              <a:t>12/7/2018</a:t>
             </a:fld>
             <a:endParaRPr lang="en-US"/>
           </a:p>
@@ -978,7 +978,7 @@
             <a:fld id="{1D8BD707-D9CF-40AE-B4C6-C98DA3205C09}" type="datetimeFigureOut">
               <a:rPr lang="en-US" smtClean="0"/>
               <a:pPr/>
-              <a:t>9/28/2018</a:t>
+              <a:t>12/7/2018</a:t>
             </a:fld>
             <a:endParaRPr lang="en-US"/>
           </a:p>
@@ -1185,7 +1185,7 @@
             <a:fld id="{1D8BD707-D9CF-40AE-B4C6-C98DA3205C09}" type="datetimeFigureOut">
               <a:rPr lang="en-US" smtClean="0"/>
               <a:pPr/>
-              <a:t>9/28/2018</a:t>
+              <a:t>12/7/2018</a:t>
             </a:fld>
             <a:endParaRPr lang="en-US"/>
           </a:p>
@@ -1392,7 +1392,7 @@
             <a:fld id="{1D8BD707-D9CF-40AE-B4C6-C98DA3205C09}" type="datetimeFigureOut">
               <a:rPr lang="en-US" smtClean="0"/>
               <a:pPr/>
-              <a:t>9/28/2018</a:t>
+              <a:t>12/7/2018</a:t>
             </a:fld>
             <a:endParaRPr lang="en-US"/>
           </a:p>
@@ -1665,7 +1665,7 @@
             <a:fld id="{1D8BD707-D9CF-40AE-B4C6-C98DA3205C09}" type="datetimeFigureOut">
               <a:rPr lang="en-US" smtClean="0"/>
               <a:pPr/>
-              <a:t>9/28/2018</a:t>
+              <a:t>12/7/2018</a:t>
             </a:fld>
             <a:endParaRPr lang="en-US"/>
           </a:p>
@@ -1988,7 +1988,7 @@
             <a:fld id="{1D8BD707-D9CF-40AE-B4C6-C98DA3205C09}" type="datetimeFigureOut">
               <a:rPr lang="en-US" smtClean="0"/>
               <a:pPr/>
-              <a:t>9/28/2018</a:t>
+              <a:t>12/7/2018</a:t>
             </a:fld>
             <a:endParaRPr lang="en-US"/>
           </a:p>
@@ -2451,7 +2451,7 @@
             <a:fld id="{1D8BD707-D9CF-40AE-B4C6-C98DA3205C09}" type="datetimeFigureOut">
               <a:rPr lang="en-US" smtClean="0"/>
               <a:pPr/>
-              <a:t>9/28/2018</a:t>
+              <a:t>12/7/2018</a:t>
             </a:fld>
             <a:endParaRPr lang="en-US"/>
           </a:p>
@@ -2598,7 +2598,7 @@
             <a:fld id="{1D8BD707-D9CF-40AE-B4C6-C98DA3205C09}" type="datetimeFigureOut">
               <a:rPr lang="en-US" smtClean="0"/>
               <a:pPr/>
-              <a:t>9/28/2018</a:t>
+              <a:t>12/7/2018</a:t>
             </a:fld>
             <a:endParaRPr lang="en-US"/>
           </a:p>
@@ -2714,7 +2714,7 @@
             <a:fld id="{1D8BD707-D9CF-40AE-B4C6-C98DA3205C09}" type="datetimeFigureOut">
               <a:rPr lang="en-US" smtClean="0"/>
               <a:pPr/>
-              <a:t>9/28/2018</a:t>
+              <a:t>12/7/2018</a:t>
             </a:fld>
             <a:endParaRPr lang="en-US"/>
           </a:p>
@@ -3021,7 +3021,7 @@
             <a:fld id="{1D8BD707-D9CF-40AE-B4C6-C98DA3205C09}" type="datetimeFigureOut">
               <a:rPr lang="en-US" smtClean="0"/>
               <a:pPr/>
-              <a:t>9/28/2018</a:t>
+              <a:t>12/7/2018</a:t>
             </a:fld>
             <a:endParaRPr lang="en-US"/>
           </a:p>
@@ -3304,7 +3304,7 @@
             <a:fld id="{1D8BD707-D9CF-40AE-B4C6-C98DA3205C09}" type="datetimeFigureOut">
               <a:rPr lang="en-US" smtClean="0"/>
               <a:pPr/>
-              <a:t>9/28/2018</a:t>
+              <a:t>12/7/2018</a:t>
             </a:fld>
             <a:endParaRPr lang="en-US"/>
           </a:p>
@@ -5655,12 +5655,12 @@
           <a:p>
             <a:pPr algn="ctr"/>
             <a:r>
-              <a:rPr lang="en-US" dirty="0">
+              <a:rPr lang="en-US" dirty="0" smtClean="0">
                 <a:solidFill>
                   <a:schemeClr val="tx1"/>
                 </a:solidFill>
               </a:rPr>
-              <a:t>Karma</a:t>
+              <a:t>Jest</a:t>
             </a:r>
             <a:endParaRPr lang="en-SG" dirty="0">
               <a:solidFill>

--- a/docs/images/TestDriverComponent.pptx
+++ b/docs/images/TestDriverComponent.pptx
@@ -209,7 +209,7 @@
             <a:fld id="{AF301891-4E62-472A-98E9-95DBD40531A4}" type="datetimeFigureOut">
               <a:rPr lang="en-SG" smtClean="0"/>
               <a:pPr/>
-              <a:t>7/12/2018</a:t>
+              <a:t>28/9/2018</a:t>
             </a:fld>
             <a:endParaRPr lang="en-SG"/>
           </a:p>
@@ -764,7 +764,7 @@
             <a:fld id="{1D8BD707-D9CF-40AE-B4C6-C98DA3205C09}" type="datetimeFigureOut">
               <a:rPr lang="en-US" smtClean="0"/>
               <a:pPr/>
-              <a:t>12/7/2018</a:t>
+              <a:t>9/28/2018</a:t>
             </a:fld>
             <a:endParaRPr lang="en-US"/>
           </a:p>
@@ -978,7 +978,7 @@
             <a:fld id="{1D8BD707-D9CF-40AE-B4C6-C98DA3205C09}" type="datetimeFigureOut">
               <a:rPr lang="en-US" smtClean="0"/>
               <a:pPr/>
-              <a:t>12/7/2018</a:t>
+              <a:t>9/28/2018</a:t>
             </a:fld>
             <a:endParaRPr lang="en-US"/>
           </a:p>
@@ -1185,7 +1185,7 @@
             <a:fld id="{1D8BD707-D9CF-40AE-B4C6-C98DA3205C09}" type="datetimeFigureOut">
               <a:rPr lang="en-US" smtClean="0"/>
               <a:pPr/>
-              <a:t>12/7/2018</a:t>
+              <a:t>9/28/2018</a:t>
             </a:fld>
             <a:endParaRPr lang="en-US"/>
           </a:p>
@@ -1392,7 +1392,7 @@
             <a:fld id="{1D8BD707-D9CF-40AE-B4C6-C98DA3205C09}" type="datetimeFigureOut">
               <a:rPr lang="en-US" smtClean="0"/>
               <a:pPr/>
-              <a:t>12/7/2018</a:t>
+              <a:t>9/28/2018</a:t>
             </a:fld>
             <a:endParaRPr lang="en-US"/>
           </a:p>
@@ -1665,7 +1665,7 @@
             <a:fld id="{1D8BD707-D9CF-40AE-B4C6-C98DA3205C09}" type="datetimeFigureOut">
               <a:rPr lang="en-US" smtClean="0"/>
               <a:pPr/>
-              <a:t>12/7/2018</a:t>
+              <a:t>9/28/2018</a:t>
             </a:fld>
             <a:endParaRPr lang="en-US"/>
           </a:p>
@@ -1988,7 +1988,7 @@
             <a:fld id="{1D8BD707-D9CF-40AE-B4C6-C98DA3205C09}" type="datetimeFigureOut">
               <a:rPr lang="en-US" smtClean="0"/>
               <a:pPr/>
-              <a:t>12/7/2018</a:t>
+              <a:t>9/28/2018</a:t>
             </a:fld>
             <a:endParaRPr lang="en-US"/>
           </a:p>
@@ -2451,7 +2451,7 @@
             <a:fld id="{1D8BD707-D9CF-40AE-B4C6-C98DA3205C09}" type="datetimeFigureOut">
               <a:rPr lang="en-US" smtClean="0"/>
               <a:pPr/>
-              <a:t>12/7/2018</a:t>
+              <a:t>9/28/2018</a:t>
             </a:fld>
             <a:endParaRPr lang="en-US"/>
           </a:p>
@@ -2598,7 +2598,7 @@
             <a:fld id="{1D8BD707-D9CF-40AE-B4C6-C98DA3205C09}" type="datetimeFigureOut">
               <a:rPr lang="en-US" smtClean="0"/>
               <a:pPr/>
-              <a:t>12/7/2018</a:t>
+              <a:t>9/28/2018</a:t>
             </a:fld>
             <a:endParaRPr lang="en-US"/>
           </a:p>
@@ -2714,7 +2714,7 @@
             <a:fld id="{1D8BD707-D9CF-40AE-B4C6-C98DA3205C09}" type="datetimeFigureOut">
               <a:rPr lang="en-US" smtClean="0"/>
               <a:pPr/>
-              <a:t>12/7/2018</a:t>
+              <a:t>9/28/2018</a:t>
             </a:fld>
             <a:endParaRPr lang="en-US"/>
           </a:p>
@@ -3021,7 +3021,7 @@
             <a:fld id="{1D8BD707-D9CF-40AE-B4C6-C98DA3205C09}" type="datetimeFigureOut">
               <a:rPr lang="en-US" smtClean="0"/>
               <a:pPr/>
-              <a:t>12/7/2018</a:t>
+              <a:t>9/28/2018</a:t>
             </a:fld>
             <a:endParaRPr lang="en-US"/>
           </a:p>
@@ -3304,7 +3304,7 @@
             <a:fld id="{1D8BD707-D9CF-40AE-B4C6-C98DA3205C09}" type="datetimeFigureOut">
               <a:rPr lang="en-US" smtClean="0"/>
               <a:pPr/>
-              <a:t>12/7/2018</a:t>
+              <a:t>9/28/2018</a:t>
             </a:fld>
             <a:endParaRPr lang="en-US"/>
           </a:p>
@@ -5655,12 +5655,12 @@
           <a:p>
             <a:pPr algn="ctr"/>
             <a:r>
-              <a:rPr lang="en-US" dirty="0" smtClean="0">
+              <a:rPr lang="en-US" dirty="0">
                 <a:solidFill>
                   <a:schemeClr val="tx1"/>
                 </a:solidFill>
               </a:rPr>
-              <a:t>Jest</a:t>
+              <a:t>Karma</a:t>
             </a:r>
             <a:endParaRPr lang="en-SG" dirty="0">
               <a:solidFill>

--- a/docs/images/TestDriverComponent.pptx
+++ b/docs/images/TestDriverComponent.pptx
@@ -209,7 +209,7 @@
             <a:fld id="{AF301891-4E62-472A-98E9-95DBD40531A4}" type="datetimeFigureOut">
               <a:rPr lang="en-SG" smtClean="0"/>
               <a:pPr/>
-              <a:t>7/12/2018</a:t>
+              <a:t>17/9/2020</a:t>
             </a:fld>
             <a:endParaRPr lang="en-SG"/>
           </a:p>
@@ -764,7 +764,7 @@
             <a:fld id="{1D8BD707-D9CF-40AE-B4C6-C98DA3205C09}" type="datetimeFigureOut">
               <a:rPr lang="en-US" smtClean="0"/>
               <a:pPr/>
-              <a:t>12/7/2018</a:t>
+              <a:t>9/17/2020</a:t>
             </a:fld>
             <a:endParaRPr lang="en-US"/>
           </a:p>
@@ -978,7 +978,7 @@
             <a:fld id="{1D8BD707-D9CF-40AE-B4C6-C98DA3205C09}" type="datetimeFigureOut">
               <a:rPr lang="en-US" smtClean="0"/>
               <a:pPr/>
-              <a:t>12/7/2018</a:t>
+              <a:t>9/17/2020</a:t>
             </a:fld>
             <a:endParaRPr lang="en-US"/>
           </a:p>
@@ -1185,7 +1185,7 @@
             <a:fld id="{1D8BD707-D9CF-40AE-B4C6-C98DA3205C09}" type="datetimeFigureOut">
               <a:rPr lang="en-US" smtClean="0"/>
               <a:pPr/>
-              <a:t>12/7/2018</a:t>
+              <a:t>9/17/2020</a:t>
             </a:fld>
             <a:endParaRPr lang="en-US"/>
           </a:p>
@@ -1392,7 +1392,7 @@
             <a:fld id="{1D8BD707-D9CF-40AE-B4C6-C98DA3205C09}" type="datetimeFigureOut">
               <a:rPr lang="en-US" smtClean="0"/>
               <a:pPr/>
-              <a:t>12/7/2018</a:t>
+              <a:t>9/17/2020</a:t>
             </a:fld>
             <a:endParaRPr lang="en-US"/>
           </a:p>
@@ -1665,7 +1665,7 @@
             <a:fld id="{1D8BD707-D9CF-40AE-B4C6-C98DA3205C09}" type="datetimeFigureOut">
               <a:rPr lang="en-US" smtClean="0"/>
               <a:pPr/>
-              <a:t>12/7/2018</a:t>
+              <a:t>9/17/2020</a:t>
             </a:fld>
             <a:endParaRPr lang="en-US"/>
           </a:p>
@@ -1988,7 +1988,7 @@
             <a:fld id="{1D8BD707-D9CF-40AE-B4C6-C98DA3205C09}" type="datetimeFigureOut">
               <a:rPr lang="en-US" smtClean="0"/>
               <a:pPr/>
-              <a:t>12/7/2018</a:t>
+              <a:t>9/17/2020</a:t>
             </a:fld>
             <a:endParaRPr lang="en-US"/>
           </a:p>
@@ -2451,7 +2451,7 @@
             <a:fld id="{1D8BD707-D9CF-40AE-B4C6-C98DA3205C09}" type="datetimeFigureOut">
               <a:rPr lang="en-US" smtClean="0"/>
               <a:pPr/>
-              <a:t>12/7/2018</a:t>
+              <a:t>9/17/2020</a:t>
             </a:fld>
             <a:endParaRPr lang="en-US"/>
           </a:p>
@@ -2598,7 +2598,7 @@
             <a:fld id="{1D8BD707-D9CF-40AE-B4C6-C98DA3205C09}" type="datetimeFigureOut">
               <a:rPr lang="en-US" smtClean="0"/>
               <a:pPr/>
-              <a:t>12/7/2018</a:t>
+              <a:t>9/17/2020</a:t>
             </a:fld>
             <a:endParaRPr lang="en-US"/>
           </a:p>
@@ -2714,7 +2714,7 @@
             <a:fld id="{1D8BD707-D9CF-40AE-B4C6-C98DA3205C09}" type="datetimeFigureOut">
               <a:rPr lang="en-US" smtClean="0"/>
               <a:pPr/>
-              <a:t>12/7/2018</a:t>
+              <a:t>9/17/2020</a:t>
             </a:fld>
             <a:endParaRPr lang="en-US"/>
           </a:p>
@@ -3021,7 +3021,7 @@
             <a:fld id="{1D8BD707-D9CF-40AE-B4C6-C98DA3205C09}" type="datetimeFigureOut">
               <a:rPr lang="en-US" smtClean="0"/>
               <a:pPr/>
-              <a:t>12/7/2018</a:t>
+              <a:t>9/17/2020</a:t>
             </a:fld>
             <a:endParaRPr lang="en-US"/>
           </a:p>
@@ -3304,7 +3304,7 @@
             <a:fld id="{1D8BD707-D9CF-40AE-B4C6-C98DA3205C09}" type="datetimeFigureOut">
               <a:rPr lang="en-US" smtClean="0"/>
               <a:pPr/>
-              <a:t>12/7/2018</a:t>
+              <a:t>9/17/2020</a:t>
             </a:fld>
             <a:endParaRPr lang="en-US"/>
           </a:p>
@@ -3466,8 +3466,8 @@
         </p:nvGrpSpPr>
         <p:grpSpPr>
           <a:xfrm>
-            <a:off x="377700" y="941706"/>
-            <a:ext cx="8582944" cy="3706490"/>
+            <a:off x="377700" y="941705"/>
+            <a:ext cx="8582944" cy="2868289"/>
             <a:chOff x="-1676400" y="1260789"/>
             <a:chExt cx="2819400" cy="6674436"/>
           </a:xfrm>
@@ -3483,8 +3483,8 @@
           </p:nvSpPr>
           <p:spPr>
             <a:xfrm>
-              <a:off x="-1676400" y="1523998"/>
-              <a:ext cx="2819400" cy="6411227"/>
+              <a:off x="-1676400" y="1676391"/>
+              <a:ext cx="2819400" cy="6258834"/>
             </a:xfrm>
             <a:prstGeom prst="rect">
               <a:avLst/>
@@ -3526,7 +3526,17 @@
                     </a:schemeClr>
                   </a:solidFill>
                 </a:rPr>
-                <a:t>test::cases</a:t>
+                <a:t>Test</a:t>
+              </a:r>
+              <a:r>
+                <a:rPr lang="en-US" sz="1400" b="1" baseline="0" dirty="0" smtClean="0">
+                  <a:solidFill>
+                    <a:schemeClr val="accent2">
+                      <a:lumMod val="75000"/>
+                    </a:schemeClr>
+                  </a:solidFill>
+                </a:rPr>
+                <a:t> Cases</a:t>
               </a:r>
               <a:endParaRPr lang="en-SG" sz="1400" b="1" dirty="0">
                 <a:solidFill>
@@ -3547,7 +3557,7 @@
           <p:spPr>
             <a:xfrm>
               <a:off x="551131" y="1260789"/>
-              <a:ext cx="591868" cy="248703"/>
+              <a:ext cx="591868" cy="415602"/>
             </a:xfrm>
             <a:prstGeom prst="rect">
               <a:avLst/>
@@ -3601,8 +3611,8 @@
         </p:nvGrpSpPr>
         <p:grpSpPr>
           <a:xfrm>
-            <a:off x="377709" y="4849491"/>
-            <a:ext cx="8582941" cy="1094104"/>
+            <a:off x="377709" y="4038600"/>
+            <a:ext cx="8582941" cy="1904995"/>
             <a:chOff x="-1371600" y="1330021"/>
             <a:chExt cx="2514600" cy="1598397"/>
           </a:xfrm>
@@ -3618,8 +3628,8 @@
           </p:nvSpPr>
           <p:spPr>
             <a:xfrm>
-              <a:off x="-1371600" y="1523999"/>
-              <a:ext cx="2514600" cy="1404419"/>
+              <a:off x="-1371600" y="1521829"/>
+              <a:ext cx="2514600" cy="1406589"/>
             </a:xfrm>
             <a:prstGeom prst="rect">
               <a:avLst/>
@@ -3661,7 +3671,7 @@
                     </a:schemeClr>
                   </a:solidFill>
                 </a:rPr>
-                <a:t>test::driver</a:t>
+                <a:t>test</a:t>
               </a:r>
               <a:endParaRPr lang="en-SG" sz="1400" b="1" dirty="0">
                 <a:solidFill>
@@ -3682,7 +3692,7 @@
           <p:spPr>
             <a:xfrm>
               <a:off x="615117" y="1330021"/>
-              <a:ext cx="527881" cy="193978"/>
+              <a:ext cx="527881" cy="191808"/>
             </a:xfrm>
             <a:prstGeom prst="rect">
               <a:avLst/>
@@ -4029,7 +4039,7 @@
         </p:nvSpPr>
         <p:spPr>
           <a:xfrm>
-            <a:off x="6802631" y="2790396"/>
+            <a:off x="2006814" y="4514213"/>
             <a:ext cx="1795114" cy="360000"/>
           </a:xfrm>
           <a:prstGeom prst="rect">
@@ -4073,7 +4083,7 @@
         </p:nvSpPr>
         <p:spPr>
           <a:xfrm>
-            <a:off x="6810515" y="3794186"/>
+            <a:off x="5581110" y="4381200"/>
             <a:ext cx="1800000" cy="648000"/>
           </a:xfrm>
           <a:prstGeom prst="rect">
@@ -4122,15 +4132,15 @@
         <p:nvCxnSpPr>
           <p:cNvPr id="230" name="Elbow Connector 229"/>
           <p:cNvCxnSpPr>
-            <a:stCxn id="229" idx="0"/>
+            <a:stCxn id="229" idx="1"/>
             <a:endCxn id="253" idx="3"/>
           </p:cNvCxnSpPr>
           <p:nvPr/>
         </p:nvCxnSpPr>
         <p:spPr>
-          <a:xfrm rot="16200000" flipV="1">
-            <a:off x="7499334" y="3593321"/>
-            <a:ext cx="401729" cy="0"/>
+          <a:xfrm rot="10800000">
+            <a:off x="4017928" y="4705200"/>
+            <a:ext cx="1563182" cy="12700"/>
           </a:xfrm>
           <a:prstGeom prst="bentConnector3">
             <a:avLst>
@@ -4170,8 +4180,8 @@
         </p:nvGrpSpPr>
         <p:grpSpPr>
           <a:xfrm>
-            <a:off x="535180" y="2361115"/>
-            <a:ext cx="5568721" cy="906770"/>
+            <a:off x="1112044" y="2494752"/>
+            <a:ext cx="3330084" cy="1173512"/>
             <a:chOff x="3190875" y="998810"/>
             <a:chExt cx="2362200" cy="1224050"/>
           </a:xfrm>
@@ -4262,28 +4272,8 @@
                 </a:spcBef>
               </a:pPr>
               <a:r>
-                <a:rPr lang="en-US" sz="1400" b="1" dirty="0"/>
-                <a:t>::</a:t>
-              </a:r>
-              <a:r>
-                <a:rPr lang="en-US" sz="1400" b="1" dirty="0" err="1"/>
-                <a:t>testdriver</a:t>
-              </a:r>
-              <a:r>
-                <a:rPr lang="en-US" sz="1400" b="1" dirty="0"/>
-                <a:t>, ::</a:t>
-              </a:r>
-              <a:r>
-                <a:rPr lang="en-US" sz="1400" b="1" dirty="0" err="1"/>
-                <a:t>datatransfer</a:t>
-              </a:r>
-              <a:r>
-                <a:rPr lang="en-US" sz="1400" b="1" dirty="0"/>
-                <a:t>, ::</a:t>
-              </a:r>
-              <a:r>
-                <a:rPr lang="en-US" sz="1400" b="1" dirty="0" err="1"/>
-                <a:t>util</a:t>
+                <a:rPr lang="en-US" sz="1400" b="1" dirty="0" smtClean="0"/>
+                <a:t>::common</a:t>
               </a:r>
               <a:endParaRPr lang="en-SG" sz="1400" b="1" dirty="0"/>
             </a:p>
@@ -4334,8 +4324,8 @@
         </p:nvSpPr>
         <p:spPr>
           <a:xfrm>
-            <a:off x="645655" y="2787415"/>
-            <a:ext cx="5336323" cy="360000"/>
+            <a:off x="1276208" y="2926377"/>
+            <a:ext cx="2980989" cy="582629"/>
           </a:xfrm>
           <a:prstGeom prst="rect">
             <a:avLst/>
@@ -4374,19 +4364,20 @@
         <p:nvCxnSpPr>
           <p:cNvPr id="235" name="Elbow Connector 234"/>
           <p:cNvCxnSpPr>
-            <a:stCxn id="234" idx="3"/>
+            <a:stCxn id="234" idx="2"/>
             <a:endCxn id="236" idx="3"/>
           </p:cNvCxnSpPr>
           <p:nvPr/>
         </p:nvCxnSpPr>
         <p:spPr>
-          <a:xfrm>
-            <a:off x="5981969" y="2967415"/>
-            <a:ext cx="604662" cy="0"/>
-          </a:xfrm>
-          <a:prstGeom prst="bentConnector3">
+          <a:xfrm rot="5400000">
+            <a:off x="1683107" y="3604776"/>
+            <a:ext cx="1179366" cy="987826"/>
+          </a:xfrm>
+          <a:prstGeom prst="bentConnector4">
             <a:avLst>
-              <a:gd name="adj1" fmla="val 50000"/>
+              <a:gd name="adj1" fmla="val 45421"/>
+              <a:gd name="adj2" fmla="val 123142"/>
             </a:avLst>
           </a:prstGeom>
         </p:spPr>
@@ -4415,7 +4406,7 @@
         </p:nvSpPr>
         <p:spPr>
           <a:xfrm rot="5400000">
-            <a:off x="6586631" y="2863964"/>
+            <a:off x="1778877" y="4580372"/>
             <a:ext cx="216000" cy="216000"/>
           </a:xfrm>
           <a:prstGeom prst="triangle">
@@ -4454,8 +4445,8 @@
           <p:nvPr/>
         </p:nvSpPr>
         <p:spPr>
-          <a:xfrm rot="5400000">
-            <a:off x="6579261" y="4010186"/>
+          <a:xfrm rot="16200000" flipH="1">
+            <a:off x="7381110" y="4609901"/>
             <a:ext cx="216000" cy="216000"/>
           </a:xfrm>
           <a:prstGeom prst="triangle">
@@ -4499,55 +4490,13 @@
         </p:nvCxnSpPr>
         <p:spPr>
           <a:xfrm rot="5400000">
-            <a:off x="6177964" y="3864261"/>
-            <a:ext cx="954627" cy="2110495"/>
+            <a:off x="5856759" y="4772461"/>
+            <a:ext cx="367613" cy="881090"/>
           </a:xfrm>
           <a:prstGeom prst="bentConnector3">
             <a:avLst>
-              <a:gd name="adj1" fmla="val 75443"/>
+              <a:gd name="adj1" fmla="val 50000"/>
             </a:avLst>
-          </a:prstGeom>
-          <a:ln>
-            <a:solidFill>
-              <a:schemeClr val="accent2">
-                <a:lumMod val="75000"/>
-              </a:schemeClr>
-            </a:solidFill>
-            <a:prstDash val="sysDot"/>
-            <a:headEnd type="none" w="med" len="med"/>
-            <a:tailEnd type="arrow" w="med" len="med"/>
-          </a:ln>
-        </p:spPr>
-        <p:style>
-          <a:lnRef idx="2">
-            <a:schemeClr val="accent6">
-              <a:shade val="50000"/>
-            </a:schemeClr>
-          </a:lnRef>
-          <a:fillRef idx="1">
-            <a:schemeClr val="accent6"/>
-          </a:fillRef>
-          <a:effectRef idx="0">
-            <a:schemeClr val="accent6"/>
-          </a:effectRef>
-          <a:fontRef idx="minor">
-            <a:schemeClr val="lt1"/>
-          </a:fontRef>
-        </p:style>
-      </p:cxnSp>
-      <p:cxnSp>
-        <p:nvCxnSpPr>
-          <p:cNvPr id="239" name="Straight Arrow Connector 238"/>
-          <p:cNvCxnSpPr/>
-          <p:nvPr/>
-        </p:nvCxnSpPr>
-        <p:spPr>
-          <a:xfrm rot="5400000" flipV="1">
-            <a:off x="4538020" y="4805045"/>
-            <a:ext cx="324000" cy="0"/>
-          </a:xfrm>
-          <a:prstGeom prst="straightConnector1">
-            <a:avLst/>
           </a:prstGeom>
           <a:ln>
             <a:solidFill>
@@ -4748,8 +4697,8 @@
         </p:nvGrpSpPr>
         <p:grpSpPr>
           <a:xfrm>
-            <a:off x="535180" y="3499626"/>
-            <a:ext cx="5568721" cy="906770"/>
+            <a:off x="4902298" y="2494751"/>
+            <a:ext cx="3205163" cy="1179381"/>
             <a:chOff x="3190875" y="998810"/>
             <a:chExt cx="2362200" cy="1224050"/>
           </a:xfrm>
@@ -4841,7 +4790,15 @@
               </a:pPr>
               <a:r>
                 <a:rPr lang="en-US" sz="1400" b="1" dirty="0"/>
-                <a:t>::logic, ::storage, ::action, ::automated, ::search</a:t>
+                <a:t>::logic, ::storage, </a:t>
+              </a:r>
+              <a:r>
+                <a:rPr lang="en-US" sz="1400" b="1" dirty="0" smtClean="0"/>
+                <a:t>::</a:t>
+              </a:r>
+              <a:r>
+                <a:rPr lang="en-US" sz="1400" b="1" dirty="0" err="1" smtClean="0"/>
+                <a:t>webapi</a:t>
               </a:r>
               <a:endParaRPr lang="en-SG" sz="1400" b="1" dirty="0"/>
             </a:p>
@@ -4892,8 +4849,8 @@
         </p:nvSpPr>
         <p:spPr>
           <a:xfrm>
-            <a:off x="640954" y="3942241"/>
-            <a:ext cx="5336323" cy="351890"/>
+            <a:off x="5143207" y="2926378"/>
+            <a:ext cx="2713625" cy="588348"/>
           </a:xfrm>
           <a:prstGeom prst="rect">
             <a:avLst/>
@@ -4939,13 +4896,13 @@
           <p:nvPr/>
         </p:nvCxnSpPr>
         <p:spPr>
-          <a:xfrm rot="10800000">
-            <a:off x="5977278" y="4130886"/>
-            <a:ext cx="601993" cy="0"/>
+          <a:xfrm flipV="1">
+            <a:off x="7597110" y="3220552"/>
+            <a:ext cx="259722" cy="1497349"/>
           </a:xfrm>
           <a:prstGeom prst="bentConnector3">
             <a:avLst>
-              <a:gd name="adj1" fmla="val 50000"/>
+              <a:gd name="adj1" fmla="val 292538"/>
             </a:avLst>
           </a:prstGeom>
           <a:ln>
@@ -5322,8 +5279,8 @@
           <p:nvPr/>
         </p:nvSpPr>
         <p:spPr>
-          <a:xfrm>
-            <a:off x="7592188" y="3176457"/>
+          <a:xfrm rot="16200000">
+            <a:off x="3801928" y="4597200"/>
             <a:ext cx="216000" cy="216000"/>
           </a:xfrm>
           <a:prstGeom prst="triangle">
@@ -5363,8 +5320,8 @@
         </p:nvGrpSpPr>
         <p:grpSpPr>
           <a:xfrm>
-            <a:off x="3353154" y="1297875"/>
-            <a:ext cx="5244591" cy="906770"/>
+            <a:off x="5981969" y="1297875"/>
+            <a:ext cx="2615776" cy="906770"/>
             <a:chOff x="3190875" y="998810"/>
             <a:chExt cx="2362200" cy="1224050"/>
           </a:xfrm>
@@ -5511,8 +5468,8 @@
         </p:nvSpPr>
         <p:spPr>
           <a:xfrm>
-            <a:off x="3470654" y="1751260"/>
-            <a:ext cx="5014881" cy="360000"/>
+            <a:off x="6217444" y="1751260"/>
+            <a:ext cx="2268091" cy="360000"/>
           </a:xfrm>
           <a:prstGeom prst="rect">
             <a:avLst/>
@@ -5555,7 +5512,7 @@
         </p:nvSpPr>
         <p:spPr>
           <a:xfrm>
-            <a:off x="2455588" y="75375"/>
+            <a:off x="3474244" y="75375"/>
             <a:ext cx="897566" cy="360000"/>
           </a:xfrm>
           <a:prstGeom prst="rect">
@@ -5681,8 +5638,8 @@
         </p:nvCxnSpPr>
         <p:spPr>
           <a:xfrm rot="16200000" flipH="1">
-            <a:off x="2439570" y="900175"/>
-            <a:ext cx="1495885" cy="566283"/>
+            <a:off x="4322293" y="36108"/>
+            <a:ext cx="1495885" cy="2294417"/>
           </a:xfrm>
           <a:prstGeom prst="bentConnector2">
             <a:avLst/>
